--- a/doc/Logo and icons.pptx
+++ b/doc/Logo and icons.pptx
@@ -5,36 +5,41 @@
     <p:sldMasterId id="2147483648" r:id="rId1"/>
   </p:sldMasterIdLst>
   <p:notesMasterIdLst>
-    <p:notesMasterId r:id="rId10"/>
+    <p:notesMasterId r:id="rId7"/>
   </p:notesMasterIdLst>
   <p:sldIdLst>
     <p:sldId id="257" r:id="rId2"/>
-    <p:sldId id="258" r:id="rId3"/>
-    <p:sldId id="259" r:id="rId4"/>
-    <p:sldId id="260" r:id="rId5"/>
-    <p:sldId id="261" r:id="rId6"/>
-    <p:sldId id="262" r:id="rId7"/>
-    <p:sldId id="263" r:id="rId8"/>
-    <p:sldId id="264" r:id="rId9"/>
+    <p:sldId id="265" r:id="rId3"/>
+    <p:sldId id="260" r:id="rId4"/>
+    <p:sldId id="262" r:id="rId5"/>
+    <p:sldId id="264" r:id="rId6"/>
   </p:sldIdLst>
   <p:sldSz cx="9144000" cy="6858000" type="screen4x3"/>
   <p:notesSz cx="6858000" cy="9144000"/>
   <p:embeddedFontLst>
     <p:embeddedFont>
       <p:font typeface="Calibri" pitchFamily="34" charset="0"/>
-      <p:regular r:id="rId11"/>
-      <p:bold r:id="rId12"/>
-      <p:italic r:id="rId13"/>
-      <p:boldItalic r:id="rId14"/>
+      <p:regular r:id="rId8"/>
+      <p:bold r:id="rId9"/>
+      <p:italic r:id="rId10"/>
+      <p:boldItalic r:id="rId11"/>
     </p:embeddedFont>
     <p:embeddedFont>
       <p:font typeface="Franklin Gothic Demi" pitchFamily="34" charset="0"/>
-      <p:regular r:id="rId15"/>
-      <p:italic r:id="rId16"/>
+      <p:regular r:id="rId12"/>
+      <p:italic r:id="rId13"/>
+    </p:embeddedFont>
+    <p:embeddedFont>
+      <p:font typeface="Arial Black" pitchFamily="34" charset="0"/>
+      <p:bold r:id="rId14"/>
     </p:embeddedFont>
     <p:embeddedFont>
       <p:font typeface="Gill Sans Ultra Bold" pitchFamily="34" charset="0"/>
-      <p:regular r:id="rId17"/>
+      <p:regular r:id="rId15"/>
+    </p:embeddedFont>
+    <p:embeddedFont>
+      <p:font typeface="Rockwell Extra Bold" pitchFamily="18" charset="0"/>
+      <p:bold r:id="rId16"/>
     </p:embeddedFont>
   </p:embeddedFontLst>
   <p:defaultTextStyle>
@@ -217,7 +222,7 @@
           <a:p>
             <a:fld id="{6699ACB9-486C-4D62-A3A7-AF98E13EFDA3}" type="datetimeFigureOut">
               <a:rPr lang="en-US" smtClean="0"/>
-              <a:t>11/25/2013</a:t>
+              <a:t>11/28/2013</a:t>
             </a:fld>
             <a:endParaRPr lang="en-US"/>
           </a:p>
@@ -737,90 +742,6 @@
 </p:notes>
 </file>
 
-<file path=ppt/notesSlides/notesSlide4.xml><?xml version="1.0" encoding="utf-8"?>
-<p:notes xmlns:a="http://schemas.openxmlformats.org/drawingml/2006/main" xmlns:r="http://schemas.openxmlformats.org/officeDocument/2006/relationships" xmlns:p="http://schemas.openxmlformats.org/presentationml/2006/main">
-  <p:cSld>
-    <p:spTree>
-      <p:nvGrpSpPr>
-        <p:cNvPr id="1" name=""/>
-        <p:cNvGrpSpPr/>
-        <p:nvPr/>
-      </p:nvGrpSpPr>
-      <p:grpSpPr>
-        <a:xfrm>
-          <a:off x="0" y="0"/>
-          <a:ext cx="0" cy="0"/>
-          <a:chOff x="0" y="0"/>
-          <a:chExt cx="0" cy="0"/>
-        </a:xfrm>
-      </p:grpSpPr>
-      <p:sp>
-        <p:nvSpPr>
-          <p:cNvPr id="2" name="Slide Image Placeholder 1"/>
-          <p:cNvSpPr>
-            <a:spLocks noGrp="1" noRot="1" noChangeAspect="1"/>
-          </p:cNvSpPr>
-          <p:nvPr>
-            <p:ph type="sldImg"/>
-          </p:nvPr>
-        </p:nvSpPr>
-        <p:spPr/>
-      </p:sp>
-      <p:sp>
-        <p:nvSpPr>
-          <p:cNvPr id="3" name="Notes Placeholder 2"/>
-          <p:cNvSpPr>
-            <a:spLocks noGrp="1"/>
-          </p:cNvSpPr>
-          <p:nvPr>
-            <p:ph type="body" idx="1"/>
-          </p:nvPr>
-        </p:nvSpPr>
-        <p:spPr/>
-        <p:txBody>
-          <a:bodyPr/>
-          <a:lstStyle/>
-          <a:p>
-            <a:endParaRPr lang="en-US" dirty="0"/>
-          </a:p>
-        </p:txBody>
-      </p:sp>
-      <p:sp>
-        <p:nvSpPr>
-          <p:cNvPr id="4" name="Slide Number Placeholder 3"/>
-          <p:cNvSpPr>
-            <a:spLocks noGrp="1"/>
-          </p:cNvSpPr>
-          <p:nvPr>
-            <p:ph type="sldNum" sz="quarter" idx="10"/>
-          </p:nvPr>
-        </p:nvSpPr>
-        <p:spPr/>
-        <p:txBody>
-          <a:bodyPr/>
-          <a:lstStyle/>
-          <a:p>
-            <a:fld id="{8EC77E60-82A0-4F8A-A861-433B3189FA8C}" type="slidenum">
-              <a:rPr lang="en-US" smtClean="0"/>
-              <a:t>6</a:t>
-            </a:fld>
-            <a:endParaRPr lang="en-US"/>
-          </a:p>
-        </p:txBody>
-      </p:sp>
-    </p:spTree>
-    <p:extLst>
-      <p:ext uri="{BB962C8B-B14F-4D97-AF65-F5344CB8AC3E}">
-        <p14:creationId xmlns:p14="http://schemas.microsoft.com/office/powerpoint/2010/main" val="95395478"/>
-      </p:ext>
-    </p:extLst>
-  </p:cSld>
-  <p:clrMapOvr>
-    <a:masterClrMapping/>
-  </p:clrMapOvr>
-</p:notes>
-</file>
-
 <file path=ppt/slideLayouts/slideLayout1.xml><?xml version="1.0" encoding="utf-8"?>
 <p:sldLayout xmlns:a="http://schemas.openxmlformats.org/drawingml/2006/main" xmlns:r="http://schemas.openxmlformats.org/officeDocument/2006/relationships" xmlns:p="http://schemas.openxmlformats.org/presentationml/2006/main" type="title" preserve="1">
   <p:cSld name="Title Slide">
@@ -1003,7 +924,7 @@
             <a:fld id="{1D8BD707-D9CF-40AE-B4C6-C98DA3205C09}" type="datetimeFigureOut">
               <a:rPr lang="en-US" smtClean="0"/>
               <a:pPr/>
-              <a:t>11/25/2013</a:t>
+              <a:t>11/28/2013</a:t>
             </a:fld>
             <a:endParaRPr lang="en-US"/>
           </a:p>
@@ -1170,7 +1091,7 @@
             <a:fld id="{1D8BD707-D9CF-40AE-B4C6-C98DA3205C09}" type="datetimeFigureOut">
               <a:rPr lang="en-US" smtClean="0"/>
               <a:pPr/>
-              <a:t>11/25/2013</a:t>
+              <a:t>11/28/2013</a:t>
             </a:fld>
             <a:endParaRPr lang="en-US"/>
           </a:p>
@@ -1347,7 +1268,7 @@
             <a:fld id="{1D8BD707-D9CF-40AE-B4C6-C98DA3205C09}" type="datetimeFigureOut">
               <a:rPr lang="en-US" smtClean="0"/>
               <a:pPr/>
-              <a:t>11/25/2013</a:t>
+              <a:t>11/28/2013</a:t>
             </a:fld>
             <a:endParaRPr lang="en-US"/>
           </a:p>
@@ -1514,7 +1435,7 @@
             <a:fld id="{1D8BD707-D9CF-40AE-B4C6-C98DA3205C09}" type="datetimeFigureOut">
               <a:rPr lang="en-US" smtClean="0"/>
               <a:pPr/>
-              <a:t>11/25/2013</a:t>
+              <a:t>11/28/2013</a:t>
             </a:fld>
             <a:endParaRPr lang="en-US"/>
           </a:p>
@@ -1757,7 +1678,7 @@
             <a:fld id="{1D8BD707-D9CF-40AE-B4C6-C98DA3205C09}" type="datetimeFigureOut">
               <a:rPr lang="en-US" smtClean="0"/>
               <a:pPr/>
-              <a:t>11/25/2013</a:t>
+              <a:t>11/28/2013</a:t>
             </a:fld>
             <a:endParaRPr lang="en-US"/>
           </a:p>
@@ -2042,7 +1963,7 @@
             <a:fld id="{1D8BD707-D9CF-40AE-B4C6-C98DA3205C09}" type="datetimeFigureOut">
               <a:rPr lang="en-US" smtClean="0"/>
               <a:pPr/>
-              <a:t>11/25/2013</a:t>
+              <a:t>11/28/2013</a:t>
             </a:fld>
             <a:endParaRPr lang="en-US"/>
           </a:p>
@@ -2461,7 +2382,7 @@
             <a:fld id="{1D8BD707-D9CF-40AE-B4C6-C98DA3205C09}" type="datetimeFigureOut">
               <a:rPr lang="en-US" smtClean="0"/>
               <a:pPr/>
-              <a:t>11/25/2013</a:t>
+              <a:t>11/28/2013</a:t>
             </a:fld>
             <a:endParaRPr lang="en-US"/>
           </a:p>
@@ -2576,7 +2497,7 @@
             <a:fld id="{1D8BD707-D9CF-40AE-B4C6-C98DA3205C09}" type="datetimeFigureOut">
               <a:rPr lang="en-US" smtClean="0"/>
               <a:pPr/>
-              <a:t>11/25/2013</a:t>
+              <a:t>11/28/2013</a:t>
             </a:fld>
             <a:endParaRPr lang="en-US"/>
           </a:p>
@@ -2668,7 +2589,7 @@
             <a:fld id="{1D8BD707-D9CF-40AE-B4C6-C98DA3205C09}" type="datetimeFigureOut">
               <a:rPr lang="en-US" smtClean="0"/>
               <a:pPr/>
-              <a:t>11/25/2013</a:t>
+              <a:t>11/28/2013</a:t>
             </a:fld>
             <a:endParaRPr lang="en-US"/>
           </a:p>
@@ -2942,7 +2863,7 @@
             <a:fld id="{1D8BD707-D9CF-40AE-B4C6-C98DA3205C09}" type="datetimeFigureOut">
               <a:rPr lang="en-US" smtClean="0"/>
               <a:pPr/>
-              <a:t>11/25/2013</a:t>
+              <a:t>11/28/2013</a:t>
             </a:fld>
             <a:endParaRPr lang="en-US"/>
           </a:p>
@@ -3192,7 +3113,7 @@
             <a:fld id="{1D8BD707-D9CF-40AE-B4C6-C98DA3205C09}" type="datetimeFigureOut">
               <a:rPr lang="en-US" smtClean="0"/>
               <a:pPr/>
-              <a:t>11/25/2013</a:t>
+              <a:t>11/28/2013</a:t>
             </a:fld>
             <a:endParaRPr lang="en-US"/>
           </a:p>
@@ -3402,7 +3323,7 @@
             <a:fld id="{1D8BD707-D9CF-40AE-B4C6-C98DA3205C09}" type="datetimeFigureOut">
               <a:rPr lang="en-US" smtClean="0"/>
               <a:pPr/>
-              <a:t>11/25/2013</a:t>
+              <a:t>11/28/2013</a:t>
             </a:fld>
             <a:endParaRPr lang="en-US"/>
           </a:p>
@@ -3863,451 +3784,183 @@
           </a:extLst>
         </p:spPr>
       </p:pic>
-      <p:sp>
-        <p:nvSpPr>
-          <p:cNvPr id="23" name="TextBox 22"/>
-          <p:cNvSpPr txBox="1"/>
-          <p:nvPr/>
-        </p:nvSpPr>
-        <p:spPr>
-          <a:xfrm>
-            <a:off x="2795807" y="3380505"/>
-            <a:ext cx="6248400" cy="1569660"/>
-          </a:xfrm>
-          <a:prstGeom prst="rect">
-            <a:avLst/>
-          </a:prstGeom>
-          <a:noFill/>
-        </p:spPr>
-        <p:txBody>
-          <a:bodyPr wrap="square" rtlCol="0">
-            <a:spAutoFit/>
-          </a:bodyPr>
-          <a:lstStyle/>
-          <a:p>
-            <a:r>
-              <a:rPr lang="en-US" sz="9600" spc="-500" dirty="0" smtClean="0">
-                <a:solidFill>
-                  <a:srgbClr val="FF6600"/>
-                </a:solidFill>
-                <a:latin typeface="Franklin Gothic Demi" pitchFamily="34" charset="0"/>
-              </a:rPr>
-              <a:t>PowerPoint</a:t>
-            </a:r>
-          </a:p>
-        </p:txBody>
-      </p:sp>
-      <p:sp>
-        <p:nvSpPr>
-          <p:cNvPr id="28" name="Rectangle 27"/>
-          <p:cNvSpPr/>
-          <p:nvPr/>
-        </p:nvSpPr>
-        <p:spPr>
-          <a:xfrm>
-            <a:off x="2754241" y="4796505"/>
-            <a:ext cx="5703959" cy="1862048"/>
-          </a:xfrm>
-          <a:prstGeom prst="rect">
-            <a:avLst/>
-          </a:prstGeom>
-        </p:spPr>
-        <p:txBody>
-          <a:bodyPr wrap="square">
-            <a:spAutoFit/>
-          </a:bodyPr>
-          <a:lstStyle/>
-          <a:p>
-            <a:pPr lvl="0"/>
-            <a:r>
-              <a:rPr lang="en-US" sz="11500" b="1" spc="1000" dirty="0" smtClean="0">
-                <a:solidFill>
-                  <a:srgbClr val="0070C0"/>
-                </a:solidFill>
-                <a:latin typeface="Gill Sans Ultra Bold" pitchFamily="34" charset="0"/>
-              </a:rPr>
-              <a:t>Labs</a:t>
-            </a:r>
-            <a:endParaRPr lang="en-US" sz="11500" b="1" spc="1000" dirty="0">
-              <a:solidFill>
-                <a:srgbClr val="0070C0"/>
-              </a:solidFill>
-              <a:latin typeface="Gill Sans Ultra Bold" pitchFamily="34" charset="0"/>
-            </a:endParaRPr>
-          </a:p>
-        </p:txBody>
-      </p:sp>
-      <p:cxnSp>
-        <p:nvCxnSpPr>
-          <p:cNvPr id="2049" name="Straight Connector 2048"/>
-          <p:cNvCxnSpPr/>
-          <p:nvPr/>
-        </p:nvCxnSpPr>
-        <p:spPr>
-          <a:xfrm>
-            <a:off x="7467600" y="5032557"/>
-            <a:ext cx="346364" cy="406227"/>
-          </a:xfrm>
-          <a:prstGeom prst="line">
-            <a:avLst/>
-          </a:prstGeom>
-          <a:ln w="76200">
-            <a:solidFill>
-              <a:srgbClr val="0070C0"/>
-            </a:solidFill>
-            <a:headEnd type="oval"/>
-            <a:tailEnd type="oval"/>
-          </a:ln>
-        </p:spPr>
-        <p:style>
-          <a:lnRef idx="1">
-            <a:schemeClr val="accent1"/>
-          </a:lnRef>
-          <a:fillRef idx="0">
-            <a:schemeClr val="accent1"/>
-          </a:fillRef>
-          <a:effectRef idx="0">
-            <a:schemeClr val="accent1"/>
-          </a:effectRef>
-          <a:fontRef idx="minor">
-            <a:schemeClr val="tx1"/>
-          </a:fontRef>
-        </p:style>
-      </p:cxnSp>
-      <p:cxnSp>
-        <p:nvCxnSpPr>
-          <p:cNvPr id="39" name="Straight Connector 38"/>
-          <p:cNvCxnSpPr/>
-          <p:nvPr/>
-        </p:nvCxnSpPr>
-        <p:spPr>
-          <a:xfrm flipV="1">
-            <a:off x="7813964" y="5235670"/>
-            <a:ext cx="415636" cy="203116"/>
-          </a:xfrm>
-          <a:prstGeom prst="line">
-            <a:avLst/>
-          </a:prstGeom>
-          <a:ln w="76200">
-            <a:solidFill>
-              <a:srgbClr val="0070C0"/>
-            </a:solidFill>
-            <a:headEnd type="oval"/>
-            <a:tailEnd type="oval"/>
-          </a:ln>
-        </p:spPr>
-        <p:style>
-          <a:lnRef idx="1">
-            <a:schemeClr val="accent1"/>
-          </a:lnRef>
-          <a:fillRef idx="0">
-            <a:schemeClr val="accent1"/>
-          </a:fillRef>
-          <a:effectRef idx="0">
-            <a:schemeClr val="accent1"/>
-          </a:effectRef>
-          <a:fontRef idx="minor">
-            <a:schemeClr val="tx1"/>
-          </a:fontRef>
-        </p:style>
-      </p:cxnSp>
-      <p:cxnSp>
-        <p:nvCxnSpPr>
-          <p:cNvPr id="43" name="Straight Connector 42"/>
-          <p:cNvCxnSpPr/>
-          <p:nvPr/>
-        </p:nvCxnSpPr>
-        <p:spPr>
-          <a:xfrm>
-            <a:off x="7813964" y="5438785"/>
-            <a:ext cx="0" cy="504815"/>
-          </a:xfrm>
-          <a:prstGeom prst="line">
-            <a:avLst/>
-          </a:prstGeom>
-          <a:ln w="76200">
-            <a:solidFill>
-              <a:srgbClr val="0070C0"/>
-            </a:solidFill>
-            <a:headEnd type="oval"/>
-            <a:tailEnd type="oval"/>
-          </a:ln>
-        </p:spPr>
-        <p:style>
-          <a:lnRef idx="1">
-            <a:schemeClr val="accent1"/>
-          </a:lnRef>
-          <a:fillRef idx="0">
-            <a:schemeClr val="accent1"/>
-          </a:fillRef>
-          <a:effectRef idx="0">
-            <a:schemeClr val="accent1"/>
-          </a:effectRef>
-          <a:fontRef idx="minor">
-            <a:schemeClr val="tx1"/>
-          </a:fontRef>
-        </p:style>
-      </p:cxnSp>
-      <p:cxnSp>
-        <p:nvCxnSpPr>
-          <p:cNvPr id="46" name="Straight Connector 45"/>
-          <p:cNvCxnSpPr/>
-          <p:nvPr/>
-        </p:nvCxnSpPr>
-        <p:spPr>
-          <a:xfrm>
-            <a:off x="7813964" y="5943600"/>
-            <a:ext cx="415636" cy="216277"/>
-          </a:xfrm>
-          <a:prstGeom prst="line">
-            <a:avLst/>
-          </a:prstGeom>
-          <a:ln w="76200">
-            <a:solidFill>
-              <a:srgbClr val="0070C0"/>
-            </a:solidFill>
-            <a:headEnd type="oval"/>
-            <a:tailEnd type="oval"/>
-          </a:ln>
-        </p:spPr>
-        <p:style>
-          <a:lnRef idx="1">
-            <a:schemeClr val="accent1"/>
-          </a:lnRef>
-          <a:fillRef idx="0">
-            <a:schemeClr val="accent1"/>
-          </a:fillRef>
-          <a:effectRef idx="0">
-            <a:schemeClr val="accent1"/>
-          </a:effectRef>
-          <a:fontRef idx="minor">
-            <a:schemeClr val="tx1"/>
-          </a:fontRef>
-        </p:style>
-      </p:cxnSp>
       <p:grpSp>
         <p:nvGrpSpPr>
-          <p:cNvPr id="2075" name="Group 2074"/>
+          <p:cNvPr id="25" name="Group 24"/>
           <p:cNvGrpSpPr/>
           <p:nvPr/>
         </p:nvGrpSpPr>
         <p:grpSpPr>
           <a:xfrm>
-            <a:off x="304801" y="3867146"/>
-            <a:ext cx="2269111" cy="2292731"/>
-            <a:chOff x="304801" y="3867146"/>
-            <a:chExt cx="2269111" cy="2292731"/>
+            <a:off x="372178" y="3601880"/>
+            <a:ext cx="8652779" cy="2931548"/>
+            <a:chOff x="372178" y="3601880"/>
+            <a:chExt cx="8652779" cy="2931548"/>
           </a:xfrm>
         </p:grpSpPr>
-        <p:sp>
-          <p:nvSpPr>
-            <p:cNvPr id="26" name="Rectangle 4"/>
-            <p:cNvSpPr/>
-            <p:nvPr/>
-          </p:nvSpPr>
-          <p:spPr>
-            <a:xfrm rot="16200000">
-              <a:off x="292991" y="3878956"/>
-              <a:ext cx="2292731" cy="2269111"/>
-            </a:xfrm>
-            <a:custGeom>
-              <a:avLst/>
-              <a:gdLst/>
-              <a:ahLst/>
-              <a:cxnLst/>
-              <a:rect l="l" t="t" r="r" b="b"/>
-              <a:pathLst>
-                <a:path w="1752603" h="1752600">
-                  <a:moveTo>
-                    <a:pt x="533400" y="0"/>
-                  </a:moveTo>
-                  <a:lnTo>
-                    <a:pt x="533403" y="0"/>
-                  </a:lnTo>
-                  <a:lnTo>
-                    <a:pt x="1066800" y="0"/>
-                  </a:lnTo>
-                  <a:lnTo>
-                    <a:pt x="1752603" y="0"/>
-                  </a:lnTo>
-                  <a:lnTo>
-                    <a:pt x="1752603" y="1752600"/>
-                  </a:lnTo>
-                  <a:lnTo>
-                    <a:pt x="1219203" y="1752600"/>
-                  </a:lnTo>
-                  <a:lnTo>
-                    <a:pt x="533403" y="1752600"/>
-                  </a:lnTo>
-                  <a:lnTo>
-                    <a:pt x="3" y="1752600"/>
-                  </a:lnTo>
-                  <a:lnTo>
-                    <a:pt x="3" y="533430"/>
-                  </a:lnTo>
-                  <a:cubicBezTo>
-                    <a:pt x="0" y="533420"/>
-                    <a:pt x="0" y="533410"/>
-                    <a:pt x="0" y="533400"/>
-                  </a:cubicBezTo>
-                  <a:cubicBezTo>
-                    <a:pt x="0" y="238811"/>
-                    <a:pt x="238811" y="0"/>
-                    <a:pt x="533400" y="0"/>
-                  </a:cubicBezTo>
-                  <a:close/>
-                </a:path>
-              </a:pathLst>
-            </a:custGeom>
-            <a:noFill/>
-            <a:ln w="203200" cmpd="sng">
-              <a:solidFill>
-                <a:srgbClr val="0070C0"/>
-              </a:solidFill>
-              <a:miter lim="800000"/>
-            </a:ln>
-          </p:spPr>
-          <p:style>
-            <a:lnRef idx="2">
-              <a:schemeClr val="accent1">
-                <a:shade val="50000"/>
-              </a:schemeClr>
-            </a:lnRef>
-            <a:fillRef idx="1">
-              <a:schemeClr val="accent1"/>
-            </a:fillRef>
-            <a:effectRef idx="0">
-              <a:schemeClr val="accent1"/>
-            </a:effectRef>
-            <a:fontRef idx="minor">
-              <a:schemeClr val="lt1"/>
-            </a:fontRef>
-          </p:style>
-          <p:txBody>
-            <a:bodyPr rtlCol="0" anchor="ctr"/>
-            <a:lstStyle/>
-            <a:p>
-              <a:pPr algn="ctr"/>
-              <a:endParaRPr lang="en-US"/>
-            </a:p>
-          </p:txBody>
-        </p:sp>
-        <p:sp>
-          <p:nvSpPr>
-            <p:cNvPr id="5" name="Rectangle 4"/>
-            <p:cNvSpPr/>
-            <p:nvPr/>
-          </p:nvSpPr>
-          <p:spPr>
-            <a:xfrm>
-              <a:off x="705931" y="4322948"/>
-              <a:ext cx="1524000" cy="1295400"/>
-            </a:xfrm>
-            <a:prstGeom prst="rect">
-              <a:avLst/>
-            </a:prstGeom>
-            <a:solidFill>
-              <a:srgbClr val="FF6600"/>
-            </a:solidFill>
-            <a:ln>
-              <a:noFill/>
-            </a:ln>
-          </p:spPr>
-          <p:style>
-            <a:lnRef idx="2">
-              <a:schemeClr val="accent1">
-                <a:shade val="50000"/>
-              </a:schemeClr>
-            </a:lnRef>
-            <a:fillRef idx="1">
-              <a:schemeClr val="accent1"/>
-            </a:fillRef>
-            <a:effectRef idx="0">
-              <a:schemeClr val="accent1"/>
-            </a:effectRef>
-            <a:fontRef idx="minor">
-              <a:schemeClr val="lt1"/>
-            </a:fontRef>
-          </p:style>
-          <p:txBody>
-            <a:bodyPr rtlCol="0" anchor="ctr"/>
-            <a:lstStyle/>
-            <a:p>
-              <a:pPr algn="ctr"/>
-              <a:endParaRPr lang="en-US"/>
-            </a:p>
-          </p:txBody>
-        </p:sp>
-        <p:sp>
-          <p:nvSpPr>
-            <p:cNvPr id="7" name="Rectangle 6"/>
-            <p:cNvSpPr/>
-            <p:nvPr/>
-          </p:nvSpPr>
-          <p:spPr>
-            <a:xfrm>
-              <a:off x="1315531" y="4492667"/>
-              <a:ext cx="762000" cy="152400"/>
-            </a:xfrm>
-            <a:prstGeom prst="rect">
-              <a:avLst/>
-            </a:prstGeom>
-            <a:solidFill>
-              <a:schemeClr val="bg1"/>
-            </a:solidFill>
-            <a:ln>
-              <a:noFill/>
-            </a:ln>
-          </p:spPr>
-          <p:style>
-            <a:lnRef idx="2">
-              <a:schemeClr val="accent1">
-                <a:shade val="50000"/>
-              </a:schemeClr>
-            </a:lnRef>
-            <a:fillRef idx="1">
-              <a:schemeClr val="accent1"/>
-            </a:fillRef>
-            <a:effectRef idx="0">
-              <a:schemeClr val="accent1"/>
-            </a:effectRef>
-            <a:fontRef idx="minor">
-              <a:schemeClr val="lt1"/>
-            </a:fontRef>
-          </p:style>
-          <p:txBody>
-            <a:bodyPr rtlCol="0" anchor="ctr"/>
-            <a:lstStyle/>
-            <a:p>
-              <a:pPr algn="ctr"/>
-              <a:endParaRPr lang="en-US"/>
-            </a:p>
-          </p:txBody>
-        </p:sp>
         <p:grpSp>
           <p:nvGrpSpPr>
-            <p:cNvPr id="19" name="Group 18"/>
+            <p:cNvPr id="24" name="Group 23"/>
             <p:cNvGrpSpPr/>
             <p:nvPr/>
           </p:nvGrpSpPr>
           <p:grpSpPr>
             <a:xfrm>
-              <a:off x="1315531" y="4746807"/>
-              <a:ext cx="762000" cy="394855"/>
-              <a:chOff x="4648200" y="3124200"/>
-              <a:chExt cx="609600" cy="315884"/>
+              <a:off x="372178" y="4107584"/>
+              <a:ext cx="2133600" cy="1886402"/>
+              <a:chOff x="372178" y="4107584"/>
+              <a:chExt cx="2133600" cy="1886402"/>
             </a:xfrm>
           </p:grpSpPr>
           <p:sp>
             <p:nvSpPr>
-              <p:cNvPr id="8" name="Rectangle 7"/>
+              <p:cNvPr id="26" name="Rectangle 4"/>
+              <p:cNvSpPr/>
+              <p:nvPr/>
+            </p:nvSpPr>
+            <p:spPr>
+              <a:xfrm rot="16200000">
+                <a:off x="495777" y="3983985"/>
+                <a:ext cx="1886402" cy="2133600"/>
+              </a:xfrm>
+              <a:custGeom>
+                <a:avLst/>
+                <a:gdLst/>
+                <a:ahLst/>
+                <a:cxnLst/>
+                <a:rect l="l" t="t" r="r" b="b"/>
+                <a:pathLst>
+                  <a:path w="1752603" h="1752600">
+                    <a:moveTo>
+                      <a:pt x="533400" y="0"/>
+                    </a:moveTo>
+                    <a:lnTo>
+                      <a:pt x="533403" y="0"/>
+                    </a:lnTo>
+                    <a:lnTo>
+                      <a:pt x="1066800" y="0"/>
+                    </a:lnTo>
+                    <a:lnTo>
+                      <a:pt x="1752603" y="0"/>
+                    </a:lnTo>
+                    <a:lnTo>
+                      <a:pt x="1752603" y="1752600"/>
+                    </a:lnTo>
+                    <a:lnTo>
+                      <a:pt x="1219203" y="1752600"/>
+                    </a:lnTo>
+                    <a:lnTo>
+                      <a:pt x="533403" y="1752600"/>
+                    </a:lnTo>
+                    <a:lnTo>
+                      <a:pt x="3" y="1752600"/>
+                    </a:lnTo>
+                    <a:lnTo>
+                      <a:pt x="3" y="533430"/>
+                    </a:lnTo>
+                    <a:cubicBezTo>
+                      <a:pt x="0" y="533420"/>
+                      <a:pt x="0" y="533410"/>
+                      <a:pt x="0" y="533400"/>
+                    </a:cubicBezTo>
+                    <a:cubicBezTo>
+                      <a:pt x="0" y="238811"/>
+                      <a:pt x="238811" y="0"/>
+                      <a:pt x="533400" y="0"/>
+                    </a:cubicBezTo>
+                    <a:close/>
+                  </a:path>
+                </a:pathLst>
+              </a:custGeom>
+              <a:noFill/>
+              <a:ln w="203200" cmpd="sng">
+                <a:solidFill>
+                  <a:srgbClr val="0070C0"/>
+                </a:solidFill>
+                <a:miter lim="800000"/>
+              </a:ln>
+            </p:spPr>
+            <p:style>
+              <a:lnRef idx="2">
+                <a:schemeClr val="accent1">
+                  <a:shade val="50000"/>
+                </a:schemeClr>
+              </a:lnRef>
+              <a:fillRef idx="1">
+                <a:schemeClr val="accent1"/>
+              </a:fillRef>
+              <a:effectRef idx="0">
+                <a:schemeClr val="accent1"/>
+              </a:effectRef>
+              <a:fontRef idx="minor">
+                <a:schemeClr val="lt1"/>
+              </a:fontRef>
+            </p:style>
+            <p:txBody>
+              <a:bodyPr rtlCol="0" anchor="ctr"/>
+              <a:lstStyle/>
+              <a:p>
+                <a:pPr algn="ctr"/>
+                <a:endParaRPr lang="en-US"/>
+              </a:p>
+            </p:txBody>
+          </p:sp>
+          <p:sp>
+            <p:nvSpPr>
+              <p:cNvPr id="5" name="Rectangle 4"/>
               <p:cNvSpPr/>
               <p:nvPr/>
             </p:nvSpPr>
             <p:spPr>
               <a:xfrm>
-                <a:off x="4800600" y="3124200"/>
-                <a:ext cx="457200" cy="76200"/>
+                <a:off x="705931" y="4380296"/>
+                <a:ext cx="1524000" cy="1238051"/>
+              </a:xfrm>
+              <a:prstGeom prst="rect">
+                <a:avLst/>
+              </a:prstGeom>
+              <a:solidFill>
+                <a:srgbClr val="FF6600"/>
+              </a:solidFill>
+              <a:ln>
+                <a:noFill/>
+              </a:ln>
+            </p:spPr>
+            <p:style>
+              <a:lnRef idx="2">
+                <a:schemeClr val="accent1">
+                  <a:shade val="50000"/>
+                </a:schemeClr>
+              </a:lnRef>
+              <a:fillRef idx="1">
+                <a:schemeClr val="accent1"/>
+              </a:fillRef>
+              <a:effectRef idx="0">
+                <a:schemeClr val="accent1"/>
+              </a:effectRef>
+              <a:fontRef idx="minor">
+                <a:schemeClr val="lt1"/>
+              </a:fontRef>
+            </p:style>
+            <p:txBody>
+              <a:bodyPr rtlCol="0" anchor="ctr"/>
+              <a:lstStyle/>
+              <a:p>
+                <a:pPr algn="ctr"/>
+                <a:endParaRPr lang="en-US"/>
+              </a:p>
+            </p:txBody>
+          </p:sp>
+          <p:sp>
+            <p:nvSpPr>
+              <p:cNvPr id="7" name="Rectangle 6"/>
+              <p:cNvSpPr/>
+              <p:nvPr/>
+            </p:nvSpPr>
+            <p:spPr>
+              <a:xfrm>
+                <a:off x="1315531" y="4511917"/>
+                <a:ext cx="762000" cy="152400"/>
               </a:xfrm>
               <a:prstGeom prst="rect">
                 <a:avLst/>
@@ -4344,24 +3997,438 @@
               </a:p>
             </p:txBody>
           </p:sp>
+          <p:grpSp>
+            <p:nvGrpSpPr>
+              <p:cNvPr id="19" name="Group 18"/>
+              <p:cNvGrpSpPr/>
+              <p:nvPr/>
+            </p:nvGrpSpPr>
+            <p:grpSpPr>
+              <a:xfrm>
+                <a:off x="1315531" y="4746807"/>
+                <a:ext cx="762000" cy="394855"/>
+                <a:chOff x="4648200" y="3124200"/>
+                <a:chExt cx="609600" cy="315884"/>
+              </a:xfrm>
+            </p:grpSpPr>
+            <p:sp>
+              <p:nvSpPr>
+                <p:cNvPr id="8" name="Rectangle 7"/>
+                <p:cNvSpPr/>
+                <p:nvPr/>
+              </p:nvSpPr>
+              <p:spPr>
+                <a:xfrm>
+                  <a:off x="4800600" y="3124200"/>
+                  <a:ext cx="457200" cy="76200"/>
+                </a:xfrm>
+                <a:prstGeom prst="rect">
+                  <a:avLst/>
+                </a:prstGeom>
+                <a:solidFill>
+                  <a:schemeClr val="bg1"/>
+                </a:solidFill>
+                <a:ln>
+                  <a:noFill/>
+                </a:ln>
+              </p:spPr>
+              <p:style>
+                <a:lnRef idx="2">
+                  <a:schemeClr val="accent1">
+                    <a:shade val="50000"/>
+                  </a:schemeClr>
+                </a:lnRef>
+                <a:fillRef idx="1">
+                  <a:schemeClr val="accent1"/>
+                </a:fillRef>
+                <a:effectRef idx="0">
+                  <a:schemeClr val="accent1"/>
+                </a:effectRef>
+                <a:fontRef idx="minor">
+                  <a:schemeClr val="lt1"/>
+                </a:fontRef>
+              </p:style>
+              <p:txBody>
+                <a:bodyPr rtlCol="0" anchor="ctr"/>
+                <a:lstStyle/>
+                <a:p>
+                  <a:pPr algn="ctr"/>
+                  <a:endParaRPr lang="en-US"/>
+                </a:p>
+              </p:txBody>
+            </p:sp>
+            <p:sp>
+              <p:nvSpPr>
+                <p:cNvPr id="10" name="Rectangle 9"/>
+                <p:cNvSpPr/>
+                <p:nvPr/>
+              </p:nvSpPr>
+              <p:spPr>
+                <a:xfrm>
+                  <a:off x="4648200" y="3124200"/>
+                  <a:ext cx="76200" cy="76200"/>
+                </a:xfrm>
+                <a:prstGeom prst="rect">
+                  <a:avLst/>
+                </a:prstGeom>
+                <a:solidFill>
+                  <a:schemeClr val="bg1"/>
+                </a:solidFill>
+                <a:ln>
+                  <a:noFill/>
+                </a:ln>
+              </p:spPr>
+              <p:style>
+                <a:lnRef idx="2">
+                  <a:schemeClr val="accent1">
+                    <a:shade val="50000"/>
+                  </a:schemeClr>
+                </a:lnRef>
+                <a:fillRef idx="1">
+                  <a:schemeClr val="accent1"/>
+                </a:fillRef>
+                <a:effectRef idx="0">
+                  <a:schemeClr val="accent1"/>
+                </a:effectRef>
+                <a:fontRef idx="minor">
+                  <a:schemeClr val="lt1"/>
+                </a:fontRef>
+              </p:style>
+              <p:txBody>
+                <a:bodyPr rtlCol="0" anchor="ctr"/>
+                <a:lstStyle/>
+                <a:p>
+                  <a:pPr algn="ctr"/>
+                  <a:endParaRPr lang="en-US"/>
+                </a:p>
+              </p:txBody>
+            </p:sp>
+            <p:sp>
+              <p:nvSpPr>
+                <p:cNvPr id="11" name="Rectangle 10"/>
+                <p:cNvSpPr/>
+                <p:nvPr/>
+              </p:nvSpPr>
+              <p:spPr>
+                <a:xfrm>
+                  <a:off x="4800600" y="3238500"/>
+                  <a:ext cx="457200" cy="76200"/>
+                </a:xfrm>
+                <a:prstGeom prst="rect">
+                  <a:avLst/>
+                </a:prstGeom>
+                <a:solidFill>
+                  <a:schemeClr val="bg1"/>
+                </a:solidFill>
+                <a:ln>
+                  <a:noFill/>
+                </a:ln>
+              </p:spPr>
+              <p:style>
+                <a:lnRef idx="2">
+                  <a:schemeClr val="accent1">
+                    <a:shade val="50000"/>
+                  </a:schemeClr>
+                </a:lnRef>
+                <a:fillRef idx="1">
+                  <a:schemeClr val="accent1"/>
+                </a:fillRef>
+                <a:effectRef idx="0">
+                  <a:schemeClr val="accent1"/>
+                </a:effectRef>
+                <a:fontRef idx="minor">
+                  <a:schemeClr val="lt1"/>
+                </a:fontRef>
+              </p:style>
+              <p:txBody>
+                <a:bodyPr rtlCol="0" anchor="ctr"/>
+                <a:lstStyle/>
+                <a:p>
+                  <a:pPr algn="ctr"/>
+                  <a:endParaRPr lang="en-US"/>
+                </a:p>
+              </p:txBody>
+            </p:sp>
+            <p:sp>
+              <p:nvSpPr>
+                <p:cNvPr id="12" name="Rectangle 11"/>
+                <p:cNvSpPr/>
+                <p:nvPr/>
+              </p:nvSpPr>
+              <p:spPr>
+                <a:xfrm>
+                  <a:off x="4648200" y="3238500"/>
+                  <a:ext cx="76200" cy="76200"/>
+                </a:xfrm>
+                <a:prstGeom prst="rect">
+                  <a:avLst/>
+                </a:prstGeom>
+                <a:solidFill>
+                  <a:schemeClr val="bg1"/>
+                </a:solidFill>
+                <a:ln>
+                  <a:noFill/>
+                </a:ln>
+              </p:spPr>
+              <p:style>
+                <a:lnRef idx="2">
+                  <a:schemeClr val="accent1">
+                    <a:shade val="50000"/>
+                  </a:schemeClr>
+                </a:lnRef>
+                <a:fillRef idx="1">
+                  <a:schemeClr val="accent1"/>
+                </a:fillRef>
+                <a:effectRef idx="0">
+                  <a:schemeClr val="accent1"/>
+                </a:effectRef>
+                <a:fontRef idx="minor">
+                  <a:schemeClr val="lt1"/>
+                </a:fontRef>
+              </p:style>
+              <p:txBody>
+                <a:bodyPr rtlCol="0" anchor="ctr"/>
+                <a:lstStyle/>
+                <a:p>
+                  <a:pPr algn="ctr"/>
+                  <a:endParaRPr lang="en-US"/>
+                </a:p>
+              </p:txBody>
+            </p:sp>
+            <p:sp>
+              <p:nvSpPr>
+                <p:cNvPr id="13" name="Rectangle 12"/>
+                <p:cNvSpPr/>
+                <p:nvPr/>
+              </p:nvSpPr>
+              <p:spPr>
+                <a:xfrm>
+                  <a:off x="4800600" y="3363884"/>
+                  <a:ext cx="457200" cy="76200"/>
+                </a:xfrm>
+                <a:prstGeom prst="rect">
+                  <a:avLst/>
+                </a:prstGeom>
+                <a:solidFill>
+                  <a:schemeClr val="bg1"/>
+                </a:solidFill>
+                <a:ln>
+                  <a:noFill/>
+                </a:ln>
+              </p:spPr>
+              <p:style>
+                <a:lnRef idx="2">
+                  <a:schemeClr val="accent1">
+                    <a:shade val="50000"/>
+                  </a:schemeClr>
+                </a:lnRef>
+                <a:fillRef idx="1">
+                  <a:schemeClr val="accent1"/>
+                </a:fillRef>
+                <a:effectRef idx="0">
+                  <a:schemeClr val="accent1"/>
+                </a:effectRef>
+                <a:fontRef idx="minor">
+                  <a:schemeClr val="lt1"/>
+                </a:fontRef>
+              </p:style>
+              <p:txBody>
+                <a:bodyPr rtlCol="0" anchor="ctr"/>
+                <a:lstStyle/>
+                <a:p>
+                  <a:pPr algn="ctr"/>
+                  <a:endParaRPr lang="en-US"/>
+                </a:p>
+              </p:txBody>
+            </p:sp>
+            <p:sp>
+              <p:nvSpPr>
+                <p:cNvPr id="14" name="Rectangle 13"/>
+                <p:cNvSpPr/>
+                <p:nvPr/>
+              </p:nvSpPr>
+              <p:spPr>
+                <a:xfrm>
+                  <a:off x="4648200" y="3363884"/>
+                  <a:ext cx="76200" cy="76200"/>
+                </a:xfrm>
+                <a:prstGeom prst="rect">
+                  <a:avLst/>
+                </a:prstGeom>
+                <a:solidFill>
+                  <a:schemeClr val="bg1"/>
+                </a:solidFill>
+                <a:ln>
+                  <a:noFill/>
+                </a:ln>
+              </p:spPr>
+              <p:style>
+                <a:lnRef idx="2">
+                  <a:schemeClr val="accent1">
+                    <a:shade val="50000"/>
+                  </a:schemeClr>
+                </a:lnRef>
+                <a:fillRef idx="1">
+                  <a:schemeClr val="accent1"/>
+                </a:fillRef>
+                <a:effectRef idx="0">
+                  <a:schemeClr val="accent1"/>
+                </a:effectRef>
+                <a:fontRef idx="minor">
+                  <a:schemeClr val="lt1"/>
+                </a:fontRef>
+              </p:style>
+              <p:txBody>
+                <a:bodyPr rtlCol="0" anchor="ctr"/>
+                <a:lstStyle/>
+                <a:p>
+                  <a:pPr algn="ctr"/>
+                  <a:endParaRPr lang="en-US"/>
+                </a:p>
+              </p:txBody>
+            </p:sp>
+          </p:grpSp>
           <p:sp>
             <p:nvSpPr>
-              <p:cNvPr id="10" name="Rectangle 9"/>
+              <p:cNvPr id="9" name="Flowchart: Connector 8"/>
               <p:cNvSpPr/>
               <p:nvPr/>
             </p:nvSpPr>
             <p:spPr>
               <a:xfrm>
-                <a:off x="4648200" y="3124200"/>
-                <a:ext cx="76200" cy="76200"/>
+                <a:off x="653599" y="4706108"/>
+                <a:ext cx="758637" cy="1028701"/>
               </a:xfrm>
-              <a:prstGeom prst="rect">
+              <a:custGeom>
+                <a:avLst/>
+                <a:gdLst/>
+                <a:ahLst/>
+                <a:cxnLst/>
+                <a:rect l="l" t="t" r="r" b="b"/>
+                <a:pathLst>
+                  <a:path w="457200" h="762001">
+                    <a:moveTo>
+                      <a:pt x="149098" y="0"/>
+                    </a:moveTo>
+                    <a:lnTo>
+                      <a:pt x="308102" y="0"/>
+                    </a:lnTo>
+                    <a:cubicBezTo>
+                      <a:pt x="315116" y="0"/>
+                      <a:pt x="320802" y="5686"/>
+                      <a:pt x="320802" y="12700"/>
+                    </a:cubicBezTo>
+                    <a:lnTo>
+                      <a:pt x="320802" y="63500"/>
+                    </a:lnTo>
+                    <a:cubicBezTo>
+                      <a:pt x="320802" y="70514"/>
+                      <a:pt x="315116" y="76200"/>
+                      <a:pt x="308102" y="76200"/>
+                    </a:cubicBezTo>
+                    <a:lnTo>
+                      <a:pt x="284382" y="76200"/>
+                    </a:lnTo>
+                    <a:lnTo>
+                      <a:pt x="284382" y="312460"/>
+                    </a:lnTo>
+                    <a:cubicBezTo>
+                      <a:pt x="383766" y="336669"/>
+                      <a:pt x="457200" y="426459"/>
+                      <a:pt x="457200" y="533401"/>
+                    </a:cubicBezTo>
+                    <a:cubicBezTo>
+                      <a:pt x="457200" y="659653"/>
+                      <a:pt x="354852" y="762001"/>
+                      <a:pt x="228600" y="762001"/>
+                    </a:cubicBezTo>
+                    <a:cubicBezTo>
+                      <a:pt x="102348" y="762001"/>
+                      <a:pt x="0" y="659653"/>
+                      <a:pt x="0" y="533401"/>
+                    </a:cubicBezTo>
+                    <a:cubicBezTo>
+                      <a:pt x="0" y="426459"/>
+                      <a:pt x="73434" y="336669"/>
+                      <a:pt x="172818" y="312460"/>
+                    </a:cubicBezTo>
+                    <a:lnTo>
+                      <a:pt x="172818" y="76200"/>
+                    </a:lnTo>
+                    <a:lnTo>
+                      <a:pt x="149098" y="76200"/>
+                    </a:lnTo>
+                    <a:cubicBezTo>
+                      <a:pt x="142084" y="76200"/>
+                      <a:pt x="136398" y="70514"/>
+                      <a:pt x="136398" y="63500"/>
+                    </a:cubicBezTo>
+                    <a:lnTo>
+                      <a:pt x="136398" y="12700"/>
+                    </a:lnTo>
+                    <a:cubicBezTo>
+                      <a:pt x="136398" y="5686"/>
+                      <a:pt x="142084" y="0"/>
+                      <a:pt x="149098" y="0"/>
+                    </a:cubicBezTo>
+                    <a:close/>
+                  </a:path>
+                </a:pathLst>
+              </a:custGeom>
+              <a:solidFill>
+                <a:schemeClr val="bg1"/>
+              </a:solidFill>
+              <a:ln w="76200">
+                <a:solidFill>
+                  <a:srgbClr val="FF6600"/>
+                </a:solidFill>
+              </a:ln>
+            </p:spPr>
+            <p:style>
+              <a:lnRef idx="2">
+                <a:schemeClr val="accent1">
+                  <a:shade val="50000"/>
+                </a:schemeClr>
+              </a:lnRef>
+              <a:fillRef idx="1">
+                <a:schemeClr val="accent1"/>
+              </a:fillRef>
+              <a:effectRef idx="0">
+                <a:schemeClr val="accent1"/>
+              </a:effectRef>
+              <a:fontRef idx="minor">
+                <a:schemeClr val="lt1"/>
+              </a:fontRef>
+            </p:style>
+            <p:txBody>
+              <a:bodyPr rtlCol="0" anchor="ctr"/>
+              <a:lstStyle/>
+              <a:p>
+                <a:pPr algn="ctr"/>
+                <a:endParaRPr lang="en-US"/>
+              </a:p>
+            </p:txBody>
+          </p:sp>
+          <p:sp>
+            <p:nvSpPr>
+              <p:cNvPr id="2068" name="5-Point Star 2067"/>
+              <p:cNvSpPr>
+                <a:spLocks noChangeAspect="1"/>
+              </p:cNvSpPr>
+              <p:nvPr/>
+            </p:nvSpPr>
+            <p:spPr>
+              <a:xfrm>
+                <a:off x="824551" y="4428606"/>
+                <a:ext cx="208183" cy="208183"/>
+              </a:xfrm>
+              <a:prstGeom prst="star5">
                 <a:avLst/>
               </a:prstGeom>
               <a:solidFill>
                 <a:schemeClr val="bg1"/>
               </a:solidFill>
-              <a:ln>
+              <a:ln w="38100" cap="rnd">
                 <a:noFill/>
               </a:ln>
             </p:spPr>
@@ -4392,161 +4459,25 @@
           </p:sp>
           <p:sp>
             <p:nvSpPr>
-              <p:cNvPr id="11" name="Rectangle 10"/>
+              <p:cNvPr id="61" name="5-Point Star 60"/>
               <p:cNvSpPr/>
               <p:nvPr/>
             </p:nvSpPr>
             <p:spPr>
-              <a:xfrm>
-                <a:off x="4800600" y="3238500"/>
-                <a:ext cx="457200" cy="76200"/>
+              <a:xfrm rot="1018584">
+                <a:off x="1016219" y="4284520"/>
+                <a:ext cx="335280" cy="345439"/>
               </a:xfrm>
-              <a:prstGeom prst="rect">
+              <a:prstGeom prst="star5">
                 <a:avLst/>
               </a:prstGeom>
               <a:solidFill>
                 <a:schemeClr val="bg1"/>
               </a:solidFill>
-              <a:ln>
-                <a:noFill/>
-              </a:ln>
-            </p:spPr>
-            <p:style>
-              <a:lnRef idx="2">
-                <a:schemeClr val="accent1">
-                  <a:shade val="50000"/>
-                </a:schemeClr>
-              </a:lnRef>
-              <a:fillRef idx="1">
-                <a:schemeClr val="accent1"/>
-              </a:fillRef>
-              <a:effectRef idx="0">
-                <a:schemeClr val="accent1"/>
-              </a:effectRef>
-              <a:fontRef idx="minor">
-                <a:schemeClr val="lt1"/>
-              </a:fontRef>
-            </p:style>
-            <p:txBody>
-              <a:bodyPr rtlCol="0" anchor="ctr"/>
-              <a:lstStyle/>
-              <a:p>
-                <a:pPr algn="ctr"/>
-                <a:endParaRPr lang="en-US"/>
-              </a:p>
-            </p:txBody>
-          </p:sp>
-          <p:sp>
-            <p:nvSpPr>
-              <p:cNvPr id="12" name="Rectangle 11"/>
-              <p:cNvSpPr/>
-              <p:nvPr/>
-            </p:nvSpPr>
-            <p:spPr>
-              <a:xfrm>
-                <a:off x="4648200" y="3238500"/>
-                <a:ext cx="76200" cy="76200"/>
-              </a:xfrm>
-              <a:prstGeom prst="rect">
-                <a:avLst/>
-              </a:prstGeom>
-              <a:solidFill>
-                <a:schemeClr val="bg1"/>
-              </a:solidFill>
-              <a:ln>
-                <a:noFill/>
-              </a:ln>
-            </p:spPr>
-            <p:style>
-              <a:lnRef idx="2">
-                <a:schemeClr val="accent1">
-                  <a:shade val="50000"/>
-                </a:schemeClr>
-              </a:lnRef>
-              <a:fillRef idx="1">
-                <a:schemeClr val="accent1"/>
-              </a:fillRef>
-              <a:effectRef idx="0">
-                <a:schemeClr val="accent1"/>
-              </a:effectRef>
-              <a:fontRef idx="minor">
-                <a:schemeClr val="lt1"/>
-              </a:fontRef>
-            </p:style>
-            <p:txBody>
-              <a:bodyPr rtlCol="0" anchor="ctr"/>
-              <a:lstStyle/>
-              <a:p>
-                <a:pPr algn="ctr"/>
-                <a:endParaRPr lang="en-US"/>
-              </a:p>
-            </p:txBody>
-          </p:sp>
-          <p:sp>
-            <p:nvSpPr>
-              <p:cNvPr id="13" name="Rectangle 12"/>
-              <p:cNvSpPr/>
-              <p:nvPr/>
-            </p:nvSpPr>
-            <p:spPr>
-              <a:xfrm>
-                <a:off x="4800600" y="3363884"/>
-                <a:ext cx="457200" cy="76200"/>
-              </a:xfrm>
-              <a:prstGeom prst="rect">
-                <a:avLst/>
-              </a:prstGeom>
-              <a:solidFill>
-                <a:schemeClr val="bg1"/>
-              </a:solidFill>
-              <a:ln>
-                <a:noFill/>
-              </a:ln>
-            </p:spPr>
-            <p:style>
-              <a:lnRef idx="2">
-                <a:schemeClr val="accent1">
-                  <a:shade val="50000"/>
-                </a:schemeClr>
-              </a:lnRef>
-              <a:fillRef idx="1">
-                <a:schemeClr val="accent1"/>
-              </a:fillRef>
-              <a:effectRef idx="0">
-                <a:schemeClr val="accent1"/>
-              </a:effectRef>
-              <a:fontRef idx="minor">
-                <a:schemeClr val="lt1"/>
-              </a:fontRef>
-            </p:style>
-            <p:txBody>
-              <a:bodyPr rtlCol="0" anchor="ctr"/>
-              <a:lstStyle/>
-              <a:p>
-                <a:pPr algn="ctr"/>
-                <a:endParaRPr lang="en-US"/>
-              </a:p>
-            </p:txBody>
-          </p:sp>
-          <p:sp>
-            <p:nvSpPr>
-              <p:cNvPr id="14" name="Rectangle 13"/>
-              <p:cNvSpPr/>
-              <p:nvPr/>
-            </p:nvSpPr>
-            <p:spPr>
-              <a:xfrm>
-                <a:off x="4648200" y="3363884"/>
-                <a:ext cx="76200" cy="76200"/>
-              </a:xfrm>
-              <a:prstGeom prst="rect">
-                <a:avLst/>
-              </a:prstGeom>
-              <a:solidFill>
-                <a:schemeClr val="bg1"/>
-              </a:solidFill>
-              <a:ln>
-                <a:noFill/>
+              <a:ln w="38100" cap="rnd">
+                <a:solidFill>
+                  <a:srgbClr val="FF6600"/>
+                </a:solidFill>
               </a:ln>
             </p:spPr>
             <p:style>
@@ -4577,221 +4508,226 @@
         </p:grpSp>
         <p:sp>
           <p:nvSpPr>
-            <p:cNvPr id="9" name="Flowchart: Connector 8"/>
+            <p:cNvPr id="23" name="TextBox 22"/>
+            <p:cNvSpPr txBox="1"/>
+            <p:nvPr/>
+          </p:nvSpPr>
+          <p:spPr>
+            <a:xfrm>
+              <a:off x="2776557" y="3601880"/>
+              <a:ext cx="6248400" cy="1569660"/>
+            </a:xfrm>
+            <a:prstGeom prst="rect">
+              <a:avLst/>
+            </a:prstGeom>
+            <a:noFill/>
+          </p:spPr>
+          <p:txBody>
+            <a:bodyPr wrap="square" rtlCol="0">
+              <a:noAutofit/>
+            </a:bodyPr>
+            <a:lstStyle/>
+            <a:p>
+              <a:r>
+                <a:rPr lang="en-US" sz="9600" spc="-500" dirty="0" smtClean="0">
+                  <a:solidFill>
+                    <a:srgbClr val="FF6600"/>
+                  </a:solidFill>
+                  <a:latin typeface="Franklin Gothic Demi" pitchFamily="34" charset="0"/>
+                </a:rPr>
+                <a:t>PowerPoint</a:t>
+              </a:r>
+            </a:p>
+          </p:txBody>
+        </p:sp>
+        <p:sp>
+          <p:nvSpPr>
+            <p:cNvPr id="28" name="Rectangle 27"/>
             <p:cNvSpPr/>
             <p:nvPr/>
           </p:nvSpPr>
           <p:spPr>
             <a:xfrm>
-              <a:off x="653599" y="4706108"/>
-              <a:ext cx="758637" cy="1028701"/>
+              <a:off x="2754241" y="4671380"/>
+              <a:ext cx="5703959" cy="1862048"/>
             </a:xfrm>
-            <a:custGeom>
+            <a:prstGeom prst="rect">
               <a:avLst/>
-              <a:gdLst/>
-              <a:ahLst/>
-              <a:cxnLst/>
-              <a:rect l="l" t="t" r="r" b="b"/>
-              <a:pathLst>
-                <a:path w="457200" h="762001">
-                  <a:moveTo>
-                    <a:pt x="149098" y="0"/>
-                  </a:moveTo>
-                  <a:lnTo>
-                    <a:pt x="308102" y="0"/>
-                  </a:lnTo>
-                  <a:cubicBezTo>
-                    <a:pt x="315116" y="0"/>
-                    <a:pt x="320802" y="5686"/>
-                    <a:pt x="320802" y="12700"/>
-                  </a:cubicBezTo>
-                  <a:lnTo>
-                    <a:pt x="320802" y="63500"/>
-                  </a:lnTo>
-                  <a:cubicBezTo>
-                    <a:pt x="320802" y="70514"/>
-                    <a:pt x="315116" y="76200"/>
-                    <a:pt x="308102" y="76200"/>
-                  </a:cubicBezTo>
-                  <a:lnTo>
-                    <a:pt x="284382" y="76200"/>
-                  </a:lnTo>
-                  <a:lnTo>
-                    <a:pt x="284382" y="312460"/>
-                  </a:lnTo>
-                  <a:cubicBezTo>
-                    <a:pt x="383766" y="336669"/>
-                    <a:pt x="457200" y="426459"/>
-                    <a:pt x="457200" y="533401"/>
-                  </a:cubicBezTo>
-                  <a:cubicBezTo>
-                    <a:pt x="457200" y="659653"/>
-                    <a:pt x="354852" y="762001"/>
-                    <a:pt x="228600" y="762001"/>
-                  </a:cubicBezTo>
-                  <a:cubicBezTo>
-                    <a:pt x="102348" y="762001"/>
-                    <a:pt x="0" y="659653"/>
-                    <a:pt x="0" y="533401"/>
-                  </a:cubicBezTo>
-                  <a:cubicBezTo>
-                    <a:pt x="0" y="426459"/>
-                    <a:pt x="73434" y="336669"/>
-                    <a:pt x="172818" y="312460"/>
-                  </a:cubicBezTo>
-                  <a:lnTo>
-                    <a:pt x="172818" y="76200"/>
-                  </a:lnTo>
-                  <a:lnTo>
-                    <a:pt x="149098" y="76200"/>
-                  </a:lnTo>
-                  <a:cubicBezTo>
-                    <a:pt x="142084" y="76200"/>
-                    <a:pt x="136398" y="70514"/>
-                    <a:pt x="136398" y="63500"/>
-                  </a:cubicBezTo>
-                  <a:lnTo>
-                    <a:pt x="136398" y="12700"/>
-                  </a:lnTo>
-                  <a:cubicBezTo>
-                    <a:pt x="136398" y="5686"/>
-                    <a:pt x="142084" y="0"/>
-                    <a:pt x="149098" y="0"/>
-                  </a:cubicBezTo>
-                  <a:close/>
-                </a:path>
-              </a:pathLst>
-            </a:custGeom>
-            <a:solidFill>
-              <a:schemeClr val="bg1"/>
-            </a:solidFill>
+            </a:prstGeom>
+          </p:spPr>
+          <p:txBody>
+            <a:bodyPr wrap="square">
+              <a:spAutoFit/>
+            </a:bodyPr>
+            <a:lstStyle/>
+            <a:p>
+              <a:pPr lvl="0"/>
+              <a:r>
+                <a:rPr lang="en-US" sz="11500" b="1" spc="1000" dirty="0" smtClean="0">
+                  <a:solidFill>
+                    <a:srgbClr val="0070C0"/>
+                  </a:solidFill>
+                  <a:latin typeface="Gill Sans Ultra Bold" pitchFamily="34" charset="0"/>
+                </a:rPr>
+                <a:t>Labs</a:t>
+              </a:r>
+              <a:endParaRPr lang="en-US" sz="11500" b="1" spc="1000" dirty="0">
+                <a:solidFill>
+                  <a:srgbClr val="0070C0"/>
+                </a:solidFill>
+                <a:latin typeface="Gill Sans Ultra Bold" pitchFamily="34" charset="0"/>
+              </a:endParaRPr>
+            </a:p>
+          </p:txBody>
+        </p:sp>
+        <p:cxnSp>
+          <p:nvCxnSpPr>
+            <p:cNvPr id="2049" name="Straight Connector 2048"/>
+            <p:cNvCxnSpPr/>
+            <p:nvPr/>
+          </p:nvCxnSpPr>
+          <p:spPr>
+            <a:xfrm>
+              <a:off x="7315200" y="5046412"/>
+              <a:ext cx="381000" cy="290816"/>
+            </a:xfrm>
+            <a:prstGeom prst="line">
+              <a:avLst/>
+            </a:prstGeom>
             <a:ln w="76200">
               <a:solidFill>
-                <a:srgbClr val="FF6600"/>
+                <a:srgbClr val="0070C0"/>
               </a:solidFill>
+              <a:headEnd type="oval"/>
+              <a:tailEnd type="oval"/>
             </a:ln>
           </p:spPr>
           <p:style>
-            <a:lnRef idx="2">
-              <a:schemeClr val="accent1">
-                <a:shade val="50000"/>
-              </a:schemeClr>
+            <a:lnRef idx="1">
+              <a:schemeClr val="accent1"/>
             </a:lnRef>
-            <a:fillRef idx="1">
+            <a:fillRef idx="0">
               <a:schemeClr val="accent1"/>
             </a:fillRef>
             <a:effectRef idx="0">
               <a:schemeClr val="accent1"/>
             </a:effectRef>
             <a:fontRef idx="minor">
-              <a:schemeClr val="lt1"/>
+              <a:schemeClr val="tx1"/>
             </a:fontRef>
           </p:style>
-          <p:txBody>
-            <a:bodyPr rtlCol="0" anchor="ctr"/>
-            <a:lstStyle/>
-            <a:p>
-              <a:pPr algn="ctr"/>
-              <a:endParaRPr lang="en-US"/>
-            </a:p>
-          </p:txBody>
-        </p:sp>
-        <p:sp>
-          <p:nvSpPr>
-            <p:cNvPr id="2068" name="5-Point Star 2067"/>
-            <p:cNvSpPr/>
+        </p:cxnSp>
+        <p:cxnSp>
+          <p:nvCxnSpPr>
+            <p:cNvPr id="39" name="Straight Connector 38"/>
+            <p:cNvCxnSpPr/>
             <p:nvPr/>
-          </p:nvSpPr>
+          </p:nvCxnSpPr>
           <p:spPr>
-            <a:xfrm>
-              <a:off x="728117" y="4361047"/>
-              <a:ext cx="304800" cy="304800"/>
+            <a:xfrm flipV="1">
+              <a:off x="7696200" y="5141662"/>
+              <a:ext cx="533400" cy="195566"/>
             </a:xfrm>
-            <a:prstGeom prst="star5">
+            <a:prstGeom prst="line">
               <a:avLst/>
             </a:prstGeom>
-            <a:solidFill>
-              <a:schemeClr val="bg1"/>
-            </a:solidFill>
-            <a:ln w="38100" cap="rnd">
+            <a:ln w="76200">
               <a:solidFill>
-                <a:srgbClr val="FF6600"/>
+                <a:srgbClr val="0070C0"/>
               </a:solidFill>
+              <a:headEnd type="oval"/>
+              <a:tailEnd type="oval"/>
             </a:ln>
           </p:spPr>
           <p:style>
-            <a:lnRef idx="2">
-              <a:schemeClr val="accent1">
-                <a:shade val="50000"/>
-              </a:schemeClr>
+            <a:lnRef idx="1">
+              <a:schemeClr val="accent1"/>
             </a:lnRef>
-            <a:fillRef idx="1">
+            <a:fillRef idx="0">
               <a:schemeClr val="accent1"/>
             </a:fillRef>
             <a:effectRef idx="0">
               <a:schemeClr val="accent1"/>
             </a:effectRef>
             <a:fontRef idx="minor">
-              <a:schemeClr val="lt1"/>
+              <a:schemeClr val="tx1"/>
             </a:fontRef>
           </p:style>
-          <p:txBody>
-            <a:bodyPr rtlCol="0" anchor="ctr"/>
-            <a:lstStyle/>
-            <a:p>
-              <a:pPr algn="ctr"/>
-              <a:endParaRPr lang="en-US"/>
-            </a:p>
-          </p:txBody>
-        </p:sp>
-        <p:sp>
-          <p:nvSpPr>
-            <p:cNvPr id="61" name="5-Point Star 60"/>
-            <p:cNvSpPr/>
+        </p:cxnSp>
+        <p:cxnSp>
+          <p:nvCxnSpPr>
+            <p:cNvPr id="43" name="Straight Connector 42"/>
+            <p:cNvCxnSpPr/>
             <p:nvPr/>
-          </p:nvSpPr>
+          </p:nvCxnSpPr>
           <p:spPr>
-            <a:xfrm rot="1018584">
-              <a:off x="1009233" y="4188328"/>
-              <a:ext cx="335280" cy="345439"/>
+            <a:xfrm>
+              <a:off x="7696200" y="5337228"/>
+              <a:ext cx="117764" cy="377917"/>
             </a:xfrm>
-            <a:prstGeom prst="star5">
+            <a:prstGeom prst="line">
               <a:avLst/>
             </a:prstGeom>
-            <a:solidFill>
-              <a:schemeClr val="bg1"/>
-            </a:solidFill>
-            <a:ln w="38100" cap="rnd">
+            <a:ln w="76200">
               <a:solidFill>
-                <a:srgbClr val="FF6600"/>
+                <a:srgbClr val="0070C0"/>
               </a:solidFill>
+              <a:headEnd type="oval"/>
+              <a:tailEnd type="oval"/>
             </a:ln>
           </p:spPr>
           <p:style>
-            <a:lnRef idx="2">
-              <a:schemeClr val="accent1">
-                <a:shade val="50000"/>
-              </a:schemeClr>
+            <a:lnRef idx="1">
+              <a:schemeClr val="accent1"/>
             </a:lnRef>
-            <a:fillRef idx="1">
+            <a:fillRef idx="0">
               <a:schemeClr val="accent1"/>
             </a:fillRef>
             <a:effectRef idx="0">
               <a:schemeClr val="accent1"/>
             </a:effectRef>
             <a:fontRef idx="minor">
-              <a:schemeClr val="lt1"/>
+              <a:schemeClr val="tx1"/>
             </a:fontRef>
           </p:style>
-          <p:txBody>
-            <a:bodyPr rtlCol="0" anchor="ctr"/>
-            <a:lstStyle/>
-            <a:p>
-              <a:pPr algn="ctr"/>
-              <a:endParaRPr lang="en-US"/>
-            </a:p>
-          </p:txBody>
-        </p:sp>
+        </p:cxnSp>
+        <p:cxnSp>
+          <p:nvCxnSpPr>
+            <p:cNvPr id="46" name="Straight Connector 45"/>
+            <p:cNvCxnSpPr/>
+            <p:nvPr/>
+          </p:nvCxnSpPr>
+          <p:spPr>
+            <a:xfrm>
+              <a:off x="7813964" y="5715145"/>
+              <a:ext cx="415636" cy="216277"/>
+            </a:xfrm>
+            <a:prstGeom prst="line">
+              <a:avLst/>
+            </a:prstGeom>
+            <a:ln w="76200">
+              <a:solidFill>
+                <a:srgbClr val="0070C0"/>
+              </a:solidFill>
+              <a:headEnd type="oval"/>
+              <a:tailEnd type="oval"/>
+            </a:ln>
+          </p:spPr>
+          <p:style>
+            <a:lnRef idx="1">
+              <a:schemeClr val="accent1"/>
+            </a:lnRef>
+            <a:fillRef idx="0">
+              <a:schemeClr val="accent1"/>
+            </a:fillRef>
+            <a:effectRef idx="0">
+              <a:schemeClr val="accent1"/>
+            </a:effectRef>
+            <a:fontRef idx="minor">
+              <a:schemeClr val="tx1"/>
+            </a:fontRef>
+          </p:style>
+        </p:cxnSp>
       </p:grpSp>
     </p:spTree>
     <p:extLst>
@@ -4830,9 +4766,74 @@
           <a:chExt cx="0" cy="0"/>
         </a:xfrm>
       </p:grpSpPr>
+      <p:sp>
+        <p:nvSpPr>
+          <p:cNvPr id="2" name="Title 1"/>
+          <p:cNvSpPr>
+            <a:spLocks noGrp="1"/>
+          </p:cNvSpPr>
+          <p:nvPr>
+            <p:ph type="title"/>
+          </p:nvPr>
+        </p:nvSpPr>
+        <p:spPr/>
+        <p:txBody>
+          <a:bodyPr/>
+          <a:lstStyle/>
+          <a:p>
+            <a:endParaRPr lang="en-SG"/>
+          </a:p>
+        </p:txBody>
+      </p:sp>
+      <p:sp>
+        <p:nvSpPr>
+          <p:cNvPr id="4" name="Flowchart: Process 3"/>
+          <p:cNvSpPr/>
+          <p:nvPr/>
+        </p:nvSpPr>
+        <p:spPr>
+          <a:xfrm>
+            <a:off x="0" y="0"/>
+            <a:ext cx="9144000" cy="3124200"/>
+          </a:xfrm>
+          <a:prstGeom prst="flowChartProcess">
+            <a:avLst/>
+          </a:prstGeom>
+          <a:solidFill>
+            <a:schemeClr val="tx1"/>
+          </a:solidFill>
+          <a:ln>
+            <a:noFill/>
+          </a:ln>
+        </p:spPr>
+        <p:style>
+          <a:lnRef idx="2">
+            <a:schemeClr val="accent1">
+              <a:shade val="50000"/>
+            </a:schemeClr>
+          </a:lnRef>
+          <a:fillRef idx="1">
+            <a:schemeClr val="accent1"/>
+          </a:fillRef>
+          <a:effectRef idx="0">
+            <a:schemeClr val="accent1"/>
+          </a:effectRef>
+          <a:fontRef idx="minor">
+            <a:schemeClr val="lt1"/>
+          </a:fontRef>
+        </p:style>
+        <p:txBody>
+          <a:bodyPr rtlCol="0" anchor="ctr"/>
+          <a:lstStyle/>
+          <a:p>
+            <a:pPr algn="ctr"/>
+            <a:endParaRPr lang="en-SG"/>
+          </a:p>
+        </p:txBody>
+      </p:sp>
       <p:pic>
         <p:nvPicPr>
-          <p:cNvPr id="3074" name="Picture 2"/>
+          <p:cNvPr id="2051" name="Picture 3"/>
           <p:cNvPicPr>
             <a:picLocks noChangeAspect="1" noChangeArrowheads="1"/>
           </p:cNvPicPr>
@@ -4846,13 +4847,75 @@
               </a:ext>
             </a:extLst>
           </a:blip>
-          <a:srcRect t="13045" r="7421" b="26923"/>
+          <a:srcRect t="16468" r="7308" b="29338"/>
           <a:stretch/>
         </p:blipFill>
         <p:spPr bwMode="auto">
           <a:xfrm>
-            <a:off x="457200" y="1842655"/>
-            <a:ext cx="8494857" cy="2576946"/>
+            <a:off x="201204" y="3733800"/>
+            <a:ext cx="8171172" cy="2204185"/>
+          </a:xfrm>
+          <a:prstGeom prst="rect">
+            <a:avLst/>
+          </a:prstGeom>
+          <a:noFill/>
+          <a:ln>
+            <a:noFill/>
+          </a:ln>
+          <a:effectLst/>
+          <a:extLst>
+            <a:ext uri="{909E8E84-426E-40DD-AFC4-6F175D3DCCD1}">
+              <a14:hiddenFill xmlns:a14="http://schemas.microsoft.com/office/drawing/2010/main">
+                <a:solidFill>
+                  <a:schemeClr val="accent1"/>
+                </a:solidFill>
+              </a14:hiddenFill>
+            </a:ext>
+            <a:ext uri="{91240B29-F687-4F45-9708-019B960494DF}">
+              <a14:hiddenLine xmlns:a14="http://schemas.microsoft.com/office/drawing/2010/main" w="9525">
+                <a:solidFill>
+                  <a:schemeClr val="tx1"/>
+                </a:solidFill>
+                <a:miter lim="800000"/>
+                <a:headEnd/>
+                <a:tailEnd/>
+              </a14:hiddenLine>
+            </a:ext>
+            <a:ext uri="{AF507438-7753-43E0-B8FC-AC1667EBCBE1}">
+              <a14:hiddenEffects xmlns:a14="http://schemas.microsoft.com/office/drawing/2010/main">
+                <a:effectLst>
+                  <a:outerShdw dist="35921" dir="2700000" algn="ctr" rotWithShape="0">
+                    <a:schemeClr val="bg2"/>
+                  </a:outerShdw>
+                </a:effectLst>
+              </a14:hiddenEffects>
+            </a:ext>
+          </a:extLst>
+        </p:spPr>
+      </p:pic>
+      <p:pic>
+        <p:nvPicPr>
+          <p:cNvPr id="29" name="Picture 3"/>
+          <p:cNvPicPr>
+            <a:picLocks noChangeAspect="1" noChangeArrowheads="1"/>
+          </p:cNvPicPr>
+          <p:nvPr/>
+        </p:nvPicPr>
+        <p:blipFill rotWithShape="1">
+          <a:blip r:embed="rId2">
+            <a:extLst>
+              <a:ext uri="{28A0092B-C50C-407E-A947-70E740481C1C}">
+                <a14:useLocalDpi xmlns:a14="http://schemas.microsoft.com/office/drawing/2010/main" val="0"/>
+              </a:ext>
+            </a:extLst>
+          </a:blip>
+          <a:srcRect t="16468" r="7308" b="29338"/>
+          <a:stretch/>
+        </p:blipFill>
+        <p:spPr bwMode="auto">
+          <a:xfrm>
+            <a:off x="353604" y="460007"/>
+            <a:ext cx="8171172" cy="2204185"/>
           </a:xfrm>
           <a:prstGeom prst="rect">
             <a:avLst/>
@@ -4895,18 +4958,25 @@
     </p:spTree>
     <p:extLst>
       <p:ext uri="{BB962C8B-B14F-4D97-AF65-F5344CB8AC3E}">
-        <p14:creationId xmlns:p14="http://schemas.microsoft.com/office/powerpoint/2010/main" val="1548065797"/>
+        <p14:creationId xmlns:p14="http://schemas.microsoft.com/office/powerpoint/2010/main" val="4002116591"/>
       </p:ext>
     </p:extLst>
   </p:cSld>
   <p:clrMapOvr>
     <a:masterClrMapping/>
   </p:clrMapOvr>
+  <p:timing>
+    <p:tnLst>
+      <p:par>
+        <p:cTn id="1" dur="indefinite" restart="never" nodeType="tmRoot"/>
+      </p:par>
+    </p:tnLst>
+  </p:timing>
 </p:sld>
 </file>
 
 <file path=ppt/slides/slide3.xml><?xml version="1.0" encoding="utf-8"?>
-<p:sld xmlns:a="http://schemas.openxmlformats.org/drawingml/2006/main" xmlns:r="http://schemas.openxmlformats.org/officeDocument/2006/relationships" xmlns:p="http://schemas.openxmlformats.org/presentationml/2006/main">
+<p:sld xmlns:a="http://schemas.openxmlformats.org/drawingml/2006/main" xmlns:r="http://schemas.openxmlformats.org/officeDocument/2006/relationships" xmlns:p="http://schemas.openxmlformats.org/presentationml/2006/main" show="0">
   <p:cSld>
     <p:bg>
       <p:bgPr>
@@ -4930,1065 +5000,6 @@
           <a:chExt cx="0" cy="0"/>
         </a:xfrm>
       </p:grpSpPr>
-      <p:sp>
-        <p:nvSpPr>
-          <p:cNvPr id="37" name="Rectangle 36"/>
-          <p:cNvSpPr/>
-          <p:nvPr/>
-        </p:nvSpPr>
-        <p:spPr>
-          <a:xfrm>
-            <a:off x="610837" y="4388092"/>
-            <a:ext cx="1154463" cy="1119856"/>
-          </a:xfrm>
-          <a:custGeom>
-            <a:avLst/>
-            <a:gdLst/>
-            <a:ahLst/>
-            <a:cxnLst/>
-            <a:rect l="l" t="t" r="r" b="b"/>
-            <a:pathLst>
-              <a:path w="1423703" h="1197007">
-                <a:moveTo>
-                  <a:pt x="0" y="0"/>
-                </a:moveTo>
-                <a:lnTo>
-                  <a:pt x="457200" y="0"/>
-                </a:lnTo>
-                <a:lnTo>
-                  <a:pt x="457200" y="2089"/>
-                </a:lnTo>
-                <a:lnTo>
-                  <a:pt x="1423703" y="2089"/>
-                </a:lnTo>
-                <a:lnTo>
-                  <a:pt x="1423703" y="374788"/>
-                </a:lnTo>
-                <a:lnTo>
-                  <a:pt x="1423703" y="822440"/>
-                </a:lnTo>
-                <a:lnTo>
-                  <a:pt x="1423703" y="1195139"/>
-                </a:lnTo>
-                <a:lnTo>
-                  <a:pt x="447351" y="1195139"/>
-                </a:lnTo>
-                <a:cubicBezTo>
-                  <a:pt x="429868" y="1197668"/>
-                  <a:pt x="411960" y="1197592"/>
-                  <a:pt x="393928" y="1195139"/>
-                </a:cubicBezTo>
-                <a:lnTo>
-                  <a:pt x="393550" y="1195139"/>
-                </a:lnTo>
-                <a:lnTo>
-                  <a:pt x="393550" y="1195100"/>
-                </a:lnTo>
-                <a:cubicBezTo>
-                  <a:pt x="351949" y="1193495"/>
-                  <a:pt x="309350" y="1184608"/>
-                  <a:pt x="267228" y="1169143"/>
-                </a:cubicBezTo>
-                <a:cubicBezTo>
-                  <a:pt x="100169" y="1107807"/>
-                  <a:pt x="-5656" y="962735"/>
-                  <a:pt x="3472" y="822440"/>
-                </a:cubicBezTo>
-                <a:lnTo>
-                  <a:pt x="0" y="822440"/>
-                </a:lnTo>
-                <a:close/>
-              </a:path>
-            </a:pathLst>
-          </a:custGeom>
-          <a:solidFill>
-            <a:srgbClr val="FF6600"/>
-          </a:solidFill>
-          <a:ln>
-            <a:noFill/>
-          </a:ln>
-        </p:spPr>
-        <p:style>
-          <a:lnRef idx="2">
-            <a:schemeClr val="accent1">
-              <a:shade val="50000"/>
-            </a:schemeClr>
-          </a:lnRef>
-          <a:fillRef idx="1">
-            <a:schemeClr val="accent1"/>
-          </a:fillRef>
-          <a:effectRef idx="0">
-            <a:schemeClr val="accent1"/>
-          </a:effectRef>
-          <a:fontRef idx="minor">
-            <a:schemeClr val="lt1"/>
-          </a:fontRef>
-        </p:style>
-        <p:txBody>
-          <a:bodyPr rtlCol="0" anchor="ctr"/>
-          <a:lstStyle/>
-          <a:p>
-            <a:pPr algn="ctr"/>
-            <a:endParaRPr lang="en-US"/>
-          </a:p>
-        </p:txBody>
-      </p:sp>
-      <p:pic>
-        <p:nvPicPr>
-          <p:cNvPr id="2050" name="Picture 2" descr="http://shareknowledge-lms.com/images/csk/dop/powerpoint-icon.jpg"/>
-          <p:cNvPicPr>
-            <a:picLocks noChangeAspect="1" noChangeArrowheads="1"/>
-          </p:cNvPicPr>
-          <p:nvPr/>
-        </p:nvPicPr>
-        <p:blipFill>
-          <a:blip r:embed="rId3">
-            <a:extLst>
-              <a:ext uri="{28A0092B-C50C-407E-A947-70E740481C1C}">
-                <a14:useLocalDpi xmlns:a14="http://schemas.microsoft.com/office/drawing/2010/main" val="0"/>
-              </a:ext>
-            </a:extLst>
-          </a:blip>
-          <a:srcRect/>
-          <a:stretch>
-            <a:fillRect/>
-          </a:stretch>
-        </p:blipFill>
-        <p:spPr bwMode="auto">
-          <a:xfrm>
-            <a:off x="4419600" y="533400"/>
-            <a:ext cx="1981200" cy="1981202"/>
-          </a:xfrm>
-          <a:prstGeom prst="rect">
-            <a:avLst/>
-          </a:prstGeom>
-          <a:noFill/>
-          <a:extLst>
-            <a:ext uri="{909E8E84-426E-40DD-AFC4-6F175D3DCCD1}">
-              <a14:hiddenFill xmlns:a14="http://schemas.microsoft.com/office/drawing/2010/main">
-                <a:solidFill>
-                  <a:srgbClr val="FFFFFF"/>
-                </a:solidFill>
-              </a14:hiddenFill>
-            </a:ext>
-          </a:extLst>
-        </p:spPr>
-      </p:pic>
-      <p:pic>
-        <p:nvPicPr>
-          <p:cNvPr id="27" name="Picture 2" descr="http://1.bp.blogspot.com/-QeYY0Vv33hw/TdDA1-FTuLI/AAAAAAAAAOM/tzWBS1Mrvhs/s1600/ppt_logo.png"/>
-          <p:cNvPicPr>
-            <a:picLocks noChangeAspect="1" noChangeArrowheads="1"/>
-          </p:cNvPicPr>
-          <p:nvPr/>
-        </p:nvPicPr>
-        <p:blipFill>
-          <a:blip r:embed="rId4">
-            <a:extLst>
-              <a:ext uri="{28A0092B-C50C-407E-A947-70E740481C1C}">
-                <a14:useLocalDpi xmlns:a14="http://schemas.microsoft.com/office/drawing/2010/main" val="0"/>
-              </a:ext>
-            </a:extLst>
-          </a:blip>
-          <a:srcRect/>
-          <a:stretch>
-            <a:fillRect/>
-          </a:stretch>
-        </p:blipFill>
-        <p:spPr bwMode="auto">
-          <a:xfrm>
-            <a:off x="1315856" y="250138"/>
-            <a:ext cx="2736850" cy="2736850"/>
-          </a:xfrm>
-          <a:prstGeom prst="rect">
-            <a:avLst/>
-          </a:prstGeom>
-          <a:noFill/>
-          <a:extLst>
-            <a:ext uri="{909E8E84-426E-40DD-AFC4-6F175D3DCCD1}">
-              <a14:hiddenFill xmlns:a14="http://schemas.microsoft.com/office/drawing/2010/main">
-                <a:solidFill>
-                  <a:srgbClr val="FFFFFF"/>
-                </a:solidFill>
-              </a14:hiddenFill>
-            </a:ext>
-          </a:extLst>
-        </p:spPr>
-      </p:pic>
-      <p:sp>
-        <p:nvSpPr>
-          <p:cNvPr id="26" name="Rectangle 4"/>
-          <p:cNvSpPr/>
-          <p:nvPr/>
-        </p:nvSpPr>
-        <p:spPr>
-          <a:xfrm rot="16200000">
-            <a:off x="490032" y="3753383"/>
-            <a:ext cx="1898651" cy="2202377"/>
-          </a:xfrm>
-          <a:custGeom>
-            <a:avLst/>
-            <a:gdLst/>
-            <a:ahLst/>
-            <a:cxnLst/>
-            <a:rect l="l" t="t" r="r" b="b"/>
-            <a:pathLst>
-              <a:path w="1752603" h="1752600">
-                <a:moveTo>
-                  <a:pt x="533400" y="0"/>
-                </a:moveTo>
-                <a:lnTo>
-                  <a:pt x="533403" y="0"/>
-                </a:lnTo>
-                <a:lnTo>
-                  <a:pt x="1066800" y="0"/>
-                </a:lnTo>
-                <a:lnTo>
-                  <a:pt x="1752603" y="0"/>
-                </a:lnTo>
-                <a:lnTo>
-                  <a:pt x="1752603" y="1752600"/>
-                </a:lnTo>
-                <a:lnTo>
-                  <a:pt x="1219203" y="1752600"/>
-                </a:lnTo>
-                <a:lnTo>
-                  <a:pt x="533403" y="1752600"/>
-                </a:lnTo>
-                <a:lnTo>
-                  <a:pt x="3" y="1752600"/>
-                </a:lnTo>
-                <a:lnTo>
-                  <a:pt x="3" y="533430"/>
-                </a:lnTo>
-                <a:cubicBezTo>
-                  <a:pt x="0" y="533420"/>
-                  <a:pt x="0" y="533410"/>
-                  <a:pt x="0" y="533400"/>
-                </a:cubicBezTo>
-                <a:cubicBezTo>
-                  <a:pt x="0" y="238811"/>
-                  <a:pt x="238811" y="0"/>
-                  <a:pt x="533400" y="0"/>
-                </a:cubicBezTo>
-                <a:close/>
-              </a:path>
-            </a:pathLst>
-          </a:custGeom>
-          <a:noFill/>
-          <a:ln w="203200" cmpd="sng">
-            <a:solidFill>
-              <a:srgbClr val="0070C0"/>
-            </a:solidFill>
-            <a:miter lim="800000"/>
-          </a:ln>
-        </p:spPr>
-        <p:style>
-          <a:lnRef idx="2">
-            <a:schemeClr val="accent1">
-              <a:shade val="50000"/>
-            </a:schemeClr>
-          </a:lnRef>
-          <a:fillRef idx="1">
-            <a:schemeClr val="accent1"/>
-          </a:fillRef>
-          <a:effectRef idx="0">
-            <a:schemeClr val="accent1"/>
-          </a:effectRef>
-          <a:fontRef idx="minor">
-            <a:schemeClr val="lt1"/>
-          </a:fontRef>
-        </p:style>
-        <p:txBody>
-          <a:bodyPr rtlCol="0" anchor="ctr"/>
-          <a:lstStyle/>
-          <a:p>
-            <a:pPr algn="ctr"/>
-            <a:endParaRPr lang="en-US"/>
-          </a:p>
-        </p:txBody>
-      </p:sp>
-      <p:sp>
-        <p:nvSpPr>
-          <p:cNvPr id="25" name="Rectangle 24"/>
-          <p:cNvSpPr/>
-          <p:nvPr/>
-        </p:nvSpPr>
-        <p:spPr>
-          <a:xfrm>
-            <a:off x="855709" y="4191000"/>
-            <a:ext cx="1398367" cy="1066800"/>
-          </a:xfrm>
-          <a:prstGeom prst="rect">
-            <a:avLst/>
-          </a:prstGeom>
-          <a:solidFill>
-            <a:srgbClr val="FF6600"/>
-          </a:solidFill>
-          <a:ln>
-            <a:noFill/>
-          </a:ln>
-        </p:spPr>
-        <p:style>
-          <a:lnRef idx="2">
-            <a:schemeClr val="accent1">
-              <a:shade val="50000"/>
-            </a:schemeClr>
-          </a:lnRef>
-          <a:fillRef idx="1">
-            <a:schemeClr val="accent1"/>
-          </a:fillRef>
-          <a:effectRef idx="0">
-            <a:schemeClr val="accent1"/>
-          </a:effectRef>
-          <a:fontRef idx="minor">
-            <a:schemeClr val="lt1"/>
-          </a:fontRef>
-        </p:style>
-        <p:txBody>
-          <a:bodyPr rtlCol="0" anchor="ctr"/>
-          <a:lstStyle/>
-          <a:p>
-            <a:pPr algn="ctr"/>
-            <a:endParaRPr lang="en-US"/>
-          </a:p>
-        </p:txBody>
-      </p:sp>
-      <p:sp>
-        <p:nvSpPr>
-          <p:cNvPr id="7" name="Rectangle 6"/>
-          <p:cNvSpPr/>
-          <p:nvPr/>
-        </p:nvSpPr>
-        <p:spPr>
-          <a:xfrm>
-            <a:off x="1384300" y="4360719"/>
-            <a:ext cx="762000" cy="152400"/>
-          </a:xfrm>
-          <a:prstGeom prst="rect">
-            <a:avLst/>
-          </a:prstGeom>
-          <a:solidFill>
-            <a:schemeClr val="bg1"/>
-          </a:solidFill>
-          <a:ln>
-            <a:solidFill>
-              <a:srgbClr val="FF6600"/>
-            </a:solidFill>
-          </a:ln>
-        </p:spPr>
-        <p:style>
-          <a:lnRef idx="2">
-            <a:schemeClr val="accent1">
-              <a:shade val="50000"/>
-            </a:schemeClr>
-          </a:lnRef>
-          <a:fillRef idx="1">
-            <a:schemeClr val="accent1"/>
-          </a:fillRef>
-          <a:effectRef idx="0">
-            <a:schemeClr val="accent1"/>
-          </a:effectRef>
-          <a:fontRef idx="minor">
-            <a:schemeClr val="lt1"/>
-          </a:fontRef>
-        </p:style>
-        <p:txBody>
-          <a:bodyPr rtlCol="0" anchor="ctr"/>
-          <a:lstStyle/>
-          <a:p>
-            <a:pPr algn="ctr"/>
-            <a:endParaRPr lang="en-US"/>
-          </a:p>
-        </p:txBody>
-      </p:sp>
-      <p:sp>
-        <p:nvSpPr>
-          <p:cNvPr id="8" name="Rectangle 7"/>
-          <p:cNvSpPr/>
-          <p:nvPr/>
-        </p:nvSpPr>
-        <p:spPr>
-          <a:xfrm>
-            <a:off x="1574800" y="4614859"/>
-            <a:ext cx="571500" cy="95250"/>
-          </a:xfrm>
-          <a:prstGeom prst="rect">
-            <a:avLst/>
-          </a:prstGeom>
-          <a:solidFill>
-            <a:schemeClr val="bg1"/>
-          </a:solidFill>
-          <a:ln>
-            <a:solidFill>
-              <a:srgbClr val="FF6600"/>
-            </a:solidFill>
-          </a:ln>
-        </p:spPr>
-        <p:style>
-          <a:lnRef idx="2">
-            <a:schemeClr val="accent1">
-              <a:shade val="50000"/>
-            </a:schemeClr>
-          </a:lnRef>
-          <a:fillRef idx="1">
-            <a:schemeClr val="accent1"/>
-          </a:fillRef>
-          <a:effectRef idx="0">
-            <a:schemeClr val="accent1"/>
-          </a:effectRef>
-          <a:fontRef idx="minor">
-            <a:schemeClr val="lt1"/>
-          </a:fontRef>
-        </p:style>
-        <p:txBody>
-          <a:bodyPr rtlCol="0" anchor="ctr"/>
-          <a:lstStyle/>
-          <a:p>
-            <a:pPr algn="ctr"/>
-            <a:endParaRPr lang="en-US"/>
-          </a:p>
-        </p:txBody>
-      </p:sp>
-      <p:sp>
-        <p:nvSpPr>
-          <p:cNvPr id="10" name="Rectangle 9"/>
-          <p:cNvSpPr/>
-          <p:nvPr/>
-        </p:nvSpPr>
-        <p:spPr>
-          <a:xfrm>
-            <a:off x="1384300" y="4614859"/>
-            <a:ext cx="95250" cy="95250"/>
-          </a:xfrm>
-          <a:prstGeom prst="rect">
-            <a:avLst/>
-          </a:prstGeom>
-          <a:solidFill>
-            <a:schemeClr val="bg1"/>
-          </a:solidFill>
-          <a:ln>
-            <a:solidFill>
-              <a:srgbClr val="FF6600"/>
-            </a:solidFill>
-          </a:ln>
-        </p:spPr>
-        <p:style>
-          <a:lnRef idx="2">
-            <a:schemeClr val="accent1">
-              <a:shade val="50000"/>
-            </a:schemeClr>
-          </a:lnRef>
-          <a:fillRef idx="1">
-            <a:schemeClr val="accent1"/>
-          </a:fillRef>
-          <a:effectRef idx="0">
-            <a:schemeClr val="accent1"/>
-          </a:effectRef>
-          <a:fontRef idx="minor">
-            <a:schemeClr val="lt1"/>
-          </a:fontRef>
-        </p:style>
-        <p:txBody>
-          <a:bodyPr rtlCol="0" anchor="ctr"/>
-          <a:lstStyle/>
-          <a:p>
-            <a:pPr algn="ctr"/>
-            <a:endParaRPr lang="en-US"/>
-          </a:p>
-        </p:txBody>
-      </p:sp>
-      <p:sp>
-        <p:nvSpPr>
-          <p:cNvPr id="11" name="Rectangle 10"/>
-          <p:cNvSpPr/>
-          <p:nvPr/>
-        </p:nvSpPr>
-        <p:spPr>
-          <a:xfrm>
-            <a:off x="1574800" y="4764662"/>
-            <a:ext cx="571500" cy="95250"/>
-          </a:xfrm>
-          <a:prstGeom prst="rect">
-            <a:avLst/>
-          </a:prstGeom>
-          <a:solidFill>
-            <a:schemeClr val="bg1"/>
-          </a:solidFill>
-          <a:ln>
-            <a:solidFill>
-              <a:srgbClr val="FF6600"/>
-            </a:solidFill>
-          </a:ln>
-        </p:spPr>
-        <p:style>
-          <a:lnRef idx="2">
-            <a:schemeClr val="accent1">
-              <a:shade val="50000"/>
-            </a:schemeClr>
-          </a:lnRef>
-          <a:fillRef idx="1">
-            <a:schemeClr val="accent1"/>
-          </a:fillRef>
-          <a:effectRef idx="0">
-            <a:schemeClr val="accent1"/>
-          </a:effectRef>
-          <a:fontRef idx="minor">
-            <a:schemeClr val="lt1"/>
-          </a:fontRef>
-        </p:style>
-        <p:txBody>
-          <a:bodyPr rtlCol="0" anchor="ctr"/>
-          <a:lstStyle/>
-          <a:p>
-            <a:pPr algn="ctr"/>
-            <a:endParaRPr lang="en-US"/>
-          </a:p>
-        </p:txBody>
-      </p:sp>
-      <p:sp>
-        <p:nvSpPr>
-          <p:cNvPr id="12" name="Rectangle 11"/>
-          <p:cNvSpPr/>
-          <p:nvPr/>
-        </p:nvSpPr>
-        <p:spPr>
-          <a:xfrm>
-            <a:off x="1384300" y="4764662"/>
-            <a:ext cx="95250" cy="95250"/>
-          </a:xfrm>
-          <a:prstGeom prst="rect">
-            <a:avLst/>
-          </a:prstGeom>
-          <a:solidFill>
-            <a:schemeClr val="bg1"/>
-          </a:solidFill>
-          <a:ln>
-            <a:solidFill>
-              <a:srgbClr val="FF6600"/>
-            </a:solidFill>
-          </a:ln>
-        </p:spPr>
-        <p:style>
-          <a:lnRef idx="2">
-            <a:schemeClr val="accent1">
-              <a:shade val="50000"/>
-            </a:schemeClr>
-          </a:lnRef>
-          <a:fillRef idx="1">
-            <a:schemeClr val="accent1"/>
-          </a:fillRef>
-          <a:effectRef idx="0">
-            <a:schemeClr val="accent1"/>
-          </a:effectRef>
-          <a:fontRef idx="minor">
-            <a:schemeClr val="lt1"/>
-          </a:fontRef>
-        </p:style>
-        <p:txBody>
-          <a:bodyPr rtlCol="0" anchor="ctr"/>
-          <a:lstStyle/>
-          <a:p>
-            <a:pPr algn="ctr"/>
-            <a:endParaRPr lang="en-US"/>
-          </a:p>
-        </p:txBody>
-      </p:sp>
-      <p:sp>
-        <p:nvSpPr>
-          <p:cNvPr id="13" name="Rectangle 12"/>
-          <p:cNvSpPr/>
-          <p:nvPr/>
-        </p:nvSpPr>
-        <p:spPr>
-          <a:xfrm>
-            <a:off x="1574800" y="4914464"/>
-            <a:ext cx="571500" cy="95250"/>
-          </a:xfrm>
-          <a:prstGeom prst="rect">
-            <a:avLst/>
-          </a:prstGeom>
-          <a:solidFill>
-            <a:schemeClr val="bg1"/>
-          </a:solidFill>
-          <a:ln>
-            <a:solidFill>
-              <a:srgbClr val="FF6600"/>
-            </a:solidFill>
-          </a:ln>
-        </p:spPr>
-        <p:style>
-          <a:lnRef idx="2">
-            <a:schemeClr val="accent1">
-              <a:shade val="50000"/>
-            </a:schemeClr>
-          </a:lnRef>
-          <a:fillRef idx="1">
-            <a:schemeClr val="accent1"/>
-          </a:fillRef>
-          <a:effectRef idx="0">
-            <a:schemeClr val="accent1"/>
-          </a:effectRef>
-          <a:fontRef idx="minor">
-            <a:schemeClr val="lt1"/>
-          </a:fontRef>
-        </p:style>
-        <p:txBody>
-          <a:bodyPr rtlCol="0" anchor="ctr"/>
-          <a:lstStyle/>
-          <a:p>
-            <a:pPr algn="ctr"/>
-            <a:endParaRPr lang="en-US"/>
-          </a:p>
-        </p:txBody>
-      </p:sp>
-      <p:sp>
-        <p:nvSpPr>
-          <p:cNvPr id="14" name="Rectangle 13"/>
-          <p:cNvSpPr/>
-          <p:nvPr/>
-        </p:nvSpPr>
-        <p:spPr>
-          <a:xfrm>
-            <a:off x="1384300" y="4914464"/>
-            <a:ext cx="95250" cy="95250"/>
-          </a:xfrm>
-          <a:prstGeom prst="rect">
-            <a:avLst/>
-          </a:prstGeom>
-          <a:solidFill>
-            <a:schemeClr val="bg1"/>
-          </a:solidFill>
-          <a:ln>
-            <a:solidFill>
-              <a:srgbClr val="FF6600"/>
-            </a:solidFill>
-          </a:ln>
-        </p:spPr>
-        <p:style>
-          <a:lnRef idx="2">
-            <a:schemeClr val="accent1">
-              <a:shade val="50000"/>
-            </a:schemeClr>
-          </a:lnRef>
-          <a:fillRef idx="1">
-            <a:schemeClr val="accent1"/>
-          </a:fillRef>
-          <a:effectRef idx="0">
-            <a:schemeClr val="accent1"/>
-          </a:effectRef>
-          <a:fontRef idx="minor">
-            <a:schemeClr val="lt1"/>
-          </a:fontRef>
-        </p:style>
-        <p:txBody>
-          <a:bodyPr rtlCol="0" anchor="ctr"/>
-          <a:lstStyle/>
-          <a:p>
-            <a:pPr algn="ctr"/>
-            <a:endParaRPr lang="en-US"/>
-          </a:p>
-        </p:txBody>
-      </p:sp>
-      <p:sp>
-        <p:nvSpPr>
-          <p:cNvPr id="2068" name="5-Point Star 2067"/>
-          <p:cNvSpPr>
-            <a:spLocks noChangeAspect="1"/>
-          </p:cNvSpPr>
-          <p:nvPr/>
-        </p:nvSpPr>
-        <p:spPr>
-          <a:xfrm rot="1885134">
-            <a:off x="1070173" y="4094146"/>
-            <a:ext cx="335280" cy="335280"/>
-          </a:xfrm>
-          <a:prstGeom prst="star5">
-            <a:avLst/>
-          </a:prstGeom>
-          <a:solidFill>
-            <a:schemeClr val="bg1"/>
-          </a:solidFill>
-          <a:ln w="38100" cap="rnd">
-            <a:solidFill>
-              <a:srgbClr val="FF6600"/>
-            </a:solidFill>
-          </a:ln>
-        </p:spPr>
-        <p:style>
-          <a:lnRef idx="2">
-            <a:schemeClr val="accent1">
-              <a:shade val="50000"/>
-            </a:schemeClr>
-          </a:lnRef>
-          <a:fillRef idx="1">
-            <a:schemeClr val="accent1"/>
-          </a:fillRef>
-          <a:effectRef idx="0">
-            <a:schemeClr val="accent1"/>
-          </a:effectRef>
-          <a:fontRef idx="minor">
-            <a:schemeClr val="lt1"/>
-          </a:fontRef>
-        </p:style>
-        <p:txBody>
-          <a:bodyPr rtlCol="0" anchor="ctr"/>
-          <a:lstStyle/>
-          <a:p>
-            <a:pPr algn="ctr"/>
-            <a:endParaRPr lang="en-US"/>
-          </a:p>
-        </p:txBody>
-      </p:sp>
-      <p:sp>
-        <p:nvSpPr>
-          <p:cNvPr id="20" name="Flowchart: Connector 19"/>
-          <p:cNvSpPr/>
-          <p:nvPr/>
-        </p:nvSpPr>
-        <p:spPr>
-          <a:xfrm>
-            <a:off x="685799" y="4697820"/>
-            <a:ext cx="603113" cy="735178"/>
-          </a:xfrm>
-          <a:custGeom>
-            <a:avLst/>
-            <a:gdLst/>
-            <a:ahLst/>
-            <a:cxnLst/>
-            <a:rect l="l" t="t" r="r" b="b"/>
-            <a:pathLst>
-              <a:path w="533400" h="650200">
-                <a:moveTo>
-                  <a:pt x="174900" y="0"/>
-                </a:moveTo>
-                <a:lnTo>
-                  <a:pt x="358501" y="0"/>
-                </a:lnTo>
-                <a:cubicBezTo>
-                  <a:pt x="367269" y="0"/>
-                  <a:pt x="374376" y="7107"/>
-                  <a:pt x="374376" y="15875"/>
-                </a:cubicBezTo>
-                <a:lnTo>
-                  <a:pt x="374376" y="79375"/>
-                </a:lnTo>
-                <a:cubicBezTo>
-                  <a:pt x="374376" y="88143"/>
-                  <a:pt x="367269" y="95250"/>
-                  <a:pt x="358501" y="95250"/>
-                </a:cubicBezTo>
-                <a:lnTo>
-                  <a:pt x="342900" y="95250"/>
-                </a:lnTo>
-                <a:lnTo>
-                  <a:pt x="342900" y="247206"/>
-                </a:lnTo>
-                <a:cubicBezTo>
-                  <a:pt x="453182" y="272219"/>
-                  <a:pt x="533400" y="352973"/>
-                  <a:pt x="533400" y="448562"/>
-                </a:cubicBezTo>
-                <a:cubicBezTo>
-                  <a:pt x="533400" y="544485"/>
-                  <a:pt x="452620" y="625469"/>
-                  <a:pt x="341753" y="650200"/>
-                </a:cubicBezTo>
-                <a:lnTo>
-                  <a:pt x="191647" y="650200"/>
-                </a:lnTo>
-                <a:cubicBezTo>
-                  <a:pt x="80780" y="625469"/>
-                  <a:pt x="0" y="544485"/>
-                  <a:pt x="0" y="448562"/>
-                </a:cubicBezTo>
-                <a:cubicBezTo>
-                  <a:pt x="0" y="352973"/>
-                  <a:pt x="80219" y="272219"/>
-                  <a:pt x="190500" y="247206"/>
-                </a:cubicBezTo>
-                <a:lnTo>
-                  <a:pt x="190500" y="95250"/>
-                </a:lnTo>
-                <a:lnTo>
-                  <a:pt x="174900" y="95250"/>
-                </a:lnTo>
-                <a:cubicBezTo>
-                  <a:pt x="166132" y="95250"/>
-                  <a:pt x="159025" y="88143"/>
-                  <a:pt x="159025" y="79375"/>
-                </a:cubicBezTo>
-                <a:lnTo>
-                  <a:pt x="159025" y="15875"/>
-                </a:lnTo>
-                <a:cubicBezTo>
-                  <a:pt x="159025" y="7107"/>
-                  <a:pt x="166132" y="0"/>
-                  <a:pt x="174900" y="0"/>
-                </a:cubicBezTo>
-                <a:close/>
-              </a:path>
-            </a:pathLst>
-          </a:custGeom>
-          <a:solidFill>
-            <a:schemeClr val="bg1"/>
-          </a:solidFill>
-          <a:ln w="76200">
-            <a:solidFill>
-              <a:srgbClr val="FF6600"/>
-            </a:solidFill>
-          </a:ln>
-        </p:spPr>
-        <p:style>
-          <a:lnRef idx="2">
-            <a:schemeClr val="accent1">
-              <a:shade val="50000"/>
-            </a:schemeClr>
-          </a:lnRef>
-          <a:fillRef idx="1">
-            <a:schemeClr val="accent1"/>
-          </a:fillRef>
-          <a:effectRef idx="0">
-            <a:schemeClr val="accent1"/>
-          </a:effectRef>
-          <a:fontRef idx="minor">
-            <a:schemeClr val="lt1"/>
-          </a:fontRef>
-        </p:style>
-        <p:txBody>
-          <a:bodyPr rtlCol="0" anchor="ctr"/>
-          <a:lstStyle/>
-          <a:p>
-            <a:pPr algn="ctr"/>
-            <a:endParaRPr lang="en-US"/>
-          </a:p>
-        </p:txBody>
-      </p:sp>
-      <p:sp>
-        <p:nvSpPr>
-          <p:cNvPr id="42" name="5-Point Star 41"/>
-          <p:cNvSpPr>
-            <a:spLocks noChangeAspect="1"/>
-          </p:cNvSpPr>
-          <p:nvPr/>
-        </p:nvSpPr>
-        <p:spPr>
-          <a:xfrm rot="1018584">
-            <a:off x="909931" y="4548424"/>
-            <a:ext cx="154847" cy="154847"/>
-          </a:xfrm>
-          <a:prstGeom prst="star5">
-            <a:avLst/>
-          </a:prstGeom>
-          <a:solidFill>
-            <a:schemeClr val="bg1"/>
-          </a:solidFill>
-          <a:ln w="3175" cap="rnd">
-            <a:solidFill>
-              <a:srgbClr val="FF6600"/>
-            </a:solidFill>
-          </a:ln>
-        </p:spPr>
-        <p:style>
-          <a:lnRef idx="2">
-            <a:schemeClr val="accent1">
-              <a:shade val="50000"/>
-            </a:schemeClr>
-          </a:lnRef>
-          <a:fillRef idx="1">
-            <a:schemeClr val="accent1"/>
-          </a:fillRef>
-          <a:effectRef idx="0">
-            <a:schemeClr val="accent1"/>
-          </a:effectRef>
-          <a:fontRef idx="minor">
-            <a:schemeClr val="lt1"/>
-          </a:fontRef>
-        </p:style>
-        <p:txBody>
-          <a:bodyPr rtlCol="0" anchor="ctr"/>
-          <a:lstStyle/>
-          <a:p>
-            <a:pPr algn="ctr"/>
-            <a:endParaRPr lang="en-US"/>
-          </a:p>
-        </p:txBody>
-      </p:sp>
-      <p:sp>
-        <p:nvSpPr>
-          <p:cNvPr id="51" name="5-Point Star 50"/>
-          <p:cNvSpPr>
-            <a:spLocks noChangeAspect="1"/>
-          </p:cNvSpPr>
-          <p:nvPr/>
-        </p:nvSpPr>
-        <p:spPr>
-          <a:xfrm rot="20591310">
-            <a:off x="979689" y="4356084"/>
-            <a:ext cx="187384" cy="187384"/>
-          </a:xfrm>
-          <a:prstGeom prst="star5">
-            <a:avLst/>
-          </a:prstGeom>
-          <a:solidFill>
-            <a:schemeClr val="bg1"/>
-          </a:solidFill>
-          <a:ln w="38100" cap="rnd">
-            <a:noFill/>
-          </a:ln>
-        </p:spPr>
-        <p:style>
-          <a:lnRef idx="2">
-            <a:schemeClr val="accent1">
-              <a:shade val="50000"/>
-            </a:schemeClr>
-          </a:lnRef>
-          <a:fillRef idx="1">
-            <a:schemeClr val="accent1"/>
-          </a:fillRef>
-          <a:effectRef idx="0">
-            <a:schemeClr val="accent1"/>
-          </a:effectRef>
-          <a:fontRef idx="minor">
-            <a:schemeClr val="lt1"/>
-          </a:fontRef>
-        </p:style>
-        <p:txBody>
-          <a:bodyPr rtlCol="0" anchor="ctr"/>
-          <a:lstStyle/>
-          <a:p>
-            <a:pPr algn="ctr"/>
-            <a:endParaRPr lang="en-US"/>
-          </a:p>
-        </p:txBody>
-      </p:sp>
-    </p:spTree>
-    <p:extLst>
-      <p:ext uri="{BB962C8B-B14F-4D97-AF65-F5344CB8AC3E}">
-        <p14:creationId xmlns:p14="http://schemas.microsoft.com/office/powerpoint/2010/main" val="1258218295"/>
-      </p:ext>
-    </p:extLst>
-  </p:cSld>
-  <p:clrMapOvr>
-    <a:masterClrMapping/>
-  </p:clrMapOvr>
-  <p:timing>
-    <p:tnLst>
-      <p:par>
-        <p:cTn id="1" dur="indefinite" restart="never" nodeType="tmRoot"/>
-      </p:par>
-    </p:tnLst>
-  </p:timing>
-</p:sld>
-</file>
-
-<file path=ppt/slides/slide4.xml><?xml version="1.0" encoding="utf-8"?>
-<p:sld xmlns:a="http://schemas.openxmlformats.org/drawingml/2006/main" xmlns:r="http://schemas.openxmlformats.org/officeDocument/2006/relationships" xmlns:p="http://schemas.openxmlformats.org/presentationml/2006/main">
-  <p:cSld>
-    <p:bg>
-      <p:bgPr>
-        <a:solidFill>
-          <a:schemeClr val="bg1"/>
-        </a:solidFill>
-        <a:effectLst/>
-      </p:bgPr>
-    </p:bg>
-    <p:spTree>
-      <p:nvGrpSpPr>
-        <p:cNvPr id="1" name=""/>
-        <p:cNvGrpSpPr/>
-        <p:nvPr/>
-      </p:nvGrpSpPr>
-      <p:grpSpPr>
-        <a:xfrm>
-          <a:off x="0" y="0"/>
-          <a:ext cx="0" cy="0"/>
-          <a:chOff x="0" y="0"/>
-          <a:chExt cx="0" cy="0"/>
-        </a:xfrm>
-      </p:grpSpPr>
-      <p:pic>
-        <p:nvPicPr>
-          <p:cNvPr id="2050" name="Picture 2" descr="http://shareknowledge-lms.com/images/csk/dop/powerpoint-icon.jpg"/>
-          <p:cNvPicPr>
-            <a:picLocks noChangeAspect="1" noChangeArrowheads="1"/>
-          </p:cNvPicPr>
-          <p:nvPr/>
-        </p:nvPicPr>
-        <p:blipFill>
-          <a:blip r:embed="rId3">
-            <a:extLst>
-              <a:ext uri="{28A0092B-C50C-407E-A947-70E740481C1C}">
-                <a14:useLocalDpi xmlns:a14="http://schemas.microsoft.com/office/drawing/2010/main" val="0"/>
-              </a:ext>
-            </a:extLst>
-          </a:blip>
-          <a:srcRect/>
-          <a:stretch>
-            <a:fillRect/>
-          </a:stretch>
-        </p:blipFill>
-        <p:spPr bwMode="auto">
-          <a:xfrm>
-            <a:off x="4419600" y="533400"/>
-            <a:ext cx="1981200" cy="1981202"/>
-          </a:xfrm>
-          <a:prstGeom prst="rect">
-            <a:avLst/>
-          </a:prstGeom>
-          <a:noFill/>
-          <a:extLst>
-            <a:ext uri="{909E8E84-426E-40DD-AFC4-6F175D3DCCD1}">
-              <a14:hiddenFill xmlns:a14="http://schemas.microsoft.com/office/drawing/2010/main">
-                <a:solidFill>
-                  <a:srgbClr val="FFFFFF"/>
-                </a:solidFill>
-              </a14:hiddenFill>
-            </a:ext>
-          </a:extLst>
-        </p:spPr>
-      </p:pic>
-      <p:pic>
-        <p:nvPicPr>
-          <p:cNvPr id="27" name="Picture 2" descr="http://1.bp.blogspot.com/-QeYY0Vv33hw/TdDA1-FTuLI/AAAAAAAAAOM/tzWBS1Mrvhs/s1600/ppt_logo.png"/>
-          <p:cNvPicPr>
-            <a:picLocks noChangeAspect="1" noChangeArrowheads="1"/>
-          </p:cNvPicPr>
-          <p:nvPr/>
-        </p:nvPicPr>
-        <p:blipFill>
-          <a:blip r:embed="rId4">
-            <a:extLst>
-              <a:ext uri="{28A0092B-C50C-407E-A947-70E740481C1C}">
-                <a14:useLocalDpi xmlns:a14="http://schemas.microsoft.com/office/drawing/2010/main" val="0"/>
-              </a:ext>
-            </a:extLst>
-          </a:blip>
-          <a:srcRect/>
-          <a:stretch>
-            <a:fillRect/>
-          </a:stretch>
-        </p:blipFill>
-        <p:spPr bwMode="auto">
-          <a:xfrm>
-            <a:off x="1315856" y="250138"/>
-            <a:ext cx="2736850" cy="2736850"/>
-          </a:xfrm>
-          <a:prstGeom prst="rect">
-            <a:avLst/>
-          </a:prstGeom>
-          <a:noFill/>
-          <a:extLst>
-            <a:ext uri="{909E8E84-426E-40DD-AFC4-6F175D3DCCD1}">
-              <a14:hiddenFill xmlns:a14="http://schemas.microsoft.com/office/drawing/2010/main">
-                <a:solidFill>
-                  <a:srgbClr val="FFFFFF"/>
-                </a:solidFill>
-              </a14:hiddenFill>
-            </a:ext>
-          </a:extLst>
-        </p:spPr>
-      </p:pic>
       <p:grpSp>
         <p:nvGrpSpPr>
           <p:cNvPr id="9" name="Group 8"/>
@@ -7288,6 +6299,14 @@
   <p:clrMapOvr>
     <a:masterClrMapping/>
   </p:clrMapOvr>
+  <mc:AlternateContent xmlns:mc="http://schemas.openxmlformats.org/markup-compatibility/2006">
+    <mc:Choice xmlns:p14="http://schemas.microsoft.com/office/powerpoint/2010/main" Requires="p14">
+      <p:transition spd="slow" p14:dur="2000"/>
+    </mc:Choice>
+    <mc:Fallback>
+      <p:transition spd="slow"/>
+    </mc:Fallback>
+  </mc:AlternateContent>
   <p:timing>
     <p:tnLst>
       <p:par>
@@ -7298,126 +6317,8 @@
 </p:sld>
 </file>
 
-<file path=ppt/slides/slide5.xml><?xml version="1.0" encoding="utf-8"?>
-<p:sld xmlns:a="http://schemas.openxmlformats.org/drawingml/2006/main" xmlns:r="http://schemas.openxmlformats.org/officeDocument/2006/relationships" xmlns:p="http://schemas.openxmlformats.org/presentationml/2006/main">
-  <p:cSld>
-    <p:spTree>
-      <p:nvGrpSpPr>
-        <p:cNvPr id="1" name=""/>
-        <p:cNvGrpSpPr/>
-        <p:nvPr/>
-      </p:nvGrpSpPr>
-      <p:grpSpPr>
-        <a:xfrm>
-          <a:off x="0" y="0"/>
-          <a:ext cx="0" cy="0"/>
-          <a:chOff x="0" y="0"/>
-          <a:chExt cx="0" cy="0"/>
-        </a:xfrm>
-      </p:grpSpPr>
-      <p:sp>
-        <p:nvSpPr>
-          <p:cNvPr id="2" name="Title 1"/>
-          <p:cNvSpPr>
-            <a:spLocks noGrp="1"/>
-          </p:cNvSpPr>
-          <p:nvPr>
-            <p:ph type="title"/>
-          </p:nvPr>
-        </p:nvSpPr>
-        <p:spPr/>
-        <p:txBody>
-          <a:bodyPr/>
-          <a:lstStyle/>
-          <a:p>
-            <a:endParaRPr lang="en-US"/>
-          </a:p>
-        </p:txBody>
-      </p:sp>
-      <p:pic>
-        <p:nvPicPr>
-          <p:cNvPr id="1026" name="Picture 2"/>
-          <p:cNvPicPr>
-            <a:picLocks noChangeAspect="1" noChangeArrowheads="1"/>
-          </p:cNvPicPr>
-          <p:nvPr/>
-        </p:nvPicPr>
-        <p:blipFill rotWithShape="1">
-          <a:blip r:embed="rId2">
-            <a:extLst>
-              <a:ext uri="{28A0092B-C50C-407E-A947-70E740481C1C}">
-                <a14:useLocalDpi xmlns:a14="http://schemas.microsoft.com/office/drawing/2010/main" val="0"/>
-              </a:ext>
-            </a:extLst>
-          </a:blip>
-          <a:srcRect t="15393" r="11966" b="25388"/>
-          <a:stretch/>
-        </p:blipFill>
-        <p:spPr bwMode="auto">
-          <a:xfrm>
-            <a:off x="182564" y="2133600"/>
-            <a:ext cx="7728382" cy="2216727"/>
-          </a:xfrm>
-          <a:prstGeom prst="rect">
-            <a:avLst/>
-          </a:prstGeom>
-          <a:noFill/>
-          <a:ln>
-            <a:noFill/>
-          </a:ln>
-          <a:effectLst/>
-          <a:extLst>
-            <a:ext uri="{909E8E84-426E-40DD-AFC4-6F175D3DCCD1}">
-              <a14:hiddenFill xmlns:a14="http://schemas.microsoft.com/office/drawing/2010/main">
-                <a:solidFill>
-                  <a:schemeClr val="accent1"/>
-                </a:solidFill>
-              </a14:hiddenFill>
-            </a:ext>
-            <a:ext uri="{91240B29-F687-4F45-9708-019B960494DF}">
-              <a14:hiddenLine xmlns:a14="http://schemas.microsoft.com/office/drawing/2010/main" w="9525">
-                <a:solidFill>
-                  <a:schemeClr val="tx1"/>
-                </a:solidFill>
-                <a:miter lim="800000"/>
-                <a:headEnd/>
-                <a:tailEnd/>
-              </a14:hiddenLine>
-            </a:ext>
-            <a:ext uri="{AF507438-7753-43E0-B8FC-AC1667EBCBE1}">
-              <a14:hiddenEffects xmlns:a14="http://schemas.microsoft.com/office/drawing/2010/main">
-                <a:effectLst>
-                  <a:outerShdw dist="35921" dir="2700000" algn="ctr" rotWithShape="0">
-                    <a:schemeClr val="bg2"/>
-                  </a:outerShdw>
-                </a:effectLst>
-              </a14:hiddenEffects>
-            </a:ext>
-          </a:extLst>
-        </p:spPr>
-      </p:pic>
-    </p:spTree>
-    <p:extLst>
-      <p:ext uri="{BB962C8B-B14F-4D97-AF65-F5344CB8AC3E}">
-        <p14:creationId xmlns:p14="http://schemas.microsoft.com/office/powerpoint/2010/main" val="305546253"/>
-      </p:ext>
-    </p:extLst>
-  </p:cSld>
-  <p:clrMapOvr>
-    <a:masterClrMapping/>
-  </p:clrMapOvr>
-  <p:timing>
-    <p:tnLst>
-      <p:par>
-        <p:cTn id="1" dur="indefinite" restart="never" nodeType="tmRoot"/>
-      </p:par>
-    </p:tnLst>
-  </p:timing>
-</p:sld>
-</file>
-
-<file path=ppt/slides/slide6.xml><?xml version="1.0" encoding="utf-8"?>
-<p:sld xmlns:a="http://schemas.openxmlformats.org/drawingml/2006/main" xmlns:r="http://schemas.openxmlformats.org/officeDocument/2006/relationships" xmlns:p="http://schemas.openxmlformats.org/presentationml/2006/main">
+<file path=ppt/slides/slide4.xml><?xml version="1.0" encoding="utf-8"?>
+<p:sld xmlns:a="http://schemas.openxmlformats.org/drawingml/2006/main" xmlns:r="http://schemas.openxmlformats.org/officeDocument/2006/relationships" xmlns:p="http://schemas.openxmlformats.org/presentationml/2006/main" show="0">
   <p:cSld>
     <p:bg>
       <p:bgPr>
@@ -7441,88 +6342,6 @@
           <a:chExt cx="0" cy="0"/>
         </a:xfrm>
       </p:grpSpPr>
-      <p:pic>
-        <p:nvPicPr>
-          <p:cNvPr id="2050" name="Picture 2" descr="http://shareknowledge-lms.com/images/csk/dop/powerpoint-icon.jpg"/>
-          <p:cNvPicPr>
-            <a:picLocks noChangeAspect="1" noChangeArrowheads="1"/>
-          </p:cNvPicPr>
-          <p:nvPr/>
-        </p:nvPicPr>
-        <p:blipFill>
-          <a:blip r:embed="rId3">
-            <a:extLst>
-              <a:ext uri="{28A0092B-C50C-407E-A947-70E740481C1C}">
-                <a14:useLocalDpi xmlns:a14="http://schemas.microsoft.com/office/drawing/2010/main" val="0"/>
-              </a:ext>
-            </a:extLst>
-          </a:blip>
-          <a:srcRect/>
-          <a:stretch>
-            <a:fillRect/>
-          </a:stretch>
-        </p:blipFill>
-        <p:spPr bwMode="auto">
-          <a:xfrm>
-            <a:off x="4419600" y="533400"/>
-            <a:ext cx="1981200" cy="1981202"/>
-          </a:xfrm>
-          <a:prstGeom prst="rect">
-            <a:avLst/>
-          </a:prstGeom>
-          <a:noFill/>
-          <a:extLst>
-            <a:ext uri="{909E8E84-426E-40DD-AFC4-6F175D3DCCD1}">
-              <a14:hiddenFill xmlns:a14="http://schemas.microsoft.com/office/drawing/2010/main">
-                <a:solidFill>
-                  <a:srgbClr val="FFFFFF"/>
-                </a:solidFill>
-              </a14:hiddenFill>
-            </a:ext>
-          </a:extLst>
-        </p:spPr>
-      </p:pic>
-      <p:pic>
-        <p:nvPicPr>
-          <p:cNvPr id="27" name="Picture 2" descr="http://1.bp.blogspot.com/-QeYY0Vv33hw/TdDA1-FTuLI/AAAAAAAAAOM/tzWBS1Mrvhs/s1600/ppt_logo.png"/>
-          <p:cNvPicPr>
-            <a:picLocks noChangeAspect="1" noChangeArrowheads="1"/>
-          </p:cNvPicPr>
-          <p:nvPr/>
-        </p:nvPicPr>
-        <p:blipFill>
-          <a:blip r:embed="rId4">
-            <a:extLst>
-              <a:ext uri="{28A0092B-C50C-407E-A947-70E740481C1C}">
-                <a14:useLocalDpi xmlns:a14="http://schemas.microsoft.com/office/drawing/2010/main" val="0"/>
-              </a:ext>
-            </a:extLst>
-          </a:blip>
-          <a:srcRect/>
-          <a:stretch>
-            <a:fillRect/>
-          </a:stretch>
-        </p:blipFill>
-        <p:spPr bwMode="auto">
-          <a:xfrm>
-            <a:off x="1315856" y="250138"/>
-            <a:ext cx="2736850" cy="2736850"/>
-          </a:xfrm>
-          <a:prstGeom prst="rect">
-            <a:avLst/>
-          </a:prstGeom>
-          <a:noFill/>
-          <a:extLst>
-            <a:ext uri="{909E8E84-426E-40DD-AFC4-6F175D3DCCD1}">
-              <a14:hiddenFill xmlns:a14="http://schemas.microsoft.com/office/drawing/2010/main">
-                <a:solidFill>
-                  <a:srgbClr val="FFFFFF"/>
-                </a:solidFill>
-              </a14:hiddenFill>
-            </a:ext>
-          </a:extLst>
-        </p:spPr>
-      </p:pic>
       <p:grpSp>
         <p:nvGrpSpPr>
           <p:cNvPr id="4" name="Group 3"/>
@@ -8650,6 +7469,14 @@
   <p:clrMapOvr>
     <a:masterClrMapping/>
   </p:clrMapOvr>
+  <mc:AlternateContent xmlns:mc="http://schemas.openxmlformats.org/markup-compatibility/2006">
+    <mc:Choice xmlns:p14="http://schemas.microsoft.com/office/powerpoint/2010/main" Requires="p14">
+      <p:transition spd="slow" p14:dur="2000"/>
+    </mc:Choice>
+    <mc:Fallback>
+      <p:transition spd="slow"/>
+    </mc:Fallback>
+  </mc:AlternateContent>
   <p:timing>
     <p:tnLst>
       <p:par>
@@ -8660,7 +7487,7 @@
 </p:sld>
 </file>
 
-<file path=ppt/slides/slide7.xml><?xml version="1.0" encoding="utf-8"?>
+<file path=ppt/slides/slide5.xml><?xml version="1.0" encoding="utf-8"?>
 <p:sld xmlns:a="http://schemas.openxmlformats.org/drawingml/2006/main" xmlns:r="http://schemas.openxmlformats.org/officeDocument/2006/relationships" xmlns:p="http://schemas.openxmlformats.org/presentationml/2006/main">
   <p:cSld>
     <p:spTree>
@@ -8677,144 +7504,3488 @@
           <a:chExt cx="0" cy="0"/>
         </a:xfrm>
       </p:grpSpPr>
+      <p:grpSp>
+        <p:nvGrpSpPr>
+          <p:cNvPr id="100" name="Group 99"/>
+          <p:cNvGrpSpPr/>
+          <p:nvPr/>
+        </p:nvGrpSpPr>
+        <p:grpSpPr>
+          <a:xfrm>
+            <a:off x="2150418" y="2361045"/>
+            <a:ext cx="838200" cy="838200"/>
+            <a:chOff x="2150418" y="2361045"/>
+            <a:chExt cx="838200" cy="838200"/>
+          </a:xfrm>
+        </p:grpSpPr>
+        <p:sp>
+          <p:nvSpPr>
+            <p:cNvPr id="4" name="Rectangle 3"/>
+            <p:cNvSpPr/>
+            <p:nvPr/>
+          </p:nvSpPr>
+          <p:spPr>
+            <a:xfrm>
+              <a:off x="2228551" y="2432718"/>
+              <a:ext cx="587583" cy="541382"/>
+            </a:xfrm>
+            <a:prstGeom prst="rect">
+              <a:avLst/>
+            </a:prstGeom>
+            <a:solidFill>
+              <a:schemeClr val="accent6"/>
+            </a:solidFill>
+            <a:ln>
+              <a:noFill/>
+            </a:ln>
+          </p:spPr>
+          <p:style>
+            <a:lnRef idx="2">
+              <a:schemeClr val="accent1">
+                <a:shade val="50000"/>
+              </a:schemeClr>
+            </a:lnRef>
+            <a:fillRef idx="1">
+              <a:schemeClr val="accent1"/>
+            </a:fillRef>
+            <a:effectRef idx="0">
+              <a:schemeClr val="accent1"/>
+            </a:effectRef>
+            <a:fontRef idx="minor">
+              <a:schemeClr val="lt1"/>
+            </a:fontRef>
+          </p:style>
+          <p:txBody>
+            <a:bodyPr rtlCol="0" anchor="ctr"/>
+            <a:lstStyle/>
+            <a:p>
+              <a:pPr algn="ctr"/>
+              <a:endParaRPr lang="en-US"/>
+            </a:p>
+          </p:txBody>
+        </p:sp>
+        <p:sp>
+          <p:nvSpPr>
+            <p:cNvPr id="5" name="Rectangle 4"/>
+            <p:cNvSpPr/>
+            <p:nvPr/>
+          </p:nvSpPr>
+          <p:spPr>
+            <a:xfrm>
+              <a:off x="2325531" y="2515843"/>
+              <a:ext cx="571012" cy="541382"/>
+            </a:xfrm>
+            <a:custGeom>
+              <a:avLst/>
+              <a:gdLst/>
+              <a:ahLst/>
+              <a:cxnLst/>
+              <a:rect l="l" t="t" r="r" b="b"/>
+              <a:pathLst>
+                <a:path w="716030" h="678875">
+                  <a:moveTo>
+                    <a:pt x="332954" y="123435"/>
+                  </a:moveTo>
+                  <a:cubicBezTo>
+                    <a:pt x="241011" y="123435"/>
+                    <a:pt x="166477" y="199421"/>
+                    <a:pt x="166477" y="293154"/>
+                  </a:cubicBezTo>
+                  <a:cubicBezTo>
+                    <a:pt x="166477" y="386887"/>
+                    <a:pt x="241011" y="462873"/>
+                    <a:pt x="332954" y="462873"/>
+                  </a:cubicBezTo>
+                  <a:cubicBezTo>
+                    <a:pt x="424896" y="462873"/>
+                    <a:pt x="499431" y="386887"/>
+                    <a:pt x="499431" y="293154"/>
+                  </a:cubicBezTo>
+                  <a:cubicBezTo>
+                    <a:pt x="499431" y="199421"/>
+                    <a:pt x="424896" y="123435"/>
+                    <a:pt x="332954" y="123435"/>
+                  </a:cubicBezTo>
+                  <a:close/>
+                  <a:moveTo>
+                    <a:pt x="0" y="0"/>
+                  </a:moveTo>
+                  <a:lnTo>
+                    <a:pt x="716030" y="0"/>
+                  </a:lnTo>
+                  <a:lnTo>
+                    <a:pt x="716030" y="678875"/>
+                  </a:lnTo>
+                  <a:lnTo>
+                    <a:pt x="0" y="678875"/>
+                  </a:lnTo>
+                  <a:close/>
+                </a:path>
+              </a:pathLst>
+            </a:custGeom>
+            <a:solidFill>
+              <a:srgbClr val="0070C0">
+                <a:alpha val="67000"/>
+              </a:srgbClr>
+            </a:solidFill>
+            <a:ln>
+              <a:noFill/>
+            </a:ln>
+          </p:spPr>
+          <p:style>
+            <a:lnRef idx="2">
+              <a:schemeClr val="accent1">
+                <a:shade val="50000"/>
+              </a:schemeClr>
+            </a:lnRef>
+            <a:fillRef idx="1">
+              <a:schemeClr val="accent1"/>
+            </a:fillRef>
+            <a:effectRef idx="0">
+              <a:schemeClr val="accent1"/>
+            </a:effectRef>
+            <a:fontRef idx="minor">
+              <a:schemeClr val="lt1"/>
+            </a:fontRef>
+          </p:style>
+          <p:txBody>
+            <a:bodyPr rtlCol="0" anchor="ctr"/>
+            <a:lstStyle/>
+            <a:p>
+              <a:pPr algn="ctr"/>
+              <a:endParaRPr lang="en-US"/>
+            </a:p>
+          </p:txBody>
+        </p:sp>
+        <p:sp>
+          <p:nvSpPr>
+            <p:cNvPr id="41" name="Rectangle 40"/>
+            <p:cNvSpPr/>
+            <p:nvPr/>
+          </p:nvSpPr>
+          <p:spPr>
+            <a:xfrm>
+              <a:off x="2150418" y="2361045"/>
+              <a:ext cx="838200" cy="838200"/>
+            </a:xfrm>
+            <a:prstGeom prst="rect">
+              <a:avLst/>
+            </a:prstGeom>
+            <a:noFill/>
+            <a:ln>
+              <a:noFill/>
+            </a:ln>
+          </p:spPr>
+          <p:style>
+            <a:lnRef idx="2">
+              <a:schemeClr val="accent1">
+                <a:shade val="50000"/>
+              </a:schemeClr>
+            </a:lnRef>
+            <a:fillRef idx="1">
+              <a:schemeClr val="accent1"/>
+            </a:fillRef>
+            <a:effectRef idx="0">
+              <a:schemeClr val="accent1"/>
+            </a:effectRef>
+            <a:fontRef idx="minor">
+              <a:schemeClr val="lt1"/>
+            </a:fontRef>
+          </p:style>
+          <p:txBody>
+            <a:bodyPr rtlCol="0" anchor="ctr"/>
+            <a:lstStyle/>
+            <a:p>
+              <a:pPr algn="ctr"/>
+              <a:endParaRPr lang="en-SG"/>
+            </a:p>
+          </p:txBody>
+        </p:sp>
+      </p:grpSp>
+      <p:grpSp>
+        <p:nvGrpSpPr>
+          <p:cNvPr id="89" name="Group 88"/>
+          <p:cNvGrpSpPr/>
+          <p:nvPr/>
+        </p:nvGrpSpPr>
+        <p:grpSpPr>
+          <a:xfrm>
+            <a:off x="152400" y="2357870"/>
+            <a:ext cx="838200" cy="838200"/>
+            <a:chOff x="152400" y="2357870"/>
+            <a:chExt cx="838200" cy="838200"/>
+          </a:xfrm>
+        </p:grpSpPr>
+        <p:sp>
+          <p:nvSpPr>
+            <p:cNvPr id="15" name="Rectangle 14"/>
+            <p:cNvSpPr/>
+            <p:nvPr/>
+          </p:nvSpPr>
+          <p:spPr>
+            <a:xfrm>
+              <a:off x="169219" y="2417330"/>
+              <a:ext cx="504000" cy="324000"/>
+            </a:xfrm>
+            <a:prstGeom prst="rect">
+              <a:avLst/>
+            </a:prstGeom>
+            <a:solidFill>
+              <a:schemeClr val="accent6"/>
+            </a:solidFill>
+            <a:ln>
+              <a:solidFill>
+                <a:schemeClr val="bg1"/>
+              </a:solidFill>
+            </a:ln>
+          </p:spPr>
+          <p:style>
+            <a:lnRef idx="2">
+              <a:schemeClr val="accent1">
+                <a:shade val="50000"/>
+              </a:schemeClr>
+            </a:lnRef>
+            <a:fillRef idx="1">
+              <a:schemeClr val="accent1"/>
+            </a:fillRef>
+            <a:effectRef idx="0">
+              <a:schemeClr val="accent1"/>
+            </a:effectRef>
+            <a:fontRef idx="minor">
+              <a:schemeClr val="lt1"/>
+            </a:fontRef>
+          </p:style>
+          <p:txBody>
+            <a:bodyPr rtlCol="0" anchor="ctr"/>
+            <a:lstStyle/>
+            <a:p>
+              <a:pPr algn="ctr"/>
+              <a:endParaRPr lang="en-US"/>
+            </a:p>
+          </p:txBody>
+        </p:sp>
+        <p:sp>
+          <p:nvSpPr>
+            <p:cNvPr id="16" name="Rectangle 15"/>
+            <p:cNvSpPr/>
+            <p:nvPr/>
+          </p:nvSpPr>
+          <p:spPr>
+            <a:xfrm rot="20725682">
+              <a:off x="292174" y="2610071"/>
+              <a:ext cx="504000" cy="324000"/>
+            </a:xfrm>
+            <a:prstGeom prst="rect">
+              <a:avLst/>
+            </a:prstGeom>
+            <a:solidFill>
+              <a:srgbClr val="0070C0"/>
+            </a:solidFill>
+            <a:ln>
+              <a:solidFill>
+                <a:schemeClr val="bg1"/>
+              </a:solidFill>
+            </a:ln>
+          </p:spPr>
+          <p:style>
+            <a:lnRef idx="2">
+              <a:schemeClr val="accent1">
+                <a:shade val="50000"/>
+              </a:schemeClr>
+            </a:lnRef>
+            <a:fillRef idx="1">
+              <a:schemeClr val="accent1"/>
+            </a:fillRef>
+            <a:effectRef idx="0">
+              <a:schemeClr val="accent1"/>
+            </a:effectRef>
+            <a:fontRef idx="minor">
+              <a:schemeClr val="lt1"/>
+            </a:fontRef>
+          </p:style>
+          <p:txBody>
+            <a:bodyPr rtlCol="0" anchor="ctr"/>
+            <a:lstStyle/>
+            <a:p>
+              <a:pPr algn="ctr"/>
+              <a:endParaRPr lang="en-US"/>
+            </a:p>
+          </p:txBody>
+        </p:sp>
+        <p:sp>
+          <p:nvSpPr>
+            <p:cNvPr id="22" name="Isosceles Triangle 21"/>
+            <p:cNvSpPr/>
+            <p:nvPr/>
+          </p:nvSpPr>
+          <p:spPr>
+            <a:xfrm>
+              <a:off x="225195" y="2471922"/>
+              <a:ext cx="113312" cy="113312"/>
+            </a:xfrm>
+            <a:prstGeom prst="triangle">
+              <a:avLst/>
+            </a:prstGeom>
+            <a:solidFill>
+              <a:schemeClr val="bg1"/>
+            </a:solidFill>
+            <a:ln>
+              <a:solidFill>
+                <a:schemeClr val="bg1"/>
+              </a:solidFill>
+            </a:ln>
+          </p:spPr>
+          <p:style>
+            <a:lnRef idx="2">
+              <a:schemeClr val="accent1">
+                <a:shade val="50000"/>
+              </a:schemeClr>
+            </a:lnRef>
+            <a:fillRef idx="1">
+              <a:schemeClr val="accent1"/>
+            </a:fillRef>
+            <a:effectRef idx="0">
+              <a:schemeClr val="accent1"/>
+            </a:effectRef>
+            <a:fontRef idx="minor">
+              <a:schemeClr val="lt1"/>
+            </a:fontRef>
+          </p:style>
+          <p:txBody>
+            <a:bodyPr rtlCol="0" anchor="ctr"/>
+            <a:lstStyle/>
+            <a:p>
+              <a:pPr algn="ctr"/>
+              <a:endParaRPr lang="en-US"/>
+            </a:p>
+          </p:txBody>
+        </p:sp>
+        <p:sp>
+          <p:nvSpPr>
+            <p:cNvPr id="55" name="Rectangle 54"/>
+            <p:cNvSpPr/>
+            <p:nvPr/>
+          </p:nvSpPr>
+          <p:spPr>
+            <a:xfrm>
+              <a:off x="470917" y="2798585"/>
+              <a:ext cx="504000" cy="324000"/>
+            </a:xfrm>
+            <a:prstGeom prst="rect">
+              <a:avLst/>
+            </a:prstGeom>
+            <a:solidFill>
+              <a:schemeClr val="accent6"/>
+            </a:solidFill>
+            <a:ln>
+              <a:solidFill>
+                <a:schemeClr val="bg1"/>
+              </a:solidFill>
+            </a:ln>
+          </p:spPr>
+          <p:style>
+            <a:lnRef idx="2">
+              <a:schemeClr val="accent1">
+                <a:shade val="50000"/>
+              </a:schemeClr>
+            </a:lnRef>
+            <a:fillRef idx="1">
+              <a:schemeClr val="accent1"/>
+            </a:fillRef>
+            <a:effectRef idx="0">
+              <a:schemeClr val="accent1"/>
+            </a:effectRef>
+            <a:fontRef idx="minor">
+              <a:schemeClr val="lt1"/>
+            </a:fontRef>
+          </p:style>
+          <p:txBody>
+            <a:bodyPr rtlCol="0" anchor="ctr"/>
+            <a:lstStyle/>
+            <a:p>
+              <a:pPr algn="ctr"/>
+              <a:endParaRPr lang="en-US"/>
+            </a:p>
+          </p:txBody>
+        </p:sp>
+        <p:sp>
+          <p:nvSpPr>
+            <p:cNvPr id="21" name="Isosceles Triangle 20"/>
+            <p:cNvSpPr/>
+            <p:nvPr/>
+          </p:nvSpPr>
+          <p:spPr>
+            <a:xfrm>
+              <a:off x="777797" y="2932379"/>
+              <a:ext cx="113312" cy="113312"/>
+            </a:xfrm>
+            <a:prstGeom prst="triangle">
+              <a:avLst/>
+            </a:prstGeom>
+            <a:solidFill>
+              <a:schemeClr val="bg1"/>
+            </a:solidFill>
+            <a:ln>
+              <a:solidFill>
+                <a:schemeClr val="bg1"/>
+              </a:solidFill>
+            </a:ln>
+          </p:spPr>
+          <p:style>
+            <a:lnRef idx="2">
+              <a:schemeClr val="accent1">
+                <a:shade val="50000"/>
+              </a:schemeClr>
+            </a:lnRef>
+            <a:fillRef idx="1">
+              <a:schemeClr val="accent1"/>
+            </a:fillRef>
+            <a:effectRef idx="0">
+              <a:schemeClr val="accent1"/>
+            </a:effectRef>
+            <a:fontRef idx="minor">
+              <a:schemeClr val="lt1"/>
+            </a:fontRef>
+          </p:style>
+          <p:txBody>
+            <a:bodyPr rtlCol="0" anchor="ctr"/>
+            <a:lstStyle/>
+            <a:p>
+              <a:pPr algn="ctr"/>
+              <a:endParaRPr lang="en-US"/>
+            </a:p>
+          </p:txBody>
+        </p:sp>
+        <p:sp>
+          <p:nvSpPr>
+            <p:cNvPr id="43" name="Rectangle 42"/>
+            <p:cNvSpPr/>
+            <p:nvPr/>
+          </p:nvSpPr>
+          <p:spPr>
+            <a:xfrm>
+              <a:off x="152400" y="2357870"/>
+              <a:ext cx="838200" cy="838200"/>
+            </a:xfrm>
+            <a:prstGeom prst="rect">
+              <a:avLst/>
+            </a:prstGeom>
+            <a:noFill/>
+            <a:ln>
+              <a:noFill/>
+            </a:ln>
+          </p:spPr>
+          <p:style>
+            <a:lnRef idx="2">
+              <a:schemeClr val="accent1">
+                <a:shade val="50000"/>
+              </a:schemeClr>
+            </a:lnRef>
+            <a:fillRef idx="1">
+              <a:schemeClr val="accent1"/>
+            </a:fillRef>
+            <a:effectRef idx="0">
+              <a:schemeClr val="accent1"/>
+            </a:effectRef>
+            <a:fontRef idx="minor">
+              <a:schemeClr val="lt1"/>
+            </a:fontRef>
+          </p:style>
+          <p:txBody>
+            <a:bodyPr rtlCol="0" anchor="ctr"/>
+            <a:lstStyle/>
+            <a:p>
+              <a:pPr algn="ctr"/>
+              <a:endParaRPr lang="en-SG"/>
+            </a:p>
+          </p:txBody>
+        </p:sp>
+        <p:sp>
+          <p:nvSpPr>
+            <p:cNvPr id="13" name="Flowchart: Connector 12"/>
+            <p:cNvSpPr>
+              <a:spLocks noChangeAspect="1"/>
+            </p:cNvSpPr>
+            <p:nvPr/>
+          </p:nvSpPr>
+          <p:spPr>
+            <a:xfrm>
+              <a:off x="697031" y="2554354"/>
+              <a:ext cx="216000" cy="216000"/>
+            </a:xfrm>
+            <a:prstGeom prst="flowChartConnector">
+              <a:avLst/>
+            </a:prstGeom>
+            <a:solidFill>
+              <a:srgbClr val="0070C0"/>
+            </a:solidFill>
+            <a:ln>
+              <a:solidFill>
+                <a:schemeClr val="bg1"/>
+              </a:solidFill>
+            </a:ln>
+          </p:spPr>
+          <p:style>
+            <a:lnRef idx="2">
+              <a:schemeClr val="accent1">
+                <a:shade val="50000"/>
+              </a:schemeClr>
+            </a:lnRef>
+            <a:fillRef idx="1">
+              <a:schemeClr val="accent1"/>
+            </a:fillRef>
+            <a:effectRef idx="0">
+              <a:schemeClr val="accent1"/>
+            </a:effectRef>
+            <a:fontRef idx="minor">
+              <a:schemeClr val="lt1"/>
+            </a:fontRef>
+          </p:style>
+          <p:txBody>
+            <a:bodyPr wrap="none" lIns="0" tIns="0" rIns="0" bIns="0" rtlCol="0" anchor="ctr"/>
+            <a:lstStyle/>
+            <a:p>
+              <a:pPr algn="ctr"/>
+              <a:endParaRPr lang="en-SG" b="1" dirty="0"/>
+            </a:p>
+          </p:txBody>
+        </p:sp>
+        <p:sp>
+          <p:nvSpPr>
+            <p:cNvPr id="14" name="Rectangle 13"/>
+            <p:cNvSpPr/>
+            <p:nvPr/>
+          </p:nvSpPr>
+          <p:spPr>
+            <a:xfrm>
+              <a:off x="654990" y="2467073"/>
+              <a:ext cx="300082" cy="369332"/>
+            </a:xfrm>
+            <a:prstGeom prst="rect">
+              <a:avLst/>
+            </a:prstGeom>
+          </p:spPr>
+          <p:txBody>
+            <a:bodyPr wrap="none">
+              <a:spAutoFit/>
+            </a:bodyPr>
+            <a:lstStyle/>
+            <a:p>
+              <a:pPr lvl="0" algn="ctr"/>
+              <a:r>
+                <a:rPr lang="en-US" b="1" dirty="0">
+                  <a:solidFill>
+                    <a:prstClr val="white"/>
+                  </a:solidFill>
+                </a:rPr>
+                <a:t>+</a:t>
+              </a:r>
+              <a:endParaRPr lang="en-SG" b="1" dirty="0">
+                <a:solidFill>
+                  <a:prstClr val="white"/>
+                </a:solidFill>
+              </a:endParaRPr>
+            </a:p>
+          </p:txBody>
+        </p:sp>
+      </p:grpSp>
+      <p:grpSp>
+        <p:nvGrpSpPr>
+          <p:cNvPr id="99" name="Group 98"/>
+          <p:cNvGrpSpPr/>
+          <p:nvPr/>
+        </p:nvGrpSpPr>
+        <p:grpSpPr>
+          <a:xfrm>
+            <a:off x="1175693" y="2361045"/>
+            <a:ext cx="838200" cy="838200"/>
+            <a:chOff x="1175693" y="2361045"/>
+            <a:chExt cx="838200" cy="838200"/>
+          </a:xfrm>
+        </p:grpSpPr>
+        <p:sp>
+          <p:nvSpPr>
+            <p:cNvPr id="66" name="Rectangle 65"/>
+            <p:cNvSpPr/>
+            <p:nvPr/>
+          </p:nvSpPr>
+          <p:spPr>
+            <a:xfrm>
+              <a:off x="1192512" y="2420505"/>
+              <a:ext cx="504000" cy="324000"/>
+            </a:xfrm>
+            <a:prstGeom prst="rect">
+              <a:avLst/>
+            </a:prstGeom>
+            <a:solidFill>
+              <a:schemeClr val="accent6"/>
+            </a:solidFill>
+            <a:ln>
+              <a:solidFill>
+                <a:schemeClr val="bg1"/>
+              </a:solidFill>
+            </a:ln>
+          </p:spPr>
+          <p:style>
+            <a:lnRef idx="2">
+              <a:schemeClr val="accent1">
+                <a:shade val="50000"/>
+              </a:schemeClr>
+            </a:lnRef>
+            <a:fillRef idx="1">
+              <a:schemeClr val="accent1"/>
+            </a:fillRef>
+            <a:effectRef idx="0">
+              <a:schemeClr val="accent1"/>
+            </a:effectRef>
+            <a:fontRef idx="minor">
+              <a:schemeClr val="lt1"/>
+            </a:fontRef>
+          </p:style>
+          <p:txBody>
+            <a:bodyPr rtlCol="0" anchor="ctr"/>
+            <a:lstStyle/>
+            <a:p>
+              <a:pPr algn="ctr"/>
+              <a:endParaRPr lang="en-US"/>
+            </a:p>
+          </p:txBody>
+        </p:sp>
+        <p:sp>
+          <p:nvSpPr>
+            <p:cNvPr id="67" name="Rectangle 66"/>
+            <p:cNvSpPr/>
+            <p:nvPr/>
+          </p:nvSpPr>
+          <p:spPr>
+            <a:xfrm rot="20725682">
+              <a:off x="1315467" y="2613246"/>
+              <a:ext cx="504000" cy="324000"/>
+            </a:xfrm>
+            <a:prstGeom prst="rect">
+              <a:avLst/>
+            </a:prstGeom>
+            <a:solidFill>
+              <a:srgbClr val="0070C0"/>
+            </a:solidFill>
+            <a:ln>
+              <a:solidFill>
+                <a:schemeClr val="bg1"/>
+              </a:solidFill>
+            </a:ln>
+          </p:spPr>
+          <p:style>
+            <a:lnRef idx="2">
+              <a:schemeClr val="accent1">
+                <a:shade val="50000"/>
+              </a:schemeClr>
+            </a:lnRef>
+            <a:fillRef idx="1">
+              <a:schemeClr val="accent1"/>
+            </a:fillRef>
+            <a:effectRef idx="0">
+              <a:schemeClr val="accent1"/>
+            </a:effectRef>
+            <a:fontRef idx="minor">
+              <a:schemeClr val="lt1"/>
+            </a:fontRef>
+          </p:style>
+          <p:txBody>
+            <a:bodyPr rtlCol="0" anchor="ctr"/>
+            <a:lstStyle/>
+            <a:p>
+              <a:pPr algn="ctr"/>
+              <a:endParaRPr lang="en-US"/>
+            </a:p>
+          </p:txBody>
+        </p:sp>
+        <p:sp>
+          <p:nvSpPr>
+            <p:cNvPr id="68" name="Isosceles Triangle 67"/>
+            <p:cNvSpPr/>
+            <p:nvPr/>
+          </p:nvSpPr>
+          <p:spPr>
+            <a:xfrm>
+              <a:off x="1248488" y="2475097"/>
+              <a:ext cx="113312" cy="113312"/>
+            </a:xfrm>
+            <a:prstGeom prst="triangle">
+              <a:avLst/>
+            </a:prstGeom>
+            <a:solidFill>
+              <a:schemeClr val="bg1"/>
+            </a:solidFill>
+            <a:ln>
+              <a:solidFill>
+                <a:schemeClr val="bg1"/>
+              </a:solidFill>
+            </a:ln>
+          </p:spPr>
+          <p:style>
+            <a:lnRef idx="2">
+              <a:schemeClr val="accent1">
+                <a:shade val="50000"/>
+              </a:schemeClr>
+            </a:lnRef>
+            <a:fillRef idx="1">
+              <a:schemeClr val="accent1"/>
+            </a:fillRef>
+            <a:effectRef idx="0">
+              <a:schemeClr val="accent1"/>
+            </a:effectRef>
+            <a:fontRef idx="minor">
+              <a:schemeClr val="lt1"/>
+            </a:fontRef>
+          </p:style>
+          <p:txBody>
+            <a:bodyPr rtlCol="0" anchor="ctr"/>
+            <a:lstStyle/>
+            <a:p>
+              <a:pPr algn="ctr"/>
+              <a:endParaRPr lang="en-US"/>
+            </a:p>
+          </p:txBody>
+        </p:sp>
+        <p:sp>
+          <p:nvSpPr>
+            <p:cNvPr id="69" name="Rectangle 68"/>
+            <p:cNvSpPr/>
+            <p:nvPr/>
+          </p:nvSpPr>
+          <p:spPr>
+            <a:xfrm>
+              <a:off x="1494210" y="2801760"/>
+              <a:ext cx="504000" cy="324000"/>
+            </a:xfrm>
+            <a:prstGeom prst="rect">
+              <a:avLst/>
+            </a:prstGeom>
+            <a:solidFill>
+              <a:schemeClr val="accent6"/>
+            </a:solidFill>
+            <a:ln>
+              <a:solidFill>
+                <a:schemeClr val="bg1"/>
+              </a:solidFill>
+            </a:ln>
+          </p:spPr>
+          <p:style>
+            <a:lnRef idx="2">
+              <a:schemeClr val="accent1">
+                <a:shade val="50000"/>
+              </a:schemeClr>
+            </a:lnRef>
+            <a:fillRef idx="1">
+              <a:schemeClr val="accent1"/>
+            </a:fillRef>
+            <a:effectRef idx="0">
+              <a:schemeClr val="accent1"/>
+            </a:effectRef>
+            <a:fontRef idx="minor">
+              <a:schemeClr val="lt1"/>
+            </a:fontRef>
+          </p:style>
+          <p:txBody>
+            <a:bodyPr rtlCol="0" anchor="ctr"/>
+            <a:lstStyle/>
+            <a:p>
+              <a:pPr algn="ctr"/>
+              <a:endParaRPr lang="en-US"/>
+            </a:p>
+          </p:txBody>
+        </p:sp>
+        <p:sp>
+          <p:nvSpPr>
+            <p:cNvPr id="70" name="Isosceles Triangle 69"/>
+            <p:cNvSpPr/>
+            <p:nvPr/>
+          </p:nvSpPr>
+          <p:spPr>
+            <a:xfrm>
+              <a:off x="1801090" y="2935554"/>
+              <a:ext cx="113312" cy="113312"/>
+            </a:xfrm>
+            <a:prstGeom prst="triangle">
+              <a:avLst/>
+            </a:prstGeom>
+            <a:solidFill>
+              <a:schemeClr val="bg1"/>
+            </a:solidFill>
+            <a:ln>
+              <a:solidFill>
+                <a:schemeClr val="bg1"/>
+              </a:solidFill>
+            </a:ln>
+          </p:spPr>
+          <p:style>
+            <a:lnRef idx="2">
+              <a:schemeClr val="accent1">
+                <a:shade val="50000"/>
+              </a:schemeClr>
+            </a:lnRef>
+            <a:fillRef idx="1">
+              <a:schemeClr val="accent1"/>
+            </a:fillRef>
+            <a:effectRef idx="0">
+              <a:schemeClr val="accent1"/>
+            </a:effectRef>
+            <a:fontRef idx="minor">
+              <a:schemeClr val="lt1"/>
+            </a:fontRef>
+          </p:style>
+          <p:txBody>
+            <a:bodyPr rtlCol="0" anchor="ctr"/>
+            <a:lstStyle/>
+            <a:p>
+              <a:pPr algn="ctr"/>
+              <a:endParaRPr lang="en-US"/>
+            </a:p>
+          </p:txBody>
+        </p:sp>
+        <p:sp>
+          <p:nvSpPr>
+            <p:cNvPr id="72" name="Rectangle 71"/>
+            <p:cNvSpPr/>
+            <p:nvPr/>
+          </p:nvSpPr>
+          <p:spPr>
+            <a:xfrm>
+              <a:off x="1175693" y="2361045"/>
+              <a:ext cx="838200" cy="838200"/>
+            </a:xfrm>
+            <a:prstGeom prst="rect">
+              <a:avLst/>
+            </a:prstGeom>
+            <a:noFill/>
+            <a:ln>
+              <a:noFill/>
+            </a:ln>
+          </p:spPr>
+          <p:style>
+            <a:lnRef idx="2">
+              <a:schemeClr val="accent1">
+                <a:shade val="50000"/>
+              </a:schemeClr>
+            </a:lnRef>
+            <a:fillRef idx="1">
+              <a:schemeClr val="accent1"/>
+            </a:fillRef>
+            <a:effectRef idx="0">
+              <a:schemeClr val="accent1"/>
+            </a:effectRef>
+            <a:fontRef idx="minor">
+              <a:schemeClr val="lt1"/>
+            </a:fontRef>
+          </p:style>
+          <p:txBody>
+            <a:bodyPr rtlCol="0" anchor="ctr"/>
+            <a:lstStyle/>
+            <a:p>
+              <a:pPr algn="ctr"/>
+              <a:endParaRPr lang="en-SG"/>
+            </a:p>
+          </p:txBody>
+        </p:sp>
+        <p:sp>
+          <p:nvSpPr>
+            <p:cNvPr id="73" name="Flowchart: Connector 72"/>
+            <p:cNvSpPr>
+              <a:spLocks noChangeAspect="1"/>
+            </p:cNvSpPr>
+            <p:nvPr/>
+          </p:nvSpPr>
+          <p:spPr>
+            <a:xfrm>
+              <a:off x="1716387" y="2557529"/>
+              <a:ext cx="216000" cy="216000"/>
+            </a:xfrm>
+            <a:prstGeom prst="flowChartConnector">
+              <a:avLst/>
+            </a:prstGeom>
+            <a:solidFill>
+              <a:schemeClr val="bg1"/>
+            </a:solidFill>
+            <a:ln>
+              <a:solidFill>
+                <a:schemeClr val="bg1"/>
+              </a:solidFill>
+            </a:ln>
+          </p:spPr>
+          <p:style>
+            <a:lnRef idx="2">
+              <a:schemeClr val="accent1">
+                <a:shade val="50000"/>
+              </a:schemeClr>
+            </a:lnRef>
+            <a:fillRef idx="1">
+              <a:schemeClr val="accent1"/>
+            </a:fillRef>
+            <a:effectRef idx="0">
+              <a:schemeClr val="accent1"/>
+            </a:effectRef>
+            <a:fontRef idx="minor">
+              <a:schemeClr val="lt1"/>
+            </a:fontRef>
+          </p:style>
+          <p:txBody>
+            <a:bodyPr wrap="none" lIns="0" tIns="0" rIns="0" bIns="0" rtlCol="0" anchor="ctr"/>
+            <a:lstStyle/>
+            <a:p>
+              <a:pPr algn="ctr"/>
+              <a:endParaRPr lang="en-SG" b="1" dirty="0"/>
+            </a:p>
+          </p:txBody>
+        </p:sp>
+        <p:sp>
+          <p:nvSpPr>
+            <p:cNvPr id="17" name="Arc 16"/>
+            <p:cNvSpPr>
+              <a:spLocks noChangeAspect="1"/>
+            </p:cNvSpPr>
+            <p:nvPr/>
+          </p:nvSpPr>
+          <p:spPr>
+            <a:xfrm>
+              <a:off x="1760432" y="2579330"/>
+              <a:ext cx="167192" cy="167192"/>
+            </a:xfrm>
+            <a:prstGeom prst="arc">
+              <a:avLst>
+                <a:gd name="adj1" fmla="val 372342"/>
+                <a:gd name="adj2" fmla="val 15865948"/>
+              </a:avLst>
+            </a:prstGeom>
+            <a:ln w="38100" cap="sq">
+              <a:solidFill>
+                <a:srgbClr val="0070C0"/>
+              </a:solidFill>
+              <a:headEnd type="none" w="med" len="med"/>
+              <a:tailEnd type="none" w="med" len="med"/>
+            </a:ln>
+          </p:spPr>
+          <p:style>
+            <a:lnRef idx="1">
+              <a:schemeClr val="accent1"/>
+            </a:lnRef>
+            <a:fillRef idx="0">
+              <a:schemeClr val="accent1"/>
+            </a:fillRef>
+            <a:effectRef idx="0">
+              <a:schemeClr val="accent1"/>
+            </a:effectRef>
+            <a:fontRef idx="minor">
+              <a:schemeClr val="tx1"/>
+            </a:fontRef>
+          </p:style>
+          <p:txBody>
+            <a:bodyPr rtlCol="0" anchor="ctr"/>
+            <a:lstStyle/>
+            <a:p>
+              <a:pPr algn="ctr"/>
+              <a:endParaRPr lang="en-SG"/>
+            </a:p>
+          </p:txBody>
+        </p:sp>
+        <p:sp>
+          <p:nvSpPr>
+            <p:cNvPr id="3" name="Isosceles Triangle 2"/>
+            <p:cNvSpPr/>
+            <p:nvPr/>
+          </p:nvSpPr>
+          <p:spPr>
+            <a:xfrm>
+              <a:off x="1870024" y="2591710"/>
+              <a:ext cx="116389" cy="76200"/>
+            </a:xfrm>
+            <a:prstGeom prst="triangle">
+              <a:avLst/>
+            </a:prstGeom>
+            <a:solidFill>
+              <a:srgbClr val="0070C0"/>
+            </a:solidFill>
+            <a:ln>
+              <a:noFill/>
+            </a:ln>
+          </p:spPr>
+          <p:style>
+            <a:lnRef idx="2">
+              <a:schemeClr val="accent1">
+                <a:shade val="50000"/>
+              </a:schemeClr>
+            </a:lnRef>
+            <a:fillRef idx="1">
+              <a:schemeClr val="accent1"/>
+            </a:fillRef>
+            <a:effectRef idx="0">
+              <a:schemeClr val="accent1"/>
+            </a:effectRef>
+            <a:fontRef idx="minor">
+              <a:schemeClr val="lt1"/>
+            </a:fontRef>
+          </p:style>
+          <p:txBody>
+            <a:bodyPr rtlCol="0" anchor="ctr"/>
+            <a:lstStyle/>
+            <a:p>
+              <a:pPr algn="ctr"/>
+              <a:endParaRPr lang="en-SG"/>
+            </a:p>
+          </p:txBody>
+        </p:sp>
+      </p:grpSp>
+      <p:grpSp>
+        <p:nvGrpSpPr>
+          <p:cNvPr id="102" name="Group 101"/>
+          <p:cNvGrpSpPr/>
+          <p:nvPr/>
+        </p:nvGrpSpPr>
+        <p:grpSpPr>
+          <a:xfrm>
+            <a:off x="4238346" y="2360100"/>
+            <a:ext cx="838200" cy="838200"/>
+            <a:chOff x="4238346" y="2360100"/>
+            <a:chExt cx="838200" cy="838200"/>
+          </a:xfrm>
+        </p:grpSpPr>
+        <p:sp>
+          <p:nvSpPr>
+            <p:cNvPr id="23" name="Rectangle 22"/>
+            <p:cNvSpPr/>
+            <p:nvPr/>
+          </p:nvSpPr>
+          <p:spPr>
+            <a:xfrm>
+              <a:off x="4271351" y="2439535"/>
+              <a:ext cx="596266" cy="454165"/>
+            </a:xfrm>
+            <a:prstGeom prst="rect">
+              <a:avLst/>
+            </a:prstGeom>
+            <a:solidFill>
+              <a:schemeClr val="accent6"/>
+            </a:solidFill>
+            <a:ln>
+              <a:noFill/>
+            </a:ln>
+          </p:spPr>
+          <p:style>
+            <a:lnRef idx="2">
+              <a:schemeClr val="accent1">
+                <a:shade val="50000"/>
+              </a:schemeClr>
+            </a:lnRef>
+            <a:fillRef idx="1">
+              <a:schemeClr val="accent1"/>
+            </a:fillRef>
+            <a:effectRef idx="0">
+              <a:schemeClr val="accent1"/>
+            </a:effectRef>
+            <a:fontRef idx="minor">
+              <a:schemeClr val="lt1"/>
+            </a:fontRef>
+          </p:style>
+          <p:txBody>
+            <a:bodyPr rtlCol="0" anchor="ctr"/>
+            <a:lstStyle/>
+            <a:p>
+              <a:pPr algn="ctr"/>
+              <a:endParaRPr lang="en-US"/>
+            </a:p>
+          </p:txBody>
+        </p:sp>
+        <p:sp>
+          <p:nvSpPr>
+            <p:cNvPr id="25" name="Rectangle 24"/>
+            <p:cNvSpPr/>
+            <p:nvPr/>
+          </p:nvSpPr>
+          <p:spPr>
+            <a:xfrm>
+              <a:off x="4324458" y="2496685"/>
+              <a:ext cx="181322" cy="117043"/>
+            </a:xfrm>
+            <a:prstGeom prst="rect">
+              <a:avLst/>
+            </a:prstGeom>
+            <a:solidFill>
+              <a:srgbClr val="0070C0"/>
+            </a:solidFill>
+            <a:ln>
+              <a:solidFill>
+                <a:schemeClr val="bg1"/>
+              </a:solidFill>
+            </a:ln>
+          </p:spPr>
+          <p:style>
+            <a:lnRef idx="2">
+              <a:schemeClr val="accent1">
+                <a:shade val="50000"/>
+              </a:schemeClr>
+            </a:lnRef>
+            <a:fillRef idx="1">
+              <a:schemeClr val="accent1"/>
+            </a:fillRef>
+            <a:effectRef idx="0">
+              <a:schemeClr val="accent1"/>
+            </a:effectRef>
+            <a:fontRef idx="minor">
+              <a:schemeClr val="lt1"/>
+            </a:fontRef>
+          </p:style>
+          <p:txBody>
+            <a:bodyPr rtlCol="0" anchor="ctr"/>
+            <a:lstStyle/>
+            <a:p>
+              <a:pPr algn="ctr"/>
+              <a:endParaRPr lang="en-US"/>
+            </a:p>
+          </p:txBody>
+        </p:sp>
+        <p:sp>
+          <p:nvSpPr>
+            <p:cNvPr id="30" name="Freeform 29"/>
+            <p:cNvSpPr/>
+            <p:nvPr/>
+          </p:nvSpPr>
+          <p:spPr>
+            <a:xfrm>
+              <a:off x="4338644" y="2510753"/>
+              <a:ext cx="693452" cy="652320"/>
+            </a:xfrm>
+            <a:custGeom>
+              <a:avLst/>
+              <a:gdLst>
+                <a:gd name="connsiteX0" fmla="*/ 4763 w 1209675"/>
+                <a:gd name="connsiteY0" fmla="*/ 119063 h 838200"/>
+                <a:gd name="connsiteX1" fmla="*/ 171450 w 1209675"/>
+                <a:gd name="connsiteY1" fmla="*/ 838200 h 838200"/>
+                <a:gd name="connsiteX2" fmla="*/ 1209675 w 1209675"/>
+                <a:gd name="connsiteY2" fmla="*/ 838200 h 838200"/>
+                <a:gd name="connsiteX3" fmla="*/ 1209675 w 1209675"/>
+                <a:gd name="connsiteY3" fmla="*/ 247650 h 838200"/>
+                <a:gd name="connsiteX4" fmla="*/ 238125 w 1209675"/>
+                <a:gd name="connsiteY4" fmla="*/ 0 h 838200"/>
+                <a:gd name="connsiteX5" fmla="*/ 0 w 1209675"/>
+                <a:gd name="connsiteY5" fmla="*/ 0 h 838200"/>
+                <a:gd name="connsiteX6" fmla="*/ 4763 w 1209675"/>
+                <a:gd name="connsiteY6" fmla="*/ 119063 h 838200"/>
+                <a:gd name="connsiteX0" fmla="*/ 4763 w 1209675"/>
+                <a:gd name="connsiteY0" fmla="*/ 119063 h 838200"/>
+                <a:gd name="connsiteX1" fmla="*/ 224786 w 1209675"/>
+                <a:gd name="connsiteY1" fmla="*/ 838200 h 838200"/>
+                <a:gd name="connsiteX2" fmla="*/ 1209675 w 1209675"/>
+                <a:gd name="connsiteY2" fmla="*/ 838200 h 838200"/>
+                <a:gd name="connsiteX3" fmla="*/ 1209675 w 1209675"/>
+                <a:gd name="connsiteY3" fmla="*/ 247650 h 838200"/>
+                <a:gd name="connsiteX4" fmla="*/ 238125 w 1209675"/>
+                <a:gd name="connsiteY4" fmla="*/ 0 h 838200"/>
+                <a:gd name="connsiteX5" fmla="*/ 0 w 1209675"/>
+                <a:gd name="connsiteY5" fmla="*/ 0 h 838200"/>
+                <a:gd name="connsiteX6" fmla="*/ 4763 w 1209675"/>
+                <a:gd name="connsiteY6" fmla="*/ 119063 h 838200"/>
+                <a:gd name="connsiteX0" fmla="*/ 4763 w 1209675"/>
+                <a:gd name="connsiteY0" fmla="*/ 119063 h 838200"/>
+                <a:gd name="connsiteX1" fmla="*/ 224786 w 1209675"/>
+                <a:gd name="connsiteY1" fmla="*/ 822358 h 838200"/>
+                <a:gd name="connsiteX2" fmla="*/ 1209675 w 1209675"/>
+                <a:gd name="connsiteY2" fmla="*/ 838200 h 838200"/>
+                <a:gd name="connsiteX3" fmla="*/ 1209675 w 1209675"/>
+                <a:gd name="connsiteY3" fmla="*/ 247650 h 838200"/>
+                <a:gd name="connsiteX4" fmla="*/ 238125 w 1209675"/>
+                <a:gd name="connsiteY4" fmla="*/ 0 h 838200"/>
+                <a:gd name="connsiteX5" fmla="*/ 0 w 1209675"/>
+                <a:gd name="connsiteY5" fmla="*/ 0 h 838200"/>
+                <a:gd name="connsiteX6" fmla="*/ 4763 w 1209675"/>
+                <a:gd name="connsiteY6" fmla="*/ 119063 h 838200"/>
+                <a:gd name="connsiteX0" fmla="*/ 4763 w 1209675"/>
+                <a:gd name="connsiteY0" fmla="*/ 119063 h 838200"/>
+                <a:gd name="connsiteX1" fmla="*/ 224786 w 1209675"/>
+                <a:gd name="connsiteY1" fmla="*/ 822358 h 838200"/>
+                <a:gd name="connsiteX2" fmla="*/ 1209675 w 1209675"/>
+                <a:gd name="connsiteY2" fmla="*/ 838200 h 838200"/>
+                <a:gd name="connsiteX3" fmla="*/ 1188340 w 1209675"/>
+                <a:gd name="connsiteY3" fmla="*/ 247650 h 838200"/>
+                <a:gd name="connsiteX4" fmla="*/ 238125 w 1209675"/>
+                <a:gd name="connsiteY4" fmla="*/ 0 h 838200"/>
+                <a:gd name="connsiteX5" fmla="*/ 0 w 1209675"/>
+                <a:gd name="connsiteY5" fmla="*/ 0 h 838200"/>
+                <a:gd name="connsiteX6" fmla="*/ 4763 w 1209675"/>
+                <a:gd name="connsiteY6" fmla="*/ 119063 h 838200"/>
+                <a:gd name="connsiteX0" fmla="*/ 4763 w 1188340"/>
+                <a:gd name="connsiteY0" fmla="*/ 119063 h 822358"/>
+                <a:gd name="connsiteX1" fmla="*/ 224786 w 1188340"/>
+                <a:gd name="connsiteY1" fmla="*/ 822358 h 822358"/>
+                <a:gd name="connsiteX2" fmla="*/ 1183007 w 1188340"/>
+                <a:gd name="connsiteY2" fmla="*/ 818397 h 822358"/>
+                <a:gd name="connsiteX3" fmla="*/ 1188340 w 1188340"/>
+                <a:gd name="connsiteY3" fmla="*/ 247650 h 822358"/>
+                <a:gd name="connsiteX4" fmla="*/ 238125 w 1188340"/>
+                <a:gd name="connsiteY4" fmla="*/ 0 h 822358"/>
+                <a:gd name="connsiteX5" fmla="*/ 0 w 1188340"/>
+                <a:gd name="connsiteY5" fmla="*/ 0 h 822358"/>
+                <a:gd name="connsiteX6" fmla="*/ 4763 w 1188340"/>
+                <a:gd name="connsiteY6" fmla="*/ 119063 h 822358"/>
+                <a:gd name="connsiteX0" fmla="*/ 4763 w 1188340"/>
+                <a:gd name="connsiteY0" fmla="*/ 119063 h 822358"/>
+                <a:gd name="connsiteX1" fmla="*/ 224786 w 1188340"/>
+                <a:gd name="connsiteY1" fmla="*/ 822358 h 822358"/>
+                <a:gd name="connsiteX2" fmla="*/ 1183007 w 1188340"/>
+                <a:gd name="connsiteY2" fmla="*/ 818397 h 822358"/>
+                <a:gd name="connsiteX3" fmla="*/ 1188340 w 1188340"/>
+                <a:gd name="connsiteY3" fmla="*/ 283674 h 822358"/>
+                <a:gd name="connsiteX4" fmla="*/ 238125 w 1188340"/>
+                <a:gd name="connsiteY4" fmla="*/ 0 h 822358"/>
+                <a:gd name="connsiteX5" fmla="*/ 0 w 1188340"/>
+                <a:gd name="connsiteY5" fmla="*/ 0 h 822358"/>
+                <a:gd name="connsiteX6" fmla="*/ 4763 w 1188340"/>
+                <a:gd name="connsiteY6" fmla="*/ 119063 h 822358"/>
+              </a:gdLst>
+              <a:ahLst/>
+              <a:cxnLst>
+                <a:cxn ang="0">
+                  <a:pos x="connsiteX0" y="connsiteY0"/>
+                </a:cxn>
+                <a:cxn ang="0">
+                  <a:pos x="connsiteX1" y="connsiteY1"/>
+                </a:cxn>
+                <a:cxn ang="0">
+                  <a:pos x="connsiteX2" y="connsiteY2"/>
+                </a:cxn>
+                <a:cxn ang="0">
+                  <a:pos x="connsiteX3" y="connsiteY3"/>
+                </a:cxn>
+                <a:cxn ang="0">
+                  <a:pos x="connsiteX4" y="connsiteY4"/>
+                </a:cxn>
+                <a:cxn ang="0">
+                  <a:pos x="connsiteX5" y="connsiteY5"/>
+                </a:cxn>
+                <a:cxn ang="0">
+                  <a:pos x="connsiteX6" y="connsiteY6"/>
+                </a:cxn>
+              </a:cxnLst>
+              <a:rect l="l" t="t" r="r" b="b"/>
+              <a:pathLst>
+                <a:path w="1188340" h="822358">
+                  <a:moveTo>
+                    <a:pt x="4763" y="119063"/>
+                  </a:moveTo>
+                  <a:lnTo>
+                    <a:pt x="224786" y="822358"/>
+                  </a:lnTo>
+                  <a:lnTo>
+                    <a:pt x="1183007" y="818397"/>
+                  </a:lnTo>
+                  <a:cubicBezTo>
+                    <a:pt x="1184785" y="628148"/>
+                    <a:pt x="1186562" y="473923"/>
+                    <a:pt x="1188340" y="283674"/>
+                  </a:cubicBezTo>
+                  <a:lnTo>
+                    <a:pt x="238125" y="0"/>
+                  </a:lnTo>
+                  <a:lnTo>
+                    <a:pt x="0" y="0"/>
+                  </a:lnTo>
+                  <a:lnTo>
+                    <a:pt x="4763" y="119063"/>
+                  </a:lnTo>
+                  <a:close/>
+                </a:path>
+              </a:pathLst>
+            </a:custGeom>
+            <a:solidFill>
+              <a:srgbClr val="0070C0">
+                <a:alpha val="55000"/>
+              </a:srgbClr>
+            </a:solidFill>
+            <a:ln>
+              <a:noFill/>
+            </a:ln>
+          </p:spPr>
+          <p:style>
+            <a:lnRef idx="2">
+              <a:schemeClr val="accent1">
+                <a:shade val="50000"/>
+              </a:schemeClr>
+            </a:lnRef>
+            <a:fillRef idx="1">
+              <a:schemeClr val="accent1"/>
+            </a:fillRef>
+            <a:effectRef idx="0">
+              <a:schemeClr val="accent1"/>
+            </a:effectRef>
+            <a:fontRef idx="minor">
+              <a:schemeClr val="lt1"/>
+            </a:fontRef>
+          </p:style>
+          <p:txBody>
+            <a:bodyPr rtlCol="0" anchor="ctr"/>
+            <a:lstStyle/>
+            <a:p>
+              <a:pPr algn="ctr"/>
+              <a:endParaRPr lang="en-US"/>
+            </a:p>
+          </p:txBody>
+        </p:sp>
+        <p:sp>
+          <p:nvSpPr>
+            <p:cNvPr id="24" name="Rectangle 23"/>
+            <p:cNvSpPr/>
+            <p:nvPr/>
+          </p:nvSpPr>
+          <p:spPr>
+            <a:xfrm>
+              <a:off x="4475693" y="2742317"/>
+              <a:ext cx="569723" cy="409283"/>
+            </a:xfrm>
+            <a:prstGeom prst="rect">
+              <a:avLst/>
+            </a:prstGeom>
+            <a:solidFill>
+              <a:srgbClr val="0070C0"/>
+            </a:solidFill>
+            <a:ln>
+              <a:solidFill>
+                <a:schemeClr val="bg1"/>
+              </a:solidFill>
+            </a:ln>
+          </p:spPr>
+          <p:style>
+            <a:lnRef idx="2">
+              <a:schemeClr val="accent1">
+                <a:shade val="50000"/>
+              </a:schemeClr>
+            </a:lnRef>
+            <a:fillRef idx="1">
+              <a:schemeClr val="accent1"/>
+            </a:fillRef>
+            <a:effectRef idx="0">
+              <a:schemeClr val="accent1"/>
+            </a:effectRef>
+            <a:fontRef idx="minor">
+              <a:schemeClr val="lt1"/>
+            </a:fontRef>
+          </p:style>
+          <p:txBody>
+            <a:bodyPr rtlCol="0" anchor="ctr"/>
+            <a:lstStyle/>
+            <a:p>
+              <a:pPr algn="ctr"/>
+              <a:endParaRPr lang="en-US"/>
+            </a:p>
+          </p:txBody>
+        </p:sp>
+        <p:sp>
+          <p:nvSpPr>
+            <p:cNvPr id="49" name="Rectangle 48"/>
+            <p:cNvSpPr/>
+            <p:nvPr/>
+          </p:nvSpPr>
+          <p:spPr>
+            <a:xfrm>
+              <a:off x="4238346" y="2360100"/>
+              <a:ext cx="838200" cy="838200"/>
+            </a:xfrm>
+            <a:prstGeom prst="rect">
+              <a:avLst/>
+            </a:prstGeom>
+            <a:noFill/>
+            <a:ln>
+              <a:noFill/>
+            </a:ln>
+          </p:spPr>
+          <p:style>
+            <a:lnRef idx="2">
+              <a:schemeClr val="accent1">
+                <a:shade val="50000"/>
+              </a:schemeClr>
+            </a:lnRef>
+            <a:fillRef idx="1">
+              <a:schemeClr val="accent1"/>
+            </a:fillRef>
+            <a:effectRef idx="0">
+              <a:schemeClr val="accent1"/>
+            </a:effectRef>
+            <a:fontRef idx="minor">
+              <a:schemeClr val="lt1"/>
+            </a:fontRef>
+          </p:style>
+          <p:txBody>
+            <a:bodyPr rtlCol="0" anchor="ctr"/>
+            <a:lstStyle/>
+            <a:p>
+              <a:pPr algn="ctr"/>
+              <a:endParaRPr lang="en-SG"/>
+            </a:p>
+          </p:txBody>
+        </p:sp>
+      </p:grpSp>
+      <p:grpSp>
+        <p:nvGrpSpPr>
+          <p:cNvPr id="101" name="Group 100"/>
+          <p:cNvGrpSpPr/>
+          <p:nvPr/>
+        </p:nvGrpSpPr>
+        <p:grpSpPr>
+          <a:xfrm>
+            <a:off x="3200400" y="2361045"/>
+            <a:ext cx="838200" cy="838200"/>
+            <a:chOff x="3200400" y="2361045"/>
+            <a:chExt cx="838200" cy="838200"/>
+          </a:xfrm>
+        </p:grpSpPr>
+        <p:sp>
+          <p:nvSpPr>
+            <p:cNvPr id="31" name="Rectangle 30"/>
+            <p:cNvSpPr/>
+            <p:nvPr/>
+          </p:nvSpPr>
+          <p:spPr>
+            <a:xfrm>
+              <a:off x="3247174" y="2432490"/>
+              <a:ext cx="741789" cy="559065"/>
+            </a:xfrm>
+            <a:prstGeom prst="rect">
+              <a:avLst/>
+            </a:prstGeom>
+            <a:solidFill>
+              <a:schemeClr val="accent6"/>
+            </a:solidFill>
+            <a:ln>
+              <a:noFill/>
+            </a:ln>
+          </p:spPr>
+          <p:style>
+            <a:lnRef idx="2">
+              <a:schemeClr val="accent1">
+                <a:shade val="50000"/>
+              </a:schemeClr>
+            </a:lnRef>
+            <a:fillRef idx="1">
+              <a:schemeClr val="accent1"/>
+            </a:fillRef>
+            <a:effectRef idx="0">
+              <a:schemeClr val="accent1"/>
+            </a:effectRef>
+            <a:fontRef idx="minor">
+              <a:schemeClr val="lt1"/>
+            </a:fontRef>
+          </p:style>
+          <p:txBody>
+            <a:bodyPr rtlCol="0" anchor="ctr"/>
+            <a:lstStyle/>
+            <a:p>
+              <a:pPr algn="ctr"/>
+              <a:endParaRPr lang="en-US"/>
+            </a:p>
+          </p:txBody>
+        </p:sp>
+        <p:sp>
+          <p:nvSpPr>
+            <p:cNvPr id="32" name="Rounded Rectangle 31"/>
+            <p:cNvSpPr/>
+            <p:nvPr/>
+          </p:nvSpPr>
+          <p:spPr>
+            <a:xfrm>
+              <a:off x="3483859" y="2494280"/>
+              <a:ext cx="408850" cy="64353"/>
+            </a:xfrm>
+            <a:prstGeom prst="roundRect">
+              <a:avLst/>
+            </a:prstGeom>
+            <a:solidFill>
+              <a:schemeClr val="bg1"/>
+            </a:solidFill>
+            <a:ln>
+              <a:noFill/>
+            </a:ln>
+          </p:spPr>
+          <p:style>
+            <a:lnRef idx="2">
+              <a:schemeClr val="accent1">
+                <a:shade val="50000"/>
+              </a:schemeClr>
+            </a:lnRef>
+            <a:fillRef idx="1">
+              <a:schemeClr val="accent1"/>
+            </a:fillRef>
+            <a:effectRef idx="0">
+              <a:schemeClr val="accent1"/>
+            </a:effectRef>
+            <a:fontRef idx="minor">
+              <a:schemeClr val="lt1"/>
+            </a:fontRef>
+          </p:style>
+          <p:txBody>
+            <a:bodyPr rtlCol="0" anchor="ctr"/>
+            <a:lstStyle/>
+            <a:p>
+              <a:pPr algn="ctr"/>
+              <a:endParaRPr lang="en-US"/>
+            </a:p>
+          </p:txBody>
+        </p:sp>
+        <p:sp>
+          <p:nvSpPr>
+            <p:cNvPr id="33" name="Rounded Rectangle 32"/>
+            <p:cNvSpPr/>
+            <p:nvPr/>
+          </p:nvSpPr>
+          <p:spPr>
+            <a:xfrm>
+              <a:off x="3370502" y="2494280"/>
+              <a:ext cx="51086" cy="64353"/>
+            </a:xfrm>
+            <a:prstGeom prst="roundRect">
+              <a:avLst/>
+            </a:prstGeom>
+            <a:solidFill>
+              <a:schemeClr val="bg1"/>
+            </a:solidFill>
+            <a:ln>
+              <a:noFill/>
+            </a:ln>
+          </p:spPr>
+          <p:style>
+            <a:lnRef idx="2">
+              <a:schemeClr val="accent1">
+                <a:shade val="50000"/>
+              </a:schemeClr>
+            </a:lnRef>
+            <a:fillRef idx="1">
+              <a:schemeClr val="accent1"/>
+            </a:fillRef>
+            <a:effectRef idx="0">
+              <a:schemeClr val="accent1"/>
+            </a:effectRef>
+            <a:fontRef idx="minor">
+              <a:schemeClr val="lt1"/>
+            </a:fontRef>
+          </p:style>
+          <p:txBody>
+            <a:bodyPr rtlCol="0" anchor="ctr"/>
+            <a:lstStyle/>
+            <a:p>
+              <a:pPr algn="ctr"/>
+              <a:endParaRPr lang="en-US"/>
+            </a:p>
+          </p:txBody>
+        </p:sp>
+        <p:sp>
+          <p:nvSpPr>
+            <p:cNvPr id="34" name="Rounded Rectangle 33"/>
+            <p:cNvSpPr/>
+            <p:nvPr/>
+          </p:nvSpPr>
+          <p:spPr>
+            <a:xfrm>
+              <a:off x="3483859" y="2622986"/>
+              <a:ext cx="408850" cy="64353"/>
+            </a:xfrm>
+            <a:prstGeom prst="roundRect">
+              <a:avLst/>
+            </a:prstGeom>
+            <a:solidFill>
+              <a:schemeClr val="bg1"/>
+            </a:solidFill>
+            <a:ln>
+              <a:noFill/>
+            </a:ln>
+          </p:spPr>
+          <p:style>
+            <a:lnRef idx="2">
+              <a:schemeClr val="accent1">
+                <a:shade val="50000"/>
+              </a:schemeClr>
+            </a:lnRef>
+            <a:fillRef idx="1">
+              <a:schemeClr val="accent1"/>
+            </a:fillRef>
+            <a:effectRef idx="0">
+              <a:schemeClr val="accent1"/>
+            </a:effectRef>
+            <a:fontRef idx="minor">
+              <a:schemeClr val="lt1"/>
+            </a:fontRef>
+          </p:style>
+          <p:txBody>
+            <a:bodyPr rtlCol="0" anchor="ctr"/>
+            <a:lstStyle/>
+            <a:p>
+              <a:pPr algn="ctr"/>
+              <a:endParaRPr lang="en-US"/>
+            </a:p>
+          </p:txBody>
+        </p:sp>
+        <p:sp>
+          <p:nvSpPr>
+            <p:cNvPr id="35" name="Rounded Rectangle 34"/>
+            <p:cNvSpPr/>
+            <p:nvPr/>
+          </p:nvSpPr>
+          <p:spPr>
+            <a:xfrm>
+              <a:off x="3370502" y="2622986"/>
+              <a:ext cx="51086" cy="64353"/>
+            </a:xfrm>
+            <a:prstGeom prst="roundRect">
+              <a:avLst/>
+            </a:prstGeom>
+            <a:solidFill>
+              <a:schemeClr val="bg1"/>
+            </a:solidFill>
+            <a:ln>
+              <a:noFill/>
+            </a:ln>
+          </p:spPr>
+          <p:style>
+            <a:lnRef idx="2">
+              <a:schemeClr val="accent1">
+                <a:shade val="50000"/>
+              </a:schemeClr>
+            </a:lnRef>
+            <a:fillRef idx="1">
+              <a:schemeClr val="accent1"/>
+            </a:fillRef>
+            <a:effectRef idx="0">
+              <a:schemeClr val="accent1"/>
+            </a:effectRef>
+            <a:fontRef idx="minor">
+              <a:schemeClr val="lt1"/>
+            </a:fontRef>
+          </p:style>
+          <p:txBody>
+            <a:bodyPr rtlCol="0" anchor="ctr"/>
+            <a:lstStyle/>
+            <a:p>
+              <a:pPr algn="ctr"/>
+              <a:endParaRPr lang="en-US"/>
+            </a:p>
+          </p:txBody>
+        </p:sp>
+        <p:sp>
+          <p:nvSpPr>
+            <p:cNvPr id="36" name="Rounded Rectangle 35"/>
+            <p:cNvSpPr/>
+            <p:nvPr/>
+          </p:nvSpPr>
+          <p:spPr>
+            <a:xfrm>
+              <a:off x="3487068" y="2751692"/>
+              <a:ext cx="408850" cy="64353"/>
+            </a:xfrm>
+            <a:prstGeom prst="roundRect">
+              <a:avLst/>
+            </a:prstGeom>
+            <a:solidFill>
+              <a:srgbClr val="0070C0"/>
+            </a:solidFill>
+            <a:ln>
+              <a:noFill/>
+            </a:ln>
+          </p:spPr>
+          <p:style>
+            <a:lnRef idx="2">
+              <a:schemeClr val="accent1">
+                <a:shade val="50000"/>
+              </a:schemeClr>
+            </a:lnRef>
+            <a:fillRef idx="1">
+              <a:schemeClr val="accent1"/>
+            </a:fillRef>
+            <a:effectRef idx="0">
+              <a:schemeClr val="accent1"/>
+            </a:effectRef>
+            <a:fontRef idx="minor">
+              <a:schemeClr val="lt1"/>
+            </a:fontRef>
+          </p:style>
+          <p:txBody>
+            <a:bodyPr rtlCol="0" anchor="ctr"/>
+            <a:lstStyle/>
+            <a:p>
+              <a:pPr algn="ctr"/>
+              <a:endParaRPr lang="en-US"/>
+            </a:p>
+          </p:txBody>
+        </p:sp>
+        <p:sp>
+          <p:nvSpPr>
+            <p:cNvPr id="37" name="Rounded Rectangle 36"/>
+            <p:cNvSpPr/>
+            <p:nvPr/>
+          </p:nvSpPr>
+          <p:spPr>
+            <a:xfrm>
+              <a:off x="3373711" y="2751692"/>
+              <a:ext cx="51086" cy="64353"/>
+            </a:xfrm>
+            <a:prstGeom prst="roundRect">
+              <a:avLst/>
+            </a:prstGeom>
+            <a:solidFill>
+              <a:srgbClr val="0070C0"/>
+            </a:solidFill>
+            <a:ln>
+              <a:noFill/>
+            </a:ln>
+          </p:spPr>
+          <p:style>
+            <a:lnRef idx="2">
+              <a:schemeClr val="accent1">
+                <a:shade val="50000"/>
+              </a:schemeClr>
+            </a:lnRef>
+            <a:fillRef idx="1">
+              <a:schemeClr val="accent1"/>
+            </a:fillRef>
+            <a:effectRef idx="0">
+              <a:schemeClr val="accent1"/>
+            </a:effectRef>
+            <a:fontRef idx="minor">
+              <a:schemeClr val="lt1"/>
+            </a:fontRef>
+          </p:style>
+          <p:txBody>
+            <a:bodyPr rtlCol="0" anchor="ctr"/>
+            <a:lstStyle/>
+            <a:p>
+              <a:pPr algn="ctr"/>
+              <a:endParaRPr lang="en-US"/>
+            </a:p>
+          </p:txBody>
+        </p:sp>
+        <p:sp>
+          <p:nvSpPr>
+            <p:cNvPr id="38" name="Rounded Rectangle 37"/>
+            <p:cNvSpPr/>
+            <p:nvPr/>
+          </p:nvSpPr>
+          <p:spPr>
+            <a:xfrm>
+              <a:off x="3486723" y="2880398"/>
+              <a:ext cx="408850" cy="64353"/>
+            </a:xfrm>
+            <a:prstGeom prst="roundRect">
+              <a:avLst/>
+            </a:prstGeom>
+            <a:solidFill>
+              <a:schemeClr val="bg1"/>
+            </a:solidFill>
+            <a:ln>
+              <a:noFill/>
+            </a:ln>
+          </p:spPr>
+          <p:style>
+            <a:lnRef idx="2">
+              <a:schemeClr val="accent1">
+                <a:shade val="50000"/>
+              </a:schemeClr>
+            </a:lnRef>
+            <a:fillRef idx="1">
+              <a:schemeClr val="accent1"/>
+            </a:fillRef>
+            <a:effectRef idx="0">
+              <a:schemeClr val="accent1"/>
+            </a:effectRef>
+            <a:fontRef idx="minor">
+              <a:schemeClr val="lt1"/>
+            </a:fontRef>
+          </p:style>
+          <p:txBody>
+            <a:bodyPr rtlCol="0" anchor="ctr"/>
+            <a:lstStyle/>
+            <a:p>
+              <a:pPr algn="ctr"/>
+              <a:endParaRPr lang="en-US"/>
+            </a:p>
+          </p:txBody>
+        </p:sp>
+        <p:sp>
+          <p:nvSpPr>
+            <p:cNvPr id="39" name="Rounded Rectangle 38"/>
+            <p:cNvSpPr/>
+            <p:nvPr/>
+          </p:nvSpPr>
+          <p:spPr>
+            <a:xfrm>
+              <a:off x="3373366" y="2880398"/>
+              <a:ext cx="51086" cy="64353"/>
+            </a:xfrm>
+            <a:prstGeom prst="roundRect">
+              <a:avLst/>
+            </a:prstGeom>
+            <a:solidFill>
+              <a:schemeClr val="bg1"/>
+            </a:solidFill>
+            <a:ln>
+              <a:noFill/>
+            </a:ln>
+          </p:spPr>
+          <p:style>
+            <a:lnRef idx="2">
+              <a:schemeClr val="accent1">
+                <a:shade val="50000"/>
+              </a:schemeClr>
+            </a:lnRef>
+            <a:fillRef idx="1">
+              <a:schemeClr val="accent1"/>
+            </a:fillRef>
+            <a:effectRef idx="0">
+              <a:schemeClr val="accent1"/>
+            </a:effectRef>
+            <a:fontRef idx="minor">
+              <a:schemeClr val="lt1"/>
+            </a:fontRef>
+          </p:style>
+          <p:txBody>
+            <a:bodyPr rtlCol="0" anchor="ctr"/>
+            <a:lstStyle/>
+            <a:p>
+              <a:pPr algn="ctr"/>
+              <a:endParaRPr lang="en-US"/>
+            </a:p>
+          </p:txBody>
+        </p:sp>
+        <p:sp>
+          <p:nvSpPr>
+            <p:cNvPr id="50" name="Rectangle 49"/>
+            <p:cNvSpPr/>
+            <p:nvPr/>
+          </p:nvSpPr>
+          <p:spPr>
+            <a:xfrm>
+              <a:off x="3200400" y="2361045"/>
+              <a:ext cx="838200" cy="838200"/>
+            </a:xfrm>
+            <a:prstGeom prst="rect">
+              <a:avLst/>
+            </a:prstGeom>
+            <a:noFill/>
+            <a:ln>
+              <a:noFill/>
+            </a:ln>
+          </p:spPr>
+          <p:style>
+            <a:lnRef idx="2">
+              <a:schemeClr val="accent1">
+                <a:shade val="50000"/>
+              </a:schemeClr>
+            </a:lnRef>
+            <a:fillRef idx="1">
+              <a:schemeClr val="accent1"/>
+            </a:fillRef>
+            <a:effectRef idx="0">
+              <a:schemeClr val="accent1"/>
+            </a:effectRef>
+            <a:fontRef idx="minor">
+              <a:schemeClr val="lt1"/>
+            </a:fontRef>
+          </p:style>
+          <p:txBody>
+            <a:bodyPr rtlCol="0" anchor="ctr"/>
+            <a:lstStyle/>
+            <a:p>
+              <a:pPr algn="ctr"/>
+              <a:endParaRPr lang="en-SG"/>
+            </a:p>
+          </p:txBody>
+        </p:sp>
+      </p:grpSp>
+      <p:grpSp>
+        <p:nvGrpSpPr>
+          <p:cNvPr id="103" name="Group 102"/>
+          <p:cNvGrpSpPr/>
+          <p:nvPr/>
+        </p:nvGrpSpPr>
+        <p:grpSpPr>
+          <a:xfrm>
+            <a:off x="5228946" y="2361045"/>
+            <a:ext cx="838200" cy="838200"/>
+            <a:chOff x="5228946" y="2361045"/>
+            <a:chExt cx="838200" cy="838200"/>
+          </a:xfrm>
+        </p:grpSpPr>
+        <p:sp>
+          <p:nvSpPr>
+            <p:cNvPr id="40" name="Rectangle 39"/>
+            <p:cNvSpPr/>
+            <p:nvPr/>
+          </p:nvSpPr>
+          <p:spPr>
+            <a:xfrm>
+              <a:off x="5276698" y="2436461"/>
+              <a:ext cx="590701" cy="494090"/>
+            </a:xfrm>
+            <a:custGeom>
+              <a:avLst/>
+              <a:gdLst/>
+              <a:ahLst/>
+              <a:cxnLst/>
+              <a:rect l="l" t="t" r="r" b="b"/>
+              <a:pathLst>
+                <a:path w="854872" h="762000">
+                  <a:moveTo>
+                    <a:pt x="315122" y="73235"/>
+                  </a:moveTo>
+                  <a:cubicBezTo>
+                    <a:pt x="209912" y="73235"/>
+                    <a:pt x="124622" y="158525"/>
+                    <a:pt x="124622" y="263735"/>
+                  </a:cubicBezTo>
+                  <a:cubicBezTo>
+                    <a:pt x="124622" y="344232"/>
+                    <a:pt x="174550" y="413068"/>
+                    <a:pt x="245272" y="440600"/>
+                  </a:cubicBezTo>
+                  <a:lnTo>
+                    <a:pt x="245272" y="484400"/>
+                  </a:lnTo>
+                  <a:lnTo>
+                    <a:pt x="92872" y="547900"/>
+                  </a:lnTo>
+                  <a:lnTo>
+                    <a:pt x="86522" y="655850"/>
+                  </a:lnTo>
+                  <a:lnTo>
+                    <a:pt x="531022" y="643150"/>
+                  </a:lnTo>
+                  <a:lnTo>
+                    <a:pt x="384972" y="484400"/>
+                  </a:lnTo>
+                  <a:lnTo>
+                    <a:pt x="378974" y="442411"/>
+                  </a:lnTo>
+                  <a:cubicBezTo>
+                    <a:pt x="432013" y="424278"/>
+                    <a:pt x="473931" y="382714"/>
+                    <a:pt x="493073" y="330087"/>
+                  </a:cubicBezTo>
+                  <a:lnTo>
+                    <a:pt x="556422" y="338350"/>
+                  </a:lnTo>
+                  <a:lnTo>
+                    <a:pt x="499272" y="205000"/>
+                  </a:lnTo>
+                  <a:lnTo>
+                    <a:pt x="496531" y="208524"/>
+                  </a:lnTo>
+                  <a:cubicBezTo>
+                    <a:pt x="473664" y="130106"/>
+                    <a:pt x="401034" y="73235"/>
+                    <a:pt x="315122" y="73235"/>
+                  </a:cubicBezTo>
+                  <a:close/>
+                  <a:moveTo>
+                    <a:pt x="0" y="0"/>
+                  </a:moveTo>
+                  <a:lnTo>
+                    <a:pt x="854872" y="0"/>
+                  </a:lnTo>
+                  <a:lnTo>
+                    <a:pt x="854872" y="762000"/>
+                  </a:lnTo>
+                  <a:lnTo>
+                    <a:pt x="0" y="762000"/>
+                  </a:lnTo>
+                  <a:close/>
+                </a:path>
+              </a:pathLst>
+            </a:custGeom>
+            <a:solidFill>
+              <a:schemeClr val="accent6"/>
+            </a:solidFill>
+            <a:ln>
+              <a:noFill/>
+            </a:ln>
+          </p:spPr>
+          <p:style>
+            <a:lnRef idx="2">
+              <a:schemeClr val="accent1">
+                <a:shade val="50000"/>
+              </a:schemeClr>
+            </a:lnRef>
+            <a:fillRef idx="1">
+              <a:schemeClr val="accent1"/>
+            </a:fillRef>
+            <a:effectRef idx="0">
+              <a:schemeClr val="accent1"/>
+            </a:effectRef>
+            <a:fontRef idx="minor">
+              <a:schemeClr val="lt1"/>
+            </a:fontRef>
+          </p:style>
+          <p:txBody>
+            <a:bodyPr rtlCol="0" anchor="ctr"/>
+            <a:lstStyle/>
+            <a:p>
+              <a:pPr algn="ctr"/>
+              <a:endParaRPr lang="en-US"/>
+            </a:p>
+          </p:txBody>
+        </p:sp>
+        <p:sp>
+          <p:nvSpPr>
+            <p:cNvPr id="42" name="Flowchart: Connector 41"/>
+            <p:cNvSpPr/>
+            <p:nvPr/>
+          </p:nvSpPr>
+          <p:spPr>
+            <a:xfrm rot="771170">
+              <a:off x="5635800" y="2669144"/>
+              <a:ext cx="387585" cy="402233"/>
+            </a:xfrm>
+            <a:custGeom>
+              <a:avLst/>
+              <a:gdLst/>
+              <a:ahLst/>
+              <a:cxnLst/>
+              <a:rect l="l" t="t" r="r" b="b"/>
+              <a:pathLst>
+                <a:path w="469900" h="582615">
+                  <a:moveTo>
+                    <a:pt x="228600" y="0"/>
+                  </a:moveTo>
+                  <a:cubicBezTo>
+                    <a:pt x="314512" y="0"/>
+                    <a:pt x="387142" y="56871"/>
+                    <a:pt x="410009" y="135289"/>
+                  </a:cubicBezTo>
+                  <a:lnTo>
+                    <a:pt x="412750" y="131765"/>
+                  </a:lnTo>
+                  <a:lnTo>
+                    <a:pt x="469900" y="265115"/>
+                  </a:lnTo>
+                  <a:lnTo>
+                    <a:pt x="406551" y="256852"/>
+                  </a:lnTo>
+                  <a:cubicBezTo>
+                    <a:pt x="387409" y="309479"/>
+                    <a:pt x="345491" y="351043"/>
+                    <a:pt x="292452" y="369176"/>
+                  </a:cubicBezTo>
+                  <a:lnTo>
+                    <a:pt x="298450" y="411165"/>
+                  </a:lnTo>
+                  <a:lnTo>
+                    <a:pt x="444500" y="569915"/>
+                  </a:lnTo>
+                  <a:lnTo>
+                    <a:pt x="0" y="582615"/>
+                  </a:lnTo>
+                  <a:lnTo>
+                    <a:pt x="6350" y="474665"/>
+                  </a:lnTo>
+                  <a:lnTo>
+                    <a:pt x="158750" y="411165"/>
+                  </a:lnTo>
+                  <a:lnTo>
+                    <a:pt x="158750" y="367365"/>
+                  </a:lnTo>
+                  <a:cubicBezTo>
+                    <a:pt x="88028" y="339833"/>
+                    <a:pt x="38100" y="270997"/>
+                    <a:pt x="38100" y="190500"/>
+                  </a:cubicBezTo>
+                  <a:cubicBezTo>
+                    <a:pt x="38100" y="85290"/>
+                    <a:pt x="123390" y="0"/>
+                    <a:pt x="228600" y="0"/>
+                  </a:cubicBezTo>
+                  <a:close/>
+                </a:path>
+              </a:pathLst>
+            </a:custGeom>
+            <a:solidFill>
+              <a:srgbClr val="0070C0"/>
+            </a:solidFill>
+            <a:ln>
+              <a:solidFill>
+                <a:schemeClr val="bg1">
+                  <a:lumMod val="95000"/>
+                </a:schemeClr>
+              </a:solidFill>
+            </a:ln>
+            <a:effectLst>
+              <a:outerShdw blurRad="63500" sx="102000" sy="102000" algn="ctr" rotWithShape="0">
+                <a:prstClr val="black">
+                  <a:alpha val="40000"/>
+                </a:prstClr>
+              </a:outerShdw>
+            </a:effectLst>
+          </p:spPr>
+          <p:style>
+            <a:lnRef idx="2">
+              <a:schemeClr val="accent1">
+                <a:shade val="50000"/>
+              </a:schemeClr>
+            </a:lnRef>
+            <a:fillRef idx="1">
+              <a:schemeClr val="accent1"/>
+            </a:fillRef>
+            <a:effectRef idx="0">
+              <a:schemeClr val="accent1"/>
+            </a:effectRef>
+            <a:fontRef idx="minor">
+              <a:schemeClr val="lt1"/>
+            </a:fontRef>
+          </p:style>
+          <p:txBody>
+            <a:bodyPr rtlCol="0" anchor="ctr"/>
+            <a:lstStyle/>
+            <a:p>
+              <a:pPr algn="ctr"/>
+              <a:endParaRPr lang="en-US"/>
+            </a:p>
+          </p:txBody>
+        </p:sp>
+        <p:sp>
+          <p:nvSpPr>
+            <p:cNvPr id="56" name="Rectangle 55"/>
+            <p:cNvSpPr/>
+            <p:nvPr/>
+          </p:nvSpPr>
+          <p:spPr>
+            <a:xfrm>
+              <a:off x="5228946" y="2361045"/>
+              <a:ext cx="838200" cy="838200"/>
+            </a:xfrm>
+            <a:prstGeom prst="rect">
+              <a:avLst/>
+            </a:prstGeom>
+            <a:noFill/>
+            <a:ln>
+              <a:noFill/>
+            </a:ln>
+          </p:spPr>
+          <p:style>
+            <a:lnRef idx="2">
+              <a:schemeClr val="accent1">
+                <a:shade val="50000"/>
+              </a:schemeClr>
+            </a:lnRef>
+            <a:fillRef idx="1">
+              <a:schemeClr val="accent1"/>
+            </a:fillRef>
+            <a:effectRef idx="0">
+              <a:schemeClr val="accent1"/>
+            </a:effectRef>
+            <a:fontRef idx="minor">
+              <a:schemeClr val="lt1"/>
+            </a:fontRef>
+          </p:style>
+          <p:txBody>
+            <a:bodyPr rtlCol="0" anchor="ctr"/>
+            <a:lstStyle/>
+            <a:p>
+              <a:pPr algn="ctr"/>
+              <a:endParaRPr lang="en-SG"/>
+            </a:p>
+          </p:txBody>
+        </p:sp>
+      </p:grpSp>
+      <p:grpSp>
+        <p:nvGrpSpPr>
+          <p:cNvPr id="105" name="Group 104"/>
+          <p:cNvGrpSpPr/>
+          <p:nvPr/>
+        </p:nvGrpSpPr>
+        <p:grpSpPr>
+          <a:xfrm>
+            <a:off x="6222994" y="2360100"/>
+            <a:ext cx="838200" cy="838200"/>
+            <a:chOff x="6222994" y="2360100"/>
+            <a:chExt cx="838200" cy="838200"/>
+          </a:xfrm>
+        </p:grpSpPr>
+        <p:sp>
+          <p:nvSpPr>
+            <p:cNvPr id="57" name="Rectangle 56"/>
+            <p:cNvSpPr/>
+            <p:nvPr/>
+          </p:nvSpPr>
+          <p:spPr>
+            <a:xfrm>
+              <a:off x="6222994" y="2360100"/>
+              <a:ext cx="838200" cy="838200"/>
+            </a:xfrm>
+            <a:prstGeom prst="rect">
+              <a:avLst/>
+            </a:prstGeom>
+            <a:noFill/>
+            <a:ln>
+              <a:noFill/>
+            </a:ln>
+          </p:spPr>
+          <p:style>
+            <a:lnRef idx="2">
+              <a:schemeClr val="accent1">
+                <a:shade val="50000"/>
+              </a:schemeClr>
+            </a:lnRef>
+            <a:fillRef idx="1">
+              <a:schemeClr val="accent1"/>
+            </a:fillRef>
+            <a:effectRef idx="0">
+              <a:schemeClr val="accent1"/>
+            </a:effectRef>
+            <a:fontRef idx="minor">
+              <a:schemeClr val="lt1"/>
+            </a:fontRef>
+          </p:style>
+          <p:txBody>
+            <a:bodyPr rtlCol="0" anchor="ctr"/>
+            <a:lstStyle/>
+            <a:p>
+              <a:pPr algn="ctr"/>
+              <a:endParaRPr lang="en-SG"/>
+            </a:p>
+          </p:txBody>
+        </p:sp>
+        <p:sp>
+          <p:nvSpPr>
+            <p:cNvPr id="9" name="Flowchart: Connector 8"/>
+            <p:cNvSpPr/>
+            <p:nvPr/>
+          </p:nvSpPr>
+          <p:spPr>
+            <a:xfrm>
+              <a:off x="6374393" y="2433753"/>
+              <a:ext cx="535402" cy="535402"/>
+            </a:xfrm>
+            <a:prstGeom prst="flowChartConnector">
+              <a:avLst/>
+            </a:prstGeom>
+            <a:solidFill>
+              <a:schemeClr val="accent6"/>
+            </a:solidFill>
+            <a:ln>
+              <a:noFill/>
+            </a:ln>
+            <a:effectLst/>
+          </p:spPr>
+          <p:style>
+            <a:lnRef idx="2">
+              <a:schemeClr val="accent1">
+                <a:shade val="50000"/>
+              </a:schemeClr>
+            </a:lnRef>
+            <a:fillRef idx="1">
+              <a:schemeClr val="accent1"/>
+            </a:fillRef>
+            <a:effectRef idx="0">
+              <a:schemeClr val="accent1"/>
+            </a:effectRef>
+            <a:fontRef idx="minor">
+              <a:schemeClr val="lt1"/>
+            </a:fontRef>
+          </p:style>
+          <p:txBody>
+            <a:bodyPr rtlCol="0" anchor="ctr"/>
+            <a:lstStyle/>
+            <a:p>
+              <a:pPr algn="ctr"/>
+              <a:r>
+                <a:rPr lang="en-US" sz="4000" b="1" dirty="0" smtClean="0">
+                  <a:ln w="12700">
+                    <a:solidFill>
+                      <a:schemeClr val="bg1"/>
+                    </a:solidFill>
+                  </a:ln>
+                  <a:solidFill>
+                    <a:srgbClr val="0070C0"/>
+                  </a:solidFill>
+                  <a:latin typeface="Rockwell Extra Bold" pitchFamily="18" charset="0"/>
+                </a:rPr>
+                <a:t>?</a:t>
+              </a:r>
+              <a:endParaRPr lang="en-SG" sz="4000" b="1" dirty="0">
+                <a:ln w="12700">
+                  <a:solidFill>
+                    <a:schemeClr val="bg1"/>
+                  </a:solidFill>
+                </a:ln>
+                <a:solidFill>
+                  <a:srgbClr val="0070C0"/>
+                </a:solidFill>
+                <a:latin typeface="Rockwell Extra Bold" pitchFamily="18" charset="0"/>
+              </a:endParaRPr>
+            </a:p>
+          </p:txBody>
+        </p:sp>
+      </p:grpSp>
+      <p:grpSp>
+        <p:nvGrpSpPr>
+          <p:cNvPr id="106" name="Group 105"/>
+          <p:cNvGrpSpPr/>
+          <p:nvPr/>
+        </p:nvGrpSpPr>
+        <p:grpSpPr>
+          <a:xfrm>
+            <a:off x="7213594" y="2360100"/>
+            <a:ext cx="838200" cy="838200"/>
+            <a:chOff x="7213594" y="2360100"/>
+            <a:chExt cx="838200" cy="838200"/>
+          </a:xfrm>
+        </p:grpSpPr>
+        <p:sp>
+          <p:nvSpPr>
+            <p:cNvPr id="58" name="Rectangle 57"/>
+            <p:cNvSpPr/>
+            <p:nvPr/>
+          </p:nvSpPr>
+          <p:spPr>
+            <a:xfrm>
+              <a:off x="7213594" y="2360100"/>
+              <a:ext cx="838200" cy="838200"/>
+            </a:xfrm>
+            <a:prstGeom prst="rect">
+              <a:avLst/>
+            </a:prstGeom>
+            <a:noFill/>
+            <a:ln>
+              <a:noFill/>
+            </a:ln>
+          </p:spPr>
+          <p:style>
+            <a:lnRef idx="2">
+              <a:schemeClr val="accent1">
+                <a:shade val="50000"/>
+              </a:schemeClr>
+            </a:lnRef>
+            <a:fillRef idx="1">
+              <a:schemeClr val="accent1"/>
+            </a:fillRef>
+            <a:effectRef idx="0">
+              <a:schemeClr val="accent1"/>
+            </a:effectRef>
+            <a:fontRef idx="minor">
+              <a:schemeClr val="lt1"/>
+            </a:fontRef>
+          </p:style>
+          <p:txBody>
+            <a:bodyPr rtlCol="0" anchor="ctr"/>
+            <a:lstStyle/>
+            <a:p>
+              <a:pPr algn="ctr"/>
+              <a:endParaRPr lang="en-SG"/>
+            </a:p>
+          </p:txBody>
+        </p:sp>
+        <p:grpSp>
+          <p:nvGrpSpPr>
+            <p:cNvPr id="47" name="Group 46"/>
+            <p:cNvGrpSpPr/>
+            <p:nvPr/>
+          </p:nvGrpSpPr>
+          <p:grpSpPr>
+            <a:xfrm>
+              <a:off x="7287423" y="2454381"/>
+              <a:ext cx="685800" cy="399170"/>
+              <a:chOff x="7300914" y="2545581"/>
+              <a:chExt cx="685800" cy="399170"/>
+            </a:xfrm>
+            <a:solidFill>
+              <a:schemeClr val="accent6"/>
+            </a:solidFill>
+            <a:scene3d>
+              <a:camera prst="perspectiveHeroicExtremeLeftFacing"/>
+              <a:lightRig rig="threePt" dir="t"/>
+            </a:scene3d>
+          </p:grpSpPr>
+          <p:sp>
+            <p:nvSpPr>
+              <p:cNvPr id="10" name="Flowchart: Process 9"/>
+              <p:cNvSpPr/>
+              <p:nvPr/>
+            </p:nvSpPr>
+            <p:spPr>
+              <a:xfrm>
+                <a:off x="7300914" y="2545581"/>
+                <a:ext cx="685800" cy="399170"/>
+              </a:xfrm>
+              <a:prstGeom prst="flowChartProcess">
+                <a:avLst/>
+              </a:prstGeom>
+              <a:grpFill/>
+              <a:ln>
+                <a:noFill/>
+              </a:ln>
+              <a:effectLst/>
+            </p:spPr>
+            <p:style>
+              <a:lnRef idx="2">
+                <a:schemeClr val="accent1">
+                  <a:shade val="50000"/>
+                </a:schemeClr>
+              </a:lnRef>
+              <a:fillRef idx="1">
+                <a:schemeClr val="accent1"/>
+              </a:fillRef>
+              <a:effectRef idx="0">
+                <a:schemeClr val="accent1"/>
+              </a:effectRef>
+              <a:fontRef idx="minor">
+                <a:schemeClr val="lt1"/>
+              </a:fontRef>
+            </p:style>
+            <p:txBody>
+              <a:bodyPr rtlCol="0" anchor="ctr"/>
+              <a:lstStyle/>
+              <a:p>
+                <a:pPr algn="ctr"/>
+                <a:endParaRPr lang="en-SG" sz="4000" b="1">
+                  <a:ln w="12700">
+                    <a:solidFill>
+                      <a:schemeClr val="bg1"/>
+                    </a:solidFill>
+                  </a:ln>
+                  <a:solidFill>
+                    <a:srgbClr val="0070C0"/>
+                  </a:solidFill>
+                  <a:latin typeface="Arial Black" pitchFamily="34" charset="0"/>
+                </a:endParaRPr>
+              </a:p>
+            </p:txBody>
+          </p:sp>
+          <p:sp>
+            <p:nvSpPr>
+              <p:cNvPr id="26" name="Freeform 25"/>
+              <p:cNvSpPr/>
+              <p:nvPr/>
+            </p:nvSpPr>
+            <p:spPr>
+              <a:xfrm>
+                <a:off x="7300915" y="2545582"/>
+                <a:ext cx="685798" cy="230956"/>
+              </a:xfrm>
+              <a:custGeom>
+                <a:avLst/>
+                <a:gdLst>
+                  <a:gd name="connsiteX0" fmla="*/ 0 w 685800"/>
+                  <a:gd name="connsiteY0" fmla="*/ 0 h 228600"/>
+                  <a:gd name="connsiteX1" fmla="*/ 345281 w 685800"/>
+                  <a:gd name="connsiteY1" fmla="*/ 228600 h 228600"/>
+                  <a:gd name="connsiteX2" fmla="*/ 685800 w 685800"/>
+                  <a:gd name="connsiteY2" fmla="*/ 0 h 228600"/>
+                </a:gdLst>
+                <a:ahLst/>
+                <a:cxnLst>
+                  <a:cxn ang="0">
+                    <a:pos x="connsiteX0" y="connsiteY0"/>
+                  </a:cxn>
+                  <a:cxn ang="0">
+                    <a:pos x="connsiteX1" y="connsiteY1"/>
+                  </a:cxn>
+                  <a:cxn ang="0">
+                    <a:pos x="connsiteX2" y="connsiteY2"/>
+                  </a:cxn>
+                </a:cxnLst>
+                <a:rect l="l" t="t" r="r" b="b"/>
+                <a:pathLst>
+                  <a:path w="685800" h="228600">
+                    <a:moveTo>
+                      <a:pt x="0" y="0"/>
+                    </a:moveTo>
+                    <a:lnTo>
+                      <a:pt x="345281" y="228600"/>
+                    </a:lnTo>
+                    <a:lnTo>
+                      <a:pt x="685800" y="0"/>
+                    </a:lnTo>
+                  </a:path>
+                </a:pathLst>
+              </a:custGeom>
+              <a:grpFill/>
+              <a:ln cap="rnd">
+                <a:solidFill>
+                  <a:schemeClr val="bg1"/>
+                </a:solidFill>
+              </a:ln>
+            </p:spPr>
+            <p:style>
+              <a:lnRef idx="2">
+                <a:schemeClr val="accent1">
+                  <a:shade val="50000"/>
+                </a:schemeClr>
+              </a:lnRef>
+              <a:fillRef idx="1">
+                <a:schemeClr val="accent1"/>
+              </a:fillRef>
+              <a:effectRef idx="0">
+                <a:schemeClr val="accent1"/>
+              </a:effectRef>
+              <a:fontRef idx="minor">
+                <a:schemeClr val="lt1"/>
+              </a:fontRef>
+            </p:style>
+            <p:txBody>
+              <a:bodyPr rtlCol="0" anchor="ctr"/>
+              <a:lstStyle/>
+              <a:p>
+                <a:pPr algn="ctr"/>
+                <a:endParaRPr lang="en-SG"/>
+              </a:p>
+            </p:txBody>
+          </p:sp>
+          <p:cxnSp>
+            <p:nvCxnSpPr>
+              <p:cNvPr id="28" name="Straight Connector 27"/>
+              <p:cNvCxnSpPr/>
+              <p:nvPr/>
+            </p:nvCxnSpPr>
+            <p:spPr>
+              <a:xfrm flipV="1">
+                <a:off x="7300915" y="2717059"/>
+                <a:ext cx="242886" cy="227692"/>
+              </a:xfrm>
+              <a:prstGeom prst="line">
+                <a:avLst/>
+              </a:prstGeom>
+              <a:grpFill/>
+              <a:ln cap="rnd">
+                <a:solidFill>
+                  <a:schemeClr val="bg1"/>
+                </a:solidFill>
+              </a:ln>
+            </p:spPr>
+            <p:style>
+              <a:lnRef idx="2">
+                <a:schemeClr val="accent1">
+                  <a:shade val="50000"/>
+                </a:schemeClr>
+              </a:lnRef>
+              <a:fillRef idx="1">
+                <a:schemeClr val="accent1"/>
+              </a:fillRef>
+              <a:effectRef idx="0">
+                <a:schemeClr val="accent1"/>
+              </a:effectRef>
+              <a:fontRef idx="minor">
+                <a:schemeClr val="lt1"/>
+              </a:fontRef>
+            </p:style>
+          </p:cxnSp>
+          <p:cxnSp>
+            <p:nvCxnSpPr>
+              <p:cNvPr id="74" name="Straight Connector 73"/>
+              <p:cNvCxnSpPr/>
+              <p:nvPr/>
+            </p:nvCxnSpPr>
+            <p:spPr>
+              <a:xfrm flipH="1" flipV="1">
+                <a:off x="7743828" y="2717059"/>
+                <a:ext cx="242886" cy="227692"/>
+              </a:xfrm>
+              <a:prstGeom prst="line">
+                <a:avLst/>
+              </a:prstGeom>
+              <a:grpFill/>
+              <a:ln cap="rnd">
+                <a:solidFill>
+                  <a:schemeClr val="bg1"/>
+                </a:solidFill>
+              </a:ln>
+            </p:spPr>
+            <p:style>
+              <a:lnRef idx="2">
+                <a:schemeClr val="accent1">
+                  <a:shade val="50000"/>
+                </a:schemeClr>
+              </a:lnRef>
+              <a:fillRef idx="1">
+                <a:schemeClr val="accent1"/>
+              </a:fillRef>
+              <a:effectRef idx="0">
+                <a:schemeClr val="accent1"/>
+              </a:effectRef>
+              <a:fontRef idx="minor">
+                <a:schemeClr val="lt1"/>
+              </a:fontRef>
+            </p:style>
+          </p:cxnSp>
+        </p:grpSp>
+        <p:sp>
+          <p:nvSpPr>
+            <p:cNvPr id="48" name="Right Arrow 47"/>
+            <p:cNvSpPr/>
+            <p:nvPr/>
+          </p:nvSpPr>
+          <p:spPr>
+            <a:xfrm rot="18800530">
+              <a:off x="7429167" y="2787464"/>
+              <a:ext cx="290393" cy="227807"/>
+            </a:xfrm>
+            <a:custGeom>
+              <a:avLst/>
+              <a:gdLst>
+                <a:gd name="connsiteX0" fmla="*/ 0 w 290393"/>
+                <a:gd name="connsiteY0" fmla="*/ 57262 h 229049"/>
+                <a:gd name="connsiteX1" fmla="*/ 175869 w 290393"/>
+                <a:gd name="connsiteY1" fmla="*/ 57262 h 229049"/>
+                <a:gd name="connsiteX2" fmla="*/ 175869 w 290393"/>
+                <a:gd name="connsiteY2" fmla="*/ 0 h 229049"/>
+                <a:gd name="connsiteX3" fmla="*/ 290393 w 290393"/>
+                <a:gd name="connsiteY3" fmla="*/ 114525 h 229049"/>
+                <a:gd name="connsiteX4" fmla="*/ 175869 w 290393"/>
+                <a:gd name="connsiteY4" fmla="*/ 229049 h 229049"/>
+                <a:gd name="connsiteX5" fmla="*/ 175869 w 290393"/>
+                <a:gd name="connsiteY5" fmla="*/ 171787 h 229049"/>
+                <a:gd name="connsiteX6" fmla="*/ 0 w 290393"/>
+                <a:gd name="connsiteY6" fmla="*/ 171787 h 229049"/>
+                <a:gd name="connsiteX7" fmla="*/ 0 w 290393"/>
+                <a:gd name="connsiteY7" fmla="*/ 57262 h 229049"/>
+                <a:gd name="connsiteX0" fmla="*/ 0 w 290393"/>
+                <a:gd name="connsiteY0" fmla="*/ 65185 h 236972"/>
+                <a:gd name="connsiteX1" fmla="*/ 175869 w 290393"/>
+                <a:gd name="connsiteY1" fmla="*/ 65185 h 236972"/>
+                <a:gd name="connsiteX2" fmla="*/ 76713 w 290393"/>
+                <a:gd name="connsiteY2" fmla="*/ 0 h 236972"/>
+                <a:gd name="connsiteX3" fmla="*/ 290393 w 290393"/>
+                <a:gd name="connsiteY3" fmla="*/ 122448 h 236972"/>
+                <a:gd name="connsiteX4" fmla="*/ 175869 w 290393"/>
+                <a:gd name="connsiteY4" fmla="*/ 236972 h 236972"/>
+                <a:gd name="connsiteX5" fmla="*/ 175869 w 290393"/>
+                <a:gd name="connsiteY5" fmla="*/ 179710 h 236972"/>
+                <a:gd name="connsiteX6" fmla="*/ 0 w 290393"/>
+                <a:gd name="connsiteY6" fmla="*/ 179710 h 236972"/>
+                <a:gd name="connsiteX7" fmla="*/ 0 w 290393"/>
+                <a:gd name="connsiteY7" fmla="*/ 65185 h 236972"/>
+                <a:gd name="connsiteX0" fmla="*/ 0 w 290393"/>
+                <a:gd name="connsiteY0" fmla="*/ 65185 h 236972"/>
+                <a:gd name="connsiteX1" fmla="*/ 125084 w 290393"/>
+                <a:gd name="connsiteY1" fmla="*/ 73822 h 236972"/>
+                <a:gd name="connsiteX2" fmla="*/ 76713 w 290393"/>
+                <a:gd name="connsiteY2" fmla="*/ 0 h 236972"/>
+                <a:gd name="connsiteX3" fmla="*/ 290393 w 290393"/>
+                <a:gd name="connsiteY3" fmla="*/ 122448 h 236972"/>
+                <a:gd name="connsiteX4" fmla="*/ 175869 w 290393"/>
+                <a:gd name="connsiteY4" fmla="*/ 236972 h 236972"/>
+                <a:gd name="connsiteX5" fmla="*/ 175869 w 290393"/>
+                <a:gd name="connsiteY5" fmla="*/ 179710 h 236972"/>
+                <a:gd name="connsiteX6" fmla="*/ 0 w 290393"/>
+                <a:gd name="connsiteY6" fmla="*/ 179710 h 236972"/>
+                <a:gd name="connsiteX7" fmla="*/ 0 w 290393"/>
+                <a:gd name="connsiteY7" fmla="*/ 65185 h 236972"/>
+                <a:gd name="connsiteX0" fmla="*/ 0 w 290393"/>
+                <a:gd name="connsiteY0" fmla="*/ 65185 h 231561"/>
+                <a:gd name="connsiteX1" fmla="*/ 125084 w 290393"/>
+                <a:gd name="connsiteY1" fmla="*/ 73822 h 231561"/>
+                <a:gd name="connsiteX2" fmla="*/ 76713 w 290393"/>
+                <a:gd name="connsiteY2" fmla="*/ 0 h 231561"/>
+                <a:gd name="connsiteX3" fmla="*/ 290393 w 290393"/>
+                <a:gd name="connsiteY3" fmla="*/ 122448 h 231561"/>
+                <a:gd name="connsiteX4" fmla="*/ 105276 w 290393"/>
+                <a:gd name="connsiteY4" fmla="*/ 231561 h 231561"/>
+                <a:gd name="connsiteX5" fmla="*/ 175869 w 290393"/>
+                <a:gd name="connsiteY5" fmla="*/ 179710 h 231561"/>
+                <a:gd name="connsiteX6" fmla="*/ 0 w 290393"/>
+                <a:gd name="connsiteY6" fmla="*/ 179710 h 231561"/>
+                <a:gd name="connsiteX7" fmla="*/ 0 w 290393"/>
+                <a:gd name="connsiteY7" fmla="*/ 65185 h 231561"/>
+                <a:gd name="connsiteX0" fmla="*/ 0 w 290393"/>
+                <a:gd name="connsiteY0" fmla="*/ 65185 h 231561"/>
+                <a:gd name="connsiteX1" fmla="*/ 125084 w 290393"/>
+                <a:gd name="connsiteY1" fmla="*/ 73822 h 231561"/>
+                <a:gd name="connsiteX2" fmla="*/ 76713 w 290393"/>
+                <a:gd name="connsiteY2" fmla="*/ 0 h 231561"/>
+                <a:gd name="connsiteX3" fmla="*/ 290393 w 290393"/>
+                <a:gd name="connsiteY3" fmla="*/ 122448 h 231561"/>
+                <a:gd name="connsiteX4" fmla="*/ 105276 w 290393"/>
+                <a:gd name="connsiteY4" fmla="*/ 231561 h 231561"/>
+                <a:gd name="connsiteX5" fmla="*/ 140768 w 290393"/>
+                <a:gd name="connsiteY5" fmla="*/ 170272 h 231561"/>
+                <a:gd name="connsiteX6" fmla="*/ 0 w 290393"/>
+                <a:gd name="connsiteY6" fmla="*/ 179710 h 231561"/>
+                <a:gd name="connsiteX7" fmla="*/ 0 w 290393"/>
+                <a:gd name="connsiteY7" fmla="*/ 65185 h 231561"/>
+                <a:gd name="connsiteX0" fmla="*/ 0 w 290393"/>
+                <a:gd name="connsiteY0" fmla="*/ 65185 h 231561"/>
+                <a:gd name="connsiteX1" fmla="*/ 125084 w 290393"/>
+                <a:gd name="connsiteY1" fmla="*/ 73822 h 231561"/>
+                <a:gd name="connsiteX2" fmla="*/ 76713 w 290393"/>
+                <a:gd name="connsiteY2" fmla="*/ 0 h 231561"/>
+                <a:gd name="connsiteX3" fmla="*/ 290393 w 290393"/>
+                <a:gd name="connsiteY3" fmla="*/ 122448 h 231561"/>
+                <a:gd name="connsiteX4" fmla="*/ 105276 w 290393"/>
+                <a:gd name="connsiteY4" fmla="*/ 231561 h 231561"/>
+                <a:gd name="connsiteX5" fmla="*/ 127205 w 290393"/>
+                <a:gd name="connsiteY5" fmla="*/ 173248 h 231561"/>
+                <a:gd name="connsiteX6" fmla="*/ 0 w 290393"/>
+                <a:gd name="connsiteY6" fmla="*/ 179710 h 231561"/>
+                <a:gd name="connsiteX7" fmla="*/ 0 w 290393"/>
+                <a:gd name="connsiteY7" fmla="*/ 65185 h 231561"/>
+                <a:gd name="connsiteX0" fmla="*/ 0 w 290393"/>
+                <a:gd name="connsiteY0" fmla="*/ 65185 h 263492"/>
+                <a:gd name="connsiteX1" fmla="*/ 125084 w 290393"/>
+                <a:gd name="connsiteY1" fmla="*/ 73822 h 263492"/>
+                <a:gd name="connsiteX2" fmla="*/ 76713 w 290393"/>
+                <a:gd name="connsiteY2" fmla="*/ 0 h 263492"/>
+                <a:gd name="connsiteX3" fmla="*/ 290393 w 290393"/>
+                <a:gd name="connsiteY3" fmla="*/ 122448 h 263492"/>
+                <a:gd name="connsiteX4" fmla="*/ 102667 w 290393"/>
+                <a:gd name="connsiteY4" fmla="*/ 263492 h 263492"/>
+                <a:gd name="connsiteX5" fmla="*/ 127205 w 290393"/>
+                <a:gd name="connsiteY5" fmla="*/ 173248 h 263492"/>
+                <a:gd name="connsiteX6" fmla="*/ 0 w 290393"/>
+                <a:gd name="connsiteY6" fmla="*/ 179710 h 263492"/>
+                <a:gd name="connsiteX7" fmla="*/ 0 w 290393"/>
+                <a:gd name="connsiteY7" fmla="*/ 65185 h 263492"/>
+                <a:gd name="connsiteX0" fmla="*/ 0 w 290393"/>
+                <a:gd name="connsiteY0" fmla="*/ 102797 h 301104"/>
+                <a:gd name="connsiteX1" fmla="*/ 125084 w 290393"/>
+                <a:gd name="connsiteY1" fmla="*/ 111434 h 301104"/>
+                <a:gd name="connsiteX2" fmla="*/ 57587 w 290393"/>
+                <a:gd name="connsiteY2" fmla="*/ 0 h 301104"/>
+                <a:gd name="connsiteX3" fmla="*/ 290393 w 290393"/>
+                <a:gd name="connsiteY3" fmla="*/ 160060 h 301104"/>
+                <a:gd name="connsiteX4" fmla="*/ 102667 w 290393"/>
+                <a:gd name="connsiteY4" fmla="*/ 301104 h 301104"/>
+                <a:gd name="connsiteX5" fmla="*/ 127205 w 290393"/>
+                <a:gd name="connsiteY5" fmla="*/ 210860 h 301104"/>
+                <a:gd name="connsiteX6" fmla="*/ 0 w 290393"/>
+                <a:gd name="connsiteY6" fmla="*/ 217322 h 301104"/>
+                <a:gd name="connsiteX7" fmla="*/ 0 w 290393"/>
+                <a:gd name="connsiteY7" fmla="*/ 102797 h 301104"/>
+                <a:gd name="connsiteX0" fmla="*/ 0 w 290393"/>
+                <a:gd name="connsiteY0" fmla="*/ 107408 h 305715"/>
+                <a:gd name="connsiteX1" fmla="*/ 125084 w 290393"/>
+                <a:gd name="connsiteY1" fmla="*/ 116045 h 305715"/>
+                <a:gd name="connsiteX2" fmla="*/ 72881 w 290393"/>
+                <a:gd name="connsiteY2" fmla="*/ 0 h 305715"/>
+                <a:gd name="connsiteX3" fmla="*/ 290393 w 290393"/>
+                <a:gd name="connsiteY3" fmla="*/ 164671 h 305715"/>
+                <a:gd name="connsiteX4" fmla="*/ 102667 w 290393"/>
+                <a:gd name="connsiteY4" fmla="*/ 305715 h 305715"/>
+                <a:gd name="connsiteX5" fmla="*/ 127205 w 290393"/>
+                <a:gd name="connsiteY5" fmla="*/ 215471 h 305715"/>
+                <a:gd name="connsiteX6" fmla="*/ 0 w 290393"/>
+                <a:gd name="connsiteY6" fmla="*/ 221933 h 305715"/>
+                <a:gd name="connsiteX7" fmla="*/ 0 w 290393"/>
+                <a:gd name="connsiteY7" fmla="*/ 107408 h 305715"/>
+                <a:gd name="connsiteX0" fmla="*/ 0 w 290393"/>
+                <a:gd name="connsiteY0" fmla="*/ 107408 h 298886"/>
+                <a:gd name="connsiteX1" fmla="*/ 125084 w 290393"/>
+                <a:gd name="connsiteY1" fmla="*/ 116045 h 298886"/>
+                <a:gd name="connsiteX2" fmla="*/ 72881 w 290393"/>
+                <a:gd name="connsiteY2" fmla="*/ 0 h 298886"/>
+                <a:gd name="connsiteX3" fmla="*/ 290393 w 290393"/>
+                <a:gd name="connsiteY3" fmla="*/ 164671 h 298886"/>
+                <a:gd name="connsiteX4" fmla="*/ 99496 w 290393"/>
+                <a:gd name="connsiteY4" fmla="*/ 298886 h 298886"/>
+                <a:gd name="connsiteX5" fmla="*/ 127205 w 290393"/>
+                <a:gd name="connsiteY5" fmla="*/ 215471 h 298886"/>
+                <a:gd name="connsiteX6" fmla="*/ 0 w 290393"/>
+                <a:gd name="connsiteY6" fmla="*/ 221933 h 298886"/>
+                <a:gd name="connsiteX7" fmla="*/ 0 w 290393"/>
+                <a:gd name="connsiteY7" fmla="*/ 107408 h 298886"/>
+                <a:gd name="connsiteX0" fmla="*/ 0 w 290393"/>
+                <a:gd name="connsiteY0" fmla="*/ 107408 h 312449"/>
+                <a:gd name="connsiteX1" fmla="*/ 125084 w 290393"/>
+                <a:gd name="connsiteY1" fmla="*/ 116045 h 312449"/>
+                <a:gd name="connsiteX2" fmla="*/ 72881 w 290393"/>
+                <a:gd name="connsiteY2" fmla="*/ 0 h 312449"/>
+                <a:gd name="connsiteX3" fmla="*/ 290393 w 290393"/>
+                <a:gd name="connsiteY3" fmla="*/ 164671 h 312449"/>
+                <a:gd name="connsiteX4" fmla="*/ 102472 w 290393"/>
+                <a:gd name="connsiteY4" fmla="*/ 312449 h 312449"/>
+                <a:gd name="connsiteX5" fmla="*/ 127205 w 290393"/>
+                <a:gd name="connsiteY5" fmla="*/ 215471 h 312449"/>
+                <a:gd name="connsiteX6" fmla="*/ 0 w 290393"/>
+                <a:gd name="connsiteY6" fmla="*/ 221933 h 312449"/>
+                <a:gd name="connsiteX7" fmla="*/ 0 w 290393"/>
+                <a:gd name="connsiteY7" fmla="*/ 107408 h 312449"/>
+                <a:gd name="connsiteX0" fmla="*/ 0 w 290393"/>
+                <a:gd name="connsiteY0" fmla="*/ 61039 h 266080"/>
+                <a:gd name="connsiteX1" fmla="*/ 125084 w 290393"/>
+                <a:gd name="connsiteY1" fmla="*/ 69676 h 266080"/>
+                <a:gd name="connsiteX2" fmla="*/ 103544 w 290393"/>
+                <a:gd name="connsiteY2" fmla="*/ 0 h 266080"/>
+                <a:gd name="connsiteX3" fmla="*/ 290393 w 290393"/>
+                <a:gd name="connsiteY3" fmla="*/ 118302 h 266080"/>
+                <a:gd name="connsiteX4" fmla="*/ 102472 w 290393"/>
+                <a:gd name="connsiteY4" fmla="*/ 266080 h 266080"/>
+                <a:gd name="connsiteX5" fmla="*/ 127205 w 290393"/>
+                <a:gd name="connsiteY5" fmla="*/ 169102 h 266080"/>
+                <a:gd name="connsiteX6" fmla="*/ 0 w 290393"/>
+                <a:gd name="connsiteY6" fmla="*/ 175564 h 266080"/>
+                <a:gd name="connsiteX7" fmla="*/ 0 w 290393"/>
+                <a:gd name="connsiteY7" fmla="*/ 61039 h 266080"/>
+                <a:gd name="connsiteX0" fmla="*/ 0 w 290393"/>
+                <a:gd name="connsiteY0" fmla="*/ 61039 h 238198"/>
+                <a:gd name="connsiteX1" fmla="*/ 125084 w 290393"/>
+                <a:gd name="connsiteY1" fmla="*/ 69676 h 238198"/>
+                <a:gd name="connsiteX2" fmla="*/ 103544 w 290393"/>
+                <a:gd name="connsiteY2" fmla="*/ 0 h 238198"/>
+                <a:gd name="connsiteX3" fmla="*/ 290393 w 290393"/>
+                <a:gd name="connsiteY3" fmla="*/ 118302 h 238198"/>
+                <a:gd name="connsiteX4" fmla="*/ 128546 w 290393"/>
+                <a:gd name="connsiteY4" fmla="*/ 238198 h 238198"/>
+                <a:gd name="connsiteX5" fmla="*/ 127205 w 290393"/>
+                <a:gd name="connsiteY5" fmla="*/ 169102 h 238198"/>
+                <a:gd name="connsiteX6" fmla="*/ 0 w 290393"/>
+                <a:gd name="connsiteY6" fmla="*/ 175564 h 238198"/>
+                <a:gd name="connsiteX7" fmla="*/ 0 w 290393"/>
+                <a:gd name="connsiteY7" fmla="*/ 61039 h 238198"/>
+                <a:gd name="connsiteX0" fmla="*/ 0 w 290393"/>
+                <a:gd name="connsiteY0" fmla="*/ 61039 h 227807"/>
+                <a:gd name="connsiteX1" fmla="*/ 125084 w 290393"/>
+                <a:gd name="connsiteY1" fmla="*/ 69676 h 227807"/>
+                <a:gd name="connsiteX2" fmla="*/ 103544 w 290393"/>
+                <a:gd name="connsiteY2" fmla="*/ 0 h 227807"/>
+                <a:gd name="connsiteX3" fmla="*/ 290393 w 290393"/>
+                <a:gd name="connsiteY3" fmla="*/ 118302 h 227807"/>
+                <a:gd name="connsiteX4" fmla="*/ 118739 w 290393"/>
+                <a:gd name="connsiteY4" fmla="*/ 227807 h 227807"/>
+                <a:gd name="connsiteX5" fmla="*/ 127205 w 290393"/>
+                <a:gd name="connsiteY5" fmla="*/ 169102 h 227807"/>
+                <a:gd name="connsiteX6" fmla="*/ 0 w 290393"/>
+                <a:gd name="connsiteY6" fmla="*/ 175564 h 227807"/>
+                <a:gd name="connsiteX7" fmla="*/ 0 w 290393"/>
+                <a:gd name="connsiteY7" fmla="*/ 61039 h 227807"/>
+                <a:gd name="connsiteX0" fmla="*/ 0 w 290393"/>
+                <a:gd name="connsiteY0" fmla="*/ 61039 h 227807"/>
+                <a:gd name="connsiteX1" fmla="*/ 125084 w 290393"/>
+                <a:gd name="connsiteY1" fmla="*/ 69676 h 227807"/>
+                <a:gd name="connsiteX2" fmla="*/ 103544 w 290393"/>
+                <a:gd name="connsiteY2" fmla="*/ 0 h 227807"/>
+                <a:gd name="connsiteX3" fmla="*/ 290393 w 290393"/>
+                <a:gd name="connsiteY3" fmla="*/ 118302 h 227807"/>
+                <a:gd name="connsiteX4" fmla="*/ 118739 w 290393"/>
+                <a:gd name="connsiteY4" fmla="*/ 227807 h 227807"/>
+                <a:gd name="connsiteX5" fmla="*/ 119325 w 290393"/>
+                <a:gd name="connsiteY5" fmla="*/ 150345 h 227807"/>
+                <a:gd name="connsiteX6" fmla="*/ 0 w 290393"/>
+                <a:gd name="connsiteY6" fmla="*/ 175564 h 227807"/>
+                <a:gd name="connsiteX7" fmla="*/ 0 w 290393"/>
+                <a:gd name="connsiteY7" fmla="*/ 61039 h 227807"/>
+                <a:gd name="connsiteX0" fmla="*/ 0 w 290393"/>
+                <a:gd name="connsiteY0" fmla="*/ 61039 h 227807"/>
+                <a:gd name="connsiteX1" fmla="*/ 120743 w 290393"/>
+                <a:gd name="connsiteY1" fmla="*/ 103240 h 227807"/>
+                <a:gd name="connsiteX2" fmla="*/ 103544 w 290393"/>
+                <a:gd name="connsiteY2" fmla="*/ 0 h 227807"/>
+                <a:gd name="connsiteX3" fmla="*/ 290393 w 290393"/>
+                <a:gd name="connsiteY3" fmla="*/ 118302 h 227807"/>
+                <a:gd name="connsiteX4" fmla="*/ 118739 w 290393"/>
+                <a:gd name="connsiteY4" fmla="*/ 227807 h 227807"/>
+                <a:gd name="connsiteX5" fmla="*/ 119325 w 290393"/>
+                <a:gd name="connsiteY5" fmla="*/ 150345 h 227807"/>
+                <a:gd name="connsiteX6" fmla="*/ 0 w 290393"/>
+                <a:gd name="connsiteY6" fmla="*/ 175564 h 227807"/>
+                <a:gd name="connsiteX7" fmla="*/ 0 w 290393"/>
+                <a:gd name="connsiteY7" fmla="*/ 61039 h 227807"/>
+                <a:gd name="connsiteX0" fmla="*/ 0 w 290393"/>
+                <a:gd name="connsiteY0" fmla="*/ 61039 h 227807"/>
+                <a:gd name="connsiteX1" fmla="*/ 134598 w 290393"/>
+                <a:gd name="connsiteY1" fmla="*/ 90165 h 227807"/>
+                <a:gd name="connsiteX2" fmla="*/ 103544 w 290393"/>
+                <a:gd name="connsiteY2" fmla="*/ 0 h 227807"/>
+                <a:gd name="connsiteX3" fmla="*/ 290393 w 290393"/>
+                <a:gd name="connsiteY3" fmla="*/ 118302 h 227807"/>
+                <a:gd name="connsiteX4" fmla="*/ 118739 w 290393"/>
+                <a:gd name="connsiteY4" fmla="*/ 227807 h 227807"/>
+                <a:gd name="connsiteX5" fmla="*/ 119325 w 290393"/>
+                <a:gd name="connsiteY5" fmla="*/ 150345 h 227807"/>
+                <a:gd name="connsiteX6" fmla="*/ 0 w 290393"/>
+                <a:gd name="connsiteY6" fmla="*/ 175564 h 227807"/>
+                <a:gd name="connsiteX7" fmla="*/ 0 w 290393"/>
+                <a:gd name="connsiteY7" fmla="*/ 61039 h 227807"/>
+                <a:gd name="connsiteX0" fmla="*/ 0 w 290393"/>
+                <a:gd name="connsiteY0" fmla="*/ 61039 h 227807"/>
+                <a:gd name="connsiteX1" fmla="*/ 134598 w 290393"/>
+                <a:gd name="connsiteY1" fmla="*/ 90165 h 227807"/>
+                <a:gd name="connsiteX2" fmla="*/ 103544 w 290393"/>
+                <a:gd name="connsiteY2" fmla="*/ 0 h 227807"/>
+                <a:gd name="connsiteX3" fmla="*/ 290393 w 290393"/>
+                <a:gd name="connsiteY3" fmla="*/ 118302 h 227807"/>
+                <a:gd name="connsiteX4" fmla="*/ 118739 w 290393"/>
+                <a:gd name="connsiteY4" fmla="*/ 227807 h 227807"/>
+                <a:gd name="connsiteX5" fmla="*/ 134717 w 290393"/>
+                <a:gd name="connsiteY5" fmla="*/ 142368 h 227807"/>
+                <a:gd name="connsiteX6" fmla="*/ 0 w 290393"/>
+                <a:gd name="connsiteY6" fmla="*/ 175564 h 227807"/>
+                <a:gd name="connsiteX7" fmla="*/ 0 w 290393"/>
+                <a:gd name="connsiteY7" fmla="*/ 61039 h 227807"/>
+                <a:gd name="connsiteX0" fmla="*/ 0 w 290393"/>
+                <a:gd name="connsiteY0" fmla="*/ 61039 h 227807"/>
+                <a:gd name="connsiteX1" fmla="*/ 134598 w 290393"/>
+                <a:gd name="connsiteY1" fmla="*/ 90165 h 227807"/>
+                <a:gd name="connsiteX2" fmla="*/ 103544 w 290393"/>
+                <a:gd name="connsiteY2" fmla="*/ 0 h 227807"/>
+                <a:gd name="connsiteX3" fmla="*/ 290393 w 290393"/>
+                <a:gd name="connsiteY3" fmla="*/ 118302 h 227807"/>
+                <a:gd name="connsiteX4" fmla="*/ 118739 w 290393"/>
+                <a:gd name="connsiteY4" fmla="*/ 227807 h 227807"/>
+                <a:gd name="connsiteX5" fmla="*/ 137693 w 290393"/>
+                <a:gd name="connsiteY5" fmla="*/ 155930 h 227807"/>
+                <a:gd name="connsiteX6" fmla="*/ 0 w 290393"/>
+                <a:gd name="connsiteY6" fmla="*/ 175564 h 227807"/>
+                <a:gd name="connsiteX7" fmla="*/ 0 w 290393"/>
+                <a:gd name="connsiteY7" fmla="*/ 61039 h 227807"/>
+              </a:gdLst>
+              <a:ahLst/>
+              <a:cxnLst>
+                <a:cxn ang="0">
+                  <a:pos x="connsiteX0" y="connsiteY0"/>
+                </a:cxn>
+                <a:cxn ang="0">
+                  <a:pos x="connsiteX1" y="connsiteY1"/>
+                </a:cxn>
+                <a:cxn ang="0">
+                  <a:pos x="connsiteX2" y="connsiteY2"/>
+                </a:cxn>
+                <a:cxn ang="0">
+                  <a:pos x="connsiteX3" y="connsiteY3"/>
+                </a:cxn>
+                <a:cxn ang="0">
+                  <a:pos x="connsiteX4" y="connsiteY4"/>
+                </a:cxn>
+                <a:cxn ang="0">
+                  <a:pos x="connsiteX5" y="connsiteY5"/>
+                </a:cxn>
+                <a:cxn ang="0">
+                  <a:pos x="connsiteX6" y="connsiteY6"/>
+                </a:cxn>
+                <a:cxn ang="0">
+                  <a:pos x="connsiteX7" y="connsiteY7"/>
+                </a:cxn>
+              </a:cxnLst>
+              <a:rect l="l" t="t" r="r" b="b"/>
+              <a:pathLst>
+                <a:path w="290393" h="227807">
+                  <a:moveTo>
+                    <a:pt x="0" y="61039"/>
+                  </a:moveTo>
+                  <a:lnTo>
+                    <a:pt x="134598" y="90165"/>
+                  </a:lnTo>
+                  <a:lnTo>
+                    <a:pt x="103544" y="0"/>
+                  </a:lnTo>
+                  <a:lnTo>
+                    <a:pt x="290393" y="118302"/>
+                  </a:lnTo>
+                  <a:lnTo>
+                    <a:pt x="118739" y="227807"/>
+                  </a:lnTo>
+                  <a:cubicBezTo>
+                    <a:pt x="118934" y="201986"/>
+                    <a:pt x="137498" y="181751"/>
+                    <a:pt x="137693" y="155930"/>
+                  </a:cubicBezTo>
+                  <a:lnTo>
+                    <a:pt x="0" y="175564"/>
+                  </a:lnTo>
+                  <a:lnTo>
+                    <a:pt x="0" y="61039"/>
+                  </a:lnTo>
+                  <a:close/>
+                </a:path>
+              </a:pathLst>
+            </a:custGeom>
+            <a:solidFill>
+              <a:srgbClr val="0070C0"/>
+            </a:solidFill>
+            <a:ln w="12700">
+              <a:solidFill>
+                <a:schemeClr val="bg1"/>
+              </a:solidFill>
+            </a:ln>
+            <a:effectLst>
+              <a:outerShdw blurRad="63500" sx="102000" sy="102000" algn="ctr" rotWithShape="0">
+                <a:prstClr val="black">
+                  <a:alpha val="40000"/>
+                </a:prstClr>
+              </a:outerShdw>
+            </a:effectLst>
+          </p:spPr>
+          <p:style>
+            <a:lnRef idx="2">
+              <a:schemeClr val="accent1">
+                <a:shade val="50000"/>
+              </a:schemeClr>
+            </a:lnRef>
+            <a:fillRef idx="1">
+              <a:schemeClr val="accent1"/>
+            </a:fillRef>
+            <a:effectRef idx="0">
+              <a:schemeClr val="accent1"/>
+            </a:effectRef>
+            <a:fontRef idx="minor">
+              <a:schemeClr val="lt1"/>
+            </a:fontRef>
+          </p:style>
+          <p:txBody>
+            <a:bodyPr rtlCol="0" anchor="ctr"/>
+            <a:lstStyle/>
+            <a:p>
+              <a:pPr algn="ctr"/>
+              <a:endParaRPr lang="en-SG"/>
+            </a:p>
+          </p:txBody>
+        </p:sp>
+      </p:grpSp>
+      <p:grpSp>
+        <p:nvGrpSpPr>
+          <p:cNvPr id="107" name="Group 106"/>
+          <p:cNvGrpSpPr/>
+          <p:nvPr/>
+        </p:nvGrpSpPr>
+        <p:grpSpPr>
+          <a:xfrm>
+            <a:off x="8204194" y="2360100"/>
+            <a:ext cx="838200" cy="838200"/>
+            <a:chOff x="8204194" y="2360100"/>
+            <a:chExt cx="838200" cy="838200"/>
+          </a:xfrm>
+        </p:grpSpPr>
+        <p:sp>
+          <p:nvSpPr>
+            <p:cNvPr id="59" name="Rectangle 58"/>
+            <p:cNvSpPr/>
+            <p:nvPr/>
+          </p:nvSpPr>
+          <p:spPr>
+            <a:xfrm>
+              <a:off x="8204194" y="2360100"/>
+              <a:ext cx="838200" cy="838200"/>
+            </a:xfrm>
+            <a:prstGeom prst="rect">
+              <a:avLst/>
+            </a:prstGeom>
+            <a:noFill/>
+            <a:ln>
+              <a:noFill/>
+            </a:ln>
+          </p:spPr>
+          <p:style>
+            <a:lnRef idx="2">
+              <a:schemeClr val="accent1">
+                <a:shade val="50000"/>
+              </a:schemeClr>
+            </a:lnRef>
+            <a:fillRef idx="1">
+              <a:schemeClr val="accent1"/>
+            </a:fillRef>
+            <a:effectRef idx="0">
+              <a:schemeClr val="accent1"/>
+            </a:effectRef>
+            <a:fontRef idx="minor">
+              <a:schemeClr val="lt1"/>
+            </a:fontRef>
+          </p:style>
+          <p:txBody>
+            <a:bodyPr rtlCol="0" anchor="ctr"/>
+            <a:lstStyle/>
+            <a:p>
+              <a:pPr algn="ctr"/>
+              <a:endParaRPr lang="en-SG"/>
+            </a:p>
+          </p:txBody>
+        </p:sp>
+        <p:sp>
+          <p:nvSpPr>
+            <p:cNvPr id="90" name="Flowchart: Connector 89"/>
+            <p:cNvSpPr/>
+            <p:nvPr/>
+          </p:nvSpPr>
+          <p:spPr>
+            <a:xfrm>
+              <a:off x="8355593" y="2433753"/>
+              <a:ext cx="535402" cy="535402"/>
+            </a:xfrm>
+            <a:prstGeom prst="flowChartConnector">
+              <a:avLst/>
+            </a:prstGeom>
+            <a:solidFill>
+              <a:schemeClr val="accent6"/>
+            </a:solidFill>
+            <a:ln>
+              <a:noFill/>
+            </a:ln>
+            <a:effectLst/>
+          </p:spPr>
+          <p:style>
+            <a:lnRef idx="2">
+              <a:schemeClr val="accent1">
+                <a:shade val="50000"/>
+              </a:schemeClr>
+            </a:lnRef>
+            <a:fillRef idx="1">
+              <a:schemeClr val="accent1"/>
+            </a:fillRef>
+            <a:effectRef idx="0">
+              <a:schemeClr val="accent1"/>
+            </a:effectRef>
+            <a:fontRef idx="minor">
+              <a:schemeClr val="lt1"/>
+            </a:fontRef>
+          </p:style>
+          <p:txBody>
+            <a:bodyPr rtlCol="0" anchor="ctr"/>
+            <a:lstStyle/>
+            <a:p>
+              <a:pPr algn="ctr"/>
+              <a:r>
+                <a:rPr lang="en-US" sz="3600" b="1" dirty="0" err="1">
+                  <a:ln w="12700">
+                    <a:solidFill>
+                      <a:schemeClr val="bg1"/>
+                    </a:solidFill>
+                  </a:ln>
+                  <a:solidFill>
+                    <a:srgbClr val="0070C0"/>
+                  </a:solidFill>
+                  <a:latin typeface="Rockwell Extra Bold" pitchFamily="18" charset="0"/>
+                </a:rPr>
+                <a:t>i</a:t>
+              </a:r>
+              <a:endParaRPr lang="en-SG" sz="3600" b="1" dirty="0">
+                <a:ln w="12700">
+                  <a:solidFill>
+                    <a:schemeClr val="bg1"/>
+                  </a:solidFill>
+                </a:ln>
+                <a:solidFill>
+                  <a:srgbClr val="0070C0"/>
+                </a:solidFill>
+                <a:latin typeface="Rockwell Extra Bold" pitchFamily="18" charset="0"/>
+              </a:endParaRPr>
+            </a:p>
+          </p:txBody>
+        </p:sp>
+      </p:grpSp>
       <p:sp>
         <p:nvSpPr>
-          <p:cNvPr id="2" name="Title 1"/>
-          <p:cNvSpPr>
-            <a:spLocks noGrp="1"/>
-          </p:cNvSpPr>
-          <p:nvPr>
-            <p:ph type="title"/>
-          </p:nvPr>
+          <p:cNvPr id="111" name="TextBox 110"/>
+          <p:cNvSpPr txBox="1"/>
+          <p:nvPr/>
         </p:nvSpPr>
-        <p:spPr/>
-        <p:txBody>
-          <a:bodyPr/>
-          <a:lstStyle/>
-          <a:p>
-            <a:endParaRPr lang="en-US"/>
-          </a:p>
-        </p:txBody>
-      </p:sp>
-      <p:pic>
-        <p:nvPicPr>
-          <p:cNvPr id="2050" name="Picture 2"/>
-          <p:cNvPicPr>
-            <a:picLocks noChangeAspect="1" noChangeArrowheads="1"/>
-          </p:cNvPicPr>
-          <p:nvPr/>
-        </p:nvPicPr>
-        <p:blipFill rotWithShape="1">
-          <a:blip r:embed="rId2">
-            <a:extLst>
-              <a:ext uri="{28A0092B-C50C-407E-A947-70E740481C1C}">
-                <a14:useLocalDpi xmlns:a14="http://schemas.microsoft.com/office/drawing/2010/main" val="0"/>
-              </a:ext>
-            </a:extLst>
-          </a:blip>
-          <a:srcRect t="17245" r="12124" b="24648"/>
-          <a:stretch/>
-        </p:blipFill>
-        <p:spPr bwMode="auto">
+        <p:spPr>
           <a:xfrm>
-            <a:off x="182564" y="2202873"/>
-            <a:ext cx="7714528" cy="2175163"/>
+            <a:off x="302504" y="3335923"/>
+            <a:ext cx="569381" cy="338554"/>
           </a:xfrm>
           <a:prstGeom prst="rect">
             <a:avLst/>
           </a:prstGeom>
           <a:noFill/>
-          <a:ln>
-            <a:noFill/>
-          </a:ln>
-          <a:effectLst/>
-          <a:extLst>
-            <a:ext uri="{909E8E84-426E-40DD-AFC4-6F175D3DCCD1}">
-              <a14:hiddenFill xmlns:a14="http://schemas.microsoft.com/office/drawing/2010/main">
-                <a:solidFill>
-                  <a:schemeClr val="accent1"/>
-                </a:solidFill>
-              </a14:hiddenFill>
-            </a:ext>
-            <a:ext uri="{91240B29-F687-4F45-9708-019B960494DF}">
-              <a14:hiddenLine xmlns:a14="http://schemas.microsoft.com/office/drawing/2010/main" w="9525">
-                <a:solidFill>
-                  <a:schemeClr val="tx1"/>
-                </a:solidFill>
-                <a:miter lim="800000"/>
-                <a:headEnd/>
-                <a:tailEnd/>
-              </a14:hiddenLine>
-            </a:ext>
-            <a:ext uri="{AF507438-7753-43E0-B8FC-AC1667EBCBE1}">
-              <a14:hiddenEffects xmlns:a14="http://schemas.microsoft.com/office/drawing/2010/main">
-                <a:effectLst>
-                  <a:outerShdw dist="35921" dir="2700000" algn="ctr" rotWithShape="0">
-                    <a:schemeClr val="bg2"/>
-                  </a:outerShdw>
-                </a:effectLst>
-              </a14:hiddenEffects>
-            </a:ext>
-          </a:extLst>
         </p:spPr>
-      </p:pic>
-    </p:spTree>
-    <p:extLst>
-      <p:ext uri="{BB962C8B-B14F-4D97-AF65-F5344CB8AC3E}">
-        <p14:creationId xmlns:p14="http://schemas.microsoft.com/office/powerpoint/2010/main" val="4016884786"/>
-      </p:ext>
-    </p:extLst>
-  </p:cSld>
-  <p:clrMapOvr>
-    <a:masterClrMapping/>
-  </p:clrMapOvr>
-  <p:timing>
-    <p:tnLst>
-      <p:par>
-        <p:cTn id="1" dur="indefinite" restart="never" nodeType="tmRoot"/>
-      </p:par>
-    </p:tnLst>
-  </p:timing>
-</p:sld>
-</file>
-
-<file path=ppt/slides/slide8.xml><?xml version="1.0" encoding="utf-8"?>
-<p:sld xmlns:a="http://schemas.openxmlformats.org/drawingml/2006/main" xmlns:r="http://schemas.openxmlformats.org/officeDocument/2006/relationships" xmlns:p="http://schemas.openxmlformats.org/presentationml/2006/main">
-  <p:cSld>
-    <p:spTree>
-      <p:nvGrpSpPr>
-        <p:cNvPr id="1" name=""/>
-        <p:cNvGrpSpPr/>
-        <p:nvPr/>
-      </p:nvGrpSpPr>
-      <p:grpSpPr>
-        <a:xfrm>
-          <a:off x="0" y="0"/>
-          <a:ext cx="0" cy="0"/>
-          <a:chOff x="0" y="0"/>
-          <a:chExt cx="0" cy="0"/>
-        </a:xfrm>
-      </p:grpSpPr>
+        <p:txBody>
+          <a:bodyPr wrap="square" rtlCol="0">
+            <a:spAutoFit/>
+          </a:bodyPr>
+          <a:lstStyle/>
+          <a:p>
+            <a:r>
+              <a:rPr lang="en-US" sz="800" dirty="0" smtClean="0"/>
+              <a:t>Auto animate</a:t>
+            </a:r>
+            <a:endParaRPr lang="en-SG" sz="800" dirty="0"/>
+          </a:p>
+        </p:txBody>
+      </p:sp>
       <p:sp>
         <p:nvSpPr>
-          <p:cNvPr id="4" name="Rectangle 3"/>
+          <p:cNvPr id="124" name="TextBox 123"/>
+          <p:cNvSpPr txBox="1"/>
+          <p:nvPr/>
+        </p:nvSpPr>
+        <p:spPr>
+          <a:xfrm>
+            <a:off x="1324455" y="3342375"/>
+            <a:ext cx="689438" cy="338554"/>
+          </a:xfrm>
+          <a:prstGeom prst="rect">
+            <a:avLst/>
+          </a:prstGeom>
+          <a:noFill/>
+        </p:spPr>
+        <p:txBody>
+          <a:bodyPr wrap="square" rtlCol="0">
+            <a:spAutoFit/>
+          </a:bodyPr>
+          <a:lstStyle/>
+          <a:p>
+            <a:r>
+              <a:rPr lang="en-US" sz="800" dirty="0" smtClean="0"/>
+              <a:t>Recreate animation</a:t>
+            </a:r>
+            <a:endParaRPr lang="en-SG" sz="800" dirty="0"/>
+          </a:p>
+        </p:txBody>
+      </p:sp>
+      <p:sp>
+        <p:nvSpPr>
+          <p:cNvPr id="125" name="TextBox 124"/>
+          <p:cNvSpPr txBox="1"/>
+          <p:nvPr/>
+        </p:nvSpPr>
+        <p:spPr>
+          <a:xfrm>
+            <a:off x="2266318" y="3335225"/>
+            <a:ext cx="689438" cy="338554"/>
+          </a:xfrm>
+          <a:prstGeom prst="rect">
+            <a:avLst/>
+          </a:prstGeom>
+          <a:noFill/>
+        </p:spPr>
+        <p:txBody>
+          <a:bodyPr wrap="square" rtlCol="0">
+            <a:spAutoFit/>
+          </a:bodyPr>
+          <a:lstStyle/>
+          <a:p>
+            <a:r>
+              <a:rPr lang="en-US" sz="800" dirty="0" smtClean="0"/>
+              <a:t>Create spotlight</a:t>
+            </a:r>
+            <a:endParaRPr lang="en-SG" sz="800" dirty="0"/>
+          </a:p>
+        </p:txBody>
+      </p:sp>
+      <p:sp>
+        <p:nvSpPr>
+          <p:cNvPr id="126" name="TextBox 125"/>
+          <p:cNvSpPr txBox="1"/>
+          <p:nvPr/>
+        </p:nvSpPr>
+        <p:spPr>
+          <a:xfrm>
+            <a:off x="3276600" y="3342375"/>
+            <a:ext cx="689438" cy="338554"/>
+          </a:xfrm>
+          <a:prstGeom prst="rect">
+            <a:avLst/>
+          </a:prstGeom>
+          <a:noFill/>
+        </p:spPr>
+        <p:txBody>
+          <a:bodyPr wrap="square" rtlCol="0">
+            <a:spAutoFit/>
+          </a:bodyPr>
+          <a:lstStyle/>
+          <a:p>
+            <a:r>
+              <a:rPr lang="en-US" sz="800" dirty="0" smtClean="0"/>
+              <a:t>Highlight bullets</a:t>
+            </a:r>
+            <a:endParaRPr lang="en-SG" sz="800" dirty="0"/>
+          </a:p>
+        </p:txBody>
+      </p:sp>
+      <p:sp>
+        <p:nvSpPr>
+          <p:cNvPr id="127" name="TextBox 126"/>
+          <p:cNvSpPr txBox="1"/>
+          <p:nvPr/>
+        </p:nvSpPr>
+        <p:spPr>
+          <a:xfrm>
+            <a:off x="4311964" y="3342375"/>
+            <a:ext cx="689438" cy="338554"/>
+          </a:xfrm>
+          <a:prstGeom prst="rect">
+            <a:avLst/>
+          </a:prstGeom>
+          <a:noFill/>
+        </p:spPr>
+        <p:txBody>
+          <a:bodyPr wrap="square" rtlCol="0">
+            <a:spAutoFit/>
+          </a:bodyPr>
+          <a:lstStyle/>
+          <a:p>
+            <a:r>
+              <a:rPr lang="en-US" sz="800" dirty="0" smtClean="0"/>
+              <a:t>Zoom to area</a:t>
+            </a:r>
+            <a:endParaRPr lang="en-SG" sz="800" dirty="0"/>
+          </a:p>
+        </p:txBody>
+      </p:sp>
+      <p:sp>
+        <p:nvSpPr>
+          <p:cNvPr id="128" name="TextBox 127"/>
+          <p:cNvSpPr txBox="1"/>
+          <p:nvPr/>
+        </p:nvSpPr>
+        <p:spPr>
+          <a:xfrm>
+            <a:off x="5301294" y="3354475"/>
+            <a:ext cx="689438" cy="338554"/>
+          </a:xfrm>
+          <a:prstGeom prst="rect">
+            <a:avLst/>
+          </a:prstGeom>
+          <a:noFill/>
+        </p:spPr>
+        <p:txBody>
+          <a:bodyPr wrap="square" rtlCol="0">
+            <a:spAutoFit/>
+          </a:bodyPr>
+          <a:lstStyle/>
+          <a:p>
+            <a:r>
+              <a:rPr lang="en-US" sz="800" dirty="0" smtClean="0"/>
+              <a:t>Cut out shape</a:t>
+            </a:r>
+            <a:endParaRPr lang="en-SG" sz="800" dirty="0"/>
+          </a:p>
+        </p:txBody>
+      </p:sp>
+      <p:sp>
+        <p:nvSpPr>
+          <p:cNvPr id="129" name="TextBox 128"/>
+          <p:cNvSpPr txBox="1"/>
+          <p:nvPr/>
+        </p:nvSpPr>
+        <p:spPr>
+          <a:xfrm>
+            <a:off x="6337666" y="3369049"/>
+            <a:ext cx="689438" cy="215444"/>
+          </a:xfrm>
+          <a:prstGeom prst="rect">
+            <a:avLst/>
+          </a:prstGeom>
+          <a:noFill/>
+        </p:spPr>
+        <p:txBody>
+          <a:bodyPr wrap="square" rtlCol="0">
+            <a:spAutoFit/>
+          </a:bodyPr>
+          <a:lstStyle/>
+          <a:p>
+            <a:r>
+              <a:rPr lang="en-US" sz="800" dirty="0" smtClean="0"/>
+              <a:t>Help</a:t>
+            </a:r>
+            <a:endParaRPr lang="en-SG" sz="800" dirty="0"/>
+          </a:p>
+        </p:txBody>
+      </p:sp>
+      <p:sp>
+        <p:nvSpPr>
+          <p:cNvPr id="130" name="TextBox 129"/>
+          <p:cNvSpPr txBox="1"/>
+          <p:nvPr/>
+        </p:nvSpPr>
+        <p:spPr>
+          <a:xfrm>
+            <a:off x="7162800" y="3369049"/>
+            <a:ext cx="888994" cy="338554"/>
+          </a:xfrm>
+          <a:prstGeom prst="rect">
+            <a:avLst/>
+          </a:prstGeom>
+          <a:noFill/>
+        </p:spPr>
+        <p:txBody>
+          <a:bodyPr wrap="square" rtlCol="0">
+            <a:spAutoFit/>
+          </a:bodyPr>
+          <a:lstStyle/>
+          <a:p>
+            <a:r>
+              <a:rPr lang="en-US" sz="800" dirty="0" smtClean="0"/>
+              <a:t>Report issues/feedback</a:t>
+            </a:r>
+            <a:endParaRPr lang="en-SG" sz="800" dirty="0"/>
+          </a:p>
+        </p:txBody>
+      </p:sp>
+      <p:sp>
+        <p:nvSpPr>
+          <p:cNvPr id="131" name="TextBox 130"/>
+          <p:cNvSpPr txBox="1"/>
+          <p:nvPr/>
+        </p:nvSpPr>
+        <p:spPr>
+          <a:xfrm>
+            <a:off x="8415216" y="3436402"/>
+            <a:ext cx="444497" cy="215444"/>
+          </a:xfrm>
+          <a:prstGeom prst="rect">
+            <a:avLst/>
+          </a:prstGeom>
+          <a:noFill/>
+        </p:spPr>
+        <p:txBody>
+          <a:bodyPr wrap="square" rtlCol="0">
+            <a:spAutoFit/>
+          </a:bodyPr>
+          <a:lstStyle/>
+          <a:p>
+            <a:r>
+              <a:rPr lang="en-US" sz="800" dirty="0" smtClean="0"/>
+              <a:t>About</a:t>
+            </a:r>
+            <a:endParaRPr lang="en-SG" sz="800" dirty="0"/>
+          </a:p>
+        </p:txBody>
+      </p:sp>
+      <p:sp>
+        <p:nvSpPr>
+          <p:cNvPr id="112" name="Right Brace 111"/>
+          <p:cNvSpPr/>
+          <p:nvPr/>
+        </p:nvSpPr>
+        <p:spPr>
+          <a:xfrm rot="5400000">
+            <a:off x="4647262" y="2710476"/>
+            <a:ext cx="247608" cy="2903855"/>
+          </a:xfrm>
+          <a:prstGeom prst="rightBrace">
+            <a:avLst/>
+          </a:prstGeom>
+        </p:spPr>
+        <p:style>
+          <a:lnRef idx="1">
+            <a:schemeClr val="accent1"/>
+          </a:lnRef>
+          <a:fillRef idx="0">
+            <a:schemeClr val="accent1"/>
+          </a:fillRef>
+          <a:effectRef idx="0">
+            <a:schemeClr val="accent1"/>
+          </a:effectRef>
+          <a:fontRef idx="minor">
+            <a:schemeClr val="tx1"/>
+          </a:fontRef>
+        </p:style>
+        <p:txBody>
+          <a:bodyPr rtlCol="0" anchor="ctr"/>
+          <a:lstStyle/>
+          <a:p>
+            <a:pPr algn="ctr"/>
+            <a:endParaRPr lang="en-SG"/>
+          </a:p>
+        </p:txBody>
+      </p:sp>
+      <p:sp>
+        <p:nvSpPr>
+          <p:cNvPr id="113" name="Rounded Rectangular Callout 112"/>
           <p:cNvSpPr/>
           <p:nvPr/>
         </p:nvSpPr>
         <p:spPr>
           <a:xfrm>
-            <a:off x="3454190" y="3352800"/>
-            <a:ext cx="932270" cy="678875"/>
+            <a:off x="4338645" y="4466486"/>
+            <a:ext cx="1233404" cy="627246"/>
           </a:xfrm>
-          <a:prstGeom prst="rect">
-            <a:avLst/>
+          <a:prstGeom prst="wedgeRoundRectCallout">
+            <a:avLst>
+              <a:gd name="adj1" fmla="val -16764"/>
+              <a:gd name="adj2" fmla="val -72892"/>
+              <a:gd name="adj3" fmla="val 16667"/>
+            </a:avLst>
           </a:prstGeom>
-          <a:solidFill>
-            <a:srgbClr val="FF6600"/>
-          </a:solidFill>
-          <a:ln>
-            <a:noFill/>
-          </a:ln>
         </p:spPr>
         <p:style>
           <a:lnRef idx="2">
@@ -8837,1656 +11008,41 @@
           <a:lstStyle/>
           <a:p>
             <a:pPr algn="ctr"/>
-            <a:endParaRPr lang="en-US"/>
+            <a:r>
+              <a:rPr lang="en-US" sz="1400" dirty="0" smtClean="0"/>
+              <a:t>Feature coming soon!</a:t>
+            </a:r>
+            <a:endParaRPr lang="en-SG" sz="1400" dirty="0"/>
           </a:p>
         </p:txBody>
       </p:sp>
       <p:sp>
         <p:nvSpPr>
-          <p:cNvPr id="5" name="Rectangle 4"/>
-          <p:cNvSpPr/>
+          <p:cNvPr id="116" name="TextBox 115"/>
+          <p:cNvSpPr txBox="1"/>
           <p:nvPr/>
         </p:nvSpPr>
         <p:spPr>
           <a:xfrm>
-            <a:off x="3551170" y="3435925"/>
-            <a:ext cx="932270" cy="678875"/>
-          </a:xfrm>
-          <a:custGeom>
-            <a:avLst/>
-            <a:gdLst/>
-            <a:ahLst/>
-            <a:cxnLst/>
-            <a:rect l="l" t="t" r="r" b="b"/>
-            <a:pathLst>
-              <a:path w="1066800" h="762000">
-                <a:moveTo>
-                  <a:pt x="381000" y="138549"/>
-                </a:moveTo>
-                <a:cubicBezTo>
-                  <a:pt x="275790" y="138549"/>
-                  <a:pt x="190500" y="223839"/>
-                  <a:pt x="190500" y="329049"/>
-                </a:cubicBezTo>
-                <a:cubicBezTo>
-                  <a:pt x="190500" y="434259"/>
-                  <a:pt x="275790" y="519549"/>
-                  <a:pt x="381000" y="519549"/>
-                </a:cubicBezTo>
-                <a:cubicBezTo>
-                  <a:pt x="486210" y="519549"/>
-                  <a:pt x="571500" y="434259"/>
-                  <a:pt x="571500" y="329049"/>
-                </a:cubicBezTo>
-                <a:cubicBezTo>
-                  <a:pt x="571500" y="223839"/>
-                  <a:pt x="486210" y="138549"/>
-                  <a:pt x="381000" y="138549"/>
-                </a:cubicBezTo>
-                <a:close/>
-                <a:moveTo>
-                  <a:pt x="0" y="0"/>
-                </a:moveTo>
-                <a:lnTo>
-                  <a:pt x="1066800" y="0"/>
-                </a:lnTo>
-                <a:lnTo>
-                  <a:pt x="1066800" y="762000"/>
-                </a:lnTo>
-                <a:lnTo>
-                  <a:pt x="0" y="762000"/>
-                </a:lnTo>
-                <a:close/>
-              </a:path>
-            </a:pathLst>
-          </a:custGeom>
-          <a:solidFill>
-            <a:srgbClr val="0070C0">
-              <a:alpha val="67000"/>
-            </a:srgbClr>
-          </a:solidFill>
-          <a:ln>
-            <a:noFill/>
-          </a:ln>
-        </p:spPr>
-        <p:style>
-          <a:lnRef idx="2">
-            <a:schemeClr val="accent1">
-              <a:shade val="50000"/>
-            </a:schemeClr>
-          </a:lnRef>
-          <a:fillRef idx="1">
-            <a:schemeClr val="accent1"/>
-          </a:fillRef>
-          <a:effectRef idx="0">
-            <a:schemeClr val="accent1"/>
-          </a:effectRef>
-          <a:fontRef idx="minor">
-            <a:schemeClr val="lt1"/>
-          </a:fontRef>
-        </p:style>
-        <p:txBody>
-          <a:bodyPr rtlCol="0" anchor="ctr"/>
-          <a:lstStyle/>
-          <a:p>
-            <a:pPr algn="ctr"/>
-            <a:endParaRPr lang="en-US"/>
-          </a:p>
-        </p:txBody>
-      </p:sp>
-      <p:sp>
-        <p:nvSpPr>
-          <p:cNvPr id="15" name="Rectangle 14"/>
-          <p:cNvSpPr/>
-          <p:nvPr/>
-        </p:nvSpPr>
-        <p:spPr>
-          <a:xfrm>
-            <a:off x="457200" y="3276600"/>
-            <a:ext cx="859947" cy="620574"/>
+            <a:off x="1066800" y="1295400"/>
+            <a:ext cx="3502684" cy="369332"/>
           </a:xfrm>
           <a:prstGeom prst="rect">
             <a:avLst/>
           </a:prstGeom>
-          <a:solidFill>
-            <a:srgbClr val="FF6600"/>
-          </a:solidFill>
-          <a:ln>
-            <a:noFill/>
-          </a:ln>
+          <a:noFill/>
         </p:spPr>
-        <p:style>
-          <a:lnRef idx="2">
-            <a:schemeClr val="accent1">
-              <a:shade val="50000"/>
-            </a:schemeClr>
-          </a:lnRef>
-          <a:fillRef idx="1">
-            <a:schemeClr val="accent1"/>
-          </a:fillRef>
-          <a:effectRef idx="0">
-            <a:schemeClr val="accent1"/>
-          </a:effectRef>
-          <a:fontRef idx="minor">
-            <a:schemeClr val="lt1"/>
-          </a:fontRef>
-        </p:style>
         <p:txBody>
-          <a:bodyPr rtlCol="0" anchor="ctr"/>
+          <a:bodyPr wrap="square" rtlCol="0">
+            <a:spAutoFit/>
+          </a:bodyPr>
           <a:lstStyle/>
           <a:p>
-            <a:pPr algn="ctr"/>
-            <a:endParaRPr lang="en-US"/>
-          </a:p>
-        </p:txBody>
-      </p:sp>
-      <p:sp>
-        <p:nvSpPr>
-          <p:cNvPr id="16" name="Rectangle 15"/>
-          <p:cNvSpPr/>
-          <p:nvPr/>
-        </p:nvSpPr>
-        <p:spPr>
-          <a:xfrm rot="20725682">
-            <a:off x="597385" y="3523424"/>
-            <a:ext cx="859947" cy="609600"/>
-          </a:xfrm>
-          <a:prstGeom prst="rect">
-            <a:avLst/>
-          </a:prstGeom>
-          <a:solidFill>
-            <a:srgbClr val="0070C0"/>
-          </a:solidFill>
-          <a:ln>
-            <a:solidFill>
-              <a:schemeClr val="bg1"/>
-            </a:solidFill>
-          </a:ln>
-        </p:spPr>
-        <p:style>
-          <a:lnRef idx="2">
-            <a:schemeClr val="accent1">
-              <a:shade val="50000"/>
-            </a:schemeClr>
-          </a:lnRef>
-          <a:fillRef idx="1">
-            <a:schemeClr val="accent1"/>
-          </a:fillRef>
-          <a:effectRef idx="0">
-            <a:schemeClr val="accent1"/>
-          </a:effectRef>
-          <a:fontRef idx="minor">
-            <a:schemeClr val="lt1"/>
-          </a:fontRef>
-        </p:style>
-        <p:txBody>
-          <a:bodyPr rtlCol="0" anchor="ctr"/>
-          <a:lstStyle/>
-          <a:p>
-            <a:pPr algn="ctr"/>
-            <a:endParaRPr lang="en-US"/>
-          </a:p>
-        </p:txBody>
-      </p:sp>
-      <p:sp>
-        <p:nvSpPr>
-          <p:cNvPr id="22" name="Flowchart: Connector 21"/>
-          <p:cNvSpPr/>
-          <p:nvPr/>
-        </p:nvSpPr>
-        <p:spPr>
-          <a:xfrm>
-            <a:off x="526470" y="3352800"/>
-            <a:ext cx="158162" cy="158162"/>
-          </a:xfrm>
-          <a:prstGeom prst="flowChartConnector">
-            <a:avLst/>
-          </a:prstGeom>
-          <a:solidFill>
-            <a:schemeClr val="bg1"/>
-          </a:solidFill>
-          <a:ln>
-            <a:solidFill>
-              <a:schemeClr val="bg1"/>
-            </a:solidFill>
-          </a:ln>
-        </p:spPr>
-        <p:style>
-          <a:lnRef idx="2">
-            <a:schemeClr val="accent1">
-              <a:shade val="50000"/>
-            </a:schemeClr>
-          </a:lnRef>
-          <a:fillRef idx="1">
-            <a:schemeClr val="accent1"/>
-          </a:fillRef>
-          <a:effectRef idx="0">
-            <a:schemeClr val="accent1"/>
-          </a:effectRef>
-          <a:fontRef idx="minor">
-            <a:schemeClr val="lt1"/>
-          </a:fontRef>
-        </p:style>
-        <p:txBody>
-          <a:bodyPr rtlCol="0" anchor="ctr"/>
-          <a:lstStyle/>
-          <a:p>
-            <a:pPr algn="ctr"/>
-            <a:endParaRPr lang="en-US"/>
-          </a:p>
-        </p:txBody>
-      </p:sp>
-      <p:sp>
-        <p:nvSpPr>
-          <p:cNvPr id="23" name="Rectangle 22"/>
-          <p:cNvSpPr/>
-          <p:nvPr/>
-        </p:nvSpPr>
-        <p:spPr>
-          <a:xfrm>
-            <a:off x="6261734" y="3352800"/>
-            <a:ext cx="831441" cy="522288"/>
-          </a:xfrm>
-          <a:prstGeom prst="rect">
-            <a:avLst/>
-          </a:prstGeom>
-          <a:solidFill>
-            <a:srgbClr val="FF6600"/>
-          </a:solidFill>
-          <a:ln>
-            <a:noFill/>
-          </a:ln>
-        </p:spPr>
-        <p:style>
-          <a:lnRef idx="2">
-            <a:schemeClr val="accent1">
-              <a:shade val="50000"/>
-            </a:schemeClr>
-          </a:lnRef>
-          <a:fillRef idx="1">
-            <a:schemeClr val="accent1"/>
-          </a:fillRef>
-          <a:effectRef idx="0">
-            <a:schemeClr val="accent1"/>
-          </a:effectRef>
-          <a:fontRef idx="minor">
-            <a:schemeClr val="lt1"/>
-          </a:fontRef>
-        </p:style>
-        <p:txBody>
-          <a:bodyPr rtlCol="0" anchor="ctr"/>
-          <a:lstStyle/>
-          <a:p>
-            <a:pPr algn="ctr"/>
-            <a:endParaRPr lang="en-US"/>
-          </a:p>
-        </p:txBody>
-      </p:sp>
-      <p:sp>
-        <p:nvSpPr>
-          <p:cNvPr id="25" name="Rectangle 24"/>
-          <p:cNvSpPr/>
-          <p:nvPr/>
-        </p:nvSpPr>
-        <p:spPr>
-          <a:xfrm>
-            <a:off x="6365642" y="3429000"/>
-            <a:ext cx="181322" cy="117043"/>
-          </a:xfrm>
-          <a:prstGeom prst="rect">
-            <a:avLst/>
-          </a:prstGeom>
-          <a:solidFill>
-            <a:srgbClr val="0070C0"/>
-          </a:solidFill>
-          <a:ln>
-            <a:solidFill>
-              <a:schemeClr val="bg1"/>
-            </a:solidFill>
-          </a:ln>
-        </p:spPr>
-        <p:style>
-          <a:lnRef idx="2">
-            <a:schemeClr val="accent1">
-              <a:shade val="50000"/>
-            </a:schemeClr>
-          </a:lnRef>
-          <a:fillRef idx="1">
-            <a:schemeClr val="accent1"/>
-          </a:fillRef>
-          <a:effectRef idx="0">
-            <a:schemeClr val="accent1"/>
-          </a:effectRef>
-          <a:fontRef idx="minor">
-            <a:schemeClr val="lt1"/>
-          </a:fontRef>
-        </p:style>
-        <p:txBody>
-          <a:bodyPr rtlCol="0" anchor="ctr"/>
-          <a:lstStyle/>
-          <a:p>
-            <a:pPr algn="ctr"/>
-            <a:endParaRPr lang="en-US"/>
-          </a:p>
-        </p:txBody>
-      </p:sp>
-      <p:sp>
-        <p:nvSpPr>
-          <p:cNvPr id="30" name="Freeform 29"/>
-          <p:cNvSpPr/>
-          <p:nvPr/>
-        </p:nvSpPr>
-        <p:spPr>
-          <a:xfrm>
-            <a:off x="6366509" y="3429000"/>
-            <a:ext cx="942795" cy="685800"/>
-          </a:xfrm>
-          <a:custGeom>
-            <a:avLst/>
-            <a:gdLst>
-              <a:gd name="connsiteX0" fmla="*/ 4763 w 1209675"/>
-              <a:gd name="connsiteY0" fmla="*/ 119063 h 838200"/>
-              <a:gd name="connsiteX1" fmla="*/ 171450 w 1209675"/>
-              <a:gd name="connsiteY1" fmla="*/ 838200 h 838200"/>
-              <a:gd name="connsiteX2" fmla="*/ 1209675 w 1209675"/>
-              <a:gd name="connsiteY2" fmla="*/ 838200 h 838200"/>
-              <a:gd name="connsiteX3" fmla="*/ 1209675 w 1209675"/>
-              <a:gd name="connsiteY3" fmla="*/ 247650 h 838200"/>
-              <a:gd name="connsiteX4" fmla="*/ 238125 w 1209675"/>
-              <a:gd name="connsiteY4" fmla="*/ 0 h 838200"/>
-              <a:gd name="connsiteX5" fmla="*/ 0 w 1209675"/>
-              <a:gd name="connsiteY5" fmla="*/ 0 h 838200"/>
-              <a:gd name="connsiteX6" fmla="*/ 4763 w 1209675"/>
-              <a:gd name="connsiteY6" fmla="*/ 119063 h 838200"/>
-            </a:gdLst>
-            <a:ahLst/>
-            <a:cxnLst>
-              <a:cxn ang="0">
-                <a:pos x="connsiteX0" y="connsiteY0"/>
-              </a:cxn>
-              <a:cxn ang="0">
-                <a:pos x="connsiteX1" y="connsiteY1"/>
-              </a:cxn>
-              <a:cxn ang="0">
-                <a:pos x="connsiteX2" y="connsiteY2"/>
-              </a:cxn>
-              <a:cxn ang="0">
-                <a:pos x="connsiteX3" y="connsiteY3"/>
-              </a:cxn>
-              <a:cxn ang="0">
-                <a:pos x="connsiteX4" y="connsiteY4"/>
-              </a:cxn>
-              <a:cxn ang="0">
-                <a:pos x="connsiteX5" y="connsiteY5"/>
-              </a:cxn>
-              <a:cxn ang="0">
-                <a:pos x="connsiteX6" y="connsiteY6"/>
-              </a:cxn>
-            </a:cxnLst>
-            <a:rect l="l" t="t" r="r" b="b"/>
-            <a:pathLst>
-              <a:path w="1209675" h="838200">
-                <a:moveTo>
-                  <a:pt x="4763" y="119063"/>
-                </a:moveTo>
-                <a:lnTo>
-                  <a:pt x="171450" y="838200"/>
-                </a:lnTo>
-                <a:lnTo>
-                  <a:pt x="1209675" y="838200"/>
-                </a:lnTo>
-                <a:lnTo>
-                  <a:pt x="1209675" y="247650"/>
-                </a:lnTo>
-                <a:lnTo>
-                  <a:pt x="238125" y="0"/>
-                </a:lnTo>
-                <a:lnTo>
-                  <a:pt x="0" y="0"/>
-                </a:lnTo>
-                <a:lnTo>
-                  <a:pt x="4763" y="119063"/>
-                </a:lnTo>
-                <a:close/>
-              </a:path>
-            </a:pathLst>
-          </a:custGeom>
-          <a:solidFill>
-            <a:srgbClr val="0070C0">
-              <a:alpha val="55000"/>
-            </a:srgbClr>
-          </a:solidFill>
-          <a:ln>
-            <a:noFill/>
-          </a:ln>
-        </p:spPr>
-        <p:style>
-          <a:lnRef idx="2">
-            <a:schemeClr val="accent1">
-              <a:shade val="50000"/>
-            </a:schemeClr>
-          </a:lnRef>
-          <a:fillRef idx="1">
-            <a:schemeClr val="accent1"/>
-          </a:fillRef>
-          <a:effectRef idx="0">
-            <a:schemeClr val="accent1"/>
-          </a:effectRef>
-          <a:fontRef idx="minor">
-            <a:schemeClr val="lt1"/>
-          </a:fontRef>
-        </p:style>
-        <p:txBody>
-          <a:bodyPr rtlCol="0" anchor="ctr"/>
-          <a:lstStyle/>
-          <a:p>
-            <a:pPr algn="ctr"/>
-            <a:endParaRPr lang="en-US"/>
-          </a:p>
-        </p:txBody>
-      </p:sp>
-      <p:sp>
-        <p:nvSpPr>
-          <p:cNvPr id="24" name="Rectangle 23"/>
-          <p:cNvSpPr/>
-          <p:nvPr/>
-        </p:nvSpPr>
-        <p:spPr>
-          <a:xfrm>
-            <a:off x="6516877" y="3649232"/>
-            <a:ext cx="783184" cy="451713"/>
-          </a:xfrm>
-          <a:prstGeom prst="rect">
-            <a:avLst/>
-          </a:prstGeom>
-          <a:solidFill>
-            <a:srgbClr val="0070C0"/>
-          </a:solidFill>
-          <a:ln>
-            <a:solidFill>
-              <a:schemeClr val="bg1"/>
-            </a:solidFill>
-          </a:ln>
-        </p:spPr>
-        <p:style>
-          <a:lnRef idx="2">
-            <a:schemeClr val="accent1">
-              <a:shade val="50000"/>
-            </a:schemeClr>
-          </a:lnRef>
-          <a:fillRef idx="1">
-            <a:schemeClr val="accent1"/>
-          </a:fillRef>
-          <a:effectRef idx="0">
-            <a:schemeClr val="accent1"/>
-          </a:effectRef>
-          <a:fontRef idx="minor">
-            <a:schemeClr val="lt1"/>
-          </a:fontRef>
-        </p:style>
-        <p:txBody>
-          <a:bodyPr rtlCol="0" anchor="ctr"/>
-          <a:lstStyle/>
-          <a:p>
-            <a:pPr algn="ctr"/>
-            <a:endParaRPr lang="en-US"/>
-          </a:p>
-        </p:txBody>
-      </p:sp>
-      <p:sp>
-        <p:nvSpPr>
-          <p:cNvPr id="31" name="Rectangle 30"/>
-          <p:cNvSpPr/>
-          <p:nvPr/>
-        </p:nvSpPr>
-        <p:spPr>
-          <a:xfrm>
-            <a:off x="4876800" y="3352800"/>
-            <a:ext cx="969818" cy="661985"/>
-          </a:xfrm>
-          <a:prstGeom prst="rect">
-            <a:avLst/>
-          </a:prstGeom>
-          <a:solidFill>
-            <a:srgbClr val="FF6600"/>
-          </a:solidFill>
-          <a:ln>
-            <a:noFill/>
-          </a:ln>
-        </p:spPr>
-        <p:style>
-          <a:lnRef idx="2">
-            <a:schemeClr val="accent1">
-              <a:shade val="50000"/>
-            </a:schemeClr>
-          </a:lnRef>
-          <a:fillRef idx="1">
-            <a:schemeClr val="accent1"/>
-          </a:fillRef>
-          <a:effectRef idx="0">
-            <a:schemeClr val="accent1"/>
-          </a:effectRef>
-          <a:fontRef idx="minor">
-            <a:schemeClr val="lt1"/>
-          </a:fontRef>
-        </p:style>
-        <p:txBody>
-          <a:bodyPr rtlCol="0" anchor="ctr"/>
-          <a:lstStyle/>
-          <a:p>
-            <a:pPr algn="ctr"/>
-            <a:endParaRPr lang="en-US"/>
-          </a:p>
-        </p:txBody>
-      </p:sp>
-      <p:sp>
-        <p:nvSpPr>
-          <p:cNvPr id="32" name="Rectangle 31"/>
-          <p:cNvSpPr/>
-          <p:nvPr/>
-        </p:nvSpPr>
-        <p:spPr>
-          <a:xfrm>
-            <a:off x="5186243" y="3425965"/>
-            <a:ext cx="534532" cy="76200"/>
-          </a:xfrm>
-          <a:prstGeom prst="rect">
-            <a:avLst/>
-          </a:prstGeom>
-          <a:solidFill>
-            <a:schemeClr val="bg1"/>
-          </a:solidFill>
-          <a:ln>
-            <a:noFill/>
-          </a:ln>
-        </p:spPr>
-        <p:style>
-          <a:lnRef idx="2">
-            <a:schemeClr val="accent1">
-              <a:shade val="50000"/>
-            </a:schemeClr>
-          </a:lnRef>
-          <a:fillRef idx="1">
-            <a:schemeClr val="accent1"/>
-          </a:fillRef>
-          <a:effectRef idx="0">
-            <a:schemeClr val="accent1"/>
-          </a:effectRef>
-          <a:fontRef idx="minor">
-            <a:schemeClr val="lt1"/>
-          </a:fontRef>
-        </p:style>
-        <p:txBody>
-          <a:bodyPr rtlCol="0" anchor="ctr"/>
-          <a:lstStyle/>
-          <a:p>
-            <a:pPr algn="ctr"/>
-            <a:endParaRPr lang="en-US"/>
-          </a:p>
-        </p:txBody>
-      </p:sp>
-      <p:sp>
-        <p:nvSpPr>
-          <p:cNvPr id="33" name="Rectangle 32"/>
-          <p:cNvSpPr/>
-          <p:nvPr/>
-        </p:nvSpPr>
-        <p:spPr>
-          <a:xfrm>
-            <a:off x="5038039" y="3425965"/>
-            <a:ext cx="66790" cy="76200"/>
-          </a:xfrm>
-          <a:prstGeom prst="rect">
-            <a:avLst/>
-          </a:prstGeom>
-          <a:solidFill>
-            <a:schemeClr val="bg1"/>
-          </a:solidFill>
-          <a:ln>
-            <a:noFill/>
-          </a:ln>
-        </p:spPr>
-        <p:style>
-          <a:lnRef idx="2">
-            <a:schemeClr val="accent1">
-              <a:shade val="50000"/>
-            </a:schemeClr>
-          </a:lnRef>
-          <a:fillRef idx="1">
-            <a:schemeClr val="accent1"/>
-          </a:fillRef>
-          <a:effectRef idx="0">
-            <a:schemeClr val="accent1"/>
-          </a:effectRef>
-          <a:fontRef idx="minor">
-            <a:schemeClr val="lt1"/>
-          </a:fontRef>
-        </p:style>
-        <p:txBody>
-          <a:bodyPr rtlCol="0" anchor="ctr"/>
-          <a:lstStyle/>
-          <a:p>
-            <a:pPr algn="ctr"/>
-            <a:endParaRPr lang="en-US"/>
-          </a:p>
-        </p:txBody>
-      </p:sp>
-      <p:sp>
-        <p:nvSpPr>
-          <p:cNvPr id="34" name="Rectangle 33"/>
-          <p:cNvSpPr/>
-          <p:nvPr/>
-        </p:nvSpPr>
-        <p:spPr>
-          <a:xfrm>
-            <a:off x="5186243" y="3578365"/>
-            <a:ext cx="534532" cy="76200"/>
-          </a:xfrm>
-          <a:prstGeom prst="rect">
-            <a:avLst/>
-          </a:prstGeom>
-          <a:solidFill>
-            <a:schemeClr val="bg1"/>
-          </a:solidFill>
-          <a:ln>
-            <a:noFill/>
-          </a:ln>
-        </p:spPr>
-        <p:style>
-          <a:lnRef idx="2">
-            <a:schemeClr val="accent1">
-              <a:shade val="50000"/>
-            </a:schemeClr>
-          </a:lnRef>
-          <a:fillRef idx="1">
-            <a:schemeClr val="accent1"/>
-          </a:fillRef>
-          <a:effectRef idx="0">
-            <a:schemeClr val="accent1"/>
-          </a:effectRef>
-          <a:fontRef idx="minor">
-            <a:schemeClr val="lt1"/>
-          </a:fontRef>
-        </p:style>
-        <p:txBody>
-          <a:bodyPr rtlCol="0" anchor="ctr"/>
-          <a:lstStyle/>
-          <a:p>
-            <a:pPr algn="ctr"/>
-            <a:endParaRPr lang="en-US"/>
-          </a:p>
-        </p:txBody>
-      </p:sp>
-      <p:sp>
-        <p:nvSpPr>
-          <p:cNvPr id="35" name="Rectangle 34"/>
-          <p:cNvSpPr/>
-          <p:nvPr/>
-        </p:nvSpPr>
-        <p:spPr>
-          <a:xfrm>
-            <a:off x="5038039" y="3578365"/>
-            <a:ext cx="66790" cy="76200"/>
-          </a:xfrm>
-          <a:prstGeom prst="rect">
-            <a:avLst/>
-          </a:prstGeom>
-          <a:solidFill>
-            <a:schemeClr val="bg1"/>
-          </a:solidFill>
-          <a:ln>
-            <a:noFill/>
-          </a:ln>
-        </p:spPr>
-        <p:style>
-          <a:lnRef idx="2">
-            <a:schemeClr val="accent1">
-              <a:shade val="50000"/>
-            </a:schemeClr>
-          </a:lnRef>
-          <a:fillRef idx="1">
-            <a:schemeClr val="accent1"/>
-          </a:fillRef>
-          <a:effectRef idx="0">
-            <a:schemeClr val="accent1"/>
-          </a:effectRef>
-          <a:fontRef idx="minor">
-            <a:schemeClr val="lt1"/>
-          </a:fontRef>
-        </p:style>
-        <p:txBody>
-          <a:bodyPr rtlCol="0" anchor="ctr"/>
-          <a:lstStyle/>
-          <a:p>
-            <a:pPr algn="ctr"/>
-            <a:endParaRPr lang="en-US"/>
-          </a:p>
-        </p:txBody>
-      </p:sp>
-      <p:sp>
-        <p:nvSpPr>
-          <p:cNvPr id="36" name="Rectangle 35"/>
-          <p:cNvSpPr/>
-          <p:nvPr/>
-        </p:nvSpPr>
-        <p:spPr>
-          <a:xfrm>
-            <a:off x="5190439" y="3730765"/>
-            <a:ext cx="534532" cy="76200"/>
-          </a:xfrm>
-          <a:prstGeom prst="rect">
-            <a:avLst/>
-          </a:prstGeom>
-          <a:solidFill>
-            <a:srgbClr val="0070C0"/>
-          </a:solidFill>
-          <a:ln>
-            <a:noFill/>
-          </a:ln>
-        </p:spPr>
-        <p:style>
-          <a:lnRef idx="2">
-            <a:schemeClr val="accent1">
-              <a:shade val="50000"/>
-            </a:schemeClr>
-          </a:lnRef>
-          <a:fillRef idx="1">
-            <a:schemeClr val="accent1"/>
-          </a:fillRef>
-          <a:effectRef idx="0">
-            <a:schemeClr val="accent1"/>
-          </a:effectRef>
-          <a:fontRef idx="minor">
-            <a:schemeClr val="lt1"/>
-          </a:fontRef>
-        </p:style>
-        <p:txBody>
-          <a:bodyPr rtlCol="0" anchor="ctr"/>
-          <a:lstStyle/>
-          <a:p>
-            <a:pPr algn="ctr"/>
-            <a:endParaRPr lang="en-US"/>
-          </a:p>
-        </p:txBody>
-      </p:sp>
-      <p:sp>
-        <p:nvSpPr>
-          <p:cNvPr id="37" name="Rectangle 36"/>
-          <p:cNvSpPr/>
-          <p:nvPr/>
-        </p:nvSpPr>
-        <p:spPr>
-          <a:xfrm>
-            <a:off x="5042235" y="3730765"/>
-            <a:ext cx="66790" cy="76200"/>
-          </a:xfrm>
-          <a:prstGeom prst="rect">
-            <a:avLst/>
-          </a:prstGeom>
-          <a:solidFill>
-            <a:srgbClr val="0070C0"/>
-          </a:solidFill>
-          <a:ln>
-            <a:noFill/>
-          </a:ln>
-        </p:spPr>
-        <p:style>
-          <a:lnRef idx="2">
-            <a:schemeClr val="accent1">
-              <a:shade val="50000"/>
-            </a:schemeClr>
-          </a:lnRef>
-          <a:fillRef idx="1">
-            <a:schemeClr val="accent1"/>
-          </a:fillRef>
-          <a:effectRef idx="0">
-            <a:schemeClr val="accent1"/>
-          </a:effectRef>
-          <a:fontRef idx="minor">
-            <a:schemeClr val="lt1"/>
-          </a:fontRef>
-        </p:style>
-        <p:txBody>
-          <a:bodyPr rtlCol="0" anchor="ctr"/>
-          <a:lstStyle/>
-          <a:p>
-            <a:pPr algn="ctr"/>
-            <a:endParaRPr lang="en-US"/>
-          </a:p>
-        </p:txBody>
-      </p:sp>
-      <p:sp>
-        <p:nvSpPr>
-          <p:cNvPr id="38" name="Rectangle 37"/>
-          <p:cNvSpPr/>
-          <p:nvPr/>
-        </p:nvSpPr>
-        <p:spPr>
-          <a:xfrm>
-            <a:off x="5189988" y="3883165"/>
-            <a:ext cx="534532" cy="76200"/>
-          </a:xfrm>
-          <a:prstGeom prst="rect">
-            <a:avLst/>
-          </a:prstGeom>
-          <a:solidFill>
-            <a:schemeClr val="bg1"/>
-          </a:solidFill>
-          <a:ln>
-            <a:noFill/>
-          </a:ln>
-        </p:spPr>
-        <p:style>
-          <a:lnRef idx="2">
-            <a:schemeClr val="accent1">
-              <a:shade val="50000"/>
-            </a:schemeClr>
-          </a:lnRef>
-          <a:fillRef idx="1">
-            <a:schemeClr val="accent1"/>
-          </a:fillRef>
-          <a:effectRef idx="0">
-            <a:schemeClr val="accent1"/>
-          </a:effectRef>
-          <a:fontRef idx="minor">
-            <a:schemeClr val="lt1"/>
-          </a:fontRef>
-        </p:style>
-        <p:txBody>
-          <a:bodyPr rtlCol="0" anchor="ctr"/>
-          <a:lstStyle/>
-          <a:p>
-            <a:pPr algn="ctr"/>
-            <a:endParaRPr lang="en-US"/>
-          </a:p>
-        </p:txBody>
-      </p:sp>
-      <p:sp>
-        <p:nvSpPr>
-          <p:cNvPr id="39" name="Rectangle 38"/>
-          <p:cNvSpPr/>
-          <p:nvPr/>
-        </p:nvSpPr>
-        <p:spPr>
-          <a:xfrm>
-            <a:off x="5041784" y="3883165"/>
-            <a:ext cx="66790" cy="76200"/>
-          </a:xfrm>
-          <a:prstGeom prst="rect">
-            <a:avLst/>
-          </a:prstGeom>
-          <a:solidFill>
-            <a:schemeClr val="bg1"/>
-          </a:solidFill>
-          <a:ln>
-            <a:noFill/>
-          </a:ln>
-        </p:spPr>
-        <p:style>
-          <a:lnRef idx="2">
-            <a:schemeClr val="accent1">
-              <a:shade val="50000"/>
-            </a:schemeClr>
-          </a:lnRef>
-          <a:fillRef idx="1">
-            <a:schemeClr val="accent1"/>
-          </a:fillRef>
-          <a:effectRef idx="0">
-            <a:schemeClr val="accent1"/>
-          </a:effectRef>
-          <a:fontRef idx="minor">
-            <a:schemeClr val="lt1"/>
-          </a:fontRef>
-        </p:style>
-        <p:txBody>
-          <a:bodyPr rtlCol="0" anchor="ctr"/>
-          <a:lstStyle/>
-          <a:p>
-            <a:pPr algn="ctr"/>
-            <a:endParaRPr lang="en-US"/>
-          </a:p>
-        </p:txBody>
-      </p:sp>
-      <p:sp>
-        <p:nvSpPr>
-          <p:cNvPr id="40" name="Rectangle 39"/>
-          <p:cNvSpPr/>
-          <p:nvPr/>
-        </p:nvSpPr>
-        <p:spPr>
-          <a:xfrm>
-            <a:off x="7709534" y="3352800"/>
-            <a:ext cx="854872" cy="650565"/>
-          </a:xfrm>
-          <a:custGeom>
-            <a:avLst/>
-            <a:gdLst/>
-            <a:ahLst/>
-            <a:cxnLst/>
-            <a:rect l="l" t="t" r="r" b="b"/>
-            <a:pathLst>
-              <a:path w="854872" h="762000">
-                <a:moveTo>
-                  <a:pt x="315122" y="73235"/>
-                </a:moveTo>
-                <a:cubicBezTo>
-                  <a:pt x="209912" y="73235"/>
-                  <a:pt x="124622" y="158525"/>
-                  <a:pt x="124622" y="263735"/>
-                </a:cubicBezTo>
-                <a:cubicBezTo>
-                  <a:pt x="124622" y="344232"/>
-                  <a:pt x="174550" y="413068"/>
-                  <a:pt x="245272" y="440600"/>
-                </a:cubicBezTo>
-                <a:lnTo>
-                  <a:pt x="245272" y="484400"/>
-                </a:lnTo>
-                <a:lnTo>
-                  <a:pt x="92872" y="547900"/>
-                </a:lnTo>
-                <a:lnTo>
-                  <a:pt x="86522" y="655850"/>
-                </a:lnTo>
-                <a:lnTo>
-                  <a:pt x="531022" y="643150"/>
-                </a:lnTo>
-                <a:lnTo>
-                  <a:pt x="384972" y="484400"/>
-                </a:lnTo>
-                <a:lnTo>
-                  <a:pt x="378974" y="442411"/>
-                </a:lnTo>
-                <a:cubicBezTo>
-                  <a:pt x="432013" y="424278"/>
-                  <a:pt x="473931" y="382714"/>
-                  <a:pt x="493073" y="330087"/>
-                </a:cubicBezTo>
-                <a:lnTo>
-                  <a:pt x="556422" y="338350"/>
-                </a:lnTo>
-                <a:lnTo>
-                  <a:pt x="499272" y="205000"/>
-                </a:lnTo>
-                <a:lnTo>
-                  <a:pt x="496531" y="208524"/>
-                </a:lnTo>
-                <a:cubicBezTo>
-                  <a:pt x="473664" y="130106"/>
-                  <a:pt x="401034" y="73235"/>
-                  <a:pt x="315122" y="73235"/>
-                </a:cubicBezTo>
-                <a:close/>
-                <a:moveTo>
-                  <a:pt x="0" y="0"/>
-                </a:moveTo>
-                <a:lnTo>
-                  <a:pt x="854872" y="0"/>
-                </a:lnTo>
-                <a:lnTo>
-                  <a:pt x="854872" y="762000"/>
-                </a:lnTo>
-                <a:lnTo>
-                  <a:pt x="0" y="762000"/>
-                </a:lnTo>
-                <a:close/>
-              </a:path>
-            </a:pathLst>
-          </a:custGeom>
-          <a:solidFill>
-            <a:srgbClr val="FF6600"/>
-          </a:solidFill>
-          <a:ln>
-            <a:noFill/>
-          </a:ln>
-        </p:spPr>
-        <p:style>
-          <a:lnRef idx="2">
-            <a:schemeClr val="accent1">
-              <a:shade val="50000"/>
-            </a:schemeClr>
-          </a:lnRef>
-          <a:fillRef idx="1">
-            <a:schemeClr val="accent1"/>
-          </a:fillRef>
-          <a:effectRef idx="0">
-            <a:schemeClr val="accent1"/>
-          </a:effectRef>
-          <a:fontRef idx="minor">
-            <a:schemeClr val="lt1"/>
-          </a:fontRef>
-        </p:style>
-        <p:txBody>
-          <a:bodyPr rtlCol="0" anchor="ctr"/>
-          <a:lstStyle/>
-          <a:p>
-            <a:pPr algn="ctr"/>
-            <a:endParaRPr lang="en-US"/>
-          </a:p>
-        </p:txBody>
-      </p:sp>
-      <p:sp>
-        <p:nvSpPr>
-          <p:cNvPr id="42" name="Flowchart: Connector 41"/>
-          <p:cNvSpPr/>
-          <p:nvPr/>
-        </p:nvSpPr>
-        <p:spPr>
-          <a:xfrm rot="771170">
-            <a:off x="8168547" y="3584580"/>
-            <a:ext cx="469900" cy="487659"/>
-          </a:xfrm>
-          <a:custGeom>
-            <a:avLst/>
-            <a:gdLst/>
-            <a:ahLst/>
-            <a:cxnLst/>
-            <a:rect l="l" t="t" r="r" b="b"/>
-            <a:pathLst>
-              <a:path w="469900" h="582615">
-                <a:moveTo>
-                  <a:pt x="228600" y="0"/>
-                </a:moveTo>
-                <a:cubicBezTo>
-                  <a:pt x="314512" y="0"/>
-                  <a:pt x="387142" y="56871"/>
-                  <a:pt x="410009" y="135289"/>
-                </a:cubicBezTo>
-                <a:lnTo>
-                  <a:pt x="412750" y="131765"/>
-                </a:lnTo>
-                <a:lnTo>
-                  <a:pt x="469900" y="265115"/>
-                </a:lnTo>
-                <a:lnTo>
-                  <a:pt x="406551" y="256852"/>
-                </a:lnTo>
-                <a:cubicBezTo>
-                  <a:pt x="387409" y="309479"/>
-                  <a:pt x="345491" y="351043"/>
-                  <a:pt x="292452" y="369176"/>
-                </a:cubicBezTo>
-                <a:lnTo>
-                  <a:pt x="298450" y="411165"/>
-                </a:lnTo>
-                <a:lnTo>
-                  <a:pt x="444500" y="569915"/>
-                </a:lnTo>
-                <a:lnTo>
-                  <a:pt x="0" y="582615"/>
-                </a:lnTo>
-                <a:lnTo>
-                  <a:pt x="6350" y="474665"/>
-                </a:lnTo>
-                <a:lnTo>
-                  <a:pt x="158750" y="411165"/>
-                </a:lnTo>
-                <a:lnTo>
-                  <a:pt x="158750" y="367365"/>
-                </a:lnTo>
-                <a:cubicBezTo>
-                  <a:pt x="88028" y="339833"/>
-                  <a:pt x="38100" y="270997"/>
-                  <a:pt x="38100" y="190500"/>
-                </a:cubicBezTo>
-                <a:cubicBezTo>
-                  <a:pt x="38100" y="85290"/>
-                  <a:pt x="123390" y="0"/>
-                  <a:pt x="228600" y="0"/>
-                </a:cubicBezTo>
-                <a:close/>
-              </a:path>
-            </a:pathLst>
-          </a:custGeom>
-          <a:solidFill>
-            <a:srgbClr val="0070C0"/>
-          </a:solidFill>
-          <a:ln>
-            <a:noFill/>
-          </a:ln>
-          <a:effectLst>
-            <a:outerShdw blurRad="63500" sx="102000" sy="102000" algn="ctr" rotWithShape="0">
-              <a:prstClr val="black">
-                <a:alpha val="40000"/>
-              </a:prstClr>
-            </a:outerShdw>
-          </a:effectLst>
-        </p:spPr>
-        <p:style>
-          <a:lnRef idx="2">
-            <a:schemeClr val="accent1">
-              <a:shade val="50000"/>
-            </a:schemeClr>
-          </a:lnRef>
-          <a:fillRef idx="1">
-            <a:schemeClr val="accent1"/>
-          </a:fillRef>
-          <a:effectRef idx="0">
-            <a:schemeClr val="accent1"/>
-          </a:effectRef>
-          <a:fontRef idx="minor">
-            <a:schemeClr val="lt1"/>
-          </a:fontRef>
-        </p:style>
-        <p:txBody>
-          <a:bodyPr rtlCol="0" anchor="ctr"/>
-          <a:lstStyle/>
-          <a:p>
-            <a:pPr algn="ctr"/>
-            <a:endParaRPr lang="en-US"/>
-          </a:p>
-        </p:txBody>
-      </p:sp>
-      <p:sp>
-        <p:nvSpPr>
-          <p:cNvPr id="56" name="5-Point Star 55"/>
-          <p:cNvSpPr>
-            <a:spLocks noChangeAspect="1"/>
-          </p:cNvSpPr>
-          <p:nvPr/>
-        </p:nvSpPr>
-        <p:spPr>
-          <a:xfrm rot="1026544">
-            <a:off x="1206467" y="3343475"/>
-            <a:ext cx="256948" cy="256948"/>
-          </a:xfrm>
-          <a:prstGeom prst="star5">
-            <a:avLst/>
-          </a:prstGeom>
-          <a:solidFill>
-            <a:schemeClr val="bg1"/>
-          </a:solidFill>
-          <a:ln w="38100" cap="rnd">
-            <a:solidFill>
-              <a:srgbClr val="0070C0"/>
-            </a:solidFill>
-          </a:ln>
-        </p:spPr>
-        <p:style>
-          <a:lnRef idx="2">
-            <a:schemeClr val="accent1">
-              <a:shade val="50000"/>
-            </a:schemeClr>
-          </a:lnRef>
-          <a:fillRef idx="1">
-            <a:schemeClr val="accent1"/>
-          </a:fillRef>
-          <a:effectRef idx="0">
-            <a:schemeClr val="accent1"/>
-          </a:effectRef>
-          <a:fontRef idx="minor">
-            <a:schemeClr val="lt1"/>
-          </a:fontRef>
-        </p:style>
-        <p:txBody>
-          <a:bodyPr rtlCol="0" anchor="ctr"/>
-          <a:lstStyle/>
-          <a:p>
-            <a:pPr algn="ctr"/>
-            <a:endParaRPr lang="en-US"/>
-          </a:p>
-        </p:txBody>
-      </p:sp>
-      <p:sp>
-        <p:nvSpPr>
-          <p:cNvPr id="57" name="Rectangle 56"/>
-          <p:cNvSpPr/>
-          <p:nvPr/>
-        </p:nvSpPr>
-        <p:spPr>
-          <a:xfrm rot="20725682">
-            <a:off x="2084719" y="3461847"/>
-            <a:ext cx="785575" cy="609600"/>
-          </a:xfrm>
-          <a:prstGeom prst="rect">
-            <a:avLst/>
-          </a:prstGeom>
-          <a:solidFill>
-            <a:schemeClr val="bg1">
-              <a:lumMod val="65000"/>
-            </a:schemeClr>
-          </a:solidFill>
-          <a:ln w="38100">
-            <a:solidFill>
-              <a:srgbClr val="0070C0"/>
-            </a:solidFill>
-          </a:ln>
-        </p:spPr>
-        <p:style>
-          <a:lnRef idx="2">
-            <a:schemeClr val="accent1">
-              <a:shade val="50000"/>
-            </a:schemeClr>
-          </a:lnRef>
-          <a:fillRef idx="1">
-            <a:schemeClr val="accent1"/>
-          </a:fillRef>
-          <a:effectRef idx="0">
-            <a:schemeClr val="accent1"/>
-          </a:effectRef>
-          <a:fontRef idx="minor">
-            <a:schemeClr val="lt1"/>
-          </a:fontRef>
-        </p:style>
-        <p:txBody>
-          <a:bodyPr rtlCol="0" anchor="ctr"/>
-          <a:lstStyle/>
-          <a:p>
-            <a:pPr algn="ctr"/>
-            <a:endParaRPr lang="en-US"/>
-          </a:p>
-        </p:txBody>
-      </p:sp>
-      <p:sp>
-        <p:nvSpPr>
-          <p:cNvPr id="58" name="5-Point Star 57"/>
-          <p:cNvSpPr>
-            <a:spLocks noChangeAspect="1"/>
-          </p:cNvSpPr>
-          <p:nvPr/>
-        </p:nvSpPr>
-        <p:spPr>
-          <a:xfrm rot="773485">
-            <a:off x="2629269" y="3300053"/>
-            <a:ext cx="256948" cy="256948"/>
-          </a:xfrm>
-          <a:prstGeom prst="star5">
-            <a:avLst/>
-          </a:prstGeom>
-          <a:solidFill>
-            <a:schemeClr val="bg1"/>
-          </a:solidFill>
-          <a:ln w="38100" cap="rnd">
-            <a:solidFill>
-              <a:srgbClr val="0070C0"/>
-            </a:solidFill>
-          </a:ln>
-        </p:spPr>
-        <p:style>
-          <a:lnRef idx="2">
-            <a:schemeClr val="accent1">
-              <a:shade val="50000"/>
-            </a:schemeClr>
-          </a:lnRef>
-          <a:fillRef idx="1">
-            <a:schemeClr val="accent1"/>
-          </a:fillRef>
-          <a:effectRef idx="0">
-            <a:schemeClr val="accent1"/>
-          </a:effectRef>
-          <a:fontRef idx="minor">
-            <a:schemeClr val="lt1"/>
-          </a:fontRef>
-        </p:style>
-        <p:txBody>
-          <a:bodyPr rtlCol="0" anchor="ctr"/>
-          <a:lstStyle/>
-          <a:p>
-            <a:pPr algn="ctr"/>
-            <a:endParaRPr lang="en-US"/>
-          </a:p>
-        </p:txBody>
-      </p:sp>
-      <p:sp>
-        <p:nvSpPr>
-          <p:cNvPr id="59" name="Arc 58"/>
-          <p:cNvSpPr/>
-          <p:nvPr/>
-        </p:nvSpPr>
-        <p:spPr>
-          <a:xfrm>
-            <a:off x="1828800" y="3372827"/>
-            <a:ext cx="419100" cy="419100"/>
-          </a:xfrm>
-          <a:prstGeom prst="arc">
-            <a:avLst>
-              <a:gd name="adj1" fmla="val 6295280"/>
-              <a:gd name="adj2" fmla="val 20032627"/>
-            </a:avLst>
-          </a:prstGeom>
-          <a:ln w="57150">
-            <a:solidFill>
-              <a:srgbClr val="FF6600"/>
-            </a:solidFill>
-            <a:headEnd type="none" w="med" len="med"/>
-            <a:tailEnd type="triangle" w="med" len="med"/>
-          </a:ln>
-        </p:spPr>
-        <p:style>
-          <a:lnRef idx="1">
-            <a:schemeClr val="accent1"/>
-          </a:lnRef>
-          <a:fillRef idx="0">
-            <a:schemeClr val="accent1"/>
-          </a:fillRef>
-          <a:effectRef idx="0">
-            <a:schemeClr val="accent1"/>
-          </a:effectRef>
-          <a:fontRef idx="minor">
-            <a:schemeClr val="tx1"/>
-          </a:fontRef>
-        </p:style>
-        <p:txBody>
-          <a:bodyPr rtlCol="0" anchor="ctr"/>
-          <a:lstStyle/>
-          <a:p>
-            <a:pPr algn="ctr"/>
-            <a:endParaRPr lang="en-US"/>
-          </a:p>
-        </p:txBody>
-      </p:sp>
-      <p:sp>
-        <p:nvSpPr>
-          <p:cNvPr id="60" name="Flowchart: Connector 59"/>
-          <p:cNvSpPr/>
-          <p:nvPr/>
-        </p:nvSpPr>
-        <p:spPr>
-          <a:xfrm>
-            <a:off x="911519" y="3592287"/>
-            <a:ext cx="158162" cy="158162"/>
-          </a:xfrm>
-          <a:prstGeom prst="flowChartConnector">
-            <a:avLst/>
-          </a:prstGeom>
-          <a:solidFill>
-            <a:schemeClr val="bg1"/>
-          </a:solidFill>
-          <a:ln>
-            <a:solidFill>
-              <a:schemeClr val="bg1"/>
-            </a:solidFill>
-          </a:ln>
-        </p:spPr>
-        <p:style>
-          <a:lnRef idx="2">
-            <a:schemeClr val="accent1">
-              <a:shade val="50000"/>
-            </a:schemeClr>
-          </a:lnRef>
-          <a:fillRef idx="1">
-            <a:schemeClr val="accent1"/>
-          </a:fillRef>
-          <a:effectRef idx="0">
-            <a:schemeClr val="accent1"/>
-          </a:effectRef>
-          <a:fontRef idx="minor">
-            <a:schemeClr val="lt1"/>
-          </a:fontRef>
-        </p:style>
-        <p:txBody>
-          <a:bodyPr rtlCol="0" anchor="ctr"/>
-          <a:lstStyle/>
-          <a:p>
-            <a:pPr algn="ctr"/>
-            <a:endParaRPr lang="en-US"/>
-          </a:p>
-        </p:txBody>
-      </p:sp>
-      <p:sp>
-        <p:nvSpPr>
-          <p:cNvPr id="55" name="Rectangle 54"/>
-          <p:cNvSpPr/>
-          <p:nvPr/>
-        </p:nvSpPr>
-        <p:spPr>
-          <a:xfrm rot="21372589">
-            <a:off x="688045" y="3704654"/>
-            <a:ext cx="859947" cy="548535"/>
-          </a:xfrm>
-          <a:prstGeom prst="rect">
-            <a:avLst/>
-          </a:prstGeom>
-          <a:solidFill>
-            <a:srgbClr val="FF6600"/>
-          </a:solidFill>
-          <a:ln>
-            <a:solidFill>
-              <a:schemeClr val="bg1"/>
-            </a:solidFill>
-          </a:ln>
-        </p:spPr>
-        <p:style>
-          <a:lnRef idx="2">
-            <a:schemeClr val="accent1">
-              <a:shade val="50000"/>
-            </a:schemeClr>
-          </a:lnRef>
-          <a:fillRef idx="1">
-            <a:schemeClr val="accent1"/>
-          </a:fillRef>
-          <a:effectRef idx="0">
-            <a:schemeClr val="accent1"/>
-          </a:effectRef>
-          <a:fontRef idx="minor">
-            <a:schemeClr val="lt1"/>
-          </a:fontRef>
-        </p:style>
-        <p:txBody>
-          <a:bodyPr rtlCol="0" anchor="ctr"/>
-          <a:lstStyle/>
-          <a:p>
-            <a:pPr algn="ctr"/>
-            <a:endParaRPr lang="en-US"/>
-          </a:p>
-        </p:txBody>
-      </p:sp>
-      <p:sp>
-        <p:nvSpPr>
-          <p:cNvPr id="21" name="Flowchart: Connector 20"/>
-          <p:cNvSpPr/>
-          <p:nvPr/>
-        </p:nvSpPr>
-        <p:spPr>
-          <a:xfrm>
-            <a:off x="1328288" y="3897174"/>
-            <a:ext cx="158162" cy="158162"/>
-          </a:xfrm>
-          <a:prstGeom prst="flowChartConnector">
-            <a:avLst/>
-          </a:prstGeom>
-          <a:solidFill>
-            <a:schemeClr val="bg1"/>
-          </a:solidFill>
-          <a:ln>
-            <a:solidFill>
-              <a:schemeClr val="bg1"/>
-            </a:solidFill>
-          </a:ln>
-        </p:spPr>
-        <p:style>
-          <a:lnRef idx="2">
-            <a:schemeClr val="accent1">
-              <a:shade val="50000"/>
-            </a:schemeClr>
-          </a:lnRef>
-          <a:fillRef idx="1">
-            <a:schemeClr val="accent1"/>
-          </a:fillRef>
-          <a:effectRef idx="0">
-            <a:schemeClr val="accent1"/>
-          </a:effectRef>
-          <a:fontRef idx="minor">
-            <a:schemeClr val="lt1"/>
-          </a:fontRef>
-        </p:style>
-        <p:txBody>
-          <a:bodyPr rtlCol="0" anchor="ctr"/>
-          <a:lstStyle/>
-          <a:p>
-            <a:pPr algn="ctr"/>
-            <a:endParaRPr lang="en-US"/>
-          </a:p>
-        </p:txBody>
-      </p:sp>
-      <p:cxnSp>
-        <p:nvCxnSpPr>
-          <p:cNvPr id="20" name="Curved Connector 19"/>
-          <p:cNvCxnSpPr/>
-          <p:nvPr/>
-        </p:nvCxnSpPr>
-        <p:spPr>
-          <a:xfrm>
-            <a:off x="712342" y="3431881"/>
-            <a:ext cx="574381" cy="544374"/>
-          </a:xfrm>
-          <a:prstGeom prst="curvedConnector3">
-            <a:avLst/>
-          </a:prstGeom>
-          <a:ln w="38100">
-            <a:solidFill>
-              <a:schemeClr val="bg1"/>
-            </a:solidFill>
-            <a:prstDash val="sysDot"/>
-            <a:headEnd type="none" w="med" len="med"/>
-            <a:tailEnd type="triangle" w="med" len="med"/>
-          </a:ln>
-        </p:spPr>
-        <p:style>
-          <a:lnRef idx="1">
-            <a:schemeClr val="accent1"/>
-          </a:lnRef>
-          <a:fillRef idx="0">
-            <a:schemeClr val="accent1"/>
-          </a:fillRef>
-          <a:effectRef idx="0">
-            <a:schemeClr val="accent1"/>
-          </a:effectRef>
-          <a:fontRef idx="minor">
-            <a:schemeClr val="tx1"/>
-          </a:fontRef>
-        </p:style>
-      </p:cxnSp>
-      <p:sp>
-        <p:nvSpPr>
-          <p:cNvPr id="62" name="Flowchart: Connector 61"/>
-          <p:cNvSpPr/>
-          <p:nvPr/>
-        </p:nvSpPr>
-        <p:spPr>
-          <a:xfrm>
-            <a:off x="2319990" y="3677516"/>
-            <a:ext cx="158162" cy="158162"/>
-          </a:xfrm>
-          <a:prstGeom prst="flowChartConnector">
-            <a:avLst/>
-          </a:prstGeom>
-          <a:solidFill>
-            <a:srgbClr val="0070C0"/>
-          </a:solidFill>
-          <a:ln>
-            <a:solidFill>
-              <a:srgbClr val="0070C0"/>
-            </a:solidFill>
-          </a:ln>
-        </p:spPr>
-        <p:style>
-          <a:lnRef idx="2">
-            <a:schemeClr val="accent1">
-              <a:shade val="50000"/>
-            </a:schemeClr>
-          </a:lnRef>
-          <a:fillRef idx="1">
-            <a:schemeClr val="accent1"/>
-          </a:fillRef>
-          <a:effectRef idx="0">
-            <a:schemeClr val="accent1"/>
-          </a:effectRef>
-          <a:fontRef idx="minor">
-            <a:schemeClr val="lt1"/>
-          </a:fontRef>
-        </p:style>
-        <p:txBody>
-          <a:bodyPr rtlCol="0" anchor="ctr"/>
-          <a:lstStyle/>
-          <a:p>
-            <a:pPr algn="ctr"/>
-            <a:endParaRPr lang="en-US"/>
-          </a:p>
-        </p:txBody>
-      </p:sp>
-      <p:sp>
-        <p:nvSpPr>
-          <p:cNvPr id="63" name="Freeform 62"/>
-          <p:cNvSpPr/>
-          <p:nvPr/>
-        </p:nvSpPr>
-        <p:spPr>
-          <a:xfrm>
-            <a:off x="2487630" y="3817620"/>
-            <a:ext cx="251460" cy="83532"/>
-          </a:xfrm>
-          <a:custGeom>
-            <a:avLst/>
-            <a:gdLst>
-              <a:gd name="connsiteX0" fmla="*/ 0 w 251460"/>
-              <a:gd name="connsiteY0" fmla="*/ 0 h 83532"/>
-              <a:gd name="connsiteX1" fmla="*/ 99060 w 251460"/>
-              <a:gd name="connsiteY1" fmla="*/ 76200 h 83532"/>
-              <a:gd name="connsiteX2" fmla="*/ 251460 w 251460"/>
-              <a:gd name="connsiteY2" fmla="*/ 76200 h 83532"/>
-            </a:gdLst>
-            <a:ahLst/>
-            <a:cxnLst>
-              <a:cxn ang="0">
-                <a:pos x="connsiteX0" y="connsiteY0"/>
-              </a:cxn>
-              <a:cxn ang="0">
-                <a:pos x="connsiteX1" y="connsiteY1"/>
-              </a:cxn>
-              <a:cxn ang="0">
-                <a:pos x="connsiteX2" y="connsiteY2"/>
-              </a:cxn>
-            </a:cxnLst>
-            <a:rect l="l" t="t" r="r" b="b"/>
-            <a:pathLst>
-              <a:path w="251460" h="83532">
-                <a:moveTo>
-                  <a:pt x="0" y="0"/>
-                </a:moveTo>
-                <a:cubicBezTo>
-                  <a:pt x="28575" y="31750"/>
-                  <a:pt x="57150" y="63500"/>
-                  <a:pt x="99060" y="76200"/>
-                </a:cubicBezTo>
-                <a:cubicBezTo>
-                  <a:pt x="140970" y="88900"/>
-                  <a:pt x="196215" y="82550"/>
-                  <a:pt x="251460" y="76200"/>
-                </a:cubicBezTo>
-              </a:path>
-            </a:pathLst>
-          </a:custGeom>
-          <a:noFill/>
-          <a:ln w="38100">
-            <a:solidFill>
-              <a:srgbClr val="0070C0"/>
-            </a:solidFill>
-            <a:prstDash val="sysDot"/>
-            <a:headEnd type="none" w="med" len="med"/>
-            <a:tailEnd type="triangle" w="med" len="med"/>
-          </a:ln>
-        </p:spPr>
-        <p:style>
-          <a:lnRef idx="1">
-            <a:schemeClr val="accent1"/>
-          </a:lnRef>
-          <a:fillRef idx="0">
-            <a:schemeClr val="accent1"/>
-          </a:fillRef>
-          <a:effectRef idx="0">
-            <a:schemeClr val="accent1"/>
-          </a:effectRef>
-          <a:fontRef idx="minor">
-            <a:schemeClr val="tx1"/>
-          </a:fontRef>
-        </p:style>
-        <p:txBody>
-          <a:bodyPr rtlCol="0" anchor="ctr"/>
-          <a:lstStyle/>
-          <a:p>
-            <a:pPr algn="ctr"/>
-            <a:endParaRPr lang="en-US"/>
+            <a:r>
+              <a:rPr lang="en-US" dirty="0" smtClean="0"/>
+              <a:t>Right-click and ‘save as picture’</a:t>
+            </a:r>
+            <a:endParaRPr lang="en-SG" dirty="0"/>
           </a:p>
         </p:txBody>
       </p:sp>

--- a/doc/Logo and icons.pptx
+++ b/doc/Logo and icons.pptx
@@ -3702,88 +3702,6 @@
           <a:chExt cx="0" cy="0"/>
         </a:xfrm>
       </p:grpSpPr>
-      <p:pic>
-        <p:nvPicPr>
-          <p:cNvPr id="2050" name="Picture 2" descr="http://shareknowledge-lms.com/images/csk/dop/powerpoint-icon.jpg"/>
-          <p:cNvPicPr>
-            <a:picLocks noChangeAspect="1" noChangeArrowheads="1"/>
-          </p:cNvPicPr>
-          <p:nvPr/>
-        </p:nvPicPr>
-        <p:blipFill>
-          <a:blip r:embed="rId3">
-            <a:extLst>
-              <a:ext uri="{28A0092B-C50C-407E-A947-70E740481C1C}">
-                <a14:useLocalDpi xmlns:a14="http://schemas.microsoft.com/office/drawing/2010/main" val="0"/>
-              </a:ext>
-            </a:extLst>
-          </a:blip>
-          <a:srcRect/>
-          <a:stretch>
-            <a:fillRect/>
-          </a:stretch>
-        </p:blipFill>
-        <p:spPr bwMode="auto">
-          <a:xfrm>
-            <a:off x="609600" y="519535"/>
-            <a:ext cx="1752600" cy="1752602"/>
-          </a:xfrm>
-          <a:prstGeom prst="rect">
-            <a:avLst/>
-          </a:prstGeom>
-          <a:noFill/>
-          <a:extLst>
-            <a:ext uri="{909E8E84-426E-40DD-AFC4-6F175D3DCCD1}">
-              <a14:hiddenFill xmlns:a14="http://schemas.microsoft.com/office/drawing/2010/main">
-                <a:solidFill>
-                  <a:srgbClr val="FFFFFF"/>
-                </a:solidFill>
-              </a14:hiddenFill>
-            </a:ext>
-          </a:extLst>
-        </p:spPr>
-      </p:pic>
-      <p:pic>
-        <p:nvPicPr>
-          <p:cNvPr id="27" name="Picture 2" descr="http://1.bp.blogspot.com/-QeYY0Vv33hw/TdDA1-FTuLI/AAAAAAAAAOM/tzWBS1Mrvhs/s1600/ppt_logo.png"/>
-          <p:cNvPicPr>
-            <a:picLocks noChangeAspect="1" noChangeArrowheads="1"/>
-          </p:cNvPicPr>
-          <p:nvPr/>
-        </p:nvPicPr>
-        <p:blipFill>
-          <a:blip r:embed="rId4">
-            <a:extLst>
-              <a:ext uri="{28A0092B-C50C-407E-A947-70E740481C1C}">
-                <a14:useLocalDpi xmlns:a14="http://schemas.microsoft.com/office/drawing/2010/main" val="0"/>
-              </a:ext>
-            </a:extLst>
-          </a:blip>
-          <a:srcRect/>
-          <a:stretch>
-            <a:fillRect/>
-          </a:stretch>
-        </p:blipFill>
-        <p:spPr bwMode="auto">
-          <a:xfrm>
-            <a:off x="2667000" y="290936"/>
-            <a:ext cx="2209800" cy="2209800"/>
-          </a:xfrm>
-          <a:prstGeom prst="rect">
-            <a:avLst/>
-          </a:prstGeom>
-          <a:noFill/>
-          <a:extLst>
-            <a:ext uri="{909E8E84-426E-40DD-AFC4-6F175D3DCCD1}">
-              <a14:hiddenFill xmlns:a14="http://schemas.microsoft.com/office/drawing/2010/main">
-                <a:solidFill>
-                  <a:srgbClr val="FFFFFF"/>
-                </a:solidFill>
-              </a14:hiddenFill>
-            </a:ext>
-          </a:extLst>
-        </p:spPr>
-      </p:pic>
       <p:grpSp>
         <p:nvGrpSpPr>
           <p:cNvPr id="25" name="Group 24"/>
@@ -3792,7 +3710,7 @@
         </p:nvGrpSpPr>
         <p:grpSpPr>
           <a:xfrm>
-            <a:off x="372178" y="3601880"/>
+            <a:off x="372178" y="1815259"/>
             <a:ext cx="8652779" cy="2931548"/>
             <a:chOff x="372178" y="3601880"/>
             <a:chExt cx="8652779" cy="2931548"/>

--- a/doc/Logo and icons.pptx
+++ b/doc/Logo and icons.pptx
@@ -18,27 +18,27 @@
   <p:notesSz cx="6858000" cy="9144000"/>
   <p:embeddedFontLst>
     <p:embeddedFont>
+      <p:font typeface="Gill Sans Ultra Bold" pitchFamily="34" charset="0"/>
+      <p:regular r:id="rId8"/>
+    </p:embeddedFont>
+    <p:embeddedFont>
+      <p:font typeface="Rockwell Extra Bold" pitchFamily="18" charset="0"/>
+      <p:bold r:id="rId9"/>
+    </p:embeddedFont>
+    <p:embeddedFont>
       <p:font typeface="Calibri" pitchFamily="34" charset="0"/>
-      <p:regular r:id="rId8"/>
-      <p:bold r:id="rId9"/>
-      <p:italic r:id="rId10"/>
-      <p:boldItalic r:id="rId11"/>
+      <p:regular r:id="rId10"/>
+      <p:bold r:id="rId11"/>
+      <p:italic r:id="rId12"/>
+      <p:boldItalic r:id="rId13"/>
     </p:embeddedFont>
     <p:embeddedFont>
       <p:font typeface="Franklin Gothic Demi" pitchFamily="34" charset="0"/>
-      <p:regular r:id="rId12"/>
-      <p:italic r:id="rId13"/>
+      <p:regular r:id="rId14"/>
+      <p:italic r:id="rId15"/>
     </p:embeddedFont>
     <p:embeddedFont>
       <p:font typeface="Arial Black" pitchFamily="34" charset="0"/>
-      <p:bold r:id="rId14"/>
-    </p:embeddedFont>
-    <p:embeddedFont>
-      <p:font typeface="Gill Sans Ultra Bold" pitchFamily="34" charset="0"/>
-      <p:regular r:id="rId15"/>
-    </p:embeddedFont>
-    <p:embeddedFont>
-      <p:font typeface="Rockwell Extra Bold" pitchFamily="18" charset="0"/>
       <p:bold r:id="rId16"/>
     </p:embeddedFont>
   </p:embeddedFontLst>
@@ -222,7 +222,7 @@
           <a:p>
             <a:fld id="{6699ACB9-486C-4D62-A3A7-AF98E13EFDA3}" type="datetimeFigureOut">
               <a:rPr lang="en-US" smtClean="0"/>
-              <a:t>11/28/2013</a:t>
+              <a:t>11/29/2013</a:t>
             </a:fld>
             <a:endParaRPr lang="en-US"/>
           </a:p>
@@ -924,7 +924,7 @@
             <a:fld id="{1D8BD707-D9CF-40AE-B4C6-C98DA3205C09}" type="datetimeFigureOut">
               <a:rPr lang="en-US" smtClean="0"/>
               <a:pPr/>
-              <a:t>11/28/2013</a:t>
+              <a:t>11/29/2013</a:t>
             </a:fld>
             <a:endParaRPr lang="en-US"/>
           </a:p>
@@ -1091,7 +1091,7 @@
             <a:fld id="{1D8BD707-D9CF-40AE-B4C6-C98DA3205C09}" type="datetimeFigureOut">
               <a:rPr lang="en-US" smtClean="0"/>
               <a:pPr/>
-              <a:t>11/28/2013</a:t>
+              <a:t>11/29/2013</a:t>
             </a:fld>
             <a:endParaRPr lang="en-US"/>
           </a:p>
@@ -1268,7 +1268,7 @@
             <a:fld id="{1D8BD707-D9CF-40AE-B4C6-C98DA3205C09}" type="datetimeFigureOut">
               <a:rPr lang="en-US" smtClean="0"/>
               <a:pPr/>
-              <a:t>11/28/2013</a:t>
+              <a:t>11/29/2013</a:t>
             </a:fld>
             <a:endParaRPr lang="en-US"/>
           </a:p>
@@ -1435,7 +1435,7 @@
             <a:fld id="{1D8BD707-D9CF-40AE-B4C6-C98DA3205C09}" type="datetimeFigureOut">
               <a:rPr lang="en-US" smtClean="0"/>
               <a:pPr/>
-              <a:t>11/28/2013</a:t>
+              <a:t>11/29/2013</a:t>
             </a:fld>
             <a:endParaRPr lang="en-US"/>
           </a:p>
@@ -1678,7 +1678,7 @@
             <a:fld id="{1D8BD707-D9CF-40AE-B4C6-C98DA3205C09}" type="datetimeFigureOut">
               <a:rPr lang="en-US" smtClean="0"/>
               <a:pPr/>
-              <a:t>11/28/2013</a:t>
+              <a:t>11/29/2013</a:t>
             </a:fld>
             <a:endParaRPr lang="en-US"/>
           </a:p>
@@ -1963,7 +1963,7 @@
             <a:fld id="{1D8BD707-D9CF-40AE-B4C6-C98DA3205C09}" type="datetimeFigureOut">
               <a:rPr lang="en-US" smtClean="0"/>
               <a:pPr/>
-              <a:t>11/28/2013</a:t>
+              <a:t>11/29/2013</a:t>
             </a:fld>
             <a:endParaRPr lang="en-US"/>
           </a:p>
@@ -2382,7 +2382,7 @@
             <a:fld id="{1D8BD707-D9CF-40AE-B4C6-C98DA3205C09}" type="datetimeFigureOut">
               <a:rPr lang="en-US" smtClean="0"/>
               <a:pPr/>
-              <a:t>11/28/2013</a:t>
+              <a:t>11/29/2013</a:t>
             </a:fld>
             <a:endParaRPr lang="en-US"/>
           </a:p>
@@ -2497,7 +2497,7 @@
             <a:fld id="{1D8BD707-D9CF-40AE-B4C6-C98DA3205C09}" type="datetimeFigureOut">
               <a:rPr lang="en-US" smtClean="0"/>
               <a:pPr/>
-              <a:t>11/28/2013</a:t>
+              <a:t>11/29/2013</a:t>
             </a:fld>
             <a:endParaRPr lang="en-US"/>
           </a:p>
@@ -2589,7 +2589,7 @@
             <a:fld id="{1D8BD707-D9CF-40AE-B4C6-C98DA3205C09}" type="datetimeFigureOut">
               <a:rPr lang="en-US" smtClean="0"/>
               <a:pPr/>
-              <a:t>11/28/2013</a:t>
+              <a:t>11/29/2013</a:t>
             </a:fld>
             <a:endParaRPr lang="en-US"/>
           </a:p>
@@ -2863,7 +2863,7 @@
             <a:fld id="{1D8BD707-D9CF-40AE-B4C6-C98DA3205C09}" type="datetimeFigureOut">
               <a:rPr lang="en-US" smtClean="0"/>
               <a:pPr/>
-              <a:t>11/28/2013</a:t>
+              <a:t>11/29/2013</a:t>
             </a:fld>
             <a:endParaRPr lang="en-US"/>
           </a:p>
@@ -3113,7 +3113,7 @@
             <a:fld id="{1D8BD707-D9CF-40AE-B4C6-C98DA3205C09}" type="datetimeFigureOut">
               <a:rPr lang="en-US" smtClean="0"/>
               <a:pPr/>
-              <a:t>11/28/2013</a:t>
+              <a:t>11/29/2013</a:t>
             </a:fld>
             <a:endParaRPr lang="en-US"/>
           </a:p>
@@ -3323,7 +3323,7 @@
             <a:fld id="{1D8BD707-D9CF-40AE-B4C6-C98DA3205C09}" type="datetimeFigureOut">
               <a:rPr lang="en-US" smtClean="0"/>
               <a:pPr/>
-              <a:t>11/28/2013</a:t>
+              <a:t>11/29/2013</a:t>
             </a:fld>
             <a:endParaRPr lang="en-US"/>
           </a:p>
@@ -6217,11 +6217,11 @@
   <p:clrMapOvr>
     <a:masterClrMapping/>
   </p:clrMapOvr>
-  <mc:AlternateContent xmlns:mc="http://schemas.openxmlformats.org/markup-compatibility/2006">
-    <mc:Choice xmlns:p14="http://schemas.microsoft.com/office/powerpoint/2010/main" Requires="p14">
+  <mc:AlternateContent xmlns:mc="http://schemas.openxmlformats.org/markup-compatibility/2006" xmlns:p14="http://schemas.microsoft.com/office/powerpoint/2010/main">
+    <mc:Choice Requires="p14">
       <p:transition spd="slow" p14:dur="2000"/>
     </mc:Choice>
-    <mc:Fallback>
+    <mc:Fallback xmlns="">
       <p:transition spd="slow"/>
     </mc:Fallback>
   </mc:AlternateContent>
@@ -7387,11 +7387,11 @@
   <p:clrMapOvr>
     <a:masterClrMapping/>
   </p:clrMapOvr>
-  <mc:AlternateContent xmlns:mc="http://schemas.openxmlformats.org/markup-compatibility/2006">
-    <mc:Choice xmlns:p14="http://schemas.microsoft.com/office/powerpoint/2010/main" Requires="p14">
+  <mc:AlternateContent xmlns:mc="http://schemas.openxmlformats.org/markup-compatibility/2006" xmlns:p14="http://schemas.microsoft.com/office/powerpoint/2010/main">
+    <mc:Choice Requires="p14">
       <p:transition spd="slow" p14:dur="2000"/>
     </mc:Choice>
-    <mc:Fallback>
+    <mc:Fallback xmlns="">
       <p:transition spd="slow"/>
     </mc:Fallback>
   </mc:AlternateContent>
@@ -7620,838 +7620,50 @@
           </p:txBody>
         </p:sp>
       </p:grpSp>
-      <p:grpSp>
-        <p:nvGrpSpPr>
-          <p:cNvPr id="89" name="Group 88"/>
-          <p:cNvGrpSpPr/>
+      <p:sp>
+        <p:nvSpPr>
+          <p:cNvPr id="72" name="Rectangle 71"/>
+          <p:cNvSpPr/>
           <p:nvPr/>
-        </p:nvGrpSpPr>
-        <p:grpSpPr>
+        </p:nvSpPr>
+        <p:spPr>
           <a:xfrm>
-            <a:off x="152400" y="2357870"/>
+            <a:off x="403062" y="3324203"/>
             <a:ext cx="838200" cy="838200"/>
-            <a:chOff x="152400" y="2357870"/>
-            <a:chExt cx="838200" cy="838200"/>
           </a:xfrm>
-        </p:grpSpPr>
-        <p:sp>
-          <p:nvSpPr>
-            <p:cNvPr id="15" name="Rectangle 14"/>
-            <p:cNvSpPr/>
-            <p:nvPr/>
-          </p:nvSpPr>
-          <p:spPr>
-            <a:xfrm>
-              <a:off x="169219" y="2417330"/>
-              <a:ext cx="504000" cy="324000"/>
-            </a:xfrm>
-            <a:prstGeom prst="rect">
-              <a:avLst/>
-            </a:prstGeom>
-            <a:solidFill>
-              <a:schemeClr val="accent6"/>
-            </a:solidFill>
-            <a:ln>
-              <a:solidFill>
-                <a:schemeClr val="bg1"/>
-              </a:solidFill>
-            </a:ln>
-          </p:spPr>
-          <p:style>
-            <a:lnRef idx="2">
-              <a:schemeClr val="accent1">
-                <a:shade val="50000"/>
-              </a:schemeClr>
-            </a:lnRef>
-            <a:fillRef idx="1">
-              <a:schemeClr val="accent1"/>
-            </a:fillRef>
-            <a:effectRef idx="0">
-              <a:schemeClr val="accent1"/>
-            </a:effectRef>
-            <a:fontRef idx="minor">
-              <a:schemeClr val="lt1"/>
-            </a:fontRef>
-          </p:style>
-          <p:txBody>
-            <a:bodyPr rtlCol="0" anchor="ctr"/>
-            <a:lstStyle/>
-            <a:p>
-              <a:pPr algn="ctr"/>
-              <a:endParaRPr lang="en-US"/>
-            </a:p>
-          </p:txBody>
-        </p:sp>
-        <p:sp>
-          <p:nvSpPr>
-            <p:cNvPr id="16" name="Rectangle 15"/>
-            <p:cNvSpPr/>
-            <p:nvPr/>
-          </p:nvSpPr>
-          <p:spPr>
-            <a:xfrm rot="20725682">
-              <a:off x="292174" y="2610071"/>
-              <a:ext cx="504000" cy="324000"/>
-            </a:xfrm>
-            <a:prstGeom prst="rect">
-              <a:avLst/>
-            </a:prstGeom>
-            <a:solidFill>
-              <a:srgbClr val="0070C0"/>
-            </a:solidFill>
-            <a:ln>
-              <a:solidFill>
-                <a:schemeClr val="bg1"/>
-              </a:solidFill>
-            </a:ln>
-          </p:spPr>
-          <p:style>
-            <a:lnRef idx="2">
-              <a:schemeClr val="accent1">
-                <a:shade val="50000"/>
-              </a:schemeClr>
-            </a:lnRef>
-            <a:fillRef idx="1">
-              <a:schemeClr val="accent1"/>
-            </a:fillRef>
-            <a:effectRef idx="0">
-              <a:schemeClr val="accent1"/>
-            </a:effectRef>
-            <a:fontRef idx="minor">
-              <a:schemeClr val="lt1"/>
-            </a:fontRef>
-          </p:style>
-          <p:txBody>
-            <a:bodyPr rtlCol="0" anchor="ctr"/>
-            <a:lstStyle/>
-            <a:p>
-              <a:pPr algn="ctr"/>
-              <a:endParaRPr lang="en-US"/>
-            </a:p>
-          </p:txBody>
-        </p:sp>
-        <p:sp>
-          <p:nvSpPr>
-            <p:cNvPr id="22" name="Isosceles Triangle 21"/>
-            <p:cNvSpPr/>
-            <p:nvPr/>
-          </p:nvSpPr>
-          <p:spPr>
-            <a:xfrm>
-              <a:off x="225195" y="2471922"/>
-              <a:ext cx="113312" cy="113312"/>
-            </a:xfrm>
-            <a:prstGeom prst="triangle">
-              <a:avLst/>
-            </a:prstGeom>
-            <a:solidFill>
-              <a:schemeClr val="bg1"/>
-            </a:solidFill>
-            <a:ln>
-              <a:solidFill>
-                <a:schemeClr val="bg1"/>
-              </a:solidFill>
-            </a:ln>
-          </p:spPr>
-          <p:style>
-            <a:lnRef idx="2">
-              <a:schemeClr val="accent1">
-                <a:shade val="50000"/>
-              </a:schemeClr>
-            </a:lnRef>
-            <a:fillRef idx="1">
-              <a:schemeClr val="accent1"/>
-            </a:fillRef>
-            <a:effectRef idx="0">
-              <a:schemeClr val="accent1"/>
-            </a:effectRef>
-            <a:fontRef idx="minor">
-              <a:schemeClr val="lt1"/>
-            </a:fontRef>
-          </p:style>
-          <p:txBody>
-            <a:bodyPr rtlCol="0" anchor="ctr"/>
-            <a:lstStyle/>
-            <a:p>
-              <a:pPr algn="ctr"/>
-              <a:endParaRPr lang="en-US"/>
-            </a:p>
-          </p:txBody>
-        </p:sp>
-        <p:sp>
-          <p:nvSpPr>
-            <p:cNvPr id="55" name="Rectangle 54"/>
-            <p:cNvSpPr/>
-            <p:nvPr/>
-          </p:nvSpPr>
-          <p:spPr>
-            <a:xfrm>
-              <a:off x="470917" y="2798585"/>
-              <a:ext cx="504000" cy="324000"/>
-            </a:xfrm>
-            <a:prstGeom prst="rect">
-              <a:avLst/>
-            </a:prstGeom>
-            <a:solidFill>
-              <a:schemeClr val="accent6"/>
-            </a:solidFill>
-            <a:ln>
-              <a:solidFill>
-                <a:schemeClr val="bg1"/>
-              </a:solidFill>
-            </a:ln>
-          </p:spPr>
-          <p:style>
-            <a:lnRef idx="2">
-              <a:schemeClr val="accent1">
-                <a:shade val="50000"/>
-              </a:schemeClr>
-            </a:lnRef>
-            <a:fillRef idx="1">
-              <a:schemeClr val="accent1"/>
-            </a:fillRef>
-            <a:effectRef idx="0">
-              <a:schemeClr val="accent1"/>
-            </a:effectRef>
-            <a:fontRef idx="minor">
-              <a:schemeClr val="lt1"/>
-            </a:fontRef>
-          </p:style>
-          <p:txBody>
-            <a:bodyPr rtlCol="0" anchor="ctr"/>
-            <a:lstStyle/>
-            <a:p>
-              <a:pPr algn="ctr"/>
-              <a:endParaRPr lang="en-US"/>
-            </a:p>
-          </p:txBody>
-        </p:sp>
-        <p:sp>
-          <p:nvSpPr>
-            <p:cNvPr id="21" name="Isosceles Triangle 20"/>
-            <p:cNvSpPr/>
-            <p:nvPr/>
-          </p:nvSpPr>
-          <p:spPr>
-            <a:xfrm>
-              <a:off x="777797" y="2932379"/>
-              <a:ext cx="113312" cy="113312"/>
-            </a:xfrm>
-            <a:prstGeom prst="triangle">
-              <a:avLst/>
-            </a:prstGeom>
-            <a:solidFill>
-              <a:schemeClr val="bg1"/>
-            </a:solidFill>
-            <a:ln>
-              <a:solidFill>
-                <a:schemeClr val="bg1"/>
-              </a:solidFill>
-            </a:ln>
-          </p:spPr>
-          <p:style>
-            <a:lnRef idx="2">
-              <a:schemeClr val="accent1">
-                <a:shade val="50000"/>
-              </a:schemeClr>
-            </a:lnRef>
-            <a:fillRef idx="1">
-              <a:schemeClr val="accent1"/>
-            </a:fillRef>
-            <a:effectRef idx="0">
-              <a:schemeClr val="accent1"/>
-            </a:effectRef>
-            <a:fontRef idx="minor">
-              <a:schemeClr val="lt1"/>
-            </a:fontRef>
-          </p:style>
-          <p:txBody>
-            <a:bodyPr rtlCol="0" anchor="ctr"/>
-            <a:lstStyle/>
-            <a:p>
-              <a:pPr algn="ctr"/>
-              <a:endParaRPr lang="en-US"/>
-            </a:p>
-          </p:txBody>
-        </p:sp>
-        <p:sp>
-          <p:nvSpPr>
-            <p:cNvPr id="43" name="Rectangle 42"/>
-            <p:cNvSpPr/>
-            <p:nvPr/>
-          </p:nvSpPr>
-          <p:spPr>
-            <a:xfrm>
-              <a:off x="152400" y="2357870"/>
-              <a:ext cx="838200" cy="838200"/>
-            </a:xfrm>
-            <a:prstGeom prst="rect">
-              <a:avLst/>
-            </a:prstGeom>
+          <a:prstGeom prst="rect">
+            <a:avLst/>
+          </a:prstGeom>
+          <a:noFill/>
+          <a:ln>
             <a:noFill/>
-            <a:ln>
-              <a:noFill/>
-            </a:ln>
-          </p:spPr>
-          <p:style>
-            <a:lnRef idx="2">
-              <a:schemeClr val="accent1">
-                <a:shade val="50000"/>
-              </a:schemeClr>
-            </a:lnRef>
-            <a:fillRef idx="1">
-              <a:schemeClr val="accent1"/>
-            </a:fillRef>
-            <a:effectRef idx="0">
-              <a:schemeClr val="accent1"/>
-            </a:effectRef>
-            <a:fontRef idx="minor">
-              <a:schemeClr val="lt1"/>
-            </a:fontRef>
-          </p:style>
-          <p:txBody>
-            <a:bodyPr rtlCol="0" anchor="ctr"/>
-            <a:lstStyle/>
-            <a:p>
-              <a:pPr algn="ctr"/>
-              <a:endParaRPr lang="en-SG"/>
-            </a:p>
-          </p:txBody>
-        </p:sp>
-        <p:sp>
-          <p:nvSpPr>
-            <p:cNvPr id="13" name="Flowchart: Connector 12"/>
-            <p:cNvSpPr>
-              <a:spLocks noChangeAspect="1"/>
-            </p:cNvSpPr>
-            <p:nvPr/>
-          </p:nvSpPr>
-          <p:spPr>
-            <a:xfrm>
-              <a:off x="697031" y="2554354"/>
-              <a:ext cx="216000" cy="216000"/>
-            </a:xfrm>
-            <a:prstGeom prst="flowChartConnector">
-              <a:avLst/>
-            </a:prstGeom>
-            <a:solidFill>
-              <a:srgbClr val="0070C0"/>
-            </a:solidFill>
-            <a:ln>
-              <a:solidFill>
-                <a:schemeClr val="bg1"/>
-              </a:solidFill>
-            </a:ln>
-          </p:spPr>
-          <p:style>
-            <a:lnRef idx="2">
-              <a:schemeClr val="accent1">
-                <a:shade val="50000"/>
-              </a:schemeClr>
-            </a:lnRef>
-            <a:fillRef idx="1">
-              <a:schemeClr val="accent1"/>
-            </a:fillRef>
-            <a:effectRef idx="0">
-              <a:schemeClr val="accent1"/>
-            </a:effectRef>
-            <a:fontRef idx="minor">
-              <a:schemeClr val="lt1"/>
-            </a:fontRef>
-          </p:style>
-          <p:txBody>
-            <a:bodyPr wrap="none" lIns="0" tIns="0" rIns="0" bIns="0" rtlCol="0" anchor="ctr"/>
-            <a:lstStyle/>
-            <a:p>
-              <a:pPr algn="ctr"/>
-              <a:endParaRPr lang="en-SG" b="1" dirty="0"/>
-            </a:p>
-          </p:txBody>
-        </p:sp>
-        <p:sp>
-          <p:nvSpPr>
-            <p:cNvPr id="14" name="Rectangle 13"/>
-            <p:cNvSpPr/>
-            <p:nvPr/>
-          </p:nvSpPr>
-          <p:spPr>
-            <a:xfrm>
-              <a:off x="654990" y="2467073"/>
-              <a:ext cx="300082" cy="369332"/>
-            </a:xfrm>
-            <a:prstGeom prst="rect">
-              <a:avLst/>
-            </a:prstGeom>
-          </p:spPr>
-          <p:txBody>
-            <a:bodyPr wrap="none">
-              <a:spAutoFit/>
-            </a:bodyPr>
-            <a:lstStyle/>
-            <a:p>
-              <a:pPr lvl="0" algn="ctr"/>
-              <a:r>
-                <a:rPr lang="en-US" b="1" dirty="0">
-                  <a:solidFill>
-                    <a:prstClr val="white"/>
-                  </a:solidFill>
-                </a:rPr>
-                <a:t>+</a:t>
-              </a:r>
-              <a:endParaRPr lang="en-SG" b="1" dirty="0">
-                <a:solidFill>
-                  <a:prstClr val="white"/>
-                </a:solidFill>
-              </a:endParaRPr>
-            </a:p>
-          </p:txBody>
-        </p:sp>
-      </p:grpSp>
-      <p:grpSp>
-        <p:nvGrpSpPr>
-          <p:cNvPr id="99" name="Group 98"/>
-          <p:cNvGrpSpPr/>
-          <p:nvPr/>
-        </p:nvGrpSpPr>
-        <p:grpSpPr>
-          <a:xfrm>
-            <a:off x="1175693" y="2361045"/>
-            <a:ext cx="838200" cy="838200"/>
-            <a:chOff x="1175693" y="2361045"/>
-            <a:chExt cx="838200" cy="838200"/>
-          </a:xfrm>
-        </p:grpSpPr>
-        <p:sp>
-          <p:nvSpPr>
-            <p:cNvPr id="66" name="Rectangle 65"/>
-            <p:cNvSpPr/>
-            <p:nvPr/>
-          </p:nvSpPr>
-          <p:spPr>
-            <a:xfrm>
-              <a:off x="1192512" y="2420505"/>
-              <a:ext cx="504000" cy="324000"/>
-            </a:xfrm>
-            <a:prstGeom prst="rect">
-              <a:avLst/>
-            </a:prstGeom>
-            <a:solidFill>
-              <a:schemeClr val="accent6"/>
-            </a:solidFill>
-            <a:ln>
-              <a:solidFill>
-                <a:schemeClr val="bg1"/>
-              </a:solidFill>
-            </a:ln>
-          </p:spPr>
-          <p:style>
-            <a:lnRef idx="2">
-              <a:schemeClr val="accent1">
-                <a:shade val="50000"/>
-              </a:schemeClr>
-            </a:lnRef>
-            <a:fillRef idx="1">
-              <a:schemeClr val="accent1"/>
-            </a:fillRef>
-            <a:effectRef idx="0">
-              <a:schemeClr val="accent1"/>
-            </a:effectRef>
-            <a:fontRef idx="minor">
-              <a:schemeClr val="lt1"/>
-            </a:fontRef>
-          </p:style>
-          <p:txBody>
-            <a:bodyPr rtlCol="0" anchor="ctr"/>
-            <a:lstStyle/>
-            <a:p>
-              <a:pPr algn="ctr"/>
-              <a:endParaRPr lang="en-US"/>
-            </a:p>
-          </p:txBody>
-        </p:sp>
-        <p:sp>
-          <p:nvSpPr>
-            <p:cNvPr id="67" name="Rectangle 66"/>
-            <p:cNvSpPr/>
-            <p:nvPr/>
-          </p:nvSpPr>
-          <p:spPr>
-            <a:xfrm rot="20725682">
-              <a:off x="1315467" y="2613246"/>
-              <a:ext cx="504000" cy="324000"/>
-            </a:xfrm>
-            <a:prstGeom prst="rect">
-              <a:avLst/>
-            </a:prstGeom>
-            <a:solidFill>
-              <a:srgbClr val="0070C0"/>
-            </a:solidFill>
-            <a:ln>
-              <a:solidFill>
-                <a:schemeClr val="bg1"/>
-              </a:solidFill>
-            </a:ln>
-          </p:spPr>
-          <p:style>
-            <a:lnRef idx="2">
-              <a:schemeClr val="accent1">
-                <a:shade val="50000"/>
-              </a:schemeClr>
-            </a:lnRef>
-            <a:fillRef idx="1">
-              <a:schemeClr val="accent1"/>
-            </a:fillRef>
-            <a:effectRef idx="0">
-              <a:schemeClr val="accent1"/>
-            </a:effectRef>
-            <a:fontRef idx="minor">
-              <a:schemeClr val="lt1"/>
-            </a:fontRef>
-          </p:style>
-          <p:txBody>
-            <a:bodyPr rtlCol="0" anchor="ctr"/>
-            <a:lstStyle/>
-            <a:p>
-              <a:pPr algn="ctr"/>
-              <a:endParaRPr lang="en-US"/>
-            </a:p>
-          </p:txBody>
-        </p:sp>
-        <p:sp>
-          <p:nvSpPr>
-            <p:cNvPr id="68" name="Isosceles Triangle 67"/>
-            <p:cNvSpPr/>
-            <p:nvPr/>
-          </p:nvSpPr>
-          <p:spPr>
-            <a:xfrm>
-              <a:off x="1248488" y="2475097"/>
-              <a:ext cx="113312" cy="113312"/>
-            </a:xfrm>
-            <a:prstGeom prst="triangle">
-              <a:avLst/>
-            </a:prstGeom>
-            <a:solidFill>
-              <a:schemeClr val="bg1"/>
-            </a:solidFill>
-            <a:ln>
-              <a:solidFill>
-                <a:schemeClr val="bg1"/>
-              </a:solidFill>
-            </a:ln>
-          </p:spPr>
-          <p:style>
-            <a:lnRef idx="2">
-              <a:schemeClr val="accent1">
-                <a:shade val="50000"/>
-              </a:schemeClr>
-            </a:lnRef>
-            <a:fillRef idx="1">
-              <a:schemeClr val="accent1"/>
-            </a:fillRef>
-            <a:effectRef idx="0">
-              <a:schemeClr val="accent1"/>
-            </a:effectRef>
-            <a:fontRef idx="minor">
-              <a:schemeClr val="lt1"/>
-            </a:fontRef>
-          </p:style>
-          <p:txBody>
-            <a:bodyPr rtlCol="0" anchor="ctr"/>
-            <a:lstStyle/>
-            <a:p>
-              <a:pPr algn="ctr"/>
-              <a:endParaRPr lang="en-US"/>
-            </a:p>
-          </p:txBody>
-        </p:sp>
-        <p:sp>
-          <p:nvSpPr>
-            <p:cNvPr id="69" name="Rectangle 68"/>
-            <p:cNvSpPr/>
-            <p:nvPr/>
-          </p:nvSpPr>
-          <p:spPr>
-            <a:xfrm>
-              <a:off x="1494210" y="2801760"/>
-              <a:ext cx="504000" cy="324000"/>
-            </a:xfrm>
-            <a:prstGeom prst="rect">
-              <a:avLst/>
-            </a:prstGeom>
-            <a:solidFill>
-              <a:schemeClr val="accent6"/>
-            </a:solidFill>
-            <a:ln>
-              <a:solidFill>
-                <a:schemeClr val="bg1"/>
-              </a:solidFill>
-            </a:ln>
-          </p:spPr>
-          <p:style>
-            <a:lnRef idx="2">
-              <a:schemeClr val="accent1">
-                <a:shade val="50000"/>
-              </a:schemeClr>
-            </a:lnRef>
-            <a:fillRef idx="1">
-              <a:schemeClr val="accent1"/>
-            </a:fillRef>
-            <a:effectRef idx="0">
-              <a:schemeClr val="accent1"/>
-            </a:effectRef>
-            <a:fontRef idx="minor">
-              <a:schemeClr val="lt1"/>
-            </a:fontRef>
-          </p:style>
-          <p:txBody>
-            <a:bodyPr rtlCol="0" anchor="ctr"/>
-            <a:lstStyle/>
-            <a:p>
-              <a:pPr algn="ctr"/>
-              <a:endParaRPr lang="en-US"/>
-            </a:p>
-          </p:txBody>
-        </p:sp>
-        <p:sp>
-          <p:nvSpPr>
-            <p:cNvPr id="70" name="Isosceles Triangle 69"/>
-            <p:cNvSpPr/>
-            <p:nvPr/>
-          </p:nvSpPr>
-          <p:spPr>
-            <a:xfrm>
-              <a:off x="1801090" y="2935554"/>
-              <a:ext cx="113312" cy="113312"/>
-            </a:xfrm>
-            <a:prstGeom prst="triangle">
-              <a:avLst/>
-            </a:prstGeom>
-            <a:solidFill>
-              <a:schemeClr val="bg1"/>
-            </a:solidFill>
-            <a:ln>
-              <a:solidFill>
-                <a:schemeClr val="bg1"/>
-              </a:solidFill>
-            </a:ln>
-          </p:spPr>
-          <p:style>
-            <a:lnRef idx="2">
-              <a:schemeClr val="accent1">
-                <a:shade val="50000"/>
-              </a:schemeClr>
-            </a:lnRef>
-            <a:fillRef idx="1">
-              <a:schemeClr val="accent1"/>
-            </a:fillRef>
-            <a:effectRef idx="0">
-              <a:schemeClr val="accent1"/>
-            </a:effectRef>
-            <a:fontRef idx="minor">
-              <a:schemeClr val="lt1"/>
-            </a:fontRef>
-          </p:style>
-          <p:txBody>
-            <a:bodyPr rtlCol="0" anchor="ctr"/>
-            <a:lstStyle/>
-            <a:p>
-              <a:pPr algn="ctr"/>
-              <a:endParaRPr lang="en-US"/>
-            </a:p>
-          </p:txBody>
-        </p:sp>
-        <p:sp>
-          <p:nvSpPr>
-            <p:cNvPr id="72" name="Rectangle 71"/>
-            <p:cNvSpPr/>
-            <p:nvPr/>
-          </p:nvSpPr>
-          <p:spPr>
-            <a:xfrm>
-              <a:off x="1175693" y="2361045"/>
-              <a:ext cx="838200" cy="838200"/>
-            </a:xfrm>
-            <a:prstGeom prst="rect">
-              <a:avLst/>
-            </a:prstGeom>
-            <a:noFill/>
-            <a:ln>
-              <a:noFill/>
-            </a:ln>
-          </p:spPr>
-          <p:style>
-            <a:lnRef idx="2">
-              <a:schemeClr val="accent1">
-                <a:shade val="50000"/>
-              </a:schemeClr>
-            </a:lnRef>
-            <a:fillRef idx="1">
-              <a:schemeClr val="accent1"/>
-            </a:fillRef>
-            <a:effectRef idx="0">
-              <a:schemeClr val="accent1"/>
-            </a:effectRef>
-            <a:fontRef idx="minor">
-              <a:schemeClr val="lt1"/>
-            </a:fontRef>
-          </p:style>
-          <p:txBody>
-            <a:bodyPr rtlCol="0" anchor="ctr"/>
-            <a:lstStyle/>
-            <a:p>
-              <a:pPr algn="ctr"/>
-              <a:endParaRPr lang="en-SG"/>
-            </a:p>
-          </p:txBody>
-        </p:sp>
-        <p:sp>
-          <p:nvSpPr>
-            <p:cNvPr id="73" name="Flowchart: Connector 72"/>
-            <p:cNvSpPr>
-              <a:spLocks noChangeAspect="1"/>
-            </p:cNvSpPr>
-            <p:nvPr/>
-          </p:nvSpPr>
-          <p:spPr>
-            <a:xfrm>
-              <a:off x="1716387" y="2557529"/>
-              <a:ext cx="216000" cy="216000"/>
-            </a:xfrm>
-            <a:prstGeom prst="flowChartConnector">
-              <a:avLst/>
-            </a:prstGeom>
-            <a:solidFill>
-              <a:schemeClr val="bg1"/>
-            </a:solidFill>
-            <a:ln>
-              <a:solidFill>
-                <a:schemeClr val="bg1"/>
-              </a:solidFill>
-            </a:ln>
-          </p:spPr>
-          <p:style>
-            <a:lnRef idx="2">
-              <a:schemeClr val="accent1">
-                <a:shade val="50000"/>
-              </a:schemeClr>
-            </a:lnRef>
-            <a:fillRef idx="1">
-              <a:schemeClr val="accent1"/>
-            </a:fillRef>
-            <a:effectRef idx="0">
-              <a:schemeClr val="accent1"/>
-            </a:effectRef>
-            <a:fontRef idx="minor">
-              <a:schemeClr val="lt1"/>
-            </a:fontRef>
-          </p:style>
-          <p:txBody>
-            <a:bodyPr wrap="none" lIns="0" tIns="0" rIns="0" bIns="0" rtlCol="0" anchor="ctr"/>
-            <a:lstStyle/>
-            <a:p>
-              <a:pPr algn="ctr"/>
-              <a:endParaRPr lang="en-SG" b="1" dirty="0"/>
-            </a:p>
-          </p:txBody>
-        </p:sp>
-        <p:sp>
-          <p:nvSpPr>
-            <p:cNvPr id="17" name="Arc 16"/>
-            <p:cNvSpPr>
-              <a:spLocks noChangeAspect="1"/>
-            </p:cNvSpPr>
-            <p:nvPr/>
-          </p:nvSpPr>
-          <p:spPr>
-            <a:xfrm>
-              <a:off x="1760432" y="2579330"/>
-              <a:ext cx="167192" cy="167192"/>
-            </a:xfrm>
-            <a:prstGeom prst="arc">
-              <a:avLst>
-                <a:gd name="adj1" fmla="val 372342"/>
-                <a:gd name="adj2" fmla="val 15865948"/>
-              </a:avLst>
-            </a:prstGeom>
-            <a:ln w="38100" cap="sq">
-              <a:solidFill>
-                <a:srgbClr val="0070C0"/>
-              </a:solidFill>
-              <a:headEnd type="none" w="med" len="med"/>
-              <a:tailEnd type="none" w="med" len="med"/>
-            </a:ln>
-          </p:spPr>
-          <p:style>
-            <a:lnRef idx="1">
-              <a:schemeClr val="accent1"/>
-            </a:lnRef>
-            <a:fillRef idx="0">
-              <a:schemeClr val="accent1"/>
-            </a:fillRef>
-            <a:effectRef idx="0">
-              <a:schemeClr val="accent1"/>
-            </a:effectRef>
-            <a:fontRef idx="minor">
-              <a:schemeClr val="tx1"/>
-            </a:fontRef>
-          </p:style>
-          <p:txBody>
-            <a:bodyPr rtlCol="0" anchor="ctr"/>
-            <a:lstStyle/>
-            <a:p>
-              <a:pPr algn="ctr"/>
-              <a:endParaRPr lang="en-SG"/>
-            </a:p>
-          </p:txBody>
-        </p:sp>
-        <p:sp>
-          <p:nvSpPr>
-            <p:cNvPr id="3" name="Isosceles Triangle 2"/>
-            <p:cNvSpPr/>
-            <p:nvPr/>
-          </p:nvSpPr>
-          <p:spPr>
-            <a:xfrm>
-              <a:off x="1870024" y="2591710"/>
-              <a:ext cx="116389" cy="76200"/>
-            </a:xfrm>
-            <a:prstGeom prst="triangle">
-              <a:avLst/>
-            </a:prstGeom>
-            <a:solidFill>
-              <a:srgbClr val="0070C0"/>
-            </a:solidFill>
-            <a:ln>
-              <a:noFill/>
-            </a:ln>
-          </p:spPr>
-          <p:style>
-            <a:lnRef idx="2">
-              <a:schemeClr val="accent1">
-                <a:shade val="50000"/>
-              </a:schemeClr>
-            </a:lnRef>
-            <a:fillRef idx="1">
-              <a:schemeClr val="accent1"/>
-            </a:fillRef>
-            <a:effectRef idx="0">
-              <a:schemeClr val="accent1"/>
-            </a:effectRef>
-            <a:fontRef idx="minor">
-              <a:schemeClr val="lt1"/>
-            </a:fontRef>
-          </p:style>
-          <p:txBody>
-            <a:bodyPr rtlCol="0" anchor="ctr"/>
-            <a:lstStyle/>
-            <a:p>
-              <a:pPr algn="ctr"/>
-              <a:endParaRPr lang="en-SG"/>
-            </a:p>
-          </p:txBody>
-        </p:sp>
-      </p:grpSp>
+          </a:ln>
+        </p:spPr>
+        <p:style>
+          <a:lnRef idx="2">
+            <a:schemeClr val="accent1">
+              <a:shade val="50000"/>
+            </a:schemeClr>
+          </a:lnRef>
+          <a:fillRef idx="1">
+            <a:schemeClr val="accent1"/>
+          </a:fillRef>
+          <a:effectRef idx="0">
+            <a:schemeClr val="accent1"/>
+          </a:effectRef>
+          <a:fontRef idx="minor">
+            <a:schemeClr val="lt1"/>
+          </a:fontRef>
+        </p:style>
+        <p:txBody>
+          <a:bodyPr rtlCol="0" anchor="ctr"/>
+          <a:lstStyle/>
+          <a:p>
+            <a:pPr algn="ctr"/>
+            <a:endParaRPr lang="en-SG"/>
+          </a:p>
+        </p:txBody>
+      </p:sp>
       <p:grpSp>
         <p:nvGrpSpPr>
           <p:cNvPr id="102" name="Group 101"/>
@@ -9608,7 +8820,7 @@
       </p:grpSp>
       <p:grpSp>
         <p:nvGrpSpPr>
-          <p:cNvPr id="105" name="Group 104"/>
+          <p:cNvPr id="11" name="Group 10"/>
           <p:cNvGrpSpPr/>
           <p:nvPr/>
         </p:nvGrpSpPr>
@@ -9667,13 +8879,15 @@
         <p:sp>
           <p:nvSpPr>
             <p:cNvPr id="9" name="Flowchart: Connector 8"/>
-            <p:cNvSpPr/>
+            <p:cNvSpPr>
+              <a:spLocks noChangeAspect="1"/>
+            </p:cNvSpPr>
             <p:nvPr/>
           </p:nvSpPr>
           <p:spPr>
             <a:xfrm>
-              <a:off x="6374393" y="2433753"/>
-              <a:ext cx="535402" cy="535402"/>
+              <a:off x="6318176" y="2438400"/>
+              <a:ext cx="647836" cy="647836"/>
             </a:xfrm>
             <a:prstGeom prst="flowChartConnector">
               <a:avLst/>
@@ -9708,7 +8922,7 @@
             <a:p>
               <a:pPr algn="ctr"/>
               <a:r>
-                <a:rPr lang="en-US" sz="4000" b="1" dirty="0" smtClean="0">
+                <a:rPr lang="en-US" sz="5400" b="1" dirty="0" smtClean="0">
                   <a:ln w="12700">
                     <a:solidFill>
                       <a:schemeClr val="bg1"/>
@@ -9721,7 +8935,7 @@
                 </a:rPr>
                 <a:t>?</a:t>
               </a:r>
-              <a:endParaRPr lang="en-SG" sz="4000" b="1" dirty="0">
+              <a:endParaRPr lang="en-SG" sz="5400" b="1" dirty="0">
                 <a:ln w="12700">
                   <a:solidFill>
                     <a:schemeClr val="bg1"/>
@@ -9738,7 +8952,7 @@
       </p:grpSp>
       <p:grpSp>
         <p:nvGrpSpPr>
-          <p:cNvPr id="106" name="Group 105"/>
+          <p:cNvPr id="20" name="Group 19"/>
           <p:cNvGrpSpPr/>
           <p:nvPr/>
         </p:nvGrpSpPr>
@@ -9797,23 +9011,21 @@
         <p:grpSp>
           <p:nvGrpSpPr>
             <p:cNvPr id="47" name="Group 46"/>
-            <p:cNvGrpSpPr/>
+            <p:cNvGrpSpPr>
+              <a:grpSpLocks noChangeAspect="1"/>
+            </p:cNvGrpSpPr>
             <p:nvPr/>
           </p:nvGrpSpPr>
           <p:grpSpPr>
             <a:xfrm>
-              <a:off x="7287423" y="2454381"/>
-              <a:ext cx="685800" cy="399170"/>
+              <a:off x="7297452" y="2436068"/>
+              <a:ext cx="692727" cy="482996"/>
               <a:chOff x="7300914" y="2545581"/>
               <a:chExt cx="685800" cy="399170"/>
             </a:xfrm>
             <a:solidFill>
               <a:schemeClr val="accent6"/>
             </a:solidFill>
-            <a:scene3d>
-              <a:camera prst="perspectiveHeroicExtremeLeftFacing"/>
-              <a:lightRig rig="threePt" dir="t"/>
-            </a:scene3d>
           </p:grpSpPr>
           <p:sp>
             <p:nvSpPr>
@@ -10030,13 +9242,15 @@
         <p:sp>
           <p:nvSpPr>
             <p:cNvPr id="48" name="Right Arrow 47"/>
-            <p:cNvSpPr/>
+            <p:cNvSpPr>
+              <a:spLocks noChangeAspect="1"/>
+            </p:cNvSpPr>
             <p:nvPr/>
           </p:nvSpPr>
           <p:spPr>
             <a:xfrm rot="18800530">
-              <a:off x="7429167" y="2787464"/>
-              <a:ext cx="290393" cy="227807"/>
+              <a:off x="7442067" y="2749761"/>
+              <a:ext cx="386513" cy="303212"/>
             </a:xfrm>
             <a:custGeom>
               <a:avLst/>
@@ -10509,13 +9723,15 @@
         <p:sp>
           <p:nvSpPr>
             <p:cNvPr id="90" name="Flowchart: Connector 89"/>
-            <p:cNvSpPr/>
+            <p:cNvSpPr>
+              <a:spLocks noChangeAspect="1"/>
+            </p:cNvSpPr>
             <p:nvPr/>
           </p:nvSpPr>
           <p:spPr>
             <a:xfrm>
-              <a:off x="8355593" y="2433753"/>
-              <a:ext cx="535402" cy="535402"/>
+              <a:off x="8299376" y="2434692"/>
+              <a:ext cx="647836" cy="647836"/>
             </a:xfrm>
             <a:prstGeom prst="flowChartConnector">
               <a:avLst/>
@@ -10550,7 +9766,7 @@
             <a:p>
               <a:pPr algn="ctr"/>
               <a:r>
-                <a:rPr lang="en-US" sz="3600" b="1" dirty="0" err="1">
+                <a:rPr lang="en-US" sz="4400" b="1" dirty="0" err="1">
                   <a:ln w="12700">
                     <a:solidFill>
                       <a:schemeClr val="bg1"/>
@@ -10563,7 +9779,7 @@
                 </a:rPr>
                 <a:t>i</a:t>
               </a:r>
-              <a:endParaRPr lang="en-SG" sz="3600" b="1" dirty="0">
+              <a:endParaRPr lang="en-SG" sz="4400" b="1" dirty="0">
                 <a:ln w="12700">
                   <a:solidFill>
                     <a:schemeClr val="bg1"/>
@@ -10964,6 +10180,848 @@
           </a:p>
         </p:txBody>
       </p:sp>
+      <p:grpSp>
+        <p:nvGrpSpPr>
+          <p:cNvPr id="7" name="Group 6"/>
+          <p:cNvGrpSpPr/>
+          <p:nvPr/>
+        </p:nvGrpSpPr>
+        <p:grpSpPr>
+          <a:xfrm>
+            <a:off x="166689" y="2357870"/>
+            <a:ext cx="838200" cy="838200"/>
+            <a:chOff x="166689" y="2357870"/>
+            <a:chExt cx="838200" cy="838200"/>
+          </a:xfrm>
+        </p:grpSpPr>
+        <p:sp>
+          <p:nvSpPr>
+            <p:cNvPr id="15" name="Rectangle 14"/>
+            <p:cNvSpPr/>
+            <p:nvPr/>
+          </p:nvSpPr>
+          <p:spPr>
+            <a:xfrm>
+              <a:off x="169219" y="2417330"/>
+              <a:ext cx="374955" cy="324000"/>
+            </a:xfrm>
+            <a:prstGeom prst="rect">
+              <a:avLst/>
+            </a:prstGeom>
+            <a:solidFill>
+              <a:schemeClr val="accent6"/>
+            </a:solidFill>
+            <a:ln>
+              <a:solidFill>
+                <a:schemeClr val="bg1"/>
+              </a:solidFill>
+            </a:ln>
+          </p:spPr>
+          <p:style>
+            <a:lnRef idx="2">
+              <a:schemeClr val="accent1">
+                <a:shade val="50000"/>
+              </a:schemeClr>
+            </a:lnRef>
+            <a:fillRef idx="1">
+              <a:schemeClr val="accent1"/>
+            </a:fillRef>
+            <a:effectRef idx="0">
+              <a:schemeClr val="accent1"/>
+            </a:effectRef>
+            <a:fontRef idx="minor">
+              <a:schemeClr val="lt1"/>
+            </a:fontRef>
+          </p:style>
+          <p:txBody>
+            <a:bodyPr rtlCol="0" anchor="ctr"/>
+            <a:lstStyle/>
+            <a:p>
+              <a:pPr algn="ctr"/>
+              <a:endParaRPr lang="en-US"/>
+            </a:p>
+          </p:txBody>
+        </p:sp>
+        <p:sp>
+          <p:nvSpPr>
+            <p:cNvPr id="16" name="Rectangle 15"/>
+            <p:cNvSpPr/>
+            <p:nvPr/>
+          </p:nvSpPr>
+          <p:spPr>
+            <a:xfrm rot="19712449">
+              <a:off x="292174" y="2610071"/>
+              <a:ext cx="504000" cy="324000"/>
+            </a:xfrm>
+            <a:prstGeom prst="rect">
+              <a:avLst/>
+            </a:prstGeom>
+            <a:solidFill>
+              <a:srgbClr val="0070C0"/>
+            </a:solidFill>
+            <a:ln>
+              <a:solidFill>
+                <a:schemeClr val="bg1"/>
+              </a:solidFill>
+            </a:ln>
+          </p:spPr>
+          <p:style>
+            <a:lnRef idx="2">
+              <a:schemeClr val="accent1">
+                <a:shade val="50000"/>
+              </a:schemeClr>
+            </a:lnRef>
+            <a:fillRef idx="1">
+              <a:schemeClr val="accent1"/>
+            </a:fillRef>
+            <a:effectRef idx="0">
+              <a:schemeClr val="accent1"/>
+            </a:effectRef>
+            <a:fontRef idx="minor">
+              <a:schemeClr val="lt1"/>
+            </a:fontRef>
+          </p:style>
+          <p:txBody>
+            <a:bodyPr rtlCol="0" anchor="ctr"/>
+            <a:lstStyle/>
+            <a:p>
+              <a:pPr algn="ctr"/>
+              <a:endParaRPr lang="en-US"/>
+            </a:p>
+          </p:txBody>
+        </p:sp>
+        <p:sp>
+          <p:nvSpPr>
+            <p:cNvPr id="22" name="Isosceles Triangle 21"/>
+            <p:cNvSpPr/>
+            <p:nvPr/>
+          </p:nvSpPr>
+          <p:spPr>
+            <a:xfrm>
+              <a:off x="225195" y="2471922"/>
+              <a:ext cx="113312" cy="113312"/>
+            </a:xfrm>
+            <a:prstGeom prst="triangle">
+              <a:avLst/>
+            </a:prstGeom>
+            <a:solidFill>
+              <a:schemeClr val="bg1"/>
+            </a:solidFill>
+            <a:ln>
+              <a:solidFill>
+                <a:schemeClr val="bg1"/>
+              </a:solidFill>
+            </a:ln>
+          </p:spPr>
+          <p:style>
+            <a:lnRef idx="2">
+              <a:schemeClr val="accent1">
+                <a:shade val="50000"/>
+              </a:schemeClr>
+            </a:lnRef>
+            <a:fillRef idx="1">
+              <a:schemeClr val="accent1"/>
+            </a:fillRef>
+            <a:effectRef idx="0">
+              <a:schemeClr val="accent1"/>
+            </a:effectRef>
+            <a:fontRef idx="minor">
+              <a:schemeClr val="lt1"/>
+            </a:fontRef>
+          </p:style>
+          <p:txBody>
+            <a:bodyPr rtlCol="0" anchor="ctr"/>
+            <a:lstStyle/>
+            <a:p>
+              <a:pPr algn="ctr"/>
+              <a:endParaRPr lang="en-US"/>
+            </a:p>
+          </p:txBody>
+        </p:sp>
+        <p:sp>
+          <p:nvSpPr>
+            <p:cNvPr id="55" name="Rectangle 54"/>
+            <p:cNvSpPr/>
+            <p:nvPr/>
+          </p:nvSpPr>
+          <p:spPr>
+            <a:xfrm>
+              <a:off x="470917" y="2798585"/>
+              <a:ext cx="504000" cy="324000"/>
+            </a:xfrm>
+            <a:prstGeom prst="rect">
+              <a:avLst/>
+            </a:prstGeom>
+            <a:solidFill>
+              <a:schemeClr val="accent6"/>
+            </a:solidFill>
+            <a:ln>
+              <a:solidFill>
+                <a:schemeClr val="bg1"/>
+              </a:solidFill>
+            </a:ln>
+          </p:spPr>
+          <p:style>
+            <a:lnRef idx="2">
+              <a:schemeClr val="accent1">
+                <a:shade val="50000"/>
+              </a:schemeClr>
+            </a:lnRef>
+            <a:fillRef idx="1">
+              <a:schemeClr val="accent1"/>
+            </a:fillRef>
+            <a:effectRef idx="0">
+              <a:schemeClr val="accent1"/>
+            </a:effectRef>
+            <a:fontRef idx="minor">
+              <a:schemeClr val="lt1"/>
+            </a:fontRef>
+          </p:style>
+          <p:txBody>
+            <a:bodyPr rtlCol="0" anchor="ctr"/>
+            <a:lstStyle/>
+            <a:p>
+              <a:pPr algn="ctr"/>
+              <a:endParaRPr lang="en-US"/>
+            </a:p>
+          </p:txBody>
+        </p:sp>
+        <p:sp>
+          <p:nvSpPr>
+            <p:cNvPr id="21" name="Isosceles Triangle 20"/>
+            <p:cNvSpPr/>
+            <p:nvPr/>
+          </p:nvSpPr>
+          <p:spPr>
+            <a:xfrm>
+              <a:off x="777797" y="2932379"/>
+              <a:ext cx="113312" cy="113312"/>
+            </a:xfrm>
+            <a:prstGeom prst="triangle">
+              <a:avLst/>
+            </a:prstGeom>
+            <a:solidFill>
+              <a:schemeClr val="bg1"/>
+            </a:solidFill>
+            <a:ln>
+              <a:solidFill>
+                <a:schemeClr val="bg1"/>
+              </a:solidFill>
+            </a:ln>
+          </p:spPr>
+          <p:style>
+            <a:lnRef idx="2">
+              <a:schemeClr val="accent1">
+                <a:shade val="50000"/>
+              </a:schemeClr>
+            </a:lnRef>
+            <a:fillRef idx="1">
+              <a:schemeClr val="accent1"/>
+            </a:fillRef>
+            <a:effectRef idx="0">
+              <a:schemeClr val="accent1"/>
+            </a:effectRef>
+            <a:fontRef idx="minor">
+              <a:schemeClr val="lt1"/>
+            </a:fontRef>
+          </p:style>
+          <p:txBody>
+            <a:bodyPr rtlCol="0" anchor="ctr"/>
+            <a:lstStyle/>
+            <a:p>
+              <a:pPr algn="ctr"/>
+              <a:endParaRPr lang="en-US"/>
+            </a:p>
+          </p:txBody>
+        </p:sp>
+        <p:sp>
+          <p:nvSpPr>
+            <p:cNvPr id="43" name="Rectangle 42"/>
+            <p:cNvSpPr/>
+            <p:nvPr/>
+          </p:nvSpPr>
+          <p:spPr>
+            <a:xfrm>
+              <a:off x="166689" y="2357870"/>
+              <a:ext cx="838200" cy="838200"/>
+            </a:xfrm>
+            <a:prstGeom prst="rect">
+              <a:avLst/>
+            </a:prstGeom>
+            <a:noFill/>
+            <a:ln>
+              <a:noFill/>
+            </a:ln>
+          </p:spPr>
+          <p:style>
+            <a:lnRef idx="2">
+              <a:schemeClr val="accent1">
+                <a:shade val="50000"/>
+              </a:schemeClr>
+            </a:lnRef>
+            <a:fillRef idx="1">
+              <a:schemeClr val="accent1"/>
+            </a:fillRef>
+            <a:effectRef idx="0">
+              <a:schemeClr val="accent1"/>
+            </a:effectRef>
+            <a:fontRef idx="minor">
+              <a:schemeClr val="lt1"/>
+            </a:fontRef>
+          </p:style>
+          <p:txBody>
+            <a:bodyPr rtlCol="0" anchor="ctr"/>
+            <a:lstStyle/>
+            <a:p>
+              <a:pPr algn="ctr"/>
+              <a:endParaRPr lang="en-SG"/>
+            </a:p>
+          </p:txBody>
+        </p:sp>
+        <p:sp>
+          <p:nvSpPr>
+            <p:cNvPr id="13" name="Flowchart: Connector 12"/>
+            <p:cNvSpPr>
+              <a:spLocks noChangeAspect="1"/>
+            </p:cNvSpPr>
+            <p:nvPr/>
+          </p:nvSpPr>
+          <p:spPr>
+            <a:xfrm>
+              <a:off x="575517" y="2362200"/>
+              <a:ext cx="420924" cy="420924"/>
+            </a:xfrm>
+            <a:prstGeom prst="flowChartConnector">
+              <a:avLst/>
+            </a:prstGeom>
+            <a:solidFill>
+              <a:srgbClr val="0070C0"/>
+            </a:solidFill>
+            <a:ln>
+              <a:solidFill>
+                <a:schemeClr val="bg1"/>
+              </a:solidFill>
+            </a:ln>
+          </p:spPr>
+          <p:style>
+            <a:lnRef idx="2">
+              <a:schemeClr val="accent1">
+                <a:shade val="50000"/>
+              </a:schemeClr>
+            </a:lnRef>
+            <a:fillRef idx="1">
+              <a:schemeClr val="accent1"/>
+            </a:fillRef>
+            <a:effectRef idx="0">
+              <a:schemeClr val="accent1"/>
+            </a:effectRef>
+            <a:fontRef idx="minor">
+              <a:schemeClr val="lt1"/>
+            </a:fontRef>
+          </p:style>
+          <p:txBody>
+            <a:bodyPr wrap="none" lIns="0" tIns="0" rIns="0" bIns="0" rtlCol="0" anchor="ctr"/>
+            <a:lstStyle/>
+            <a:p>
+              <a:pPr algn="ctr"/>
+              <a:endParaRPr lang="en-SG" b="1" dirty="0"/>
+            </a:p>
+          </p:txBody>
+        </p:sp>
+        <p:sp>
+          <p:nvSpPr>
+            <p:cNvPr id="2" name="Plus 1"/>
+            <p:cNvSpPr>
+              <a:spLocks noChangeAspect="1"/>
+            </p:cNvSpPr>
+            <p:nvPr/>
+          </p:nvSpPr>
+          <p:spPr>
+            <a:xfrm>
+              <a:off x="633519" y="2422994"/>
+              <a:ext cx="304920" cy="304920"/>
+            </a:xfrm>
+            <a:prstGeom prst="mathPlus">
+              <a:avLst/>
+            </a:prstGeom>
+            <a:solidFill>
+              <a:schemeClr val="bg1"/>
+            </a:solidFill>
+            <a:ln>
+              <a:noFill/>
+            </a:ln>
+          </p:spPr>
+          <p:style>
+            <a:lnRef idx="2">
+              <a:schemeClr val="accent1">
+                <a:shade val="50000"/>
+              </a:schemeClr>
+            </a:lnRef>
+            <a:fillRef idx="1">
+              <a:schemeClr val="accent1"/>
+            </a:fillRef>
+            <a:effectRef idx="0">
+              <a:schemeClr val="accent1"/>
+            </a:effectRef>
+            <a:fontRef idx="minor">
+              <a:schemeClr val="lt1"/>
+            </a:fontRef>
+          </p:style>
+          <p:txBody>
+            <a:bodyPr rtlCol="0" anchor="ctr"/>
+            <a:lstStyle/>
+            <a:p>
+              <a:pPr algn="ctr"/>
+              <a:endParaRPr lang="en-US"/>
+            </a:p>
+          </p:txBody>
+        </p:sp>
+      </p:grpSp>
+      <p:grpSp>
+        <p:nvGrpSpPr>
+          <p:cNvPr id="8" name="Group 7"/>
+          <p:cNvGrpSpPr/>
+          <p:nvPr/>
+        </p:nvGrpSpPr>
+        <p:grpSpPr>
+          <a:xfrm>
+            <a:off x="1250074" y="2362200"/>
+            <a:ext cx="838200" cy="838200"/>
+            <a:chOff x="1250074" y="2362200"/>
+            <a:chExt cx="838200" cy="838200"/>
+          </a:xfrm>
+        </p:grpSpPr>
+        <p:sp>
+          <p:nvSpPr>
+            <p:cNvPr id="76" name="Rectangle 75"/>
+            <p:cNvSpPr/>
+            <p:nvPr/>
+          </p:nvSpPr>
+          <p:spPr>
+            <a:xfrm>
+              <a:off x="1252604" y="2421660"/>
+              <a:ext cx="374955" cy="324000"/>
+            </a:xfrm>
+            <a:prstGeom prst="rect">
+              <a:avLst/>
+            </a:prstGeom>
+            <a:solidFill>
+              <a:schemeClr val="accent6"/>
+            </a:solidFill>
+            <a:ln>
+              <a:solidFill>
+                <a:schemeClr val="bg1"/>
+              </a:solidFill>
+            </a:ln>
+          </p:spPr>
+          <p:style>
+            <a:lnRef idx="2">
+              <a:schemeClr val="accent1">
+                <a:shade val="50000"/>
+              </a:schemeClr>
+            </a:lnRef>
+            <a:fillRef idx="1">
+              <a:schemeClr val="accent1"/>
+            </a:fillRef>
+            <a:effectRef idx="0">
+              <a:schemeClr val="accent1"/>
+            </a:effectRef>
+            <a:fontRef idx="minor">
+              <a:schemeClr val="lt1"/>
+            </a:fontRef>
+          </p:style>
+          <p:txBody>
+            <a:bodyPr rtlCol="0" anchor="ctr"/>
+            <a:lstStyle/>
+            <a:p>
+              <a:pPr algn="ctr"/>
+              <a:endParaRPr lang="en-US"/>
+            </a:p>
+          </p:txBody>
+        </p:sp>
+        <p:sp>
+          <p:nvSpPr>
+            <p:cNvPr id="77" name="Rectangle 76"/>
+            <p:cNvSpPr/>
+            <p:nvPr/>
+          </p:nvSpPr>
+          <p:spPr>
+            <a:xfrm rot="19712449">
+              <a:off x="1375559" y="2614401"/>
+              <a:ext cx="504000" cy="324000"/>
+            </a:xfrm>
+            <a:prstGeom prst="rect">
+              <a:avLst/>
+            </a:prstGeom>
+            <a:solidFill>
+              <a:srgbClr val="0070C0"/>
+            </a:solidFill>
+            <a:ln>
+              <a:solidFill>
+                <a:schemeClr val="bg1"/>
+              </a:solidFill>
+            </a:ln>
+          </p:spPr>
+          <p:style>
+            <a:lnRef idx="2">
+              <a:schemeClr val="accent1">
+                <a:shade val="50000"/>
+              </a:schemeClr>
+            </a:lnRef>
+            <a:fillRef idx="1">
+              <a:schemeClr val="accent1"/>
+            </a:fillRef>
+            <a:effectRef idx="0">
+              <a:schemeClr val="accent1"/>
+            </a:effectRef>
+            <a:fontRef idx="minor">
+              <a:schemeClr val="lt1"/>
+            </a:fontRef>
+          </p:style>
+          <p:txBody>
+            <a:bodyPr rtlCol="0" anchor="ctr"/>
+            <a:lstStyle/>
+            <a:p>
+              <a:pPr algn="ctr"/>
+              <a:endParaRPr lang="en-US"/>
+            </a:p>
+          </p:txBody>
+        </p:sp>
+        <p:sp>
+          <p:nvSpPr>
+            <p:cNvPr id="78" name="Isosceles Triangle 77"/>
+            <p:cNvSpPr/>
+            <p:nvPr/>
+          </p:nvSpPr>
+          <p:spPr>
+            <a:xfrm>
+              <a:off x="1308580" y="2476252"/>
+              <a:ext cx="113312" cy="113312"/>
+            </a:xfrm>
+            <a:prstGeom prst="triangle">
+              <a:avLst/>
+            </a:prstGeom>
+            <a:solidFill>
+              <a:schemeClr val="bg1"/>
+            </a:solidFill>
+            <a:ln>
+              <a:solidFill>
+                <a:schemeClr val="bg1"/>
+              </a:solidFill>
+            </a:ln>
+          </p:spPr>
+          <p:style>
+            <a:lnRef idx="2">
+              <a:schemeClr val="accent1">
+                <a:shade val="50000"/>
+              </a:schemeClr>
+            </a:lnRef>
+            <a:fillRef idx="1">
+              <a:schemeClr val="accent1"/>
+            </a:fillRef>
+            <a:effectRef idx="0">
+              <a:schemeClr val="accent1"/>
+            </a:effectRef>
+            <a:fontRef idx="minor">
+              <a:schemeClr val="lt1"/>
+            </a:fontRef>
+          </p:style>
+          <p:txBody>
+            <a:bodyPr rtlCol="0" anchor="ctr"/>
+            <a:lstStyle/>
+            <a:p>
+              <a:pPr algn="ctr"/>
+              <a:endParaRPr lang="en-US"/>
+            </a:p>
+          </p:txBody>
+        </p:sp>
+        <p:sp>
+          <p:nvSpPr>
+            <p:cNvPr id="79" name="Rectangle 78"/>
+            <p:cNvSpPr/>
+            <p:nvPr/>
+          </p:nvSpPr>
+          <p:spPr>
+            <a:xfrm>
+              <a:off x="1554302" y="2802915"/>
+              <a:ext cx="504000" cy="324000"/>
+            </a:xfrm>
+            <a:prstGeom prst="rect">
+              <a:avLst/>
+            </a:prstGeom>
+            <a:solidFill>
+              <a:schemeClr val="accent6"/>
+            </a:solidFill>
+            <a:ln>
+              <a:solidFill>
+                <a:schemeClr val="bg1"/>
+              </a:solidFill>
+            </a:ln>
+          </p:spPr>
+          <p:style>
+            <a:lnRef idx="2">
+              <a:schemeClr val="accent1">
+                <a:shade val="50000"/>
+              </a:schemeClr>
+            </a:lnRef>
+            <a:fillRef idx="1">
+              <a:schemeClr val="accent1"/>
+            </a:fillRef>
+            <a:effectRef idx="0">
+              <a:schemeClr val="accent1"/>
+            </a:effectRef>
+            <a:fontRef idx="minor">
+              <a:schemeClr val="lt1"/>
+            </a:fontRef>
+          </p:style>
+          <p:txBody>
+            <a:bodyPr rtlCol="0" anchor="ctr"/>
+            <a:lstStyle/>
+            <a:p>
+              <a:pPr algn="ctr"/>
+              <a:endParaRPr lang="en-US"/>
+            </a:p>
+          </p:txBody>
+        </p:sp>
+        <p:sp>
+          <p:nvSpPr>
+            <p:cNvPr id="80" name="Isosceles Triangle 79"/>
+            <p:cNvSpPr/>
+            <p:nvPr/>
+          </p:nvSpPr>
+          <p:spPr>
+            <a:xfrm>
+              <a:off x="1861182" y="2936709"/>
+              <a:ext cx="113312" cy="113312"/>
+            </a:xfrm>
+            <a:prstGeom prst="triangle">
+              <a:avLst/>
+            </a:prstGeom>
+            <a:solidFill>
+              <a:schemeClr val="bg1"/>
+            </a:solidFill>
+            <a:ln>
+              <a:solidFill>
+                <a:schemeClr val="bg1"/>
+              </a:solidFill>
+            </a:ln>
+          </p:spPr>
+          <p:style>
+            <a:lnRef idx="2">
+              <a:schemeClr val="accent1">
+                <a:shade val="50000"/>
+              </a:schemeClr>
+            </a:lnRef>
+            <a:fillRef idx="1">
+              <a:schemeClr val="accent1"/>
+            </a:fillRef>
+            <a:effectRef idx="0">
+              <a:schemeClr val="accent1"/>
+            </a:effectRef>
+            <a:fontRef idx="minor">
+              <a:schemeClr val="lt1"/>
+            </a:fontRef>
+          </p:style>
+          <p:txBody>
+            <a:bodyPr rtlCol="0" anchor="ctr"/>
+            <a:lstStyle/>
+            <a:p>
+              <a:pPr algn="ctr"/>
+              <a:endParaRPr lang="en-US"/>
+            </a:p>
+          </p:txBody>
+        </p:sp>
+        <p:sp>
+          <p:nvSpPr>
+            <p:cNvPr id="81" name="Rectangle 80"/>
+            <p:cNvSpPr/>
+            <p:nvPr/>
+          </p:nvSpPr>
+          <p:spPr>
+            <a:xfrm>
+              <a:off x="1250074" y="2362200"/>
+              <a:ext cx="838200" cy="838200"/>
+            </a:xfrm>
+            <a:prstGeom prst="rect">
+              <a:avLst/>
+            </a:prstGeom>
+            <a:noFill/>
+            <a:ln>
+              <a:noFill/>
+            </a:ln>
+          </p:spPr>
+          <p:style>
+            <a:lnRef idx="2">
+              <a:schemeClr val="accent1">
+                <a:shade val="50000"/>
+              </a:schemeClr>
+            </a:lnRef>
+            <a:fillRef idx="1">
+              <a:schemeClr val="accent1"/>
+            </a:fillRef>
+            <a:effectRef idx="0">
+              <a:schemeClr val="accent1"/>
+            </a:effectRef>
+            <a:fontRef idx="minor">
+              <a:schemeClr val="lt1"/>
+            </a:fontRef>
+          </p:style>
+          <p:txBody>
+            <a:bodyPr rtlCol="0" anchor="ctr"/>
+            <a:lstStyle/>
+            <a:p>
+              <a:pPr algn="ctr"/>
+              <a:endParaRPr lang="en-SG"/>
+            </a:p>
+          </p:txBody>
+        </p:sp>
+        <p:sp>
+          <p:nvSpPr>
+            <p:cNvPr id="82" name="Flowchart: Connector 81"/>
+            <p:cNvSpPr>
+              <a:spLocks noChangeAspect="1"/>
+            </p:cNvSpPr>
+            <p:nvPr/>
+          </p:nvSpPr>
+          <p:spPr>
+            <a:xfrm>
+              <a:off x="1658902" y="2366530"/>
+              <a:ext cx="420924" cy="420924"/>
+            </a:xfrm>
+            <a:prstGeom prst="flowChartConnector">
+              <a:avLst/>
+            </a:prstGeom>
+            <a:solidFill>
+              <a:schemeClr val="bg1"/>
+            </a:solidFill>
+            <a:ln>
+              <a:solidFill>
+                <a:schemeClr val="bg1"/>
+              </a:solidFill>
+            </a:ln>
+          </p:spPr>
+          <p:style>
+            <a:lnRef idx="2">
+              <a:schemeClr val="accent1">
+                <a:shade val="50000"/>
+              </a:schemeClr>
+            </a:lnRef>
+            <a:fillRef idx="1">
+              <a:schemeClr val="accent1"/>
+            </a:fillRef>
+            <a:effectRef idx="0">
+              <a:schemeClr val="accent1"/>
+            </a:effectRef>
+            <a:fontRef idx="minor">
+              <a:schemeClr val="lt1"/>
+            </a:fontRef>
+          </p:style>
+          <p:txBody>
+            <a:bodyPr wrap="none" lIns="0" tIns="0" rIns="0" bIns="0" rtlCol="0" anchor="ctr"/>
+            <a:lstStyle/>
+            <a:p>
+              <a:pPr algn="ctr"/>
+              <a:endParaRPr lang="en-SG" b="1" dirty="0"/>
+            </a:p>
+          </p:txBody>
+        </p:sp>
+        <p:sp>
+          <p:nvSpPr>
+            <p:cNvPr id="17" name="Arc 16"/>
+            <p:cNvSpPr>
+              <a:spLocks noChangeAspect="1"/>
+            </p:cNvSpPr>
+            <p:nvPr/>
+          </p:nvSpPr>
+          <p:spPr>
+            <a:xfrm>
+              <a:off x="1718359" y="2460398"/>
+              <a:ext cx="269264" cy="269264"/>
+            </a:xfrm>
+            <a:prstGeom prst="arc">
+              <a:avLst>
+                <a:gd name="adj1" fmla="val 372342"/>
+                <a:gd name="adj2" fmla="val 16582742"/>
+              </a:avLst>
+            </a:prstGeom>
+            <a:ln w="76200" cap="sq">
+              <a:solidFill>
+                <a:srgbClr val="0070C0"/>
+              </a:solidFill>
+              <a:headEnd type="none" w="med" len="med"/>
+              <a:tailEnd type="none" w="med" len="med"/>
+            </a:ln>
+          </p:spPr>
+          <p:style>
+            <a:lnRef idx="1">
+              <a:schemeClr val="accent1"/>
+            </a:lnRef>
+            <a:fillRef idx="0">
+              <a:schemeClr val="accent1"/>
+            </a:fillRef>
+            <a:effectRef idx="0">
+              <a:schemeClr val="accent1"/>
+            </a:effectRef>
+            <a:fontRef idx="minor">
+              <a:schemeClr val="tx1"/>
+            </a:fontRef>
+          </p:style>
+          <p:txBody>
+            <a:bodyPr rtlCol="0" anchor="ctr"/>
+            <a:lstStyle/>
+            <a:p>
+              <a:pPr algn="ctr"/>
+              <a:endParaRPr lang="en-SG"/>
+            </a:p>
+          </p:txBody>
+        </p:sp>
+        <p:sp>
+          <p:nvSpPr>
+            <p:cNvPr id="3" name="Isosceles Triangle 2"/>
+            <p:cNvSpPr/>
+            <p:nvPr/>
+          </p:nvSpPr>
+          <p:spPr>
+            <a:xfrm>
+              <a:off x="1884373" y="2508774"/>
+              <a:ext cx="187446" cy="111564"/>
+            </a:xfrm>
+            <a:prstGeom prst="triangle">
+              <a:avLst/>
+            </a:prstGeom>
+            <a:solidFill>
+              <a:srgbClr val="0070C0"/>
+            </a:solidFill>
+            <a:ln>
+              <a:noFill/>
+            </a:ln>
+          </p:spPr>
+          <p:style>
+            <a:lnRef idx="2">
+              <a:schemeClr val="accent1">
+                <a:shade val="50000"/>
+              </a:schemeClr>
+            </a:lnRef>
+            <a:fillRef idx="1">
+              <a:schemeClr val="accent1"/>
+            </a:fillRef>
+            <a:effectRef idx="0">
+              <a:schemeClr val="accent1"/>
+            </a:effectRef>
+            <a:fontRef idx="minor">
+              <a:schemeClr val="lt1"/>
+            </a:fontRef>
+          </p:style>
+          <p:txBody>
+            <a:bodyPr rtlCol="0" anchor="ctr"/>
+            <a:lstStyle/>
+            <a:p>
+              <a:pPr algn="ctr"/>
+              <a:endParaRPr lang="en-SG"/>
+            </a:p>
+          </p:txBody>
+        </p:sp>
+      </p:grpSp>
     </p:spTree>
     <p:extLst>
       <p:ext uri="{BB962C8B-B14F-4D97-AF65-F5344CB8AC3E}">
